--- a/PLPTH813Bioinformatis/2023/labs/lab01_Excel_regex_vi.pptx
+++ b/PLPTH813Bioinformatis/2023/labs/lab01_Excel_regex_vi.pptx
@@ -232,7 +232,7 @@
           <a:p>
             <a:fld id="{08E6E0A8-E17C-C949-B17E-7A1A6494483A}" type="datetimeFigureOut">
               <a:rPr lang="en-US" smtClean="0"/>
-              <a:t>2/4/21</a:t>
+              <a:t>1/16/23</a:t>
             </a:fld>
             <a:endParaRPr lang="en-US"/>
           </a:p>
@@ -771,7 +771,7 @@
           <a:p>
             <a:fld id="{42B8B0BE-C8D7-EB48-AD68-71DB5002F24B}" type="datetimeFigureOut">
               <a:rPr lang="en-US" smtClean="0"/>
-              <a:t>2/4/21</a:t>
+              <a:t>1/16/23</a:t>
             </a:fld>
             <a:endParaRPr lang="en-US"/>
           </a:p>
@@ -939,7 +939,7 @@
           <a:p>
             <a:fld id="{42B8B0BE-C8D7-EB48-AD68-71DB5002F24B}" type="datetimeFigureOut">
               <a:rPr lang="en-US" smtClean="0"/>
-              <a:t>2/4/21</a:t>
+              <a:t>1/16/23</a:t>
             </a:fld>
             <a:endParaRPr lang="en-US"/>
           </a:p>
@@ -1117,7 +1117,7 @@
           <a:p>
             <a:fld id="{42B8B0BE-C8D7-EB48-AD68-71DB5002F24B}" type="datetimeFigureOut">
               <a:rPr lang="en-US" smtClean="0"/>
-              <a:t>2/4/21</a:t>
+              <a:t>1/16/23</a:t>
             </a:fld>
             <a:endParaRPr lang="en-US"/>
           </a:p>
@@ -1285,7 +1285,7 @@
           <a:p>
             <a:fld id="{42B8B0BE-C8D7-EB48-AD68-71DB5002F24B}" type="datetimeFigureOut">
               <a:rPr lang="en-US" smtClean="0"/>
-              <a:t>2/4/21</a:t>
+              <a:t>1/16/23</a:t>
             </a:fld>
             <a:endParaRPr lang="en-US"/>
           </a:p>
@@ -1530,7 +1530,7 @@
           <a:p>
             <a:fld id="{42B8B0BE-C8D7-EB48-AD68-71DB5002F24B}" type="datetimeFigureOut">
               <a:rPr lang="en-US" smtClean="0"/>
-              <a:t>2/4/21</a:t>
+              <a:t>1/16/23</a:t>
             </a:fld>
             <a:endParaRPr lang="en-US"/>
           </a:p>
@@ -1815,7 +1815,7 @@
           <a:p>
             <a:fld id="{42B8B0BE-C8D7-EB48-AD68-71DB5002F24B}" type="datetimeFigureOut">
               <a:rPr lang="en-US" smtClean="0"/>
-              <a:t>2/4/21</a:t>
+              <a:t>1/16/23</a:t>
             </a:fld>
             <a:endParaRPr lang="en-US"/>
           </a:p>
@@ -2234,7 +2234,7 @@
           <a:p>
             <a:fld id="{42B8B0BE-C8D7-EB48-AD68-71DB5002F24B}" type="datetimeFigureOut">
               <a:rPr lang="en-US" smtClean="0"/>
-              <a:t>2/4/21</a:t>
+              <a:t>1/16/23</a:t>
             </a:fld>
             <a:endParaRPr lang="en-US"/>
           </a:p>
@@ -2351,7 +2351,7 @@
           <a:p>
             <a:fld id="{42B8B0BE-C8D7-EB48-AD68-71DB5002F24B}" type="datetimeFigureOut">
               <a:rPr lang="en-US" smtClean="0"/>
-              <a:t>2/4/21</a:t>
+              <a:t>1/16/23</a:t>
             </a:fld>
             <a:endParaRPr lang="en-US"/>
           </a:p>
@@ -2446,7 +2446,7 @@
           <a:p>
             <a:fld id="{42B8B0BE-C8D7-EB48-AD68-71DB5002F24B}" type="datetimeFigureOut">
               <a:rPr lang="en-US" smtClean="0"/>
-              <a:t>2/4/21</a:t>
+              <a:t>1/16/23</a:t>
             </a:fld>
             <a:endParaRPr lang="en-US"/>
           </a:p>
@@ -2721,7 +2721,7 @@
           <a:p>
             <a:fld id="{42B8B0BE-C8D7-EB48-AD68-71DB5002F24B}" type="datetimeFigureOut">
               <a:rPr lang="en-US" smtClean="0"/>
-              <a:t>2/4/21</a:t>
+              <a:t>1/16/23</a:t>
             </a:fld>
             <a:endParaRPr lang="en-US"/>
           </a:p>
@@ -2973,7 +2973,7 @@
           <a:p>
             <a:fld id="{42B8B0BE-C8D7-EB48-AD68-71DB5002F24B}" type="datetimeFigureOut">
               <a:rPr lang="en-US" smtClean="0"/>
-              <a:t>2/4/21</a:t>
+              <a:t>1/16/23</a:t>
             </a:fld>
             <a:endParaRPr lang="en-US"/>
           </a:p>
@@ -3184,7 +3184,7 @@
           <a:p>
             <a:fld id="{42B8B0BE-C8D7-EB48-AD68-71DB5002F24B}" type="datetimeFigureOut">
               <a:rPr lang="en-US" smtClean="0"/>
-              <a:t>2/4/21</a:t>
+              <a:t>1/16/23</a:t>
             </a:fld>
             <a:endParaRPr lang="en-US"/>
           </a:p>
@@ -3639,7 +3639,7 @@
           <a:p>
             <a:r>
               <a:rPr lang="en-US" sz="2800" dirty="0"/>
-              <a:t>1/28/2021</a:t>
+              <a:t>1/19/2023</a:t>
             </a:r>
           </a:p>
         </p:txBody>
@@ -6564,8 +6564,8 @@
         </p:nvSpPr>
         <p:spPr>
           <a:xfrm>
-            <a:off x="1379267" y="2007751"/>
-            <a:ext cx="6385466" cy="2308324"/>
+            <a:off x="1288956" y="2153820"/>
+            <a:ext cx="6964022" cy="2062103"/>
           </a:xfrm>
           <a:prstGeom prst="rect">
             <a:avLst/>
@@ -6579,47 +6579,47 @@
           <a:lstStyle/>
           <a:p>
             <a:r>
-              <a:rPr lang="en-US" sz="3600" dirty="0" err="1"/>
+              <a:rPr lang="en-US" sz="3200" dirty="0" err="1"/>
               <a:t>ssh</a:t>
             </a:r>
             <a:r>
-              <a:rPr lang="en-US" sz="3600" dirty="0"/>
+              <a:rPr lang="en-US" sz="3200" dirty="0"/>
               <a:t> -l &lt;</a:t>
             </a:r>
             <a:r>
-              <a:rPr lang="en-US" sz="3600" dirty="0" err="1"/>
+              <a:rPr lang="en-US" sz="3200" dirty="0" err="1"/>
               <a:t>eid</a:t>
             </a:r>
             <a:r>
-              <a:rPr lang="en-US" sz="3600" dirty="0"/>
+              <a:rPr lang="en-US" sz="3200" dirty="0"/>
               <a:t>&gt; </a:t>
             </a:r>
             <a:r>
-              <a:rPr lang="en-US" sz="3600" dirty="0" err="1"/>
-              <a:t>beocat.cis.ksu.edu</a:t>
-            </a:r>
-            <a:endParaRPr lang="en-US" sz="3600" dirty="0"/>
-          </a:p>
-          <a:p>
-            <a:endParaRPr lang="en-US" sz="3600" dirty="0"/>
-          </a:p>
-          <a:p>
-            <a:r>
-              <a:rPr lang="en-US" sz="3600" dirty="0"/>
+              <a:rPr lang="en-US" sz="3200" dirty="0" err="1"/>
+              <a:t>headnode.beocat.ksu.edu</a:t>
+            </a:r>
+            <a:endParaRPr lang="en-US" sz="3200" dirty="0"/>
+          </a:p>
+          <a:p>
+            <a:endParaRPr lang="en-US" sz="3200" dirty="0"/>
+          </a:p>
+          <a:p>
+            <a:r>
+              <a:rPr lang="en-US" sz="3200" dirty="0"/>
               <a:t>e.g.,</a:t>
             </a:r>
           </a:p>
           <a:p>
             <a:r>
-              <a:rPr lang="en-US" sz="3600" dirty="0" err="1"/>
+              <a:rPr lang="en-US" sz="3200" dirty="0" err="1"/>
               <a:t>ssh</a:t>
             </a:r>
             <a:r>
-              <a:rPr lang="en-US" sz="3600" dirty="0"/>
+              <a:rPr lang="en-US" sz="3200" dirty="0"/>
               <a:t> -l </a:t>
             </a:r>
             <a:r>
-              <a:rPr lang="en-US" sz="3600" dirty="0">
+              <a:rPr lang="en-US" sz="3200" dirty="0">
                 <a:highlight>
                   <a:srgbClr val="FFFF00"/>
                 </a:highlight>
@@ -6627,14 +6627,14 @@
               <a:t>liu3zhen</a:t>
             </a:r>
             <a:r>
-              <a:rPr lang="en-US" sz="3600" dirty="0"/>
+              <a:rPr lang="en-US" sz="3200" dirty="0"/>
               <a:t> </a:t>
             </a:r>
             <a:r>
-              <a:rPr lang="en-US" sz="3600" dirty="0" err="1"/>
-              <a:t>beocat.cis.ksu.edu</a:t>
-            </a:r>
-            <a:endParaRPr lang="en-US" sz="3600" dirty="0"/>
+              <a:rPr lang="en-US" sz="3200" dirty="0" err="1"/>
+              <a:t>headnode.beocat.ksu.edu</a:t>
+            </a:r>
+            <a:endParaRPr lang="en-US" sz="3200" dirty="0"/>
           </a:p>
         </p:txBody>
       </p:sp>

--- a/PLPTH813Bioinformatis/2023/labs/lab01_Excel_regex_vi.pptx
+++ b/PLPTH813Bioinformatis/2023/labs/lab01_Excel_regex_vi.pptx
@@ -232,7 +232,7 @@
           <a:p>
             <a:fld id="{08E6E0A8-E17C-C949-B17E-7A1A6494483A}" type="datetimeFigureOut">
               <a:rPr lang="en-US" smtClean="0"/>
-              <a:t>1/16/23</a:t>
+              <a:t>1/18/23</a:t>
             </a:fld>
             <a:endParaRPr lang="en-US"/>
           </a:p>
@@ -771,7 +771,7 @@
           <a:p>
             <a:fld id="{42B8B0BE-C8D7-EB48-AD68-71DB5002F24B}" type="datetimeFigureOut">
               <a:rPr lang="en-US" smtClean="0"/>
-              <a:t>1/16/23</a:t>
+              <a:t>1/18/23</a:t>
             </a:fld>
             <a:endParaRPr lang="en-US"/>
           </a:p>
@@ -939,7 +939,7 @@
           <a:p>
             <a:fld id="{42B8B0BE-C8D7-EB48-AD68-71DB5002F24B}" type="datetimeFigureOut">
               <a:rPr lang="en-US" smtClean="0"/>
-              <a:t>1/16/23</a:t>
+              <a:t>1/18/23</a:t>
             </a:fld>
             <a:endParaRPr lang="en-US"/>
           </a:p>
@@ -1117,7 +1117,7 @@
           <a:p>
             <a:fld id="{42B8B0BE-C8D7-EB48-AD68-71DB5002F24B}" type="datetimeFigureOut">
               <a:rPr lang="en-US" smtClean="0"/>
-              <a:t>1/16/23</a:t>
+              <a:t>1/18/23</a:t>
             </a:fld>
             <a:endParaRPr lang="en-US"/>
           </a:p>
@@ -1285,7 +1285,7 @@
           <a:p>
             <a:fld id="{42B8B0BE-C8D7-EB48-AD68-71DB5002F24B}" type="datetimeFigureOut">
               <a:rPr lang="en-US" smtClean="0"/>
-              <a:t>1/16/23</a:t>
+              <a:t>1/18/23</a:t>
             </a:fld>
             <a:endParaRPr lang="en-US"/>
           </a:p>
@@ -1530,7 +1530,7 @@
           <a:p>
             <a:fld id="{42B8B0BE-C8D7-EB48-AD68-71DB5002F24B}" type="datetimeFigureOut">
               <a:rPr lang="en-US" smtClean="0"/>
-              <a:t>1/16/23</a:t>
+              <a:t>1/18/23</a:t>
             </a:fld>
             <a:endParaRPr lang="en-US"/>
           </a:p>
@@ -1815,7 +1815,7 @@
           <a:p>
             <a:fld id="{42B8B0BE-C8D7-EB48-AD68-71DB5002F24B}" type="datetimeFigureOut">
               <a:rPr lang="en-US" smtClean="0"/>
-              <a:t>1/16/23</a:t>
+              <a:t>1/18/23</a:t>
             </a:fld>
             <a:endParaRPr lang="en-US"/>
           </a:p>
@@ -2234,7 +2234,7 @@
           <a:p>
             <a:fld id="{42B8B0BE-C8D7-EB48-AD68-71DB5002F24B}" type="datetimeFigureOut">
               <a:rPr lang="en-US" smtClean="0"/>
-              <a:t>1/16/23</a:t>
+              <a:t>1/18/23</a:t>
             </a:fld>
             <a:endParaRPr lang="en-US"/>
           </a:p>
@@ -2351,7 +2351,7 @@
           <a:p>
             <a:fld id="{42B8B0BE-C8D7-EB48-AD68-71DB5002F24B}" type="datetimeFigureOut">
               <a:rPr lang="en-US" smtClean="0"/>
-              <a:t>1/16/23</a:t>
+              <a:t>1/18/23</a:t>
             </a:fld>
             <a:endParaRPr lang="en-US"/>
           </a:p>
@@ -2446,7 +2446,7 @@
           <a:p>
             <a:fld id="{42B8B0BE-C8D7-EB48-AD68-71DB5002F24B}" type="datetimeFigureOut">
               <a:rPr lang="en-US" smtClean="0"/>
-              <a:t>1/16/23</a:t>
+              <a:t>1/18/23</a:t>
             </a:fld>
             <a:endParaRPr lang="en-US"/>
           </a:p>
@@ -2721,7 +2721,7 @@
           <a:p>
             <a:fld id="{42B8B0BE-C8D7-EB48-AD68-71DB5002F24B}" type="datetimeFigureOut">
               <a:rPr lang="en-US" smtClean="0"/>
-              <a:t>1/16/23</a:t>
+              <a:t>1/18/23</a:t>
             </a:fld>
             <a:endParaRPr lang="en-US"/>
           </a:p>
@@ -2973,7 +2973,7 @@
           <a:p>
             <a:fld id="{42B8B0BE-C8D7-EB48-AD68-71DB5002F24B}" type="datetimeFigureOut">
               <a:rPr lang="en-US" smtClean="0"/>
-              <a:t>1/16/23</a:t>
+              <a:t>1/18/23</a:t>
             </a:fld>
             <a:endParaRPr lang="en-US"/>
           </a:p>
@@ -3184,7 +3184,7 @@
           <a:p>
             <a:fld id="{42B8B0BE-C8D7-EB48-AD68-71DB5002F24B}" type="datetimeFigureOut">
               <a:rPr lang="en-US" smtClean="0"/>
-              <a:t>1/16/23</a:t>
+              <a:t>1/18/23</a:t>
             </a:fld>
             <a:endParaRPr lang="en-US"/>
           </a:p>
@@ -12541,98 +12541,77 @@
           <p:nvPr>
             <p:extLst>
               <p:ext uri="{D42A27DB-BD31-4B8C-83A1-F6EECF244321}">
-                <p14:modId xmlns:p14="http://schemas.microsoft.com/office/powerpoint/2010/main" val="1837720850"/>
+                <p14:modId xmlns:p14="http://schemas.microsoft.com/office/powerpoint/2010/main" val="2447721139"/>
               </p:ext>
             </p:extLst>
           </p:nvPr>
         </p:nvGraphicFramePr>
         <p:xfrm>
-          <a:off x="457200" y="1762724"/>
-          <a:ext cx="8229598" cy="1759044"/>
+          <a:off x="409221" y="1842913"/>
+          <a:ext cx="8325557" cy="3172174"/>
         </p:xfrm>
         <a:graphic>
           <a:graphicData uri="http://schemas.openxmlformats.org/drawingml/2006/table">
             <a:tbl>
               <a:tblPr/>
               <a:tblGrid>
-                <a:gridCol w="433633">
+                <a:gridCol w="598399">
                   <a:extLst>
                     <a:ext uri="{9D8B030D-6E8A-4147-A177-3AD203B41FA5}">
                       <a16:colId xmlns:a16="http://schemas.microsoft.com/office/drawing/2014/main" val="20000"/>
                     </a:ext>
                   </a:extLst>
                 </a:gridCol>
-                <a:gridCol w="612742">
+                <a:gridCol w="845564">
                   <a:extLst>
                     <a:ext uri="{9D8B030D-6E8A-4147-A177-3AD203B41FA5}">
                       <a16:colId xmlns:a16="http://schemas.microsoft.com/office/drawing/2014/main" val="20001"/>
                     </a:ext>
                   </a:extLst>
                 </a:gridCol>
-                <a:gridCol w="603315">
-                  <a:extLst>
-                    <a:ext uri="{9D8B030D-6E8A-4147-A177-3AD203B41FA5}">
-                      <a16:colId xmlns:a16="http://schemas.microsoft.com/office/drawing/2014/main" val="20002"/>
-                    </a:ext>
-                  </a:extLst>
-                </a:gridCol>
-                <a:gridCol w="424206">
+                <a:gridCol w="585391">
                   <a:extLst>
                     <a:ext uri="{9D8B030D-6E8A-4147-A177-3AD203B41FA5}">
                       <a16:colId xmlns:a16="http://schemas.microsoft.com/office/drawing/2014/main" val="20003"/>
                     </a:ext>
                   </a:extLst>
                 </a:gridCol>
-                <a:gridCol w="735291">
+                <a:gridCol w="1014677">
                   <a:extLst>
                     <a:ext uri="{9D8B030D-6E8A-4147-A177-3AD203B41FA5}">
                       <a16:colId xmlns:a16="http://schemas.microsoft.com/office/drawing/2014/main" val="20004"/>
                     </a:ext>
                   </a:extLst>
                 </a:gridCol>
-                <a:gridCol w="697583">
-                  <a:extLst>
-                    <a:ext uri="{9D8B030D-6E8A-4147-A177-3AD203B41FA5}">
-                      <a16:colId xmlns:a16="http://schemas.microsoft.com/office/drawing/2014/main" val="20005"/>
-                    </a:ext>
-                  </a:extLst>
-                </a:gridCol>
-                <a:gridCol w="895546">
-                  <a:extLst>
-                    <a:ext uri="{9D8B030D-6E8A-4147-A177-3AD203B41FA5}">
-                      <a16:colId xmlns:a16="http://schemas.microsoft.com/office/drawing/2014/main" val="20006"/>
-                    </a:ext>
-                  </a:extLst>
-                </a:gridCol>
-                <a:gridCol w="725864">
+                <a:gridCol w="1001669">
                   <a:extLst>
                     <a:ext uri="{9D8B030D-6E8A-4147-A177-3AD203B41FA5}">
                       <a16:colId xmlns:a16="http://schemas.microsoft.com/office/drawing/2014/main" val="20007"/>
                     </a:ext>
                   </a:extLst>
                 </a:gridCol>
-                <a:gridCol w="697583">
+                <a:gridCol w="962642">
                   <a:extLst>
                     <a:ext uri="{9D8B030D-6E8A-4147-A177-3AD203B41FA5}">
                       <a16:colId xmlns:a16="http://schemas.microsoft.com/office/drawing/2014/main" val="20008"/>
                     </a:ext>
                   </a:extLst>
                 </a:gridCol>
-                <a:gridCol w="320511">
+                <a:gridCol w="442295">
                   <a:extLst>
                     <a:ext uri="{9D8B030D-6E8A-4147-A177-3AD203B41FA5}">
                       <a16:colId xmlns:a16="http://schemas.microsoft.com/office/drawing/2014/main" val="20009"/>
                     </a:ext>
                   </a:extLst>
                 </a:gridCol>
-                <a:gridCol w="1489435">
+                <a:gridCol w="2055373">
                   <a:extLst>
                     <a:ext uri="{9D8B030D-6E8A-4147-A177-3AD203B41FA5}">
                       <a16:colId xmlns:a16="http://schemas.microsoft.com/office/drawing/2014/main" val="20010"/>
                     </a:ext>
                   </a:extLst>
                 </a:gridCol>
-                <a:gridCol w="593889">
+                <a:gridCol w="819547">
                   <a:extLst>
                     <a:ext uri="{9D8B030D-6E8A-4147-A177-3AD203B41FA5}">
                       <a16:colId xmlns:a16="http://schemas.microsoft.com/office/drawing/2014/main" val="20011"/>
@@ -12640,7 +12619,7 @@
                   </a:extLst>
                 </a:gridCol>
               </a:tblGrid>
-              <a:tr h="145173">
+              <a:tr h="295443">
                 <a:tc>
                   <a:txBody>
                     <a:bodyPr/>
@@ -12648,7 +12627,7 @@
                     <a:p>
                       <a:pPr algn="ctr" fontAlgn="b"/>
                       <a:r>
-                        <a:rPr lang="en-US" sz="900" b="0" i="0" u="none" strike="noStrike">
+                        <a:rPr lang="en-US" sz="1200" b="0" i="0" u="none" strike="noStrike" dirty="0">
                           <a:solidFill>
                             <a:srgbClr val="000000"/>
                           </a:solidFill>
@@ -12681,7 +12660,7 @@
                     <a:p>
                       <a:pPr algn="ctr" fontAlgn="b"/>
                       <a:r>
-                        <a:rPr lang="en-US" sz="900" b="0" i="0" u="none" strike="noStrike">
+                        <a:rPr lang="en-US" sz="1200" b="0" i="0" u="none" strike="noStrike" dirty="0">
                           <a:solidFill>
                             <a:srgbClr val="000000"/>
                           </a:solidFill>
@@ -12714,40 +12693,7 @@
                     <a:p>
                       <a:pPr algn="ctr" fontAlgn="b"/>
                       <a:r>
-                        <a:rPr lang="en-US" sz="900" b="0" i="0" u="none" strike="noStrike">
-                          <a:solidFill>
-                            <a:srgbClr val="000000"/>
-                          </a:solidFill>
-                          <a:effectLst/>
-                          <a:latin typeface="Calibri"/>
-                        </a:rPr>
-                        <a:t>sex</a:t>
-                      </a:r>
-                    </a:p>
-                  </a:txBody>
-                  <a:tcPr marL="9427" marR="9427" marT="9427" marB="0" anchor="b">
-                    <a:lnL>
-                      <a:noFill/>
-                    </a:lnL>
-                    <a:lnR>
-                      <a:noFill/>
-                    </a:lnR>
-                    <a:lnT>
-                      <a:noFill/>
-                    </a:lnT>
-                    <a:lnB>
-                      <a:noFill/>
-                    </a:lnB>
-                  </a:tcPr>
-                </a:tc>
-                <a:tc>
-                  <a:txBody>
-                    <a:bodyPr/>
-                    <a:lstStyle/>
-                    <a:p>
-                      <a:pPr algn="ctr" fontAlgn="b"/>
-                      <a:r>
-                        <a:rPr lang="en-US" sz="900" b="0" i="0" u="none" strike="noStrike">
+                        <a:rPr lang="en-US" sz="1200" b="0" i="0" u="none" strike="noStrike" dirty="0">
                           <a:solidFill>
                             <a:srgbClr val="000000"/>
                           </a:solidFill>
@@ -12786,7 +12732,7 @@
                     <a:p>
                       <a:pPr algn="ctr" fontAlgn="b"/>
                       <a:r>
-                        <a:rPr lang="en-US" sz="900" b="1" i="0" u="none" strike="noStrike">
+                        <a:rPr lang="en-US" sz="1200" b="1" i="0" u="none" strike="noStrike" dirty="0">
                           <a:solidFill>
                             <a:srgbClr val="000000"/>
                           </a:solidFill>
@@ -12846,127 +12792,7 @@
                     <a:p>
                       <a:pPr algn="ctr" fontAlgn="b"/>
                       <a:r>
-                        <a:rPr lang="en-US" sz="900" b="1" i="0" u="none" strike="noStrike">
-                          <a:solidFill>
-                            <a:srgbClr val="000000"/>
-                          </a:solidFill>
-                          <a:effectLst/>
-                          <a:latin typeface="Calibri"/>
-                        </a:rPr>
-                        <a:t>Male tips</a:t>
-                      </a:r>
-                    </a:p>
-                  </a:txBody>
-                  <a:tcPr marL="9427" marR="9427" marT="9427" marB="0" anchor="b">
-                    <a:lnL w="6350" cap="flat" cmpd="sng" algn="ctr">
-                      <a:solidFill>
-                        <a:srgbClr val="000000"/>
-                      </a:solidFill>
-                      <a:prstDash val="solid"/>
-                      <a:round/>
-                      <a:headEnd type="none" w="med" len="med"/>
-                      <a:tailEnd type="none" w="med" len="med"/>
-                    </a:lnL>
-                    <a:lnR w="6350" cap="flat" cmpd="sng" algn="ctr">
-                      <a:solidFill>
-                        <a:srgbClr val="000000"/>
-                      </a:solidFill>
-                      <a:prstDash val="solid"/>
-                      <a:round/>
-                      <a:headEnd type="none" w="med" len="med"/>
-                      <a:tailEnd type="none" w="med" len="med"/>
-                    </a:lnR>
-                    <a:lnT w="6350" cap="flat" cmpd="sng" algn="ctr">
-                      <a:solidFill>
-                        <a:srgbClr val="000000"/>
-                      </a:solidFill>
-                      <a:prstDash val="solid"/>
-                      <a:round/>
-                      <a:headEnd type="none" w="med" len="med"/>
-                      <a:tailEnd type="none" w="med" len="med"/>
-                    </a:lnT>
-                    <a:lnB w="6350" cap="flat" cmpd="sng" algn="ctr">
-                      <a:solidFill>
-                        <a:srgbClr val="000000"/>
-                      </a:solidFill>
-                      <a:prstDash val="solid"/>
-                      <a:round/>
-                      <a:headEnd type="none" w="med" len="med"/>
-                      <a:tailEnd type="none" w="med" len="med"/>
-                    </a:lnB>
-                    <a:solidFill>
-                      <a:srgbClr val="EBF1DE"/>
-                    </a:solidFill>
-                  </a:tcPr>
-                </a:tc>
-                <a:tc>
-                  <a:txBody>
-                    <a:bodyPr/>
-                    <a:lstStyle/>
-                    <a:p>
-                      <a:pPr algn="ctr" fontAlgn="b"/>
-                      <a:r>
-                        <a:rPr lang="en-US" sz="900" b="1" i="0" u="none" strike="noStrike">
-                          <a:solidFill>
-                            <a:srgbClr val="000000"/>
-                          </a:solidFill>
-                          <a:effectLst/>
-                          <a:latin typeface="Calibri"/>
-                        </a:rPr>
-                        <a:t>Female tips</a:t>
-                      </a:r>
-                    </a:p>
-                  </a:txBody>
-                  <a:tcPr marL="9427" marR="9427" marT="9427" marB="0" anchor="b">
-                    <a:lnL w="6350" cap="flat" cmpd="sng" algn="ctr">
-                      <a:solidFill>
-                        <a:srgbClr val="000000"/>
-                      </a:solidFill>
-                      <a:prstDash val="solid"/>
-                      <a:round/>
-                      <a:headEnd type="none" w="med" len="med"/>
-                      <a:tailEnd type="none" w="med" len="med"/>
-                    </a:lnL>
-                    <a:lnR w="6350" cap="flat" cmpd="sng" algn="ctr">
-                      <a:solidFill>
-                        <a:srgbClr val="000000"/>
-                      </a:solidFill>
-                      <a:prstDash val="solid"/>
-                      <a:round/>
-                      <a:headEnd type="none" w="med" len="med"/>
-                      <a:tailEnd type="none" w="med" len="med"/>
-                    </a:lnR>
-                    <a:lnT w="6350" cap="flat" cmpd="sng" algn="ctr">
-                      <a:solidFill>
-                        <a:srgbClr val="000000"/>
-                      </a:solidFill>
-                      <a:prstDash val="solid"/>
-                      <a:round/>
-                      <a:headEnd type="none" w="med" len="med"/>
-                      <a:tailEnd type="none" w="med" len="med"/>
-                    </a:lnT>
-                    <a:lnB w="6350" cap="flat" cmpd="sng" algn="ctr">
-                      <a:solidFill>
-                        <a:srgbClr val="000000"/>
-                      </a:solidFill>
-                      <a:prstDash val="solid"/>
-                      <a:round/>
-                      <a:headEnd type="none" w="med" len="med"/>
-                      <a:tailEnd type="none" w="med" len="med"/>
-                    </a:lnB>
-                    <a:solidFill>
-                      <a:srgbClr val="EBF1DE"/>
-                    </a:solidFill>
-                  </a:tcPr>
-                </a:tc>
-                <a:tc>
-                  <a:txBody>
-                    <a:bodyPr/>
-                    <a:lstStyle/>
-                    <a:p>
-                      <a:pPr algn="ctr" fontAlgn="b"/>
-                      <a:r>
-                        <a:rPr lang="en-US" sz="900" b="1" i="0" u="none" strike="noStrike">
+                        <a:rPr lang="en-US" sz="1200" b="1" i="0" u="none" strike="noStrike" dirty="0">
                           <a:solidFill>
                             <a:srgbClr val="000000"/>
                           </a:solidFill>
@@ -13026,7 +12852,7 @@
                     <a:p>
                       <a:pPr algn="ctr" fontAlgn="b"/>
                       <a:r>
-                        <a:rPr lang="en-US" sz="900" b="1" i="0" u="none" strike="noStrike">
+                        <a:rPr lang="en-US" sz="1200" b="1" i="0" u="none" strike="noStrike">
                           <a:solidFill>
                             <a:srgbClr val="000000"/>
                           </a:solidFill>
@@ -13086,7 +12912,7 @@
                     <a:p>
                       <a:pPr algn="ctr" fontAlgn="b"/>
                       <a:r>
-                        <a:rPr lang="en-US" sz="900" b="0" i="0" u="none" strike="noStrike">
+                        <a:rPr lang="en-US" sz="1200" b="0" i="0" u="none" strike="noStrike">
                           <a:solidFill>
                             <a:srgbClr val="000000"/>
                           </a:solidFill>
@@ -13132,9 +12958,9 @@
                     <a:bodyPr/>
                     <a:lstStyle/>
                     <a:p>
-                      <a:pPr algn="l" fontAlgn="b"/>
+                      <a:pPr algn="ctr" fontAlgn="b"/>
                       <a:r>
-                        <a:rPr lang="en-US" sz="900" b="1" i="0" u="none" strike="noStrike">
+                        <a:rPr lang="en-US" sz="1200" b="1" i="0" u="none" strike="noStrike">
                           <a:solidFill>
                             <a:srgbClr val="000000"/>
                           </a:solidFill>
@@ -13192,9 +13018,9 @@
                     <a:bodyPr/>
                     <a:lstStyle/>
                     <a:p>
-                      <a:pPr algn="l" fontAlgn="b"/>
+                      <a:pPr algn="ctr" fontAlgn="b"/>
                       <a:r>
-                        <a:rPr lang="en-US" sz="900" b="1" i="0" u="none" strike="noStrike">
+                        <a:rPr lang="en-US" sz="1200" b="1" i="0" u="none" strike="noStrike" dirty="0">
                           <a:solidFill>
                             <a:srgbClr val="000000"/>
                           </a:solidFill>
@@ -13253,7 +13079,7 @@
                   </a:ext>
                 </a:extLst>
               </a:tr>
-              <a:tr h="145173">
+              <a:tr h="261521">
                 <a:tc>
                   <a:txBody>
                     <a:bodyPr/>
@@ -13261,7 +13087,7 @@
                     <a:p>
                       <a:pPr algn="ctr" fontAlgn="b"/>
                       <a:r>
-                        <a:rPr lang="en-US" sz="900" b="0" i="0" u="none" strike="noStrike">
+                        <a:rPr lang="en-US" sz="1200" b="0" i="0" u="none" strike="noStrike">
                           <a:solidFill>
                             <a:srgbClr val="000000"/>
                           </a:solidFill>
@@ -13294,7 +13120,7 @@
                     <a:p>
                       <a:pPr algn="ctr" fontAlgn="b"/>
                       <a:r>
-                        <a:rPr lang="en-US" sz="900" b="0" i="0" u="none" strike="noStrike">
+                        <a:rPr lang="en-US" sz="1200" b="0" i="0" u="none" strike="noStrike">
                           <a:solidFill>
                             <a:srgbClr val="000000"/>
                           </a:solidFill>
@@ -13327,40 +13153,7 @@
                     <a:p>
                       <a:pPr algn="ctr" fontAlgn="b"/>
                       <a:r>
-                        <a:rPr lang="en-US" sz="900" b="0" i="0" u="none" strike="noStrike">
-                          <a:solidFill>
-                            <a:srgbClr val="000000"/>
-                          </a:solidFill>
-                          <a:effectLst/>
-                          <a:latin typeface="Calibri"/>
-                        </a:rPr>
-                        <a:t>Female</a:t>
-                      </a:r>
-                    </a:p>
-                  </a:txBody>
-                  <a:tcPr marL="9427" marR="9427" marT="9427" marB="0" anchor="b">
-                    <a:lnL>
-                      <a:noFill/>
-                    </a:lnL>
-                    <a:lnR>
-                      <a:noFill/>
-                    </a:lnR>
-                    <a:lnT>
-                      <a:noFill/>
-                    </a:lnT>
-                    <a:lnB>
-                      <a:noFill/>
-                    </a:lnB>
-                  </a:tcPr>
-                </a:tc>
-                <a:tc>
-                  <a:txBody>
-                    <a:bodyPr/>
-                    <a:lstStyle/>
-                    <a:p>
-                      <a:pPr algn="ctr" fontAlgn="b"/>
-                      <a:r>
-                        <a:rPr lang="en-US" sz="900" b="0" i="0" u="none" strike="noStrike">
+                        <a:rPr lang="en-US" sz="1200" b="0" i="0" u="none" strike="noStrike" dirty="0">
                           <a:solidFill>
                             <a:srgbClr val="000000"/>
                           </a:solidFill>
@@ -13399,7 +13192,7 @@
                     <a:p>
                       <a:pPr algn="ctr" fontAlgn="b"/>
                       <a:r>
-                        <a:rPr lang="en-US" sz="900" b="0" i="0" u="none" strike="noStrike">
+                        <a:rPr lang="en-US" sz="1200" b="0" i="0" u="none" strike="noStrike" dirty="0">
                           <a:solidFill>
                             <a:srgbClr val="000000"/>
                           </a:solidFill>
@@ -13459,7 +13252,67 @@
                     <a:p>
                       <a:pPr algn="ctr" fontAlgn="b"/>
                       <a:r>
-                        <a:rPr lang="en-US" sz="900" b="0" i="0" u="none" strike="noStrike">
+                        <a:rPr lang="en-US" sz="1200" b="0" i="0" u="none" strike="noStrike" dirty="0">
+                          <a:solidFill>
+                            <a:srgbClr val="000000"/>
+                          </a:solidFill>
+                          <a:effectLst/>
+                          <a:latin typeface="Calibri"/>
+                        </a:rPr>
+                        <a:t>0.06</a:t>
+                      </a:r>
+                    </a:p>
+                  </a:txBody>
+                  <a:tcPr marL="9427" marR="9427" marT="9427" marB="0" anchor="b">
+                    <a:lnL w="6350" cap="flat" cmpd="sng" algn="ctr">
+                      <a:solidFill>
+                        <a:srgbClr val="000000"/>
+                      </a:solidFill>
+                      <a:prstDash val="solid"/>
+                      <a:round/>
+                      <a:headEnd type="none" w="med" len="med"/>
+                      <a:tailEnd type="none" w="med" len="med"/>
+                    </a:lnL>
+                    <a:lnR w="6350" cap="flat" cmpd="sng" algn="ctr">
+                      <a:solidFill>
+                        <a:srgbClr val="000000"/>
+                      </a:solidFill>
+                      <a:prstDash val="solid"/>
+                      <a:round/>
+                      <a:headEnd type="none" w="med" len="med"/>
+                      <a:tailEnd type="none" w="med" len="med"/>
+                    </a:lnR>
+                    <a:lnT w="6350" cap="flat" cmpd="sng" algn="ctr">
+                      <a:solidFill>
+                        <a:srgbClr val="000000"/>
+                      </a:solidFill>
+                      <a:prstDash val="solid"/>
+                      <a:round/>
+                      <a:headEnd type="none" w="med" len="med"/>
+                      <a:tailEnd type="none" w="med" len="med"/>
+                    </a:lnT>
+                    <a:lnB w="6350" cap="flat" cmpd="sng" algn="ctr">
+                      <a:solidFill>
+                        <a:srgbClr val="000000"/>
+                      </a:solidFill>
+                      <a:prstDash val="solid"/>
+                      <a:round/>
+                      <a:headEnd type="none" w="med" len="med"/>
+                      <a:tailEnd type="none" w="med" len="med"/>
+                    </a:lnB>
+                    <a:solidFill>
+                      <a:srgbClr val="EBF1DE"/>
+                    </a:solidFill>
+                  </a:tcPr>
+                </a:tc>
+                <a:tc>
+                  <a:txBody>
+                    <a:bodyPr/>
+                    <a:lstStyle/>
+                    <a:p>
+                      <a:pPr algn="ctr" fontAlgn="b"/>
+                      <a:r>
+                        <a:rPr lang="en-US" sz="1200" b="0" i="0" u="none" strike="noStrike" dirty="0">
                           <a:solidFill>
                             <a:srgbClr val="000000"/>
                           </a:solidFill>
@@ -13519,127 +13372,7 @@
                     <a:p>
                       <a:pPr algn="ctr" fontAlgn="b"/>
                       <a:r>
-                        <a:rPr lang="en-US" sz="900" b="0" i="0" u="none" strike="noStrike">
-                          <a:solidFill>
-                            <a:srgbClr val="000000"/>
-                          </a:solidFill>
-                          <a:effectLst/>
-                          <a:latin typeface="Calibri"/>
-                        </a:rPr>
-                        <a:t>1.01</a:t>
-                      </a:r>
-                    </a:p>
-                  </a:txBody>
-                  <a:tcPr marL="9427" marR="9427" marT="9427" marB="0" anchor="b">
-                    <a:lnL w="6350" cap="flat" cmpd="sng" algn="ctr">
-                      <a:solidFill>
-                        <a:srgbClr val="000000"/>
-                      </a:solidFill>
-                      <a:prstDash val="solid"/>
-                      <a:round/>
-                      <a:headEnd type="none" w="med" len="med"/>
-                      <a:tailEnd type="none" w="med" len="med"/>
-                    </a:lnL>
-                    <a:lnR w="6350" cap="flat" cmpd="sng" algn="ctr">
-                      <a:solidFill>
-                        <a:srgbClr val="000000"/>
-                      </a:solidFill>
-                      <a:prstDash val="solid"/>
-                      <a:round/>
-                      <a:headEnd type="none" w="med" len="med"/>
-                      <a:tailEnd type="none" w="med" len="med"/>
-                    </a:lnR>
-                    <a:lnT w="6350" cap="flat" cmpd="sng" algn="ctr">
-                      <a:solidFill>
-                        <a:srgbClr val="000000"/>
-                      </a:solidFill>
-                      <a:prstDash val="solid"/>
-                      <a:round/>
-                      <a:headEnd type="none" w="med" len="med"/>
-                      <a:tailEnd type="none" w="med" len="med"/>
-                    </a:lnT>
-                    <a:lnB w="6350" cap="flat" cmpd="sng" algn="ctr">
-                      <a:solidFill>
-                        <a:srgbClr val="000000"/>
-                      </a:solidFill>
-                      <a:prstDash val="solid"/>
-                      <a:round/>
-                      <a:headEnd type="none" w="med" len="med"/>
-                      <a:tailEnd type="none" w="med" len="med"/>
-                    </a:lnB>
-                    <a:solidFill>
-                      <a:srgbClr val="EBF1DE"/>
-                    </a:solidFill>
-                  </a:tcPr>
-                </a:tc>
-                <a:tc>
-                  <a:txBody>
-                    <a:bodyPr/>
-                    <a:lstStyle/>
-                    <a:p>
-                      <a:pPr algn="ctr" fontAlgn="b"/>
-                      <a:r>
-                        <a:rPr lang="en-US" sz="900" b="0" i="0" u="none" strike="noStrike">
-                          <a:solidFill>
-                            <a:srgbClr val="000000"/>
-                          </a:solidFill>
-                          <a:effectLst/>
-                          <a:latin typeface="Calibri"/>
-                        </a:rPr>
-                        <a:t>0.06</a:t>
-                      </a:r>
-                    </a:p>
-                  </a:txBody>
-                  <a:tcPr marL="9427" marR="9427" marT="9427" marB="0" anchor="b">
-                    <a:lnL w="6350" cap="flat" cmpd="sng" algn="ctr">
-                      <a:solidFill>
-                        <a:srgbClr val="000000"/>
-                      </a:solidFill>
-                      <a:prstDash val="solid"/>
-                      <a:round/>
-                      <a:headEnd type="none" w="med" len="med"/>
-                      <a:tailEnd type="none" w="med" len="med"/>
-                    </a:lnL>
-                    <a:lnR w="6350" cap="flat" cmpd="sng" algn="ctr">
-                      <a:solidFill>
-                        <a:srgbClr val="000000"/>
-                      </a:solidFill>
-                      <a:prstDash val="solid"/>
-                      <a:round/>
-                      <a:headEnd type="none" w="med" len="med"/>
-                      <a:tailEnd type="none" w="med" len="med"/>
-                    </a:lnR>
-                    <a:lnT w="6350" cap="flat" cmpd="sng" algn="ctr">
-                      <a:solidFill>
-                        <a:srgbClr val="000000"/>
-                      </a:solidFill>
-                      <a:prstDash val="solid"/>
-                      <a:round/>
-                      <a:headEnd type="none" w="med" len="med"/>
-                      <a:tailEnd type="none" w="med" len="med"/>
-                    </a:lnT>
-                    <a:lnB w="6350" cap="flat" cmpd="sng" algn="ctr">
-                      <a:solidFill>
-                        <a:srgbClr val="000000"/>
-                      </a:solidFill>
-                      <a:prstDash val="solid"/>
-                      <a:round/>
-                      <a:headEnd type="none" w="med" len="med"/>
-                      <a:tailEnd type="none" w="med" len="med"/>
-                    </a:lnB>
-                    <a:solidFill>
-                      <a:srgbClr val="EBF1DE"/>
-                    </a:solidFill>
-                  </a:tcPr>
-                </a:tc>
-                <a:tc>
-                  <a:txBody>
-                    <a:bodyPr/>
-                    <a:lstStyle/>
-                    <a:p>
-                      <a:pPr algn="ctr" fontAlgn="b"/>
-                      <a:r>
-                        <a:rPr lang="en-US" sz="900" b="0" i="0" u="none" strike="noStrike">
+                        <a:rPr lang="en-US" sz="1200" b="0" i="0" u="none" strike="noStrike">
                           <a:solidFill>
                             <a:srgbClr val="000000"/>
                           </a:solidFill>
@@ -13669,6 +13402,54 @@
                       <a:headEnd type="none" w="med" len="med"/>
                       <a:tailEnd type="none" w="med" len="med"/>
                     </a:lnR>
+                    <a:lnT>
+                      <a:noFill/>
+                    </a:lnT>
+                    <a:lnB>
+                      <a:noFill/>
+                    </a:lnB>
+                    <a:solidFill>
+                      <a:srgbClr val="FFFFFF"/>
+                    </a:solidFill>
+                  </a:tcPr>
+                </a:tc>
+                <a:tc>
+                  <a:txBody>
+                    <a:bodyPr/>
+                    <a:lstStyle/>
+                    <a:p>
+                      <a:pPr algn="l" fontAlgn="b"/>
+                      <a:r>
+                        <a:rPr lang="en-US" sz="1200" b="0" i="0" u="none" strike="noStrike">
+                          <a:solidFill>
+                            <a:srgbClr val="000000"/>
+                          </a:solidFill>
+                          <a:effectLst/>
+                          <a:latin typeface="Calibri"/>
+                        </a:rPr>
+                        <a:t># of bill &gt; $30</a:t>
+                      </a:r>
+                    </a:p>
+                  </a:txBody>
+                  <a:tcPr marL="9427" marR="9427" marT="9427" marB="0" anchor="b">
+                    <a:lnL w="6350" cap="flat" cmpd="sng" algn="ctr">
+                      <a:solidFill>
+                        <a:srgbClr val="000000"/>
+                      </a:solidFill>
+                      <a:prstDash val="solid"/>
+                      <a:round/>
+                      <a:headEnd type="none" w="med" len="med"/>
+                      <a:tailEnd type="none" w="med" len="med"/>
+                    </a:lnL>
+                    <a:lnR w="6350" cap="flat" cmpd="sng" algn="ctr">
+                      <a:solidFill>
+                        <a:srgbClr val="000000"/>
+                      </a:solidFill>
+                      <a:prstDash val="solid"/>
+                      <a:round/>
+                      <a:headEnd type="none" w="med" len="med"/>
+                      <a:tailEnd type="none" w="med" len="med"/>
+                    </a:lnR>
                     <a:lnT w="6350" cap="flat" cmpd="sng" algn="ctr">
                       <a:solidFill>
                         <a:srgbClr val="000000"/>
@@ -13699,7 +13480,299 @@
                     <a:p>
                       <a:pPr algn="ctr" fontAlgn="b"/>
                       <a:r>
-                        <a:rPr lang="en-US" sz="900" b="0" i="0" u="none" strike="noStrike">
+                        <a:rPr lang="en-US" sz="1200" b="0" i="0" u="none" strike="noStrike" dirty="0">
+                          <a:solidFill>
+                            <a:srgbClr val="000000"/>
+                          </a:solidFill>
+                          <a:effectLst/>
+                          <a:latin typeface="Calibri"/>
+                        </a:rPr>
+                        <a:t>8</a:t>
+                      </a:r>
+                    </a:p>
+                  </a:txBody>
+                  <a:tcPr marL="9427" marR="9427" marT="9427" marB="0" anchor="b">
+                    <a:lnL w="6350" cap="flat" cmpd="sng" algn="ctr">
+                      <a:solidFill>
+                        <a:srgbClr val="000000"/>
+                      </a:solidFill>
+                      <a:prstDash val="solid"/>
+                      <a:round/>
+                      <a:headEnd type="none" w="med" len="med"/>
+                      <a:tailEnd type="none" w="med" len="med"/>
+                    </a:lnL>
+                    <a:lnR w="6350" cap="flat" cmpd="sng" algn="ctr">
+                      <a:solidFill>
+                        <a:srgbClr val="000000"/>
+                      </a:solidFill>
+                      <a:prstDash val="solid"/>
+                      <a:round/>
+                      <a:headEnd type="none" w="med" len="med"/>
+                      <a:tailEnd type="none" w="med" len="med"/>
+                    </a:lnR>
+                    <a:lnT w="6350" cap="flat" cmpd="sng" algn="ctr">
+                      <a:solidFill>
+                        <a:srgbClr val="000000"/>
+                      </a:solidFill>
+                      <a:prstDash val="solid"/>
+                      <a:round/>
+                      <a:headEnd type="none" w="med" len="med"/>
+                      <a:tailEnd type="none" w="med" len="med"/>
+                    </a:lnT>
+                    <a:lnB w="6350" cap="flat" cmpd="sng" algn="ctr">
+                      <a:solidFill>
+                        <a:srgbClr val="000000"/>
+                      </a:solidFill>
+                      <a:prstDash val="solid"/>
+                      <a:round/>
+                      <a:headEnd type="none" w="med" len="med"/>
+                      <a:tailEnd type="none" w="med" len="med"/>
+                    </a:lnB>
+                    <a:solidFill>
+                      <a:srgbClr val="EBF1DE"/>
+                    </a:solidFill>
+                  </a:tcPr>
+                </a:tc>
+                <a:extLst>
+                  <a:ext uri="{0D108BD9-81ED-4DB2-BD59-A6C34878D82A}">
+                    <a16:rowId xmlns:a16="http://schemas.microsoft.com/office/drawing/2014/main" val="10001"/>
+                  </a:ext>
+                </a:extLst>
+              </a:tr>
+              <a:tr h="261521">
+                <a:tc>
+                  <a:txBody>
+                    <a:bodyPr/>
+                    <a:lstStyle/>
+                    <a:p>
+                      <a:pPr algn="ctr" fontAlgn="b"/>
+                      <a:r>
+                        <a:rPr lang="en-US" sz="1200" b="0" i="0" u="none" strike="noStrike">
+                          <a:solidFill>
+                            <a:srgbClr val="000000"/>
+                          </a:solidFill>
+                          <a:effectLst/>
+                          <a:latin typeface="Calibri"/>
+                        </a:rPr>
+                        <a:t>10.34</a:t>
+                      </a:r>
+                    </a:p>
+                  </a:txBody>
+                  <a:tcPr marL="9427" marR="9427" marT="9427" marB="0" anchor="b">
+                    <a:lnL>
+                      <a:noFill/>
+                    </a:lnL>
+                    <a:lnR>
+                      <a:noFill/>
+                    </a:lnR>
+                    <a:lnT>
+                      <a:noFill/>
+                    </a:lnT>
+                    <a:lnB>
+                      <a:noFill/>
+                    </a:lnB>
+                  </a:tcPr>
+                </a:tc>
+                <a:tc>
+                  <a:txBody>
+                    <a:bodyPr/>
+                    <a:lstStyle/>
+                    <a:p>
+                      <a:pPr algn="ctr" fontAlgn="b"/>
+                      <a:r>
+                        <a:rPr lang="en-US" sz="1200" b="0" i="0" u="none" strike="noStrike">
+                          <a:solidFill>
+                            <a:srgbClr val="000000"/>
+                          </a:solidFill>
+                          <a:effectLst/>
+                          <a:latin typeface="Calibri"/>
+                        </a:rPr>
+                        <a:t>1.66</a:t>
+                      </a:r>
+                    </a:p>
+                  </a:txBody>
+                  <a:tcPr marL="9427" marR="9427" marT="9427" marB="0" anchor="b">
+                    <a:lnL>
+                      <a:noFill/>
+                    </a:lnL>
+                    <a:lnR>
+                      <a:noFill/>
+                    </a:lnR>
+                    <a:lnT>
+                      <a:noFill/>
+                    </a:lnT>
+                    <a:lnB>
+                      <a:noFill/>
+                    </a:lnB>
+                  </a:tcPr>
+                </a:tc>
+                <a:tc>
+                  <a:txBody>
+                    <a:bodyPr/>
+                    <a:lstStyle/>
+                    <a:p>
+                      <a:pPr algn="ctr" fontAlgn="b"/>
+                      <a:r>
+                        <a:rPr lang="en-US" sz="1200" b="0" i="0" u="none" strike="noStrike" dirty="0">
+                          <a:solidFill>
+                            <a:srgbClr val="000000"/>
+                          </a:solidFill>
+                          <a:effectLst/>
+                          <a:latin typeface="Calibri"/>
+                        </a:rPr>
+                        <a:t>Dinner</a:t>
+                      </a:r>
+                    </a:p>
+                  </a:txBody>
+                  <a:tcPr marL="9427" marR="9427" marT="9427" marB="0" anchor="b">
+                    <a:lnL>
+                      <a:noFill/>
+                    </a:lnL>
+                    <a:lnR w="6350" cap="flat" cmpd="sng" algn="ctr">
+                      <a:solidFill>
+                        <a:srgbClr val="000000"/>
+                      </a:solidFill>
+                      <a:prstDash val="solid"/>
+                      <a:round/>
+                      <a:headEnd type="none" w="med" len="med"/>
+                      <a:tailEnd type="none" w="med" len="med"/>
+                    </a:lnR>
+                    <a:lnT>
+                      <a:noFill/>
+                    </a:lnT>
+                    <a:lnB>
+                      <a:noFill/>
+                    </a:lnB>
+                  </a:tcPr>
+                </a:tc>
+                <a:tc>
+                  <a:txBody>
+                    <a:bodyPr/>
+                    <a:lstStyle/>
+                    <a:p>
+                      <a:pPr algn="ctr" fontAlgn="b"/>
+                      <a:r>
+                        <a:rPr lang="en-US" sz="1200" b="0" i="0" u="none" strike="noStrike" dirty="0">
+                          <a:solidFill>
+                            <a:srgbClr val="000000"/>
+                          </a:solidFill>
+                          <a:effectLst/>
+                          <a:latin typeface="Calibri"/>
+                        </a:rPr>
+                        <a:t>0.16</a:t>
+                      </a:r>
+                    </a:p>
+                  </a:txBody>
+                  <a:tcPr marL="9427" marR="9427" marT="9427" marB="0" anchor="b">
+                    <a:lnL w="6350" cap="flat" cmpd="sng" algn="ctr">
+                      <a:solidFill>
+                        <a:srgbClr val="000000"/>
+                      </a:solidFill>
+                      <a:prstDash val="solid"/>
+                      <a:round/>
+                      <a:headEnd type="none" w="med" len="med"/>
+                      <a:tailEnd type="none" w="med" len="med"/>
+                    </a:lnL>
+                    <a:lnR w="6350" cap="flat" cmpd="sng" algn="ctr">
+                      <a:solidFill>
+                        <a:srgbClr val="000000"/>
+                      </a:solidFill>
+                      <a:prstDash val="solid"/>
+                      <a:round/>
+                      <a:headEnd type="none" w="med" len="med"/>
+                      <a:tailEnd type="none" w="med" len="med"/>
+                    </a:lnR>
+                    <a:lnT w="6350" cap="flat" cmpd="sng" algn="ctr">
+                      <a:solidFill>
+                        <a:srgbClr val="000000"/>
+                      </a:solidFill>
+                      <a:prstDash val="solid"/>
+                      <a:round/>
+                      <a:headEnd type="none" w="med" len="med"/>
+                      <a:tailEnd type="none" w="med" len="med"/>
+                    </a:lnT>
+                    <a:lnB w="6350" cap="flat" cmpd="sng" algn="ctr">
+                      <a:solidFill>
+                        <a:srgbClr val="000000"/>
+                      </a:solidFill>
+                      <a:prstDash val="solid"/>
+                      <a:round/>
+                      <a:headEnd type="none" w="med" len="med"/>
+                      <a:tailEnd type="none" w="med" len="med"/>
+                    </a:lnB>
+                    <a:solidFill>
+                      <a:srgbClr val="EBF1DE"/>
+                    </a:solidFill>
+                  </a:tcPr>
+                </a:tc>
+                <a:tc>
+                  <a:txBody>
+                    <a:bodyPr/>
+                    <a:lstStyle/>
+                    <a:p>
+                      <a:pPr algn="ctr" fontAlgn="b"/>
+                      <a:r>
+                        <a:rPr lang="en-US" sz="1200" b="0" i="0" u="none" strike="noStrike">
+                          <a:solidFill>
+                            <a:srgbClr val="000000"/>
+                          </a:solidFill>
+                          <a:effectLst/>
+                          <a:latin typeface="Calibri"/>
+                        </a:rPr>
+                        <a:t>0.16</a:t>
+                      </a:r>
+                    </a:p>
+                  </a:txBody>
+                  <a:tcPr marL="9427" marR="9427" marT="9427" marB="0" anchor="b">
+                    <a:lnL w="6350" cap="flat" cmpd="sng" algn="ctr">
+                      <a:solidFill>
+                        <a:srgbClr val="000000"/>
+                      </a:solidFill>
+                      <a:prstDash val="solid"/>
+                      <a:round/>
+                      <a:headEnd type="none" w="med" len="med"/>
+                      <a:tailEnd type="none" w="med" len="med"/>
+                    </a:lnL>
+                    <a:lnR w="6350" cap="flat" cmpd="sng" algn="ctr">
+                      <a:solidFill>
+                        <a:srgbClr val="000000"/>
+                      </a:solidFill>
+                      <a:prstDash val="solid"/>
+                      <a:round/>
+                      <a:headEnd type="none" w="med" len="med"/>
+                      <a:tailEnd type="none" w="med" len="med"/>
+                    </a:lnR>
+                    <a:lnT w="6350" cap="flat" cmpd="sng" algn="ctr">
+                      <a:solidFill>
+                        <a:srgbClr val="000000"/>
+                      </a:solidFill>
+                      <a:prstDash val="solid"/>
+                      <a:round/>
+                      <a:headEnd type="none" w="med" len="med"/>
+                      <a:tailEnd type="none" w="med" len="med"/>
+                    </a:lnT>
+                    <a:lnB w="6350" cap="flat" cmpd="sng" algn="ctr">
+                      <a:solidFill>
+                        <a:srgbClr val="000000"/>
+                      </a:solidFill>
+                      <a:prstDash val="solid"/>
+                      <a:round/>
+                      <a:headEnd type="none" w="med" len="med"/>
+                      <a:tailEnd type="none" w="med" len="med"/>
+                    </a:lnB>
+                    <a:solidFill>
+                      <a:srgbClr val="EBF1DE"/>
+                    </a:solidFill>
+                  </a:tcPr>
+                </a:tc>
+                <a:tc>
+                  <a:txBody>
+                    <a:bodyPr/>
+                    <a:lstStyle/>
+                    <a:p>
+                      <a:pPr algn="ctr" fontAlgn="b"/>
+                      <a:r>
+                        <a:rPr lang="en-US" sz="1200" b="0" i="0" u="none" strike="noStrike" dirty="0">
                           <a:solidFill>
                             <a:srgbClr val="000000"/>
                           </a:solidFill>
@@ -13729,14 +13802,26 @@
                       <a:headEnd type="none" w="med" len="med"/>
                       <a:tailEnd type="none" w="med" len="med"/>
                     </a:lnR>
-                    <a:lnT>
-                      <a:noFill/>
-                    </a:lnT>
-                    <a:lnB>
-                      <a:noFill/>
+                    <a:lnT w="6350" cap="flat" cmpd="sng" algn="ctr">
+                      <a:solidFill>
+                        <a:srgbClr val="000000"/>
+                      </a:solidFill>
+                      <a:prstDash val="solid"/>
+                      <a:round/>
+                      <a:headEnd type="none" w="med" len="med"/>
+                      <a:tailEnd type="none" w="med" len="med"/>
+                    </a:lnT>
+                    <a:lnB w="6350" cap="flat" cmpd="sng" algn="ctr">
+                      <a:solidFill>
+                        <a:srgbClr val="000000"/>
+                      </a:solidFill>
+                      <a:prstDash val="solid"/>
+                      <a:round/>
+                      <a:headEnd type="none" w="med" len="med"/>
+                      <a:tailEnd type="none" w="med" len="med"/>
                     </a:lnB>
                     <a:solidFill>
-                      <a:srgbClr val="FFFFFF"/>
+                      <a:srgbClr val="EBF1DE"/>
                     </a:solidFill>
                   </a:tcPr>
                 </a:tc>
@@ -13745,16 +13830,16 @@
                     <a:bodyPr/>
                     <a:lstStyle/>
                     <a:p>
-                      <a:pPr algn="l" fontAlgn="b"/>
+                      <a:pPr algn="ctr" fontAlgn="b"/>
                       <a:r>
-                        <a:rPr lang="en-US" sz="900" b="0" i="0" u="none" strike="noStrike">
+                        <a:rPr lang="en-US" sz="1200" b="0" i="0" u="none" strike="noStrike">
                           <a:solidFill>
                             <a:srgbClr val="000000"/>
                           </a:solidFill>
                           <a:effectLst/>
                           <a:latin typeface="Calibri"/>
                         </a:rPr>
-                        <a:t># of bill &gt; $30</a:t>
+                        <a:t> </a:t>
                       </a:r>
                     </a:p>
                   </a:txBody>
@@ -13777,26 +13862,14 @@
                       <a:headEnd type="none" w="med" len="med"/>
                       <a:tailEnd type="none" w="med" len="med"/>
                     </a:lnR>
-                    <a:lnT w="6350" cap="flat" cmpd="sng" algn="ctr">
-                      <a:solidFill>
-                        <a:srgbClr val="000000"/>
-                      </a:solidFill>
-                      <a:prstDash val="solid"/>
-                      <a:round/>
-                      <a:headEnd type="none" w="med" len="med"/>
-                      <a:tailEnd type="none" w="med" len="med"/>
-                    </a:lnT>
-                    <a:lnB w="6350" cap="flat" cmpd="sng" algn="ctr">
-                      <a:solidFill>
-                        <a:srgbClr val="000000"/>
-                      </a:solidFill>
-                      <a:prstDash val="solid"/>
-                      <a:round/>
-                      <a:headEnd type="none" w="med" len="med"/>
-                      <a:tailEnd type="none" w="med" len="med"/>
+                    <a:lnT>
+                      <a:noFill/>
+                    </a:lnT>
+                    <a:lnB>
+                      <a:noFill/>
                     </a:lnB>
                     <a:solidFill>
-                      <a:srgbClr val="EBF1DE"/>
+                      <a:srgbClr val="FFFFFF"/>
                     </a:solidFill>
                   </a:tcPr>
                 </a:tc>
@@ -13805,16 +13878,16 @@
                     <a:bodyPr/>
                     <a:lstStyle/>
                     <a:p>
-                      <a:pPr algn="r" fontAlgn="b"/>
+                      <a:pPr algn="l" fontAlgn="b"/>
                       <a:r>
-                        <a:rPr lang="en-US" sz="900" b="0" i="0" u="none" strike="noStrike">
+                        <a:rPr lang="en-US" sz="1200" b="0" i="0" u="none" strike="noStrike" dirty="0">
                           <a:solidFill>
                             <a:srgbClr val="000000"/>
                           </a:solidFill>
                           <a:effectLst/>
                           <a:latin typeface="Calibri"/>
                         </a:rPr>
-                        <a:t>8</a:t>
+                        <a:t># tips &gt; $4.5</a:t>
                       </a:r>
                     </a:p>
                   </a:txBody>
@@ -13860,13 +13933,6 @@
                     </a:solidFill>
                   </a:tcPr>
                 </a:tc>
-                <a:extLst>
-                  <a:ext uri="{0D108BD9-81ED-4DB2-BD59-A6C34878D82A}">
-                    <a16:rowId xmlns:a16="http://schemas.microsoft.com/office/drawing/2014/main" val="10001"/>
-                  </a:ext>
-                </a:extLst>
-              </a:tr>
-              <a:tr h="145173">
                 <a:tc>
                   <a:txBody>
                     <a:bodyPr/>
@@ -13874,32 +13940,66 @@
                     <a:p>
                       <a:pPr algn="ctr" fontAlgn="b"/>
                       <a:r>
-                        <a:rPr lang="en-US" sz="900" b="0" i="0" u="none" strike="noStrike">
+                        <a:rPr lang="en-US" sz="1200" b="0" i="0" u="none" strike="noStrike" dirty="0">
                           <a:solidFill>
                             <a:srgbClr val="000000"/>
                           </a:solidFill>
                           <a:effectLst/>
                           <a:latin typeface="Calibri"/>
                         </a:rPr>
-                        <a:t>10.34</a:t>
+                        <a:t>11</a:t>
                       </a:r>
                     </a:p>
                   </a:txBody>
                   <a:tcPr marL="9427" marR="9427" marT="9427" marB="0" anchor="b">
-                    <a:lnL>
-                      <a:noFill/>
-                    </a:lnL>
-                    <a:lnR>
-                      <a:noFill/>
-                    </a:lnR>
-                    <a:lnT>
-                      <a:noFill/>
-                    </a:lnT>
-                    <a:lnB>
-                      <a:noFill/>
-                    </a:lnB>
-                  </a:tcPr>
-                </a:tc>
+                    <a:lnL w="6350" cap="flat" cmpd="sng" algn="ctr">
+                      <a:solidFill>
+                        <a:srgbClr val="000000"/>
+                      </a:solidFill>
+                      <a:prstDash val="solid"/>
+                      <a:round/>
+                      <a:headEnd type="none" w="med" len="med"/>
+                      <a:tailEnd type="none" w="med" len="med"/>
+                    </a:lnL>
+                    <a:lnR w="6350" cap="flat" cmpd="sng" algn="ctr">
+                      <a:solidFill>
+                        <a:srgbClr val="000000"/>
+                      </a:solidFill>
+                      <a:prstDash val="solid"/>
+                      <a:round/>
+                      <a:headEnd type="none" w="med" len="med"/>
+                      <a:tailEnd type="none" w="med" len="med"/>
+                    </a:lnR>
+                    <a:lnT w="6350" cap="flat" cmpd="sng" algn="ctr">
+                      <a:solidFill>
+                        <a:srgbClr val="000000"/>
+                      </a:solidFill>
+                      <a:prstDash val="solid"/>
+                      <a:round/>
+                      <a:headEnd type="none" w="med" len="med"/>
+                      <a:tailEnd type="none" w="med" len="med"/>
+                    </a:lnT>
+                    <a:lnB w="6350" cap="flat" cmpd="sng" algn="ctr">
+                      <a:solidFill>
+                        <a:srgbClr val="000000"/>
+                      </a:solidFill>
+                      <a:prstDash val="solid"/>
+                      <a:round/>
+                      <a:headEnd type="none" w="med" len="med"/>
+                      <a:tailEnd type="none" w="med" len="med"/>
+                    </a:lnB>
+                    <a:solidFill>
+                      <a:srgbClr val="EBF1DE"/>
+                    </a:solidFill>
+                  </a:tcPr>
+                </a:tc>
+                <a:extLst>
+                  <a:ext uri="{0D108BD9-81ED-4DB2-BD59-A6C34878D82A}">
+                    <a16:rowId xmlns:a16="http://schemas.microsoft.com/office/drawing/2014/main" val="10002"/>
+                  </a:ext>
+                </a:extLst>
+              </a:tr>
+              <a:tr h="261521">
                 <a:tc>
                   <a:txBody>
                     <a:bodyPr/>
@@ -13907,14 +14007,14 @@
                     <a:p>
                       <a:pPr algn="ctr" fontAlgn="b"/>
                       <a:r>
-                        <a:rPr lang="en-US" sz="900" b="0" i="0" u="none" strike="noStrike">
+                        <a:rPr lang="en-US" sz="1200" b="0" i="0" u="none" strike="noStrike">
                           <a:solidFill>
                             <a:srgbClr val="000000"/>
                           </a:solidFill>
                           <a:effectLst/>
                           <a:latin typeface="Calibri"/>
                         </a:rPr>
-                        <a:t>1.66</a:t>
+                        <a:t>21.01</a:t>
                       </a:r>
                     </a:p>
                   </a:txBody>
@@ -13940,14 +14040,14 @@
                     <a:p>
                       <a:pPr algn="ctr" fontAlgn="b"/>
                       <a:r>
-                        <a:rPr lang="en-US" sz="900" b="0" i="0" u="none" strike="noStrike">
+                        <a:rPr lang="en-US" sz="1200" b="0" i="0" u="none" strike="noStrike">
                           <a:solidFill>
                             <a:srgbClr val="000000"/>
                           </a:solidFill>
                           <a:effectLst/>
                           <a:latin typeface="Calibri"/>
                         </a:rPr>
-                        <a:t>Male</a:t>
+                        <a:t>3.5</a:t>
                       </a:r>
                     </a:p>
                   </a:txBody>
@@ -13973,7 +14073,7 @@
                     <a:p>
                       <a:pPr algn="ctr" fontAlgn="b"/>
                       <a:r>
-                        <a:rPr lang="en-US" sz="900" b="0" i="0" u="none" strike="noStrike">
+                        <a:rPr lang="en-US" sz="1200" b="0" i="0" u="none" strike="noStrike">
                           <a:solidFill>
                             <a:srgbClr val="000000"/>
                           </a:solidFill>
@@ -14012,7 +14112,1235 @@
                     <a:p>
                       <a:pPr algn="ctr" fontAlgn="b"/>
                       <a:r>
-                        <a:rPr lang="en-US" sz="900" b="0" i="0" u="none" strike="noStrike">
+                        <a:rPr lang="en-US" sz="1200" b="0" i="0" u="none" strike="noStrike" dirty="0">
+                          <a:solidFill>
+                            <a:srgbClr val="000000"/>
+                          </a:solidFill>
+                          <a:effectLst/>
+                          <a:latin typeface="Calibri"/>
+                        </a:rPr>
+                        <a:t>0.17</a:t>
+                      </a:r>
+                    </a:p>
+                  </a:txBody>
+                  <a:tcPr marL="9427" marR="9427" marT="9427" marB="0" anchor="b">
+                    <a:lnL w="6350" cap="flat" cmpd="sng" algn="ctr">
+                      <a:solidFill>
+                        <a:srgbClr val="000000"/>
+                      </a:solidFill>
+                      <a:prstDash val="solid"/>
+                      <a:round/>
+                      <a:headEnd type="none" w="med" len="med"/>
+                      <a:tailEnd type="none" w="med" len="med"/>
+                    </a:lnL>
+                    <a:lnR w="6350" cap="flat" cmpd="sng" algn="ctr">
+                      <a:solidFill>
+                        <a:srgbClr val="000000"/>
+                      </a:solidFill>
+                      <a:prstDash val="solid"/>
+                      <a:round/>
+                      <a:headEnd type="none" w="med" len="med"/>
+                      <a:tailEnd type="none" w="med" len="med"/>
+                    </a:lnR>
+                    <a:lnT w="6350" cap="flat" cmpd="sng" algn="ctr">
+                      <a:solidFill>
+                        <a:srgbClr val="000000"/>
+                      </a:solidFill>
+                      <a:prstDash val="solid"/>
+                      <a:round/>
+                      <a:headEnd type="none" w="med" len="med"/>
+                      <a:tailEnd type="none" w="med" len="med"/>
+                    </a:lnT>
+                    <a:lnB w="6350" cap="flat" cmpd="sng" algn="ctr">
+                      <a:solidFill>
+                        <a:srgbClr val="000000"/>
+                      </a:solidFill>
+                      <a:prstDash val="solid"/>
+                      <a:round/>
+                      <a:headEnd type="none" w="med" len="med"/>
+                      <a:tailEnd type="none" w="med" len="med"/>
+                    </a:lnB>
+                    <a:solidFill>
+                      <a:srgbClr val="EBF1DE"/>
+                    </a:solidFill>
+                  </a:tcPr>
+                </a:tc>
+                <a:tc>
+                  <a:txBody>
+                    <a:bodyPr/>
+                    <a:lstStyle/>
+                    <a:p>
+                      <a:pPr algn="ctr" fontAlgn="b"/>
+                      <a:r>
+                        <a:rPr lang="en-US" sz="1200" b="0" i="0" u="none" strike="noStrike" dirty="0">
+                          <a:solidFill>
+                            <a:srgbClr val="000000"/>
+                          </a:solidFill>
+                          <a:effectLst/>
+                          <a:latin typeface="Calibri"/>
+                        </a:rPr>
+                        <a:t>0.17</a:t>
+                      </a:r>
+                    </a:p>
+                  </a:txBody>
+                  <a:tcPr marL="9427" marR="9427" marT="9427" marB="0" anchor="b">
+                    <a:lnL w="6350" cap="flat" cmpd="sng" algn="ctr">
+                      <a:solidFill>
+                        <a:srgbClr val="000000"/>
+                      </a:solidFill>
+                      <a:prstDash val="solid"/>
+                      <a:round/>
+                      <a:headEnd type="none" w="med" len="med"/>
+                      <a:tailEnd type="none" w="med" len="med"/>
+                    </a:lnL>
+                    <a:lnR w="6350" cap="flat" cmpd="sng" algn="ctr">
+                      <a:solidFill>
+                        <a:srgbClr val="000000"/>
+                      </a:solidFill>
+                      <a:prstDash val="solid"/>
+                      <a:round/>
+                      <a:headEnd type="none" w="med" len="med"/>
+                      <a:tailEnd type="none" w="med" len="med"/>
+                    </a:lnR>
+                    <a:lnT w="6350" cap="flat" cmpd="sng" algn="ctr">
+                      <a:solidFill>
+                        <a:srgbClr val="000000"/>
+                      </a:solidFill>
+                      <a:prstDash val="solid"/>
+                      <a:round/>
+                      <a:headEnd type="none" w="med" len="med"/>
+                      <a:tailEnd type="none" w="med" len="med"/>
+                    </a:lnT>
+                    <a:lnB w="6350" cap="flat" cmpd="sng" algn="ctr">
+                      <a:solidFill>
+                        <a:srgbClr val="000000"/>
+                      </a:solidFill>
+                      <a:prstDash val="solid"/>
+                      <a:round/>
+                      <a:headEnd type="none" w="med" len="med"/>
+                      <a:tailEnd type="none" w="med" len="med"/>
+                    </a:lnB>
+                    <a:solidFill>
+                      <a:srgbClr val="EBF1DE"/>
+                    </a:solidFill>
+                  </a:tcPr>
+                </a:tc>
+                <a:tc>
+                  <a:txBody>
+                    <a:bodyPr/>
+                    <a:lstStyle/>
+                    <a:p>
+                      <a:pPr algn="ctr" fontAlgn="b"/>
+                      <a:r>
+                        <a:rPr lang="en-US" sz="1200" b="0" i="0" u="none" strike="noStrike">
+                          <a:solidFill>
+                            <a:srgbClr val="000000"/>
+                          </a:solidFill>
+                          <a:effectLst/>
+                          <a:latin typeface="Calibri"/>
+                        </a:rPr>
+                        <a:t> </a:t>
+                      </a:r>
+                    </a:p>
+                  </a:txBody>
+                  <a:tcPr marL="9427" marR="9427" marT="9427" marB="0" anchor="b">
+                    <a:lnL w="6350" cap="flat" cmpd="sng" algn="ctr">
+                      <a:solidFill>
+                        <a:srgbClr val="000000"/>
+                      </a:solidFill>
+                      <a:prstDash val="solid"/>
+                      <a:round/>
+                      <a:headEnd type="none" w="med" len="med"/>
+                      <a:tailEnd type="none" w="med" len="med"/>
+                    </a:lnL>
+                    <a:lnR w="6350" cap="flat" cmpd="sng" algn="ctr">
+                      <a:solidFill>
+                        <a:srgbClr val="000000"/>
+                      </a:solidFill>
+                      <a:prstDash val="solid"/>
+                      <a:round/>
+                      <a:headEnd type="none" w="med" len="med"/>
+                      <a:tailEnd type="none" w="med" len="med"/>
+                    </a:lnR>
+                    <a:lnT w="6350" cap="flat" cmpd="sng" algn="ctr">
+                      <a:solidFill>
+                        <a:srgbClr val="000000"/>
+                      </a:solidFill>
+                      <a:prstDash val="solid"/>
+                      <a:round/>
+                      <a:headEnd type="none" w="med" len="med"/>
+                      <a:tailEnd type="none" w="med" len="med"/>
+                    </a:lnT>
+                    <a:lnB w="6350" cap="flat" cmpd="sng" algn="ctr">
+                      <a:solidFill>
+                        <a:srgbClr val="000000"/>
+                      </a:solidFill>
+                      <a:prstDash val="solid"/>
+                      <a:round/>
+                      <a:headEnd type="none" w="med" len="med"/>
+                      <a:tailEnd type="none" w="med" len="med"/>
+                    </a:lnB>
+                    <a:solidFill>
+                      <a:srgbClr val="EBF1DE"/>
+                    </a:solidFill>
+                  </a:tcPr>
+                </a:tc>
+                <a:tc>
+                  <a:txBody>
+                    <a:bodyPr/>
+                    <a:lstStyle/>
+                    <a:p>
+                      <a:pPr algn="ctr" fontAlgn="b"/>
+                      <a:r>
+                        <a:rPr lang="en-US" sz="1200" b="0" i="0" u="none" strike="noStrike">
+                          <a:solidFill>
+                            <a:srgbClr val="000000"/>
+                          </a:solidFill>
+                          <a:effectLst/>
+                          <a:latin typeface="Calibri"/>
+                        </a:rPr>
+                        <a:t> </a:t>
+                      </a:r>
+                    </a:p>
+                  </a:txBody>
+                  <a:tcPr marL="9427" marR="9427" marT="9427" marB="0" anchor="b">
+                    <a:lnL w="6350" cap="flat" cmpd="sng" algn="ctr">
+                      <a:solidFill>
+                        <a:srgbClr val="000000"/>
+                      </a:solidFill>
+                      <a:prstDash val="solid"/>
+                      <a:round/>
+                      <a:headEnd type="none" w="med" len="med"/>
+                      <a:tailEnd type="none" w="med" len="med"/>
+                    </a:lnL>
+                    <a:lnR w="6350" cap="flat" cmpd="sng" algn="ctr">
+                      <a:solidFill>
+                        <a:srgbClr val="000000"/>
+                      </a:solidFill>
+                      <a:prstDash val="solid"/>
+                      <a:round/>
+                      <a:headEnd type="none" w="med" len="med"/>
+                      <a:tailEnd type="none" w="med" len="med"/>
+                    </a:lnR>
+                    <a:lnT>
+                      <a:noFill/>
+                    </a:lnT>
+                    <a:lnB>
+                      <a:noFill/>
+                    </a:lnB>
+                    <a:solidFill>
+                      <a:srgbClr val="FFFFFF"/>
+                    </a:solidFill>
+                  </a:tcPr>
+                </a:tc>
+                <a:tc>
+                  <a:txBody>
+                    <a:bodyPr/>
+                    <a:lstStyle/>
+                    <a:p>
+                      <a:pPr algn="l" fontAlgn="b"/>
+                      <a:r>
+                        <a:rPr lang="en-US" sz="1200" b="0" i="0" u="none" strike="noStrike" dirty="0" err="1">
+                          <a:solidFill>
+                            <a:srgbClr val="000000"/>
+                          </a:solidFill>
+                          <a:effectLst/>
+                          <a:latin typeface="Calibri"/>
+                        </a:rPr>
+                        <a:t>maxium</a:t>
+                      </a:r>
+                      <a:r>
+                        <a:rPr lang="en-US" sz="1200" b="0" i="0" u="none" strike="noStrike" dirty="0">
+                          <a:solidFill>
+                            <a:srgbClr val="000000"/>
+                          </a:solidFill>
+                          <a:effectLst/>
+                          <a:latin typeface="Calibri"/>
+                        </a:rPr>
+                        <a:t> tips</a:t>
+                      </a:r>
+                    </a:p>
+                  </a:txBody>
+                  <a:tcPr marL="9427" marR="9427" marT="9427" marB="0" anchor="b">
+                    <a:lnL w="6350" cap="flat" cmpd="sng" algn="ctr">
+                      <a:solidFill>
+                        <a:srgbClr val="000000"/>
+                      </a:solidFill>
+                      <a:prstDash val="solid"/>
+                      <a:round/>
+                      <a:headEnd type="none" w="med" len="med"/>
+                      <a:tailEnd type="none" w="med" len="med"/>
+                    </a:lnL>
+                    <a:lnR w="6350" cap="flat" cmpd="sng" algn="ctr">
+                      <a:solidFill>
+                        <a:srgbClr val="000000"/>
+                      </a:solidFill>
+                      <a:prstDash val="solid"/>
+                      <a:round/>
+                      <a:headEnd type="none" w="med" len="med"/>
+                      <a:tailEnd type="none" w="med" len="med"/>
+                    </a:lnR>
+                    <a:lnT w="6350" cap="flat" cmpd="sng" algn="ctr">
+                      <a:solidFill>
+                        <a:srgbClr val="000000"/>
+                      </a:solidFill>
+                      <a:prstDash val="solid"/>
+                      <a:round/>
+                      <a:headEnd type="none" w="med" len="med"/>
+                      <a:tailEnd type="none" w="med" len="med"/>
+                    </a:lnT>
+                    <a:lnB w="6350" cap="flat" cmpd="sng" algn="ctr">
+                      <a:solidFill>
+                        <a:srgbClr val="000000"/>
+                      </a:solidFill>
+                      <a:prstDash val="solid"/>
+                      <a:round/>
+                      <a:headEnd type="none" w="med" len="med"/>
+                      <a:tailEnd type="none" w="med" len="med"/>
+                    </a:lnB>
+                    <a:solidFill>
+                      <a:srgbClr val="EBF1DE"/>
+                    </a:solidFill>
+                  </a:tcPr>
+                </a:tc>
+                <a:tc>
+                  <a:txBody>
+                    <a:bodyPr/>
+                    <a:lstStyle/>
+                    <a:p>
+                      <a:pPr algn="ctr" fontAlgn="b"/>
+                      <a:r>
+                        <a:rPr lang="en-US" sz="1200" b="0" i="0" u="none" strike="noStrike" dirty="0">
+                          <a:solidFill>
+                            <a:srgbClr val="000000"/>
+                          </a:solidFill>
+                          <a:effectLst/>
+                          <a:latin typeface="Calibri"/>
+                        </a:rPr>
+                        <a:t>6.70</a:t>
+                      </a:r>
+                    </a:p>
+                  </a:txBody>
+                  <a:tcPr marL="9427" marR="9427" marT="9427" marB="0" anchor="b">
+                    <a:lnL w="6350" cap="flat" cmpd="sng" algn="ctr">
+                      <a:solidFill>
+                        <a:srgbClr val="000000"/>
+                      </a:solidFill>
+                      <a:prstDash val="solid"/>
+                      <a:round/>
+                      <a:headEnd type="none" w="med" len="med"/>
+                      <a:tailEnd type="none" w="med" len="med"/>
+                    </a:lnL>
+                    <a:lnR w="6350" cap="flat" cmpd="sng" algn="ctr">
+                      <a:solidFill>
+                        <a:srgbClr val="000000"/>
+                      </a:solidFill>
+                      <a:prstDash val="solid"/>
+                      <a:round/>
+                      <a:headEnd type="none" w="med" len="med"/>
+                      <a:tailEnd type="none" w="med" len="med"/>
+                    </a:lnR>
+                    <a:lnT w="6350" cap="flat" cmpd="sng" algn="ctr">
+                      <a:solidFill>
+                        <a:srgbClr val="000000"/>
+                      </a:solidFill>
+                      <a:prstDash val="solid"/>
+                      <a:round/>
+                      <a:headEnd type="none" w="med" len="med"/>
+                      <a:tailEnd type="none" w="med" len="med"/>
+                    </a:lnT>
+                    <a:lnB w="6350" cap="flat" cmpd="sng" algn="ctr">
+                      <a:solidFill>
+                        <a:srgbClr val="000000"/>
+                      </a:solidFill>
+                      <a:prstDash val="solid"/>
+                      <a:round/>
+                      <a:headEnd type="none" w="med" len="med"/>
+                      <a:tailEnd type="none" w="med" len="med"/>
+                    </a:lnB>
+                    <a:solidFill>
+                      <a:srgbClr val="EBF1DE"/>
+                    </a:solidFill>
+                  </a:tcPr>
+                </a:tc>
+                <a:extLst>
+                  <a:ext uri="{0D108BD9-81ED-4DB2-BD59-A6C34878D82A}">
+                    <a16:rowId xmlns:a16="http://schemas.microsoft.com/office/drawing/2014/main" val="10003"/>
+                  </a:ext>
+                </a:extLst>
+              </a:tr>
+              <a:tr h="261521">
+                <a:tc>
+                  <a:txBody>
+                    <a:bodyPr/>
+                    <a:lstStyle/>
+                    <a:p>
+                      <a:pPr algn="ctr" fontAlgn="b"/>
+                      <a:r>
+                        <a:rPr lang="en-US" sz="1200" b="0" i="0" u="none" strike="noStrike">
+                          <a:solidFill>
+                            <a:srgbClr val="000000"/>
+                          </a:solidFill>
+                          <a:effectLst/>
+                          <a:latin typeface="Calibri"/>
+                        </a:rPr>
+                        <a:t>23.68</a:t>
+                      </a:r>
+                    </a:p>
+                  </a:txBody>
+                  <a:tcPr marL="9427" marR="9427" marT="9427" marB="0" anchor="b">
+                    <a:lnL>
+                      <a:noFill/>
+                    </a:lnL>
+                    <a:lnR>
+                      <a:noFill/>
+                    </a:lnR>
+                    <a:lnT>
+                      <a:noFill/>
+                    </a:lnT>
+                    <a:lnB>
+                      <a:noFill/>
+                    </a:lnB>
+                  </a:tcPr>
+                </a:tc>
+                <a:tc>
+                  <a:txBody>
+                    <a:bodyPr/>
+                    <a:lstStyle/>
+                    <a:p>
+                      <a:pPr algn="ctr" fontAlgn="b"/>
+                      <a:r>
+                        <a:rPr lang="en-US" sz="1200" b="0" i="0" u="none" strike="noStrike">
+                          <a:solidFill>
+                            <a:srgbClr val="000000"/>
+                          </a:solidFill>
+                          <a:effectLst/>
+                          <a:latin typeface="Calibri"/>
+                        </a:rPr>
+                        <a:t>3.31</a:t>
+                      </a:r>
+                    </a:p>
+                  </a:txBody>
+                  <a:tcPr marL="9427" marR="9427" marT="9427" marB="0" anchor="b">
+                    <a:lnL>
+                      <a:noFill/>
+                    </a:lnL>
+                    <a:lnR>
+                      <a:noFill/>
+                    </a:lnR>
+                    <a:lnT>
+                      <a:noFill/>
+                    </a:lnT>
+                    <a:lnB>
+                      <a:noFill/>
+                    </a:lnB>
+                  </a:tcPr>
+                </a:tc>
+                <a:tc>
+                  <a:txBody>
+                    <a:bodyPr/>
+                    <a:lstStyle/>
+                    <a:p>
+                      <a:pPr algn="ctr" fontAlgn="b"/>
+                      <a:r>
+                        <a:rPr lang="en-US" sz="1200" b="0" i="0" u="none" strike="noStrike">
+                          <a:solidFill>
+                            <a:srgbClr val="000000"/>
+                          </a:solidFill>
+                          <a:effectLst/>
+                          <a:latin typeface="Calibri"/>
+                        </a:rPr>
+                        <a:t>Dinner</a:t>
+                      </a:r>
+                    </a:p>
+                  </a:txBody>
+                  <a:tcPr marL="9427" marR="9427" marT="9427" marB="0" anchor="b">
+                    <a:lnL>
+                      <a:noFill/>
+                    </a:lnL>
+                    <a:lnR w="6350" cap="flat" cmpd="sng" algn="ctr">
+                      <a:solidFill>
+                        <a:srgbClr val="000000"/>
+                      </a:solidFill>
+                      <a:prstDash val="solid"/>
+                      <a:round/>
+                      <a:headEnd type="none" w="med" len="med"/>
+                      <a:tailEnd type="none" w="med" len="med"/>
+                    </a:lnR>
+                    <a:lnT>
+                      <a:noFill/>
+                    </a:lnT>
+                    <a:lnB>
+                      <a:noFill/>
+                    </a:lnB>
+                  </a:tcPr>
+                </a:tc>
+                <a:tc>
+                  <a:txBody>
+                    <a:bodyPr/>
+                    <a:lstStyle/>
+                    <a:p>
+                      <a:pPr algn="ctr" fontAlgn="b"/>
+                      <a:r>
+                        <a:rPr lang="en-US" sz="1200" b="0" i="0" u="none" strike="noStrike">
+                          <a:solidFill>
+                            <a:srgbClr val="000000"/>
+                          </a:solidFill>
+                          <a:effectLst/>
+                          <a:latin typeface="Calibri"/>
+                        </a:rPr>
+                        <a:t>0.14</a:t>
+                      </a:r>
+                    </a:p>
+                  </a:txBody>
+                  <a:tcPr marL="9427" marR="9427" marT="9427" marB="0" anchor="b">
+                    <a:lnL w="6350" cap="flat" cmpd="sng" algn="ctr">
+                      <a:solidFill>
+                        <a:srgbClr val="000000"/>
+                      </a:solidFill>
+                      <a:prstDash val="solid"/>
+                      <a:round/>
+                      <a:headEnd type="none" w="med" len="med"/>
+                      <a:tailEnd type="none" w="med" len="med"/>
+                    </a:lnL>
+                    <a:lnR w="6350" cap="flat" cmpd="sng" algn="ctr">
+                      <a:solidFill>
+                        <a:srgbClr val="000000"/>
+                      </a:solidFill>
+                      <a:prstDash val="solid"/>
+                      <a:round/>
+                      <a:headEnd type="none" w="med" len="med"/>
+                      <a:tailEnd type="none" w="med" len="med"/>
+                    </a:lnR>
+                    <a:lnT w="6350" cap="flat" cmpd="sng" algn="ctr">
+                      <a:solidFill>
+                        <a:srgbClr val="000000"/>
+                      </a:solidFill>
+                      <a:prstDash val="solid"/>
+                      <a:round/>
+                      <a:headEnd type="none" w="med" len="med"/>
+                      <a:tailEnd type="none" w="med" len="med"/>
+                    </a:lnT>
+                    <a:lnB w="6350" cap="flat" cmpd="sng" algn="ctr">
+                      <a:solidFill>
+                        <a:srgbClr val="000000"/>
+                      </a:solidFill>
+                      <a:prstDash val="solid"/>
+                      <a:round/>
+                      <a:headEnd type="none" w="med" len="med"/>
+                      <a:tailEnd type="none" w="med" len="med"/>
+                    </a:lnB>
+                    <a:solidFill>
+                      <a:srgbClr val="EBF1DE"/>
+                    </a:solidFill>
+                  </a:tcPr>
+                </a:tc>
+                <a:tc>
+                  <a:txBody>
+                    <a:bodyPr/>
+                    <a:lstStyle/>
+                    <a:p>
+                      <a:pPr algn="ctr" fontAlgn="b"/>
+                      <a:r>
+                        <a:rPr lang="en-US" sz="1200" b="0" i="0" u="none" strike="noStrike" dirty="0">
+                          <a:solidFill>
+                            <a:srgbClr val="000000"/>
+                          </a:solidFill>
+                          <a:effectLst/>
+                          <a:latin typeface="Calibri"/>
+                        </a:rPr>
+                        <a:t>0.14</a:t>
+                      </a:r>
+                    </a:p>
+                  </a:txBody>
+                  <a:tcPr marL="9427" marR="9427" marT="9427" marB="0" anchor="b">
+                    <a:lnL w="6350" cap="flat" cmpd="sng" algn="ctr">
+                      <a:solidFill>
+                        <a:srgbClr val="000000"/>
+                      </a:solidFill>
+                      <a:prstDash val="solid"/>
+                      <a:round/>
+                      <a:headEnd type="none" w="med" len="med"/>
+                      <a:tailEnd type="none" w="med" len="med"/>
+                    </a:lnL>
+                    <a:lnR w="6350" cap="flat" cmpd="sng" algn="ctr">
+                      <a:solidFill>
+                        <a:srgbClr val="000000"/>
+                      </a:solidFill>
+                      <a:prstDash val="solid"/>
+                      <a:round/>
+                      <a:headEnd type="none" w="med" len="med"/>
+                      <a:tailEnd type="none" w="med" len="med"/>
+                    </a:lnR>
+                    <a:lnT w="6350" cap="flat" cmpd="sng" algn="ctr">
+                      <a:solidFill>
+                        <a:srgbClr val="000000"/>
+                      </a:solidFill>
+                      <a:prstDash val="solid"/>
+                      <a:round/>
+                      <a:headEnd type="none" w="med" len="med"/>
+                      <a:tailEnd type="none" w="med" len="med"/>
+                    </a:lnT>
+                    <a:lnB w="6350" cap="flat" cmpd="sng" algn="ctr">
+                      <a:solidFill>
+                        <a:srgbClr val="000000"/>
+                      </a:solidFill>
+                      <a:prstDash val="solid"/>
+                      <a:round/>
+                      <a:headEnd type="none" w="med" len="med"/>
+                      <a:tailEnd type="none" w="med" len="med"/>
+                    </a:lnB>
+                    <a:solidFill>
+                      <a:srgbClr val="EBF1DE"/>
+                    </a:solidFill>
+                  </a:tcPr>
+                </a:tc>
+                <a:tc>
+                  <a:txBody>
+                    <a:bodyPr/>
+                    <a:lstStyle/>
+                    <a:p>
+                      <a:pPr algn="ctr" fontAlgn="b"/>
+                      <a:r>
+                        <a:rPr lang="en-US" sz="1200" b="0" i="0" u="none" strike="noStrike">
+                          <a:solidFill>
+                            <a:srgbClr val="000000"/>
+                          </a:solidFill>
+                          <a:effectLst/>
+                          <a:latin typeface="Calibri"/>
+                        </a:rPr>
+                        <a:t> </a:t>
+                      </a:r>
+                    </a:p>
+                  </a:txBody>
+                  <a:tcPr marL="9427" marR="9427" marT="9427" marB="0" anchor="b">
+                    <a:lnL w="6350" cap="flat" cmpd="sng" algn="ctr">
+                      <a:solidFill>
+                        <a:srgbClr val="000000"/>
+                      </a:solidFill>
+                      <a:prstDash val="solid"/>
+                      <a:round/>
+                      <a:headEnd type="none" w="med" len="med"/>
+                      <a:tailEnd type="none" w="med" len="med"/>
+                    </a:lnL>
+                    <a:lnR w="6350" cap="flat" cmpd="sng" algn="ctr">
+                      <a:solidFill>
+                        <a:srgbClr val="000000"/>
+                      </a:solidFill>
+                      <a:prstDash val="solid"/>
+                      <a:round/>
+                      <a:headEnd type="none" w="med" len="med"/>
+                      <a:tailEnd type="none" w="med" len="med"/>
+                    </a:lnR>
+                    <a:lnT w="6350" cap="flat" cmpd="sng" algn="ctr">
+                      <a:solidFill>
+                        <a:srgbClr val="000000"/>
+                      </a:solidFill>
+                      <a:prstDash val="solid"/>
+                      <a:round/>
+                      <a:headEnd type="none" w="med" len="med"/>
+                      <a:tailEnd type="none" w="med" len="med"/>
+                    </a:lnT>
+                    <a:lnB w="6350" cap="flat" cmpd="sng" algn="ctr">
+                      <a:solidFill>
+                        <a:srgbClr val="000000"/>
+                      </a:solidFill>
+                      <a:prstDash val="solid"/>
+                      <a:round/>
+                      <a:headEnd type="none" w="med" len="med"/>
+                      <a:tailEnd type="none" w="med" len="med"/>
+                    </a:lnB>
+                    <a:solidFill>
+                      <a:srgbClr val="EBF1DE"/>
+                    </a:solidFill>
+                  </a:tcPr>
+                </a:tc>
+                <a:tc>
+                  <a:txBody>
+                    <a:bodyPr/>
+                    <a:lstStyle/>
+                    <a:p>
+                      <a:pPr algn="ctr" fontAlgn="b"/>
+                      <a:r>
+                        <a:rPr lang="en-US" sz="1200" b="0" i="0" u="none" strike="noStrike">
+                          <a:solidFill>
+                            <a:srgbClr val="000000"/>
+                          </a:solidFill>
+                          <a:effectLst/>
+                          <a:latin typeface="Calibri"/>
+                        </a:rPr>
+                        <a:t> </a:t>
+                      </a:r>
+                    </a:p>
+                  </a:txBody>
+                  <a:tcPr marL="9427" marR="9427" marT="9427" marB="0" anchor="b">
+                    <a:lnL w="6350" cap="flat" cmpd="sng" algn="ctr">
+                      <a:solidFill>
+                        <a:srgbClr val="000000"/>
+                      </a:solidFill>
+                      <a:prstDash val="solid"/>
+                      <a:round/>
+                      <a:headEnd type="none" w="med" len="med"/>
+                      <a:tailEnd type="none" w="med" len="med"/>
+                    </a:lnL>
+                    <a:lnR w="6350" cap="flat" cmpd="sng" algn="ctr">
+                      <a:solidFill>
+                        <a:srgbClr val="000000"/>
+                      </a:solidFill>
+                      <a:prstDash val="solid"/>
+                      <a:round/>
+                      <a:headEnd type="none" w="med" len="med"/>
+                      <a:tailEnd type="none" w="med" len="med"/>
+                    </a:lnR>
+                    <a:lnT>
+                      <a:noFill/>
+                    </a:lnT>
+                    <a:lnB>
+                      <a:noFill/>
+                    </a:lnB>
+                    <a:solidFill>
+                      <a:srgbClr val="FFFFFF"/>
+                    </a:solidFill>
+                  </a:tcPr>
+                </a:tc>
+                <a:tc>
+                  <a:txBody>
+                    <a:bodyPr/>
+                    <a:lstStyle/>
+                    <a:p>
+                      <a:pPr algn="l" fontAlgn="b"/>
+                      <a:r>
+                        <a:rPr lang="en-US" sz="1200" b="0" i="0" u="none" strike="noStrike" dirty="0" err="1">
+                          <a:solidFill>
+                            <a:srgbClr val="000000"/>
+                          </a:solidFill>
+                          <a:effectLst/>
+                          <a:latin typeface="Calibri"/>
+                        </a:rPr>
+                        <a:t>minium</a:t>
+                      </a:r>
+                      <a:r>
+                        <a:rPr lang="en-US" sz="1200" b="0" i="0" u="none" strike="noStrike" dirty="0">
+                          <a:solidFill>
+                            <a:srgbClr val="000000"/>
+                          </a:solidFill>
+                          <a:effectLst/>
+                          <a:latin typeface="Calibri"/>
+                        </a:rPr>
+                        <a:t> tips</a:t>
+                      </a:r>
+                    </a:p>
+                  </a:txBody>
+                  <a:tcPr marL="9427" marR="9427" marT="9427" marB="0" anchor="b">
+                    <a:lnL w="6350" cap="flat" cmpd="sng" algn="ctr">
+                      <a:solidFill>
+                        <a:srgbClr val="000000"/>
+                      </a:solidFill>
+                      <a:prstDash val="solid"/>
+                      <a:round/>
+                      <a:headEnd type="none" w="med" len="med"/>
+                      <a:tailEnd type="none" w="med" len="med"/>
+                    </a:lnL>
+                    <a:lnR w="6350" cap="flat" cmpd="sng" algn="ctr">
+                      <a:solidFill>
+                        <a:srgbClr val="000000"/>
+                      </a:solidFill>
+                      <a:prstDash val="solid"/>
+                      <a:round/>
+                      <a:headEnd type="none" w="med" len="med"/>
+                      <a:tailEnd type="none" w="med" len="med"/>
+                    </a:lnR>
+                    <a:lnT w="6350" cap="flat" cmpd="sng" algn="ctr">
+                      <a:solidFill>
+                        <a:srgbClr val="000000"/>
+                      </a:solidFill>
+                      <a:prstDash val="solid"/>
+                      <a:round/>
+                      <a:headEnd type="none" w="med" len="med"/>
+                      <a:tailEnd type="none" w="med" len="med"/>
+                    </a:lnT>
+                    <a:lnB w="6350" cap="flat" cmpd="sng" algn="ctr">
+                      <a:solidFill>
+                        <a:srgbClr val="000000"/>
+                      </a:solidFill>
+                      <a:prstDash val="solid"/>
+                      <a:round/>
+                      <a:headEnd type="none" w="med" len="med"/>
+                      <a:tailEnd type="none" w="med" len="med"/>
+                    </a:lnB>
+                    <a:solidFill>
+                      <a:srgbClr val="EBF1DE"/>
+                    </a:solidFill>
+                  </a:tcPr>
+                </a:tc>
+                <a:tc>
+                  <a:txBody>
+                    <a:bodyPr/>
+                    <a:lstStyle/>
+                    <a:p>
+                      <a:pPr algn="ctr" fontAlgn="b"/>
+                      <a:r>
+                        <a:rPr lang="en-US" sz="1200" b="0" i="0" u="none" strike="noStrike" dirty="0">
+                          <a:solidFill>
+                            <a:srgbClr val="000000"/>
+                          </a:solidFill>
+                          <a:effectLst/>
+                          <a:latin typeface="Calibri"/>
+                        </a:rPr>
+                        <a:t>1.00</a:t>
+                      </a:r>
+                    </a:p>
+                  </a:txBody>
+                  <a:tcPr marL="9427" marR="9427" marT="9427" marB="0" anchor="b">
+                    <a:lnL w="6350" cap="flat" cmpd="sng" algn="ctr">
+                      <a:solidFill>
+                        <a:srgbClr val="000000"/>
+                      </a:solidFill>
+                      <a:prstDash val="solid"/>
+                      <a:round/>
+                      <a:headEnd type="none" w="med" len="med"/>
+                      <a:tailEnd type="none" w="med" len="med"/>
+                    </a:lnL>
+                    <a:lnR w="6350" cap="flat" cmpd="sng" algn="ctr">
+                      <a:solidFill>
+                        <a:srgbClr val="000000"/>
+                      </a:solidFill>
+                      <a:prstDash val="solid"/>
+                      <a:round/>
+                      <a:headEnd type="none" w="med" len="med"/>
+                      <a:tailEnd type="none" w="med" len="med"/>
+                    </a:lnR>
+                    <a:lnT w="6350" cap="flat" cmpd="sng" algn="ctr">
+                      <a:solidFill>
+                        <a:srgbClr val="000000"/>
+                      </a:solidFill>
+                      <a:prstDash val="solid"/>
+                      <a:round/>
+                      <a:headEnd type="none" w="med" len="med"/>
+                      <a:tailEnd type="none" w="med" len="med"/>
+                    </a:lnT>
+                    <a:lnB w="6350" cap="flat" cmpd="sng" algn="ctr">
+                      <a:solidFill>
+                        <a:srgbClr val="000000"/>
+                      </a:solidFill>
+                      <a:prstDash val="solid"/>
+                      <a:round/>
+                      <a:headEnd type="none" w="med" len="med"/>
+                      <a:tailEnd type="none" w="med" len="med"/>
+                    </a:lnB>
+                    <a:solidFill>
+                      <a:srgbClr val="EBF1DE"/>
+                    </a:solidFill>
+                  </a:tcPr>
+                </a:tc>
+                <a:extLst>
+                  <a:ext uri="{0D108BD9-81ED-4DB2-BD59-A6C34878D82A}">
+                    <a16:rowId xmlns:a16="http://schemas.microsoft.com/office/drawing/2014/main" val="10004"/>
+                  </a:ext>
+                </a:extLst>
+              </a:tr>
+              <a:tr h="261521">
+                <a:tc>
+                  <a:txBody>
+                    <a:bodyPr/>
+                    <a:lstStyle/>
+                    <a:p>
+                      <a:pPr algn="ctr" fontAlgn="b"/>
+                      <a:r>
+                        <a:rPr lang="en-US" sz="1200" b="0" i="0" u="none" strike="noStrike">
+                          <a:solidFill>
+                            <a:srgbClr val="000000"/>
+                          </a:solidFill>
+                          <a:effectLst/>
+                          <a:latin typeface="Calibri"/>
+                        </a:rPr>
+                        <a:t>24.59</a:t>
+                      </a:r>
+                    </a:p>
+                  </a:txBody>
+                  <a:tcPr marL="9427" marR="9427" marT="9427" marB="0" anchor="b">
+                    <a:lnL>
+                      <a:noFill/>
+                    </a:lnL>
+                    <a:lnR>
+                      <a:noFill/>
+                    </a:lnR>
+                    <a:lnT>
+                      <a:noFill/>
+                    </a:lnT>
+                    <a:lnB>
+                      <a:noFill/>
+                    </a:lnB>
+                  </a:tcPr>
+                </a:tc>
+                <a:tc>
+                  <a:txBody>
+                    <a:bodyPr/>
+                    <a:lstStyle/>
+                    <a:p>
+                      <a:pPr algn="ctr" fontAlgn="b"/>
+                      <a:r>
+                        <a:rPr lang="en-US" sz="1200" b="0" i="0" u="none" strike="noStrike">
+                          <a:solidFill>
+                            <a:srgbClr val="000000"/>
+                          </a:solidFill>
+                          <a:effectLst/>
+                          <a:latin typeface="Calibri"/>
+                        </a:rPr>
+                        <a:t>3.61</a:t>
+                      </a:r>
+                    </a:p>
+                  </a:txBody>
+                  <a:tcPr marL="9427" marR="9427" marT="9427" marB="0" anchor="b">
+                    <a:lnL>
+                      <a:noFill/>
+                    </a:lnL>
+                    <a:lnR>
+                      <a:noFill/>
+                    </a:lnR>
+                    <a:lnT>
+                      <a:noFill/>
+                    </a:lnT>
+                    <a:lnB>
+                      <a:noFill/>
+                    </a:lnB>
+                  </a:tcPr>
+                </a:tc>
+                <a:tc>
+                  <a:txBody>
+                    <a:bodyPr/>
+                    <a:lstStyle/>
+                    <a:p>
+                      <a:pPr algn="ctr" fontAlgn="b"/>
+                      <a:r>
+                        <a:rPr lang="en-US" sz="1200" b="0" i="0" u="none" strike="noStrike">
+                          <a:solidFill>
+                            <a:srgbClr val="000000"/>
+                          </a:solidFill>
+                          <a:effectLst/>
+                          <a:latin typeface="Calibri"/>
+                        </a:rPr>
+                        <a:t>Dinner</a:t>
+                      </a:r>
+                    </a:p>
+                  </a:txBody>
+                  <a:tcPr marL="9427" marR="9427" marT="9427" marB="0" anchor="b">
+                    <a:lnL>
+                      <a:noFill/>
+                    </a:lnL>
+                    <a:lnR w="6350" cap="flat" cmpd="sng" algn="ctr">
+                      <a:solidFill>
+                        <a:srgbClr val="000000"/>
+                      </a:solidFill>
+                      <a:prstDash val="solid"/>
+                      <a:round/>
+                      <a:headEnd type="none" w="med" len="med"/>
+                      <a:tailEnd type="none" w="med" len="med"/>
+                    </a:lnR>
+                    <a:lnT>
+                      <a:noFill/>
+                    </a:lnT>
+                    <a:lnB>
+                      <a:noFill/>
+                    </a:lnB>
+                  </a:tcPr>
+                </a:tc>
+                <a:tc>
+                  <a:txBody>
+                    <a:bodyPr/>
+                    <a:lstStyle/>
+                    <a:p>
+                      <a:pPr algn="ctr" fontAlgn="b"/>
+                      <a:r>
+                        <a:rPr lang="en-US" sz="1200" b="0" i="0" u="none" strike="noStrike">
+                          <a:solidFill>
+                            <a:srgbClr val="000000"/>
+                          </a:solidFill>
+                          <a:effectLst/>
+                          <a:latin typeface="Calibri"/>
+                        </a:rPr>
+                        <a:t>0.15</a:t>
+                      </a:r>
+                    </a:p>
+                  </a:txBody>
+                  <a:tcPr marL="9427" marR="9427" marT="9427" marB="0" anchor="b">
+                    <a:lnL w="6350" cap="flat" cmpd="sng" algn="ctr">
+                      <a:solidFill>
+                        <a:srgbClr val="000000"/>
+                      </a:solidFill>
+                      <a:prstDash val="solid"/>
+                      <a:round/>
+                      <a:headEnd type="none" w="med" len="med"/>
+                      <a:tailEnd type="none" w="med" len="med"/>
+                    </a:lnL>
+                    <a:lnR w="6350" cap="flat" cmpd="sng" algn="ctr">
+                      <a:solidFill>
+                        <a:srgbClr val="000000"/>
+                      </a:solidFill>
+                      <a:prstDash val="solid"/>
+                      <a:round/>
+                      <a:headEnd type="none" w="med" len="med"/>
+                      <a:tailEnd type="none" w="med" len="med"/>
+                    </a:lnR>
+                    <a:lnT w="6350" cap="flat" cmpd="sng" algn="ctr">
+                      <a:solidFill>
+                        <a:srgbClr val="000000"/>
+                      </a:solidFill>
+                      <a:prstDash val="solid"/>
+                      <a:round/>
+                      <a:headEnd type="none" w="med" len="med"/>
+                      <a:tailEnd type="none" w="med" len="med"/>
+                    </a:lnT>
+                    <a:lnB w="6350" cap="flat" cmpd="sng" algn="ctr">
+                      <a:solidFill>
+                        <a:srgbClr val="000000"/>
+                      </a:solidFill>
+                      <a:prstDash val="solid"/>
+                      <a:round/>
+                      <a:headEnd type="none" w="med" len="med"/>
+                      <a:tailEnd type="none" w="med" len="med"/>
+                    </a:lnB>
+                    <a:solidFill>
+                      <a:srgbClr val="EBF1DE"/>
+                    </a:solidFill>
+                  </a:tcPr>
+                </a:tc>
+                <a:tc>
+                  <a:txBody>
+                    <a:bodyPr/>
+                    <a:lstStyle/>
+                    <a:p>
+                      <a:pPr algn="ctr" fontAlgn="b"/>
+                      <a:r>
+                        <a:rPr lang="en-US" sz="1200" b="0" i="0" u="none" strike="noStrike">
+                          <a:solidFill>
+                            <a:srgbClr val="000000"/>
+                          </a:solidFill>
+                          <a:effectLst/>
+                          <a:latin typeface="Calibri"/>
+                        </a:rPr>
+                        <a:t>0.15</a:t>
+                      </a:r>
+                    </a:p>
+                  </a:txBody>
+                  <a:tcPr marL="9427" marR="9427" marT="9427" marB="0" anchor="b">
+                    <a:lnL w="6350" cap="flat" cmpd="sng" algn="ctr">
+                      <a:solidFill>
+                        <a:srgbClr val="000000"/>
+                      </a:solidFill>
+                      <a:prstDash val="solid"/>
+                      <a:round/>
+                      <a:headEnd type="none" w="med" len="med"/>
+                      <a:tailEnd type="none" w="med" len="med"/>
+                    </a:lnL>
+                    <a:lnR w="6350" cap="flat" cmpd="sng" algn="ctr">
+                      <a:solidFill>
+                        <a:srgbClr val="000000"/>
+                      </a:solidFill>
+                      <a:prstDash val="solid"/>
+                      <a:round/>
+                      <a:headEnd type="none" w="med" len="med"/>
+                      <a:tailEnd type="none" w="med" len="med"/>
+                    </a:lnR>
+                    <a:lnT w="6350" cap="flat" cmpd="sng" algn="ctr">
+                      <a:solidFill>
+                        <a:srgbClr val="000000"/>
+                      </a:solidFill>
+                      <a:prstDash val="solid"/>
+                      <a:round/>
+                      <a:headEnd type="none" w="med" len="med"/>
+                      <a:tailEnd type="none" w="med" len="med"/>
+                    </a:lnT>
+                    <a:lnB w="6350" cap="flat" cmpd="sng" algn="ctr">
+                      <a:solidFill>
+                        <a:srgbClr val="000000"/>
+                      </a:solidFill>
+                      <a:prstDash val="solid"/>
+                      <a:round/>
+                      <a:headEnd type="none" w="med" len="med"/>
+                      <a:tailEnd type="none" w="med" len="med"/>
+                    </a:lnB>
+                    <a:solidFill>
+                      <a:srgbClr val="EBF1DE"/>
+                    </a:solidFill>
+                  </a:tcPr>
+                </a:tc>
+                <a:tc>
+                  <a:txBody>
+                    <a:bodyPr/>
+                    <a:lstStyle/>
+                    <a:p>
+                      <a:pPr algn="ctr" fontAlgn="b"/>
+                      <a:r>
+                        <a:rPr lang="en-US" sz="1200" b="0" i="0" u="none" strike="noStrike" dirty="0">
+                          <a:solidFill>
+                            <a:srgbClr val="000000"/>
+                          </a:solidFill>
+                          <a:effectLst/>
+                          <a:latin typeface="Calibri"/>
+                        </a:rPr>
+                        <a:t> </a:t>
+                      </a:r>
+                    </a:p>
+                  </a:txBody>
+                  <a:tcPr marL="9427" marR="9427" marT="9427" marB="0" anchor="b">
+                    <a:lnL w="6350" cap="flat" cmpd="sng" algn="ctr">
+                      <a:solidFill>
+                        <a:srgbClr val="000000"/>
+                      </a:solidFill>
+                      <a:prstDash val="solid"/>
+                      <a:round/>
+                      <a:headEnd type="none" w="med" len="med"/>
+                      <a:tailEnd type="none" w="med" len="med"/>
+                    </a:lnL>
+                    <a:lnR w="6350" cap="flat" cmpd="sng" algn="ctr">
+                      <a:solidFill>
+                        <a:srgbClr val="000000"/>
+                      </a:solidFill>
+                      <a:prstDash val="solid"/>
+                      <a:round/>
+                      <a:headEnd type="none" w="med" len="med"/>
+                      <a:tailEnd type="none" w="med" len="med"/>
+                    </a:lnR>
+                    <a:lnT w="6350" cap="flat" cmpd="sng" algn="ctr">
+                      <a:solidFill>
+                        <a:srgbClr val="000000"/>
+                      </a:solidFill>
+                      <a:prstDash val="solid"/>
+                      <a:round/>
+                      <a:headEnd type="none" w="med" len="med"/>
+                      <a:tailEnd type="none" w="med" len="med"/>
+                    </a:lnT>
+                    <a:lnB w="6350" cap="flat" cmpd="sng" algn="ctr">
+                      <a:solidFill>
+                        <a:srgbClr val="000000"/>
+                      </a:solidFill>
+                      <a:prstDash val="solid"/>
+                      <a:round/>
+                      <a:headEnd type="none" w="med" len="med"/>
+                      <a:tailEnd type="none" w="med" len="med"/>
+                    </a:lnB>
+                    <a:solidFill>
+                      <a:srgbClr val="EBF1DE"/>
+                    </a:solidFill>
+                  </a:tcPr>
+                </a:tc>
+                <a:tc>
+                  <a:txBody>
+                    <a:bodyPr/>
+                    <a:lstStyle/>
+                    <a:p>
+                      <a:pPr algn="ctr" fontAlgn="b"/>
+                      <a:r>
+                        <a:rPr lang="en-US" sz="1200" b="0" i="0" u="none" strike="noStrike">
+                          <a:solidFill>
+                            <a:srgbClr val="000000"/>
+                          </a:solidFill>
+                          <a:effectLst/>
+                          <a:latin typeface="Calibri"/>
+                        </a:rPr>
+                        <a:t> </a:t>
+                      </a:r>
+                    </a:p>
+                  </a:txBody>
+                  <a:tcPr marL="9427" marR="9427" marT="9427" marB="0" anchor="b">
+                    <a:lnL w="6350" cap="flat" cmpd="sng" algn="ctr">
+                      <a:solidFill>
+                        <a:srgbClr val="000000"/>
+                      </a:solidFill>
+                      <a:prstDash val="solid"/>
+                      <a:round/>
+                      <a:headEnd type="none" w="med" len="med"/>
+                      <a:tailEnd type="none" w="med" len="med"/>
+                    </a:lnL>
+                    <a:lnR w="6350" cap="flat" cmpd="sng" algn="ctr">
+                      <a:solidFill>
+                        <a:srgbClr val="000000"/>
+                      </a:solidFill>
+                      <a:prstDash val="solid"/>
+                      <a:round/>
+                      <a:headEnd type="none" w="med" len="med"/>
+                      <a:tailEnd type="none" w="med" len="med"/>
+                    </a:lnR>
+                    <a:lnT>
+                      <a:noFill/>
+                    </a:lnT>
+                    <a:lnB>
+                      <a:noFill/>
+                    </a:lnB>
+                    <a:solidFill>
+                      <a:srgbClr val="FFFFFF"/>
+                    </a:solidFill>
+                  </a:tcPr>
+                </a:tc>
+                <a:tc>
+                  <a:txBody>
+                    <a:bodyPr/>
+                    <a:lstStyle/>
+                    <a:p>
+                      <a:pPr algn="l" fontAlgn="b"/>
+                      <a:r>
+                        <a:rPr lang="en-US" sz="1200" b="0" i="0" u="none" strike="noStrike" dirty="0">
+                          <a:solidFill>
+                            <a:srgbClr val="000000"/>
+                          </a:solidFill>
+                          <a:effectLst/>
+                          <a:latin typeface="Calibri"/>
+                        </a:rPr>
+                        <a:t>average dinner tip rates</a:t>
+                      </a:r>
+                    </a:p>
+                  </a:txBody>
+                  <a:tcPr marL="9427" marR="9427" marT="9427" marB="0" anchor="b">
+                    <a:lnL w="6350" cap="flat" cmpd="sng" algn="ctr">
+                      <a:solidFill>
+                        <a:srgbClr val="000000"/>
+                      </a:solidFill>
+                      <a:prstDash val="solid"/>
+                      <a:round/>
+                      <a:headEnd type="none" w="med" len="med"/>
+                      <a:tailEnd type="none" w="med" len="med"/>
+                    </a:lnL>
+                    <a:lnR w="6350" cap="flat" cmpd="sng" algn="ctr">
+                      <a:solidFill>
+                        <a:srgbClr val="000000"/>
+                      </a:solidFill>
+                      <a:prstDash val="solid"/>
+                      <a:round/>
+                      <a:headEnd type="none" w="med" len="med"/>
+                      <a:tailEnd type="none" w="med" len="med"/>
+                    </a:lnR>
+                    <a:lnT w="6350" cap="flat" cmpd="sng" algn="ctr">
+                      <a:solidFill>
+                        <a:srgbClr val="000000"/>
+                      </a:solidFill>
+                      <a:prstDash val="solid"/>
+                      <a:round/>
+                      <a:headEnd type="none" w="med" len="med"/>
+                      <a:tailEnd type="none" w="med" len="med"/>
+                    </a:lnT>
+                    <a:lnB w="6350" cap="flat" cmpd="sng" algn="ctr">
+                      <a:solidFill>
+                        <a:srgbClr val="000000"/>
+                      </a:solidFill>
+                      <a:prstDash val="solid"/>
+                      <a:round/>
+                      <a:headEnd type="none" w="med" len="med"/>
+                      <a:tailEnd type="none" w="med" len="med"/>
+                    </a:lnB>
+                    <a:solidFill>
+                      <a:srgbClr val="EBF1DE"/>
+                    </a:solidFill>
+                  </a:tcPr>
+                </a:tc>
+                <a:tc>
+                  <a:txBody>
+                    <a:bodyPr/>
+                    <a:lstStyle/>
+                    <a:p>
+                      <a:pPr algn="ctr" fontAlgn="b"/>
+                      <a:r>
+                        <a:rPr lang="en-US" sz="1200" b="0" i="0" u="none" strike="noStrike" dirty="0">
                           <a:solidFill>
                             <a:srgbClr val="000000"/>
                           </a:solidFill>
@@ -14065,6 +15393,13 @@
                     </a:solidFill>
                   </a:tcPr>
                 </a:tc>
+                <a:extLst>
+                  <a:ext uri="{0D108BD9-81ED-4DB2-BD59-A6C34878D82A}">
+                    <a16:rowId xmlns:a16="http://schemas.microsoft.com/office/drawing/2014/main" val="10005"/>
+                  </a:ext>
+                </a:extLst>
+              </a:tr>
+              <a:tr h="261521">
                 <a:tc>
                   <a:txBody>
                     <a:bodyPr/>
@@ -14072,14 +15407,119 @@
                     <a:p>
                       <a:pPr algn="ctr" fontAlgn="b"/>
                       <a:r>
-                        <a:rPr lang="en-US" sz="900" b="0" i="0" u="none" strike="noStrike">
+                        <a:rPr lang="en-US" sz="1200" b="0" i="0" u="none" strike="noStrike">
                           <a:solidFill>
                             <a:srgbClr val="000000"/>
                           </a:solidFill>
                           <a:effectLst/>
                           <a:latin typeface="Calibri"/>
                         </a:rPr>
-                        <a:t>1.66</a:t>
+                        <a:t>25.29</a:t>
+                      </a:r>
+                    </a:p>
+                  </a:txBody>
+                  <a:tcPr marL="9427" marR="9427" marT="9427" marB="0" anchor="b">
+                    <a:lnL>
+                      <a:noFill/>
+                    </a:lnL>
+                    <a:lnR>
+                      <a:noFill/>
+                    </a:lnR>
+                    <a:lnT>
+                      <a:noFill/>
+                    </a:lnT>
+                    <a:lnB>
+                      <a:noFill/>
+                    </a:lnB>
+                  </a:tcPr>
+                </a:tc>
+                <a:tc>
+                  <a:txBody>
+                    <a:bodyPr/>
+                    <a:lstStyle/>
+                    <a:p>
+                      <a:pPr algn="ctr" fontAlgn="b"/>
+                      <a:r>
+                        <a:rPr lang="en-US" sz="1200" b="0" i="0" u="none" strike="noStrike">
+                          <a:solidFill>
+                            <a:srgbClr val="000000"/>
+                          </a:solidFill>
+                          <a:effectLst/>
+                          <a:latin typeface="Calibri"/>
+                        </a:rPr>
+                        <a:t>4.71</a:t>
+                      </a:r>
+                    </a:p>
+                  </a:txBody>
+                  <a:tcPr marL="9427" marR="9427" marT="9427" marB="0" anchor="b">
+                    <a:lnL>
+                      <a:noFill/>
+                    </a:lnL>
+                    <a:lnR>
+                      <a:noFill/>
+                    </a:lnR>
+                    <a:lnT>
+                      <a:noFill/>
+                    </a:lnT>
+                    <a:lnB>
+                      <a:noFill/>
+                    </a:lnB>
+                  </a:tcPr>
+                </a:tc>
+                <a:tc>
+                  <a:txBody>
+                    <a:bodyPr/>
+                    <a:lstStyle/>
+                    <a:p>
+                      <a:pPr algn="ctr" fontAlgn="b"/>
+                      <a:r>
+                        <a:rPr lang="en-US" sz="1200" b="0" i="0" u="none" strike="noStrike">
+                          <a:solidFill>
+                            <a:srgbClr val="000000"/>
+                          </a:solidFill>
+                          <a:effectLst/>
+                          <a:latin typeface="Calibri"/>
+                        </a:rPr>
+                        <a:t>Dinner</a:t>
+                      </a:r>
+                    </a:p>
+                  </a:txBody>
+                  <a:tcPr marL="9427" marR="9427" marT="9427" marB="0" anchor="b">
+                    <a:lnL>
+                      <a:noFill/>
+                    </a:lnL>
+                    <a:lnR w="6350" cap="flat" cmpd="sng" algn="ctr">
+                      <a:solidFill>
+                        <a:srgbClr val="000000"/>
+                      </a:solidFill>
+                      <a:prstDash val="solid"/>
+                      <a:round/>
+                      <a:headEnd type="none" w="med" len="med"/>
+                      <a:tailEnd type="none" w="med" len="med"/>
+                    </a:lnR>
+                    <a:lnT>
+                      <a:noFill/>
+                    </a:lnT>
+                    <a:lnB>
+                      <a:noFill/>
+                    </a:lnB>
+                  </a:tcPr>
+                </a:tc>
+                <a:tc>
+                  <a:txBody>
+                    <a:bodyPr/>
+                    <a:lstStyle/>
+                    <a:p>
+                      <a:pPr algn="ctr" fontAlgn="b"/>
+                      <a:r>
+                        <a:rPr lang="en-US" sz="1200" b="0" i="0" u="none" strike="noStrike">
+                          <a:solidFill>
+                            <a:srgbClr val="000000"/>
+                          </a:solidFill>
+                          <a:effectLst/>
+                          <a:latin typeface="Calibri"/>
+                        </a:rPr>
+                        <a:t>0.19</a:t>
                       </a:r>
                     </a:p>
                   </a:txBody>
@@ -14132,7 +15572,67 @@
                     <a:p>
                       <a:pPr algn="ctr" fontAlgn="b"/>
                       <a:r>
-                        <a:rPr lang="en-US" sz="900" b="0" i="0" u="none" strike="noStrike">
+                        <a:rPr lang="en-US" sz="1200" b="0" i="0" u="none" strike="noStrike">
+                          <a:solidFill>
+                            <a:srgbClr val="000000"/>
+                          </a:solidFill>
+                          <a:effectLst/>
+                          <a:latin typeface="Calibri"/>
+                        </a:rPr>
+                        <a:t>0.19</a:t>
+                      </a:r>
+                    </a:p>
+                  </a:txBody>
+                  <a:tcPr marL="9427" marR="9427" marT="9427" marB="0" anchor="b">
+                    <a:lnL w="6350" cap="flat" cmpd="sng" algn="ctr">
+                      <a:solidFill>
+                        <a:srgbClr val="000000"/>
+                      </a:solidFill>
+                      <a:prstDash val="solid"/>
+                      <a:round/>
+                      <a:headEnd type="none" w="med" len="med"/>
+                      <a:tailEnd type="none" w="med" len="med"/>
+                    </a:lnL>
+                    <a:lnR w="6350" cap="flat" cmpd="sng" algn="ctr">
+                      <a:solidFill>
+                        <a:srgbClr val="000000"/>
+                      </a:solidFill>
+                      <a:prstDash val="solid"/>
+                      <a:round/>
+                      <a:headEnd type="none" w="med" len="med"/>
+                      <a:tailEnd type="none" w="med" len="med"/>
+                    </a:lnR>
+                    <a:lnT w="6350" cap="flat" cmpd="sng" algn="ctr">
+                      <a:solidFill>
+                        <a:srgbClr val="000000"/>
+                      </a:solidFill>
+                      <a:prstDash val="solid"/>
+                      <a:round/>
+                      <a:headEnd type="none" w="med" len="med"/>
+                      <a:tailEnd type="none" w="med" len="med"/>
+                    </a:lnT>
+                    <a:lnB w="6350" cap="flat" cmpd="sng" algn="ctr">
+                      <a:solidFill>
+                        <a:srgbClr val="000000"/>
+                      </a:solidFill>
+                      <a:prstDash val="solid"/>
+                      <a:round/>
+                      <a:headEnd type="none" w="med" len="med"/>
+                      <a:tailEnd type="none" w="med" len="med"/>
+                    </a:lnB>
+                    <a:solidFill>
+                      <a:srgbClr val="EBF1DE"/>
+                    </a:solidFill>
+                  </a:tcPr>
+                </a:tc>
+                <a:tc>
+                  <a:txBody>
+                    <a:bodyPr/>
+                    <a:lstStyle/>
+                    <a:p>
+                      <a:pPr algn="ctr" fontAlgn="b"/>
+                      <a:r>
+                        <a:rPr lang="en-US" sz="1200" b="0" i="0" u="none" strike="noStrike" dirty="0">
                           <a:solidFill>
                             <a:srgbClr val="000000"/>
                           </a:solidFill>
@@ -14192,7 +15692,115 @@
                     <a:p>
                       <a:pPr algn="ctr" fontAlgn="b"/>
                       <a:r>
-                        <a:rPr lang="en-US" sz="900" b="0" i="0" u="none" strike="noStrike">
+                        <a:rPr lang="en-US" sz="1200" b="0" i="0" u="none" strike="noStrike" dirty="0">
+                          <a:solidFill>
+                            <a:srgbClr val="000000"/>
+                          </a:solidFill>
+                          <a:effectLst/>
+                          <a:latin typeface="Calibri"/>
+                        </a:rPr>
+                        <a:t> </a:t>
+                      </a:r>
+                    </a:p>
+                  </a:txBody>
+                  <a:tcPr marL="9427" marR="9427" marT="9427" marB="0" anchor="b">
+                    <a:lnL w="6350" cap="flat" cmpd="sng" algn="ctr">
+                      <a:solidFill>
+                        <a:srgbClr val="000000"/>
+                      </a:solidFill>
+                      <a:prstDash val="solid"/>
+                      <a:round/>
+                      <a:headEnd type="none" w="med" len="med"/>
+                      <a:tailEnd type="none" w="med" len="med"/>
+                    </a:lnL>
+                    <a:lnR w="6350" cap="flat" cmpd="sng" algn="ctr">
+                      <a:solidFill>
+                        <a:srgbClr val="000000"/>
+                      </a:solidFill>
+                      <a:prstDash val="solid"/>
+                      <a:round/>
+                      <a:headEnd type="none" w="med" len="med"/>
+                      <a:tailEnd type="none" w="med" len="med"/>
+                    </a:lnR>
+                    <a:lnT>
+                      <a:noFill/>
+                    </a:lnT>
+                    <a:lnB>
+                      <a:noFill/>
+                    </a:lnB>
+                    <a:solidFill>
+                      <a:srgbClr val="FFFFFF"/>
+                    </a:solidFill>
+                  </a:tcPr>
+                </a:tc>
+                <a:tc>
+                  <a:txBody>
+                    <a:bodyPr/>
+                    <a:lstStyle/>
+                    <a:p>
+                      <a:pPr algn="l" fontAlgn="b"/>
+                      <a:r>
+                        <a:rPr lang="en-US" sz="1200" b="0" i="0" u="none" strike="noStrike" dirty="0">
+                          <a:solidFill>
+                            <a:srgbClr val="000000"/>
+                          </a:solidFill>
+                          <a:effectLst/>
+                          <a:latin typeface="Calibri"/>
+                        </a:rPr>
+                        <a:t>average lunch tip rates</a:t>
+                      </a:r>
+                    </a:p>
+                  </a:txBody>
+                  <a:tcPr marL="9427" marR="9427" marT="9427" marB="0" anchor="b">
+                    <a:lnL w="6350" cap="flat" cmpd="sng" algn="ctr">
+                      <a:solidFill>
+                        <a:srgbClr val="000000"/>
+                      </a:solidFill>
+                      <a:prstDash val="solid"/>
+                      <a:round/>
+                      <a:headEnd type="none" w="med" len="med"/>
+                      <a:tailEnd type="none" w="med" len="med"/>
+                    </a:lnL>
+                    <a:lnR w="6350" cap="flat" cmpd="sng" algn="ctr">
+                      <a:solidFill>
+                        <a:srgbClr val="000000"/>
+                      </a:solidFill>
+                      <a:prstDash val="solid"/>
+                      <a:round/>
+                      <a:headEnd type="none" w="med" len="med"/>
+                      <a:tailEnd type="none" w="med" len="med"/>
+                    </a:lnR>
+                    <a:lnT w="6350" cap="flat" cmpd="sng" algn="ctr">
+                      <a:solidFill>
+                        <a:srgbClr val="000000"/>
+                      </a:solidFill>
+                      <a:prstDash val="solid"/>
+                      <a:round/>
+                      <a:headEnd type="none" w="med" len="med"/>
+                      <a:tailEnd type="none" w="med" len="med"/>
+                    </a:lnT>
+                    <a:lnB w="6350" cap="flat" cmpd="sng" algn="ctr">
+                      <a:solidFill>
+                        <a:srgbClr val="000000"/>
+                      </a:solidFill>
+                      <a:prstDash val="solid"/>
+                      <a:round/>
+                      <a:headEnd type="none" w="med" len="med"/>
+                      <a:tailEnd type="none" w="med" len="med"/>
+                    </a:lnB>
+                    <a:solidFill>
+                      <a:srgbClr val="EBF1DE"/>
+                    </a:solidFill>
+                  </a:tcPr>
+                </a:tc>
+                <a:tc>
+                  <a:txBody>
+                    <a:bodyPr/>
+                    <a:lstStyle/>
+                    <a:p>
+                      <a:pPr algn="ctr" fontAlgn="b"/>
+                      <a:r>
+                        <a:rPr lang="en-US" sz="1200" b="0" i="0" u="none" strike="noStrike" dirty="0">
                           <a:solidFill>
                             <a:srgbClr val="000000"/>
                           </a:solidFill>
@@ -14245,6 +15853,13 @@
                     </a:solidFill>
                   </a:tcPr>
                 </a:tc>
+                <a:extLst>
+                  <a:ext uri="{0D108BD9-81ED-4DB2-BD59-A6C34878D82A}">
+                    <a16:rowId xmlns:a16="http://schemas.microsoft.com/office/drawing/2014/main" val="10006"/>
+                  </a:ext>
+                </a:extLst>
+              </a:tr>
+              <a:tr h="261521">
                 <a:tc>
                   <a:txBody>
                     <a:bodyPr/>
@@ -14252,7 +15867,232 @@
                     <a:p>
                       <a:pPr algn="ctr" fontAlgn="b"/>
                       <a:r>
-                        <a:rPr lang="en-US" sz="900" b="0" i="0" u="none" strike="noStrike">
+                        <a:rPr lang="en-US" sz="1200" b="0" i="0" u="none" strike="noStrike">
+                          <a:solidFill>
+                            <a:srgbClr val="000000"/>
+                          </a:solidFill>
+                          <a:effectLst/>
+                          <a:latin typeface="Calibri"/>
+                        </a:rPr>
+                        <a:t>8.77</a:t>
+                      </a:r>
+                    </a:p>
+                  </a:txBody>
+                  <a:tcPr marL="9427" marR="9427" marT="9427" marB="0" anchor="b">
+                    <a:lnL>
+                      <a:noFill/>
+                    </a:lnL>
+                    <a:lnR>
+                      <a:noFill/>
+                    </a:lnR>
+                    <a:lnT>
+                      <a:noFill/>
+                    </a:lnT>
+                    <a:lnB>
+                      <a:noFill/>
+                    </a:lnB>
+                  </a:tcPr>
+                </a:tc>
+                <a:tc>
+                  <a:txBody>
+                    <a:bodyPr/>
+                    <a:lstStyle/>
+                    <a:p>
+                      <a:pPr algn="ctr" fontAlgn="b"/>
+                      <a:r>
+                        <a:rPr lang="en-US" sz="1200" b="0" i="0" u="none" strike="noStrike">
+                          <a:solidFill>
+                            <a:srgbClr val="000000"/>
+                          </a:solidFill>
+                          <a:effectLst/>
+                          <a:latin typeface="Calibri"/>
+                        </a:rPr>
+                        <a:t>2</a:t>
+                      </a:r>
+                    </a:p>
+                  </a:txBody>
+                  <a:tcPr marL="9427" marR="9427" marT="9427" marB="0" anchor="b">
+                    <a:lnL>
+                      <a:noFill/>
+                    </a:lnL>
+                    <a:lnR>
+                      <a:noFill/>
+                    </a:lnR>
+                    <a:lnT>
+                      <a:noFill/>
+                    </a:lnT>
+                    <a:lnB>
+                      <a:noFill/>
+                    </a:lnB>
+                  </a:tcPr>
+                </a:tc>
+                <a:tc>
+                  <a:txBody>
+                    <a:bodyPr/>
+                    <a:lstStyle/>
+                    <a:p>
+                      <a:pPr algn="ctr" fontAlgn="b"/>
+                      <a:r>
+                        <a:rPr lang="en-US" sz="1200" b="0" i="0" u="none" strike="noStrike">
+                          <a:solidFill>
+                            <a:srgbClr val="000000"/>
+                          </a:solidFill>
+                          <a:effectLst/>
+                          <a:latin typeface="Calibri"/>
+                        </a:rPr>
+                        <a:t>Dinner</a:t>
+                      </a:r>
+                    </a:p>
+                  </a:txBody>
+                  <a:tcPr marL="9427" marR="9427" marT="9427" marB="0" anchor="b">
+                    <a:lnL>
+                      <a:noFill/>
+                    </a:lnL>
+                    <a:lnR w="6350" cap="flat" cmpd="sng" algn="ctr">
+                      <a:solidFill>
+                        <a:srgbClr val="000000"/>
+                      </a:solidFill>
+                      <a:prstDash val="solid"/>
+                      <a:round/>
+                      <a:headEnd type="none" w="med" len="med"/>
+                      <a:tailEnd type="none" w="med" len="med"/>
+                    </a:lnR>
+                    <a:lnT>
+                      <a:noFill/>
+                    </a:lnT>
+                    <a:lnB>
+                      <a:noFill/>
+                    </a:lnB>
+                  </a:tcPr>
+                </a:tc>
+                <a:tc>
+                  <a:txBody>
+                    <a:bodyPr/>
+                    <a:lstStyle/>
+                    <a:p>
+                      <a:pPr algn="ctr" fontAlgn="b"/>
+                      <a:r>
+                        <a:rPr lang="en-US" sz="1200" b="0" i="0" u="none" strike="noStrike">
+                          <a:solidFill>
+                            <a:srgbClr val="000000"/>
+                          </a:solidFill>
+                          <a:effectLst/>
+                          <a:latin typeface="Calibri"/>
+                        </a:rPr>
+                        <a:t>0.23</a:t>
+                      </a:r>
+                    </a:p>
+                  </a:txBody>
+                  <a:tcPr marL="9427" marR="9427" marT="9427" marB="0" anchor="b">
+                    <a:lnL w="6350" cap="flat" cmpd="sng" algn="ctr">
+                      <a:solidFill>
+                        <a:srgbClr val="000000"/>
+                      </a:solidFill>
+                      <a:prstDash val="solid"/>
+                      <a:round/>
+                      <a:headEnd type="none" w="med" len="med"/>
+                      <a:tailEnd type="none" w="med" len="med"/>
+                    </a:lnL>
+                    <a:lnR w="6350" cap="flat" cmpd="sng" algn="ctr">
+                      <a:solidFill>
+                        <a:srgbClr val="000000"/>
+                      </a:solidFill>
+                      <a:prstDash val="solid"/>
+                      <a:round/>
+                      <a:headEnd type="none" w="med" len="med"/>
+                      <a:tailEnd type="none" w="med" len="med"/>
+                    </a:lnR>
+                    <a:lnT w="6350" cap="flat" cmpd="sng" algn="ctr">
+                      <a:solidFill>
+                        <a:srgbClr val="000000"/>
+                      </a:solidFill>
+                      <a:prstDash val="solid"/>
+                      <a:round/>
+                      <a:headEnd type="none" w="med" len="med"/>
+                      <a:tailEnd type="none" w="med" len="med"/>
+                    </a:lnT>
+                    <a:lnB w="6350" cap="flat" cmpd="sng" algn="ctr">
+                      <a:solidFill>
+                        <a:srgbClr val="000000"/>
+                      </a:solidFill>
+                      <a:prstDash val="solid"/>
+                      <a:round/>
+                      <a:headEnd type="none" w="med" len="med"/>
+                      <a:tailEnd type="none" w="med" len="med"/>
+                    </a:lnB>
+                    <a:solidFill>
+                      <a:srgbClr val="EBF1DE"/>
+                    </a:solidFill>
+                  </a:tcPr>
+                </a:tc>
+                <a:tc>
+                  <a:txBody>
+                    <a:bodyPr/>
+                    <a:lstStyle/>
+                    <a:p>
+                      <a:pPr algn="ctr" fontAlgn="b"/>
+                      <a:r>
+                        <a:rPr lang="en-US" sz="1200" b="0" i="0" u="none" strike="noStrike">
+                          <a:solidFill>
+                            <a:srgbClr val="000000"/>
+                          </a:solidFill>
+                          <a:effectLst/>
+                          <a:latin typeface="Calibri"/>
+                        </a:rPr>
+                        <a:t>0.23</a:t>
+                      </a:r>
+                    </a:p>
+                  </a:txBody>
+                  <a:tcPr marL="9427" marR="9427" marT="9427" marB="0" anchor="b">
+                    <a:lnL w="6350" cap="flat" cmpd="sng" algn="ctr">
+                      <a:solidFill>
+                        <a:srgbClr val="000000"/>
+                      </a:solidFill>
+                      <a:prstDash val="solid"/>
+                      <a:round/>
+                      <a:headEnd type="none" w="med" len="med"/>
+                      <a:tailEnd type="none" w="med" len="med"/>
+                    </a:lnL>
+                    <a:lnR w="6350" cap="flat" cmpd="sng" algn="ctr">
+                      <a:solidFill>
+                        <a:srgbClr val="000000"/>
+                      </a:solidFill>
+                      <a:prstDash val="solid"/>
+                      <a:round/>
+                      <a:headEnd type="none" w="med" len="med"/>
+                      <a:tailEnd type="none" w="med" len="med"/>
+                    </a:lnR>
+                    <a:lnT w="6350" cap="flat" cmpd="sng" algn="ctr">
+                      <a:solidFill>
+                        <a:srgbClr val="000000"/>
+                      </a:solidFill>
+                      <a:prstDash val="solid"/>
+                      <a:round/>
+                      <a:headEnd type="none" w="med" len="med"/>
+                      <a:tailEnd type="none" w="med" len="med"/>
+                    </a:lnT>
+                    <a:lnB w="6350" cap="flat" cmpd="sng" algn="ctr">
+                      <a:solidFill>
+                        <a:srgbClr val="000000"/>
+                      </a:solidFill>
+                      <a:prstDash val="solid"/>
+                      <a:round/>
+                      <a:headEnd type="none" w="med" len="med"/>
+                      <a:tailEnd type="none" w="med" len="med"/>
+                    </a:lnB>
+                    <a:solidFill>
+                      <a:srgbClr val="EBF1DE"/>
+                    </a:solidFill>
+                  </a:tcPr>
+                </a:tc>
+                <a:tc>
+                  <a:txBody>
+                    <a:bodyPr/>
+                    <a:lstStyle/>
+                    <a:p>
+                      <a:pPr algn="ctr" fontAlgn="b"/>
+                      <a:r>
+                        <a:rPr lang="en-US" sz="1200" b="0" i="0" u="none" strike="noStrike">
                           <a:solidFill>
                             <a:srgbClr val="000000"/>
                           </a:solidFill>
@@ -14312,7 +16152,7 @@
                     <a:p>
                       <a:pPr algn="ctr" fontAlgn="b"/>
                       <a:r>
-                        <a:rPr lang="en-US" sz="900" b="0" i="0" u="none" strike="noStrike">
+                        <a:rPr lang="en-US" sz="1200" b="0" i="0" u="none" strike="noStrike" dirty="0">
                           <a:solidFill>
                             <a:srgbClr val="000000"/>
                           </a:solidFill>
@@ -14359,127 +16199,187 @@
                     <a:lstStyle/>
                     <a:p>
                       <a:pPr algn="l" fontAlgn="b"/>
+                      <a:endParaRPr lang="en-US" sz="1200" b="0" i="0" u="none" strike="noStrike" dirty="0">
+                        <a:solidFill>
+                          <a:srgbClr val="000000"/>
+                        </a:solidFill>
+                        <a:effectLst/>
+                        <a:latin typeface="Calibri"/>
+                      </a:endParaRPr>
+                    </a:p>
+                  </a:txBody>
+                  <a:tcPr marL="9427" marR="9427" marT="9427" marB="0" anchor="b">
+                    <a:lnL w="6350" cap="flat" cmpd="sng" algn="ctr">
+                      <a:solidFill>
+                        <a:srgbClr val="000000"/>
+                      </a:solidFill>
+                      <a:prstDash val="solid"/>
+                      <a:round/>
+                      <a:headEnd type="none" w="med" len="med"/>
+                      <a:tailEnd type="none" w="med" len="med"/>
+                    </a:lnL>
+                    <a:lnR w="6350" cap="flat" cmpd="sng" algn="ctr">
+                      <a:solidFill>
+                        <a:srgbClr val="000000"/>
+                      </a:solidFill>
+                      <a:prstDash val="solid"/>
+                      <a:round/>
+                      <a:headEnd type="none" w="med" len="med"/>
+                      <a:tailEnd type="none" w="med" len="med"/>
+                    </a:lnR>
+                    <a:lnT w="6350" cap="flat" cmpd="sng" algn="ctr">
+                      <a:solidFill>
+                        <a:srgbClr val="000000"/>
+                      </a:solidFill>
+                      <a:prstDash val="solid"/>
+                      <a:round/>
+                      <a:headEnd type="none" w="med" len="med"/>
+                      <a:tailEnd type="none" w="med" len="med"/>
+                    </a:lnT>
+                    <a:lnB w="6350" cap="flat" cmpd="sng" algn="ctr">
+                      <a:solidFill>
+                        <a:srgbClr val="000000"/>
+                      </a:solidFill>
+                      <a:prstDash val="solid"/>
+                      <a:round/>
+                      <a:headEnd type="none" w="med" len="med"/>
+                      <a:tailEnd type="none" w="med" len="med"/>
+                    </a:lnB>
+                    <a:solidFill>
+                      <a:srgbClr val="EBF1DE"/>
+                    </a:solidFill>
+                  </a:tcPr>
+                </a:tc>
+                <a:tc>
+                  <a:txBody>
+                    <a:bodyPr/>
+                    <a:lstStyle/>
+                    <a:p>
+                      <a:pPr algn="r" fontAlgn="b"/>
+                      <a:endParaRPr lang="en-US" sz="1200" b="0" i="0" u="none" strike="noStrike" dirty="0">
+                        <a:solidFill>
+                          <a:srgbClr val="000000"/>
+                        </a:solidFill>
+                        <a:effectLst/>
+                        <a:latin typeface="Calibri"/>
+                      </a:endParaRPr>
+                    </a:p>
+                  </a:txBody>
+                  <a:tcPr marL="9427" marR="9427" marT="9427" marB="0" anchor="b">
+                    <a:lnL w="6350" cap="flat" cmpd="sng" algn="ctr">
+                      <a:solidFill>
+                        <a:srgbClr val="000000"/>
+                      </a:solidFill>
+                      <a:prstDash val="solid"/>
+                      <a:round/>
+                      <a:headEnd type="none" w="med" len="med"/>
+                      <a:tailEnd type="none" w="med" len="med"/>
+                    </a:lnL>
+                    <a:lnR w="6350" cap="flat" cmpd="sng" algn="ctr">
+                      <a:solidFill>
+                        <a:srgbClr val="000000"/>
+                      </a:solidFill>
+                      <a:prstDash val="solid"/>
+                      <a:round/>
+                      <a:headEnd type="none" w="med" len="med"/>
+                      <a:tailEnd type="none" w="med" len="med"/>
+                    </a:lnR>
+                    <a:lnT w="6350" cap="flat" cmpd="sng" algn="ctr">
+                      <a:solidFill>
+                        <a:srgbClr val="000000"/>
+                      </a:solidFill>
+                      <a:prstDash val="solid"/>
+                      <a:round/>
+                      <a:headEnd type="none" w="med" len="med"/>
+                      <a:tailEnd type="none" w="med" len="med"/>
+                    </a:lnT>
+                    <a:lnB w="6350" cap="flat" cmpd="sng" algn="ctr">
+                      <a:solidFill>
+                        <a:srgbClr val="000000"/>
+                      </a:solidFill>
+                      <a:prstDash val="solid"/>
+                      <a:round/>
+                      <a:headEnd type="none" w="med" len="med"/>
+                      <a:tailEnd type="none" w="med" len="med"/>
+                    </a:lnB>
+                    <a:solidFill>
+                      <a:srgbClr val="EBF1DE"/>
+                    </a:solidFill>
+                  </a:tcPr>
+                </a:tc>
+                <a:extLst>
+                  <a:ext uri="{0D108BD9-81ED-4DB2-BD59-A6C34878D82A}">
+                    <a16:rowId xmlns:a16="http://schemas.microsoft.com/office/drawing/2014/main" val="10007"/>
+                  </a:ext>
+                </a:extLst>
+              </a:tr>
+              <a:tr h="261521">
+                <a:tc>
+                  <a:txBody>
+                    <a:bodyPr/>
+                    <a:lstStyle/>
+                    <a:p>
+                      <a:pPr algn="ctr" fontAlgn="b"/>
                       <a:r>
-                        <a:rPr lang="en-US" sz="900" b="0" i="0" u="none" strike="noStrike">
+                        <a:rPr lang="en-US" sz="1200" b="0" i="0" u="none" strike="noStrike">
                           <a:solidFill>
                             <a:srgbClr val="000000"/>
                           </a:solidFill>
                           <a:effectLst/>
                           <a:latin typeface="Calibri"/>
                         </a:rPr>
-                        <a:t># tips &gt; $4.5</a:t>
+                        <a:t>26.88</a:t>
                       </a:r>
                     </a:p>
                   </a:txBody>
                   <a:tcPr marL="9427" marR="9427" marT="9427" marB="0" anchor="b">
-                    <a:lnL w="6350" cap="flat" cmpd="sng" algn="ctr">
-                      <a:solidFill>
-                        <a:srgbClr val="000000"/>
-                      </a:solidFill>
-                      <a:prstDash val="solid"/>
-                      <a:round/>
-                      <a:headEnd type="none" w="med" len="med"/>
-                      <a:tailEnd type="none" w="med" len="med"/>
-                    </a:lnL>
-                    <a:lnR w="6350" cap="flat" cmpd="sng" algn="ctr">
-                      <a:solidFill>
-                        <a:srgbClr val="000000"/>
-                      </a:solidFill>
-                      <a:prstDash val="solid"/>
-                      <a:round/>
-                      <a:headEnd type="none" w="med" len="med"/>
-                      <a:tailEnd type="none" w="med" len="med"/>
-                    </a:lnR>
-                    <a:lnT w="6350" cap="flat" cmpd="sng" algn="ctr">
-                      <a:solidFill>
-                        <a:srgbClr val="000000"/>
-                      </a:solidFill>
-                      <a:prstDash val="solid"/>
-                      <a:round/>
-                      <a:headEnd type="none" w="med" len="med"/>
-                      <a:tailEnd type="none" w="med" len="med"/>
-                    </a:lnT>
-                    <a:lnB w="6350" cap="flat" cmpd="sng" algn="ctr">
-                      <a:solidFill>
-                        <a:srgbClr val="000000"/>
-                      </a:solidFill>
-                      <a:prstDash val="solid"/>
-                      <a:round/>
-                      <a:headEnd type="none" w="med" len="med"/>
-                      <a:tailEnd type="none" w="med" len="med"/>
-                    </a:lnB>
-                    <a:solidFill>
-                      <a:srgbClr val="EBF1DE"/>
-                    </a:solidFill>
-                  </a:tcPr>
-                </a:tc>
-                <a:tc>
-                  <a:txBody>
-                    <a:bodyPr/>
-                    <a:lstStyle/>
-                    <a:p>
-                      <a:pPr algn="r" fontAlgn="b"/>
+                    <a:lnL>
+                      <a:noFill/>
+                    </a:lnL>
+                    <a:lnR>
+                      <a:noFill/>
+                    </a:lnR>
+                    <a:lnT>
+                      <a:noFill/>
+                    </a:lnT>
+                    <a:lnB>
+                      <a:noFill/>
+                    </a:lnB>
+                  </a:tcPr>
+                </a:tc>
+                <a:tc>
+                  <a:txBody>
+                    <a:bodyPr/>
+                    <a:lstStyle/>
+                    <a:p>
+                      <a:pPr algn="ctr" fontAlgn="b"/>
                       <a:r>
-                        <a:rPr lang="en-US" sz="900" b="0" i="0" u="none" strike="noStrike">
+                        <a:rPr lang="en-US" sz="1200" b="0" i="0" u="none" strike="noStrike">
                           <a:solidFill>
                             <a:srgbClr val="000000"/>
                           </a:solidFill>
                           <a:effectLst/>
                           <a:latin typeface="Calibri"/>
                         </a:rPr>
-                        <a:t>11</a:t>
+                        <a:t>3.12</a:t>
                       </a:r>
                     </a:p>
                   </a:txBody>
                   <a:tcPr marL="9427" marR="9427" marT="9427" marB="0" anchor="b">
-                    <a:lnL w="6350" cap="flat" cmpd="sng" algn="ctr">
-                      <a:solidFill>
-                        <a:srgbClr val="000000"/>
-                      </a:solidFill>
-                      <a:prstDash val="solid"/>
-                      <a:round/>
-                      <a:headEnd type="none" w="med" len="med"/>
-                      <a:tailEnd type="none" w="med" len="med"/>
-                    </a:lnL>
-                    <a:lnR w="6350" cap="flat" cmpd="sng" algn="ctr">
-                      <a:solidFill>
-                        <a:srgbClr val="000000"/>
-                      </a:solidFill>
-                      <a:prstDash val="solid"/>
-                      <a:round/>
-                      <a:headEnd type="none" w="med" len="med"/>
-                      <a:tailEnd type="none" w="med" len="med"/>
-                    </a:lnR>
-                    <a:lnT w="6350" cap="flat" cmpd="sng" algn="ctr">
-                      <a:solidFill>
-                        <a:srgbClr val="000000"/>
-                      </a:solidFill>
-                      <a:prstDash val="solid"/>
-                      <a:round/>
-                      <a:headEnd type="none" w="med" len="med"/>
-                      <a:tailEnd type="none" w="med" len="med"/>
-                    </a:lnT>
-                    <a:lnB w="6350" cap="flat" cmpd="sng" algn="ctr">
-                      <a:solidFill>
-                        <a:srgbClr val="000000"/>
-                      </a:solidFill>
-                      <a:prstDash val="solid"/>
-                      <a:round/>
-                      <a:headEnd type="none" w="med" len="med"/>
-                      <a:tailEnd type="none" w="med" len="med"/>
-                    </a:lnB>
-                    <a:solidFill>
-                      <a:srgbClr val="EBF1DE"/>
-                    </a:solidFill>
-                  </a:tcPr>
-                </a:tc>
-                <a:extLst>
-                  <a:ext uri="{0D108BD9-81ED-4DB2-BD59-A6C34878D82A}">
-                    <a16:rowId xmlns:a16="http://schemas.microsoft.com/office/drawing/2014/main" val="10002"/>
-                  </a:ext>
-                </a:extLst>
-              </a:tr>
-              <a:tr h="145173">
+                    <a:lnL>
+                      <a:noFill/>
+                    </a:lnL>
+                    <a:lnR>
+                      <a:noFill/>
+                    </a:lnR>
+                    <a:lnT>
+                      <a:noFill/>
+                    </a:lnT>
+                    <a:lnB>
+                      <a:noFill/>
+                    </a:lnB>
+                  </a:tcPr>
+                </a:tc>
                 <a:tc>
                   <a:txBody>
                     <a:bodyPr/>
@@ -14487,106 +16387,7 @@
                     <a:p>
                       <a:pPr algn="ctr" fontAlgn="b"/>
                       <a:r>
-                        <a:rPr lang="en-US" sz="900" b="0" i="0" u="none" strike="noStrike">
-                          <a:solidFill>
-                            <a:srgbClr val="000000"/>
-                          </a:solidFill>
-                          <a:effectLst/>
-                          <a:latin typeface="Calibri"/>
-                        </a:rPr>
-                        <a:t>21.01</a:t>
-                      </a:r>
-                    </a:p>
-                  </a:txBody>
-                  <a:tcPr marL="9427" marR="9427" marT="9427" marB="0" anchor="b">
-                    <a:lnL>
-                      <a:noFill/>
-                    </a:lnL>
-                    <a:lnR>
-                      <a:noFill/>
-                    </a:lnR>
-                    <a:lnT>
-                      <a:noFill/>
-                    </a:lnT>
-                    <a:lnB>
-                      <a:noFill/>
-                    </a:lnB>
-                  </a:tcPr>
-                </a:tc>
-                <a:tc>
-                  <a:txBody>
-                    <a:bodyPr/>
-                    <a:lstStyle/>
-                    <a:p>
-                      <a:pPr algn="ctr" fontAlgn="b"/>
-                      <a:r>
-                        <a:rPr lang="en-US" sz="900" b="0" i="0" u="none" strike="noStrike">
-                          <a:solidFill>
-                            <a:srgbClr val="000000"/>
-                          </a:solidFill>
-                          <a:effectLst/>
-                          <a:latin typeface="Calibri"/>
-                        </a:rPr>
-                        <a:t>3.5</a:t>
-                      </a:r>
-                    </a:p>
-                  </a:txBody>
-                  <a:tcPr marL="9427" marR="9427" marT="9427" marB="0" anchor="b">
-                    <a:lnL>
-                      <a:noFill/>
-                    </a:lnL>
-                    <a:lnR>
-                      <a:noFill/>
-                    </a:lnR>
-                    <a:lnT>
-                      <a:noFill/>
-                    </a:lnT>
-                    <a:lnB>
-                      <a:noFill/>
-                    </a:lnB>
-                  </a:tcPr>
-                </a:tc>
-                <a:tc>
-                  <a:txBody>
-                    <a:bodyPr/>
-                    <a:lstStyle/>
-                    <a:p>
-                      <a:pPr algn="ctr" fontAlgn="b"/>
-                      <a:r>
-                        <a:rPr lang="en-US" sz="900" b="0" i="0" u="none" strike="noStrike">
-                          <a:solidFill>
-                            <a:srgbClr val="000000"/>
-                          </a:solidFill>
-                          <a:effectLst/>
-                          <a:latin typeface="Calibri"/>
-                        </a:rPr>
-                        <a:t>Male</a:t>
-                      </a:r>
-                    </a:p>
-                  </a:txBody>
-                  <a:tcPr marL="9427" marR="9427" marT="9427" marB="0" anchor="b">
-                    <a:lnL>
-                      <a:noFill/>
-                    </a:lnL>
-                    <a:lnR>
-                      <a:noFill/>
-                    </a:lnR>
-                    <a:lnT>
-                      <a:noFill/>
-                    </a:lnT>
-                    <a:lnB>
-                      <a:noFill/>
-                    </a:lnB>
-                  </a:tcPr>
-                </a:tc>
-                <a:tc>
-                  <a:txBody>
-                    <a:bodyPr/>
-                    <a:lstStyle/>
-                    <a:p>
-                      <a:pPr algn="ctr" fontAlgn="b"/>
-                      <a:r>
-                        <a:rPr lang="en-US" sz="900" b="0" i="0" u="none" strike="noStrike">
+                        <a:rPr lang="en-US" sz="1200" b="0" i="0" u="none" strike="noStrike">
                           <a:solidFill>
                             <a:srgbClr val="000000"/>
                           </a:solidFill>
@@ -14625,7 +16426,1321 @@
                     <a:p>
                       <a:pPr algn="ctr" fontAlgn="b"/>
                       <a:r>
-                        <a:rPr lang="en-US" sz="900" b="0" i="0" u="none" strike="noStrike">
+                        <a:rPr lang="en-US" sz="1200" b="0" i="0" u="none" strike="noStrike">
+                          <a:solidFill>
+                            <a:srgbClr val="000000"/>
+                          </a:solidFill>
+                          <a:effectLst/>
+                          <a:latin typeface="Calibri"/>
+                        </a:rPr>
+                        <a:t>0.12</a:t>
+                      </a:r>
+                    </a:p>
+                  </a:txBody>
+                  <a:tcPr marL="9427" marR="9427" marT="9427" marB="0" anchor="b">
+                    <a:lnL w="6350" cap="flat" cmpd="sng" algn="ctr">
+                      <a:solidFill>
+                        <a:srgbClr val="000000"/>
+                      </a:solidFill>
+                      <a:prstDash val="solid"/>
+                      <a:round/>
+                      <a:headEnd type="none" w="med" len="med"/>
+                      <a:tailEnd type="none" w="med" len="med"/>
+                    </a:lnL>
+                    <a:lnR w="6350" cap="flat" cmpd="sng" algn="ctr">
+                      <a:solidFill>
+                        <a:srgbClr val="000000"/>
+                      </a:solidFill>
+                      <a:prstDash val="solid"/>
+                      <a:round/>
+                      <a:headEnd type="none" w="med" len="med"/>
+                      <a:tailEnd type="none" w="med" len="med"/>
+                    </a:lnR>
+                    <a:lnT w="6350" cap="flat" cmpd="sng" algn="ctr">
+                      <a:solidFill>
+                        <a:srgbClr val="000000"/>
+                      </a:solidFill>
+                      <a:prstDash val="solid"/>
+                      <a:round/>
+                      <a:headEnd type="none" w="med" len="med"/>
+                      <a:tailEnd type="none" w="med" len="med"/>
+                    </a:lnT>
+                    <a:lnB w="6350" cap="flat" cmpd="sng" algn="ctr">
+                      <a:solidFill>
+                        <a:srgbClr val="000000"/>
+                      </a:solidFill>
+                      <a:prstDash val="solid"/>
+                      <a:round/>
+                      <a:headEnd type="none" w="med" len="med"/>
+                      <a:tailEnd type="none" w="med" len="med"/>
+                    </a:lnB>
+                    <a:solidFill>
+                      <a:srgbClr val="EBF1DE"/>
+                    </a:solidFill>
+                  </a:tcPr>
+                </a:tc>
+                <a:tc>
+                  <a:txBody>
+                    <a:bodyPr/>
+                    <a:lstStyle/>
+                    <a:p>
+                      <a:pPr algn="ctr" fontAlgn="b"/>
+                      <a:r>
+                        <a:rPr lang="en-US" sz="1200" b="0" i="0" u="none" strike="noStrike">
+                          <a:solidFill>
+                            <a:srgbClr val="000000"/>
+                          </a:solidFill>
+                          <a:effectLst/>
+                          <a:latin typeface="Calibri"/>
+                        </a:rPr>
+                        <a:t>0.12</a:t>
+                      </a:r>
+                    </a:p>
+                  </a:txBody>
+                  <a:tcPr marL="9427" marR="9427" marT="9427" marB="0" anchor="b">
+                    <a:lnL w="6350" cap="flat" cmpd="sng" algn="ctr">
+                      <a:solidFill>
+                        <a:srgbClr val="000000"/>
+                      </a:solidFill>
+                      <a:prstDash val="solid"/>
+                      <a:round/>
+                      <a:headEnd type="none" w="med" len="med"/>
+                      <a:tailEnd type="none" w="med" len="med"/>
+                    </a:lnL>
+                    <a:lnR w="6350" cap="flat" cmpd="sng" algn="ctr">
+                      <a:solidFill>
+                        <a:srgbClr val="000000"/>
+                      </a:solidFill>
+                      <a:prstDash val="solid"/>
+                      <a:round/>
+                      <a:headEnd type="none" w="med" len="med"/>
+                      <a:tailEnd type="none" w="med" len="med"/>
+                    </a:lnR>
+                    <a:lnT w="6350" cap="flat" cmpd="sng" algn="ctr">
+                      <a:solidFill>
+                        <a:srgbClr val="000000"/>
+                      </a:solidFill>
+                      <a:prstDash val="solid"/>
+                      <a:round/>
+                      <a:headEnd type="none" w="med" len="med"/>
+                      <a:tailEnd type="none" w="med" len="med"/>
+                    </a:lnT>
+                    <a:lnB w="6350" cap="flat" cmpd="sng" algn="ctr">
+                      <a:solidFill>
+                        <a:srgbClr val="000000"/>
+                      </a:solidFill>
+                      <a:prstDash val="solid"/>
+                      <a:round/>
+                      <a:headEnd type="none" w="med" len="med"/>
+                      <a:tailEnd type="none" w="med" len="med"/>
+                    </a:lnB>
+                    <a:solidFill>
+                      <a:srgbClr val="EBF1DE"/>
+                    </a:solidFill>
+                  </a:tcPr>
+                </a:tc>
+                <a:tc>
+                  <a:txBody>
+                    <a:bodyPr/>
+                    <a:lstStyle/>
+                    <a:p>
+                      <a:pPr algn="ctr" fontAlgn="b"/>
+                      <a:r>
+                        <a:rPr lang="en-US" sz="1200" b="0" i="0" u="none" strike="noStrike">
+                          <a:solidFill>
+                            <a:srgbClr val="000000"/>
+                          </a:solidFill>
+                          <a:effectLst/>
+                          <a:latin typeface="Calibri"/>
+                        </a:rPr>
+                        <a:t> </a:t>
+                      </a:r>
+                    </a:p>
+                  </a:txBody>
+                  <a:tcPr marL="9427" marR="9427" marT="9427" marB="0" anchor="b">
+                    <a:lnL w="6350" cap="flat" cmpd="sng" algn="ctr">
+                      <a:solidFill>
+                        <a:srgbClr val="000000"/>
+                      </a:solidFill>
+                      <a:prstDash val="solid"/>
+                      <a:round/>
+                      <a:headEnd type="none" w="med" len="med"/>
+                      <a:tailEnd type="none" w="med" len="med"/>
+                    </a:lnL>
+                    <a:lnR w="6350" cap="flat" cmpd="sng" algn="ctr">
+                      <a:solidFill>
+                        <a:srgbClr val="000000"/>
+                      </a:solidFill>
+                      <a:prstDash val="solid"/>
+                      <a:round/>
+                      <a:headEnd type="none" w="med" len="med"/>
+                      <a:tailEnd type="none" w="med" len="med"/>
+                    </a:lnR>
+                    <a:lnT w="6350" cap="flat" cmpd="sng" algn="ctr">
+                      <a:solidFill>
+                        <a:srgbClr val="000000"/>
+                      </a:solidFill>
+                      <a:prstDash val="solid"/>
+                      <a:round/>
+                      <a:headEnd type="none" w="med" len="med"/>
+                      <a:tailEnd type="none" w="med" len="med"/>
+                    </a:lnT>
+                    <a:lnB w="6350" cap="flat" cmpd="sng" algn="ctr">
+                      <a:solidFill>
+                        <a:srgbClr val="000000"/>
+                      </a:solidFill>
+                      <a:prstDash val="solid"/>
+                      <a:round/>
+                      <a:headEnd type="none" w="med" len="med"/>
+                      <a:tailEnd type="none" w="med" len="med"/>
+                    </a:lnB>
+                    <a:solidFill>
+                      <a:srgbClr val="EBF1DE"/>
+                    </a:solidFill>
+                  </a:tcPr>
+                </a:tc>
+                <a:tc>
+                  <a:txBody>
+                    <a:bodyPr/>
+                    <a:lstStyle/>
+                    <a:p>
+                      <a:pPr algn="ctr" fontAlgn="b"/>
+                      <a:r>
+                        <a:rPr lang="en-US" sz="1200" b="0" i="0" u="none" strike="noStrike">
+                          <a:solidFill>
+                            <a:srgbClr val="000000"/>
+                          </a:solidFill>
+                          <a:effectLst/>
+                          <a:latin typeface="Calibri"/>
+                        </a:rPr>
+                        <a:t> </a:t>
+                      </a:r>
+                    </a:p>
+                  </a:txBody>
+                  <a:tcPr marL="9427" marR="9427" marT="9427" marB="0" anchor="b">
+                    <a:lnL w="6350" cap="flat" cmpd="sng" algn="ctr">
+                      <a:solidFill>
+                        <a:srgbClr val="000000"/>
+                      </a:solidFill>
+                      <a:prstDash val="solid"/>
+                      <a:round/>
+                      <a:headEnd type="none" w="med" len="med"/>
+                      <a:tailEnd type="none" w="med" len="med"/>
+                    </a:lnL>
+                    <a:lnR w="6350" cap="flat" cmpd="sng" algn="ctr">
+                      <a:solidFill>
+                        <a:srgbClr val="000000"/>
+                      </a:solidFill>
+                      <a:prstDash val="solid"/>
+                      <a:round/>
+                      <a:headEnd type="none" w="med" len="med"/>
+                      <a:tailEnd type="none" w="med" len="med"/>
+                    </a:lnR>
+                    <a:lnT>
+                      <a:noFill/>
+                    </a:lnT>
+                    <a:lnB>
+                      <a:noFill/>
+                    </a:lnB>
+                    <a:solidFill>
+                      <a:srgbClr val="FFFFFF"/>
+                    </a:solidFill>
+                  </a:tcPr>
+                </a:tc>
+                <a:tc>
+                  <a:txBody>
+                    <a:bodyPr/>
+                    <a:lstStyle/>
+                    <a:p>
+                      <a:pPr algn="l" fontAlgn="b"/>
+                      <a:endParaRPr lang="en-US" sz="1200" b="0" i="0" u="none" strike="noStrike" dirty="0">
+                        <a:solidFill>
+                          <a:srgbClr val="000000"/>
+                        </a:solidFill>
+                        <a:effectLst/>
+                        <a:latin typeface="Calibri"/>
+                      </a:endParaRPr>
+                    </a:p>
+                  </a:txBody>
+                  <a:tcPr marL="9427" marR="9427" marT="9427" marB="0" anchor="b">
+                    <a:lnL w="6350" cap="flat" cmpd="sng" algn="ctr">
+                      <a:solidFill>
+                        <a:srgbClr val="000000"/>
+                      </a:solidFill>
+                      <a:prstDash val="solid"/>
+                      <a:round/>
+                      <a:headEnd type="none" w="med" len="med"/>
+                      <a:tailEnd type="none" w="med" len="med"/>
+                    </a:lnL>
+                    <a:lnR w="6350" cap="flat" cmpd="sng" algn="ctr">
+                      <a:solidFill>
+                        <a:srgbClr val="000000"/>
+                      </a:solidFill>
+                      <a:prstDash val="solid"/>
+                      <a:round/>
+                      <a:headEnd type="none" w="med" len="med"/>
+                      <a:tailEnd type="none" w="med" len="med"/>
+                    </a:lnR>
+                    <a:lnT w="6350" cap="flat" cmpd="sng" algn="ctr">
+                      <a:solidFill>
+                        <a:srgbClr val="000000"/>
+                      </a:solidFill>
+                      <a:prstDash val="solid"/>
+                      <a:round/>
+                      <a:headEnd type="none" w="med" len="med"/>
+                      <a:tailEnd type="none" w="med" len="med"/>
+                    </a:lnT>
+                    <a:lnB w="6350" cap="flat" cmpd="sng" algn="ctr">
+                      <a:solidFill>
+                        <a:srgbClr val="000000"/>
+                      </a:solidFill>
+                      <a:prstDash val="solid"/>
+                      <a:round/>
+                      <a:headEnd type="none" w="med" len="med"/>
+                      <a:tailEnd type="none" w="med" len="med"/>
+                    </a:lnB>
+                    <a:solidFill>
+                      <a:srgbClr val="EBF1DE"/>
+                    </a:solidFill>
+                  </a:tcPr>
+                </a:tc>
+                <a:tc>
+                  <a:txBody>
+                    <a:bodyPr/>
+                    <a:lstStyle/>
+                    <a:p>
+                      <a:pPr algn="r" fontAlgn="b"/>
+                      <a:endParaRPr lang="en-US" sz="1200" b="0" i="0" u="none" strike="noStrike" dirty="0">
+                        <a:solidFill>
+                          <a:srgbClr val="000000"/>
+                        </a:solidFill>
+                        <a:effectLst/>
+                        <a:latin typeface="Calibri"/>
+                      </a:endParaRPr>
+                    </a:p>
+                  </a:txBody>
+                  <a:tcPr marL="9427" marR="9427" marT="9427" marB="0" anchor="b">
+                    <a:lnL w="6350" cap="flat" cmpd="sng" algn="ctr">
+                      <a:solidFill>
+                        <a:srgbClr val="000000"/>
+                      </a:solidFill>
+                      <a:prstDash val="solid"/>
+                      <a:round/>
+                      <a:headEnd type="none" w="med" len="med"/>
+                      <a:tailEnd type="none" w="med" len="med"/>
+                    </a:lnL>
+                    <a:lnR w="6350" cap="flat" cmpd="sng" algn="ctr">
+                      <a:solidFill>
+                        <a:srgbClr val="000000"/>
+                      </a:solidFill>
+                      <a:prstDash val="solid"/>
+                      <a:round/>
+                      <a:headEnd type="none" w="med" len="med"/>
+                      <a:tailEnd type="none" w="med" len="med"/>
+                    </a:lnR>
+                    <a:lnT w="6350" cap="flat" cmpd="sng" algn="ctr">
+                      <a:solidFill>
+                        <a:srgbClr val="000000"/>
+                      </a:solidFill>
+                      <a:prstDash val="solid"/>
+                      <a:round/>
+                      <a:headEnd type="none" w="med" len="med"/>
+                      <a:tailEnd type="none" w="med" len="med"/>
+                    </a:lnT>
+                    <a:lnB w="6350" cap="flat" cmpd="sng" algn="ctr">
+                      <a:solidFill>
+                        <a:srgbClr val="000000"/>
+                      </a:solidFill>
+                      <a:prstDash val="solid"/>
+                      <a:round/>
+                      <a:headEnd type="none" w="med" len="med"/>
+                      <a:tailEnd type="none" w="med" len="med"/>
+                    </a:lnB>
+                    <a:solidFill>
+                      <a:srgbClr val="EBF1DE"/>
+                    </a:solidFill>
+                  </a:tcPr>
+                </a:tc>
+                <a:extLst>
+                  <a:ext uri="{0D108BD9-81ED-4DB2-BD59-A6C34878D82A}">
+                    <a16:rowId xmlns:a16="http://schemas.microsoft.com/office/drawing/2014/main" val="10008"/>
+                  </a:ext>
+                </a:extLst>
+              </a:tr>
+              <a:tr h="261521">
+                <a:tc>
+                  <a:txBody>
+                    <a:bodyPr/>
+                    <a:lstStyle/>
+                    <a:p>
+                      <a:pPr algn="ctr" fontAlgn="b"/>
+                      <a:r>
+                        <a:rPr lang="en-US" sz="1200" b="0" i="0" u="none" strike="noStrike">
+                          <a:solidFill>
+                            <a:srgbClr val="000000"/>
+                          </a:solidFill>
+                          <a:effectLst/>
+                          <a:latin typeface="Calibri"/>
+                        </a:rPr>
+                        <a:t>15.04</a:t>
+                      </a:r>
+                    </a:p>
+                  </a:txBody>
+                  <a:tcPr marL="9427" marR="9427" marT="9427" marB="0" anchor="b">
+                    <a:lnL>
+                      <a:noFill/>
+                    </a:lnL>
+                    <a:lnR>
+                      <a:noFill/>
+                    </a:lnR>
+                    <a:lnT>
+                      <a:noFill/>
+                    </a:lnT>
+                    <a:lnB>
+                      <a:noFill/>
+                    </a:lnB>
+                  </a:tcPr>
+                </a:tc>
+                <a:tc>
+                  <a:txBody>
+                    <a:bodyPr/>
+                    <a:lstStyle/>
+                    <a:p>
+                      <a:pPr algn="ctr" fontAlgn="b"/>
+                      <a:r>
+                        <a:rPr lang="en-US" sz="1200" b="0" i="0" u="none" strike="noStrike">
+                          <a:solidFill>
+                            <a:srgbClr val="000000"/>
+                          </a:solidFill>
+                          <a:effectLst/>
+                          <a:latin typeface="Calibri"/>
+                        </a:rPr>
+                        <a:t>1.96</a:t>
+                      </a:r>
+                    </a:p>
+                  </a:txBody>
+                  <a:tcPr marL="9427" marR="9427" marT="9427" marB="0" anchor="b">
+                    <a:lnL>
+                      <a:noFill/>
+                    </a:lnL>
+                    <a:lnR>
+                      <a:noFill/>
+                    </a:lnR>
+                    <a:lnT>
+                      <a:noFill/>
+                    </a:lnT>
+                    <a:lnB>
+                      <a:noFill/>
+                    </a:lnB>
+                  </a:tcPr>
+                </a:tc>
+                <a:tc>
+                  <a:txBody>
+                    <a:bodyPr/>
+                    <a:lstStyle/>
+                    <a:p>
+                      <a:pPr algn="ctr" fontAlgn="b"/>
+                      <a:r>
+                        <a:rPr lang="en-US" sz="1200" b="0" i="0" u="none" strike="noStrike">
+                          <a:solidFill>
+                            <a:srgbClr val="000000"/>
+                          </a:solidFill>
+                          <a:effectLst/>
+                          <a:latin typeface="Calibri"/>
+                        </a:rPr>
+                        <a:t>Dinner</a:t>
+                      </a:r>
+                    </a:p>
+                  </a:txBody>
+                  <a:tcPr marL="9427" marR="9427" marT="9427" marB="0" anchor="b">
+                    <a:lnL>
+                      <a:noFill/>
+                    </a:lnL>
+                    <a:lnR w="6350" cap="flat" cmpd="sng" algn="ctr">
+                      <a:solidFill>
+                        <a:srgbClr val="000000"/>
+                      </a:solidFill>
+                      <a:prstDash val="solid"/>
+                      <a:round/>
+                      <a:headEnd type="none" w="med" len="med"/>
+                      <a:tailEnd type="none" w="med" len="med"/>
+                    </a:lnR>
+                    <a:lnT>
+                      <a:noFill/>
+                    </a:lnT>
+                    <a:lnB>
+                      <a:noFill/>
+                    </a:lnB>
+                  </a:tcPr>
+                </a:tc>
+                <a:tc>
+                  <a:txBody>
+                    <a:bodyPr/>
+                    <a:lstStyle/>
+                    <a:p>
+                      <a:pPr algn="ctr" fontAlgn="b"/>
+                      <a:r>
+                        <a:rPr lang="en-US" sz="1200" b="0" i="0" u="none" strike="noStrike">
+                          <a:solidFill>
+                            <a:srgbClr val="000000"/>
+                          </a:solidFill>
+                          <a:effectLst/>
+                          <a:latin typeface="Calibri"/>
+                        </a:rPr>
+                        <a:t>0.13</a:t>
+                      </a:r>
+                    </a:p>
+                  </a:txBody>
+                  <a:tcPr marL="9427" marR="9427" marT="9427" marB="0" anchor="b">
+                    <a:lnL w="6350" cap="flat" cmpd="sng" algn="ctr">
+                      <a:solidFill>
+                        <a:srgbClr val="000000"/>
+                      </a:solidFill>
+                      <a:prstDash val="solid"/>
+                      <a:round/>
+                      <a:headEnd type="none" w="med" len="med"/>
+                      <a:tailEnd type="none" w="med" len="med"/>
+                    </a:lnL>
+                    <a:lnR w="6350" cap="flat" cmpd="sng" algn="ctr">
+                      <a:solidFill>
+                        <a:srgbClr val="000000"/>
+                      </a:solidFill>
+                      <a:prstDash val="solid"/>
+                      <a:round/>
+                      <a:headEnd type="none" w="med" len="med"/>
+                      <a:tailEnd type="none" w="med" len="med"/>
+                    </a:lnR>
+                    <a:lnT w="6350" cap="flat" cmpd="sng" algn="ctr">
+                      <a:solidFill>
+                        <a:srgbClr val="000000"/>
+                      </a:solidFill>
+                      <a:prstDash val="solid"/>
+                      <a:round/>
+                      <a:headEnd type="none" w="med" len="med"/>
+                      <a:tailEnd type="none" w="med" len="med"/>
+                    </a:lnT>
+                    <a:lnB w="6350" cap="flat" cmpd="sng" algn="ctr">
+                      <a:solidFill>
+                        <a:srgbClr val="000000"/>
+                      </a:solidFill>
+                      <a:prstDash val="solid"/>
+                      <a:round/>
+                      <a:headEnd type="none" w="med" len="med"/>
+                      <a:tailEnd type="none" w="med" len="med"/>
+                    </a:lnB>
+                    <a:solidFill>
+                      <a:srgbClr val="EBF1DE"/>
+                    </a:solidFill>
+                  </a:tcPr>
+                </a:tc>
+                <a:tc>
+                  <a:txBody>
+                    <a:bodyPr/>
+                    <a:lstStyle/>
+                    <a:p>
+                      <a:pPr algn="ctr" fontAlgn="b"/>
+                      <a:r>
+                        <a:rPr lang="en-US" sz="1200" b="0" i="0" u="none" strike="noStrike">
+                          <a:solidFill>
+                            <a:srgbClr val="000000"/>
+                          </a:solidFill>
+                          <a:effectLst/>
+                          <a:latin typeface="Calibri"/>
+                        </a:rPr>
+                        <a:t>0.13</a:t>
+                      </a:r>
+                    </a:p>
+                  </a:txBody>
+                  <a:tcPr marL="9427" marR="9427" marT="9427" marB="0" anchor="b">
+                    <a:lnL w="6350" cap="flat" cmpd="sng" algn="ctr">
+                      <a:solidFill>
+                        <a:srgbClr val="000000"/>
+                      </a:solidFill>
+                      <a:prstDash val="solid"/>
+                      <a:round/>
+                      <a:headEnd type="none" w="med" len="med"/>
+                      <a:tailEnd type="none" w="med" len="med"/>
+                    </a:lnL>
+                    <a:lnR w="6350" cap="flat" cmpd="sng" algn="ctr">
+                      <a:solidFill>
+                        <a:srgbClr val="000000"/>
+                      </a:solidFill>
+                      <a:prstDash val="solid"/>
+                      <a:round/>
+                      <a:headEnd type="none" w="med" len="med"/>
+                      <a:tailEnd type="none" w="med" len="med"/>
+                    </a:lnR>
+                    <a:lnT w="6350" cap="flat" cmpd="sng" algn="ctr">
+                      <a:solidFill>
+                        <a:srgbClr val="000000"/>
+                      </a:solidFill>
+                      <a:prstDash val="solid"/>
+                      <a:round/>
+                      <a:headEnd type="none" w="med" len="med"/>
+                      <a:tailEnd type="none" w="med" len="med"/>
+                    </a:lnT>
+                    <a:lnB w="6350" cap="flat" cmpd="sng" algn="ctr">
+                      <a:solidFill>
+                        <a:srgbClr val="000000"/>
+                      </a:solidFill>
+                      <a:prstDash val="solid"/>
+                      <a:round/>
+                      <a:headEnd type="none" w="med" len="med"/>
+                      <a:tailEnd type="none" w="med" len="med"/>
+                    </a:lnB>
+                    <a:solidFill>
+                      <a:srgbClr val="EBF1DE"/>
+                    </a:solidFill>
+                  </a:tcPr>
+                </a:tc>
+                <a:tc>
+                  <a:txBody>
+                    <a:bodyPr/>
+                    <a:lstStyle/>
+                    <a:p>
+                      <a:pPr algn="ctr" fontAlgn="b"/>
+                      <a:r>
+                        <a:rPr lang="en-US" sz="1200" b="0" i="0" u="none" strike="noStrike">
+                          <a:solidFill>
+                            <a:srgbClr val="000000"/>
+                          </a:solidFill>
+                          <a:effectLst/>
+                          <a:latin typeface="Calibri"/>
+                        </a:rPr>
+                        <a:t> </a:t>
+                      </a:r>
+                    </a:p>
+                  </a:txBody>
+                  <a:tcPr marL="9427" marR="9427" marT="9427" marB="0" anchor="b">
+                    <a:lnL w="6350" cap="flat" cmpd="sng" algn="ctr">
+                      <a:solidFill>
+                        <a:srgbClr val="000000"/>
+                      </a:solidFill>
+                      <a:prstDash val="solid"/>
+                      <a:round/>
+                      <a:headEnd type="none" w="med" len="med"/>
+                      <a:tailEnd type="none" w="med" len="med"/>
+                    </a:lnL>
+                    <a:lnR w="6350" cap="flat" cmpd="sng" algn="ctr">
+                      <a:solidFill>
+                        <a:srgbClr val="000000"/>
+                      </a:solidFill>
+                      <a:prstDash val="solid"/>
+                      <a:round/>
+                      <a:headEnd type="none" w="med" len="med"/>
+                      <a:tailEnd type="none" w="med" len="med"/>
+                    </a:lnR>
+                    <a:lnT w="6350" cap="flat" cmpd="sng" algn="ctr">
+                      <a:solidFill>
+                        <a:srgbClr val="000000"/>
+                      </a:solidFill>
+                      <a:prstDash val="solid"/>
+                      <a:round/>
+                      <a:headEnd type="none" w="med" len="med"/>
+                      <a:tailEnd type="none" w="med" len="med"/>
+                    </a:lnT>
+                    <a:lnB w="6350" cap="flat" cmpd="sng" algn="ctr">
+                      <a:solidFill>
+                        <a:srgbClr val="000000"/>
+                      </a:solidFill>
+                      <a:prstDash val="solid"/>
+                      <a:round/>
+                      <a:headEnd type="none" w="med" len="med"/>
+                      <a:tailEnd type="none" w="med" len="med"/>
+                    </a:lnB>
+                    <a:solidFill>
+                      <a:srgbClr val="EBF1DE"/>
+                    </a:solidFill>
+                  </a:tcPr>
+                </a:tc>
+                <a:tc>
+                  <a:txBody>
+                    <a:bodyPr/>
+                    <a:lstStyle/>
+                    <a:p>
+                      <a:pPr algn="ctr" fontAlgn="b"/>
+                      <a:r>
+                        <a:rPr lang="en-US" sz="1200" b="0" i="0" u="none" strike="noStrike">
+                          <a:solidFill>
+                            <a:srgbClr val="000000"/>
+                          </a:solidFill>
+                          <a:effectLst/>
+                          <a:latin typeface="Calibri"/>
+                        </a:rPr>
+                        <a:t> </a:t>
+                      </a:r>
+                    </a:p>
+                  </a:txBody>
+                  <a:tcPr marL="9427" marR="9427" marT="9427" marB="0" anchor="b">
+                    <a:lnL w="6350" cap="flat" cmpd="sng" algn="ctr">
+                      <a:solidFill>
+                        <a:srgbClr val="000000"/>
+                      </a:solidFill>
+                      <a:prstDash val="solid"/>
+                      <a:round/>
+                      <a:headEnd type="none" w="med" len="med"/>
+                      <a:tailEnd type="none" w="med" len="med"/>
+                    </a:lnL>
+                    <a:lnR w="6350" cap="flat" cmpd="sng" algn="ctr">
+                      <a:solidFill>
+                        <a:srgbClr val="000000"/>
+                      </a:solidFill>
+                      <a:prstDash val="solid"/>
+                      <a:round/>
+                      <a:headEnd type="none" w="med" len="med"/>
+                      <a:tailEnd type="none" w="med" len="med"/>
+                    </a:lnR>
+                    <a:lnT>
+                      <a:noFill/>
+                    </a:lnT>
+                    <a:lnB>
+                      <a:noFill/>
+                    </a:lnB>
+                    <a:solidFill>
+                      <a:srgbClr val="FFFFFF"/>
+                    </a:solidFill>
+                  </a:tcPr>
+                </a:tc>
+                <a:tc>
+                  <a:txBody>
+                    <a:bodyPr/>
+                    <a:lstStyle/>
+                    <a:p>
+                      <a:pPr algn="l" fontAlgn="b"/>
+                      <a:endParaRPr lang="en-US" sz="1200" b="0" i="0" u="none" strike="noStrike" dirty="0">
+                        <a:solidFill>
+                          <a:srgbClr val="000000"/>
+                        </a:solidFill>
+                        <a:effectLst/>
+                        <a:latin typeface="Calibri"/>
+                      </a:endParaRPr>
+                    </a:p>
+                  </a:txBody>
+                  <a:tcPr marL="9427" marR="9427" marT="9427" marB="0" anchor="b">
+                    <a:lnL w="6350" cap="flat" cmpd="sng" algn="ctr">
+                      <a:solidFill>
+                        <a:srgbClr val="000000"/>
+                      </a:solidFill>
+                      <a:prstDash val="solid"/>
+                      <a:round/>
+                      <a:headEnd type="none" w="med" len="med"/>
+                      <a:tailEnd type="none" w="med" len="med"/>
+                    </a:lnL>
+                    <a:lnR w="6350" cap="flat" cmpd="sng" algn="ctr">
+                      <a:solidFill>
+                        <a:srgbClr val="000000"/>
+                      </a:solidFill>
+                      <a:prstDash val="solid"/>
+                      <a:round/>
+                      <a:headEnd type="none" w="med" len="med"/>
+                      <a:tailEnd type="none" w="med" len="med"/>
+                    </a:lnR>
+                    <a:lnT w="6350" cap="flat" cmpd="sng" algn="ctr">
+                      <a:solidFill>
+                        <a:srgbClr val="000000"/>
+                      </a:solidFill>
+                      <a:prstDash val="solid"/>
+                      <a:round/>
+                      <a:headEnd type="none" w="med" len="med"/>
+                      <a:tailEnd type="none" w="med" len="med"/>
+                    </a:lnT>
+                    <a:lnB w="6350" cap="flat" cmpd="sng" algn="ctr">
+                      <a:solidFill>
+                        <a:srgbClr val="000000"/>
+                      </a:solidFill>
+                      <a:prstDash val="solid"/>
+                      <a:round/>
+                      <a:headEnd type="none" w="med" len="med"/>
+                      <a:tailEnd type="none" w="med" len="med"/>
+                    </a:lnB>
+                    <a:solidFill>
+                      <a:srgbClr val="EBF1DE"/>
+                    </a:solidFill>
+                  </a:tcPr>
+                </a:tc>
+                <a:tc>
+                  <a:txBody>
+                    <a:bodyPr/>
+                    <a:lstStyle/>
+                    <a:p>
+                      <a:pPr algn="r" fontAlgn="b"/>
+                      <a:endParaRPr lang="en-US" sz="1200" b="0" i="0" u="none" strike="noStrike" dirty="0">
+                        <a:solidFill>
+                          <a:srgbClr val="000000"/>
+                        </a:solidFill>
+                        <a:effectLst/>
+                        <a:latin typeface="Calibri"/>
+                      </a:endParaRPr>
+                    </a:p>
+                  </a:txBody>
+                  <a:tcPr marL="9427" marR="9427" marT="9427" marB="0" anchor="b">
+                    <a:lnL w="6350" cap="flat" cmpd="sng" algn="ctr">
+                      <a:solidFill>
+                        <a:srgbClr val="000000"/>
+                      </a:solidFill>
+                      <a:prstDash val="solid"/>
+                      <a:round/>
+                      <a:headEnd type="none" w="med" len="med"/>
+                      <a:tailEnd type="none" w="med" len="med"/>
+                    </a:lnL>
+                    <a:lnR w="6350" cap="flat" cmpd="sng" algn="ctr">
+                      <a:solidFill>
+                        <a:srgbClr val="000000"/>
+                      </a:solidFill>
+                      <a:prstDash val="solid"/>
+                      <a:round/>
+                      <a:headEnd type="none" w="med" len="med"/>
+                      <a:tailEnd type="none" w="med" len="med"/>
+                    </a:lnR>
+                    <a:lnT w="6350" cap="flat" cmpd="sng" algn="ctr">
+                      <a:solidFill>
+                        <a:srgbClr val="000000"/>
+                      </a:solidFill>
+                      <a:prstDash val="solid"/>
+                      <a:round/>
+                      <a:headEnd type="none" w="med" len="med"/>
+                      <a:tailEnd type="none" w="med" len="med"/>
+                    </a:lnT>
+                    <a:lnB w="6350" cap="flat" cmpd="sng" algn="ctr">
+                      <a:solidFill>
+                        <a:srgbClr val="000000"/>
+                      </a:solidFill>
+                      <a:prstDash val="solid"/>
+                      <a:round/>
+                      <a:headEnd type="none" w="med" len="med"/>
+                      <a:tailEnd type="none" w="med" len="med"/>
+                    </a:lnB>
+                    <a:solidFill>
+                      <a:srgbClr val="EBF1DE"/>
+                    </a:solidFill>
+                  </a:tcPr>
+                </a:tc>
+                <a:extLst>
+                  <a:ext uri="{0D108BD9-81ED-4DB2-BD59-A6C34878D82A}">
+                    <a16:rowId xmlns:a16="http://schemas.microsoft.com/office/drawing/2014/main" val="10009"/>
+                  </a:ext>
+                </a:extLst>
+              </a:tr>
+              <a:tr h="261521">
+                <a:tc>
+                  <a:txBody>
+                    <a:bodyPr/>
+                    <a:lstStyle/>
+                    <a:p>
+                      <a:pPr algn="ctr" fontAlgn="b"/>
+                      <a:r>
+                        <a:rPr lang="en-US" sz="1200" b="0" i="0" u="none" strike="noStrike">
+                          <a:solidFill>
+                            <a:srgbClr val="000000"/>
+                          </a:solidFill>
+                          <a:effectLst/>
+                          <a:latin typeface="Calibri"/>
+                        </a:rPr>
+                        <a:t>14.78</a:t>
+                      </a:r>
+                    </a:p>
+                  </a:txBody>
+                  <a:tcPr marL="9427" marR="9427" marT="9427" marB="0" anchor="b">
+                    <a:lnL>
+                      <a:noFill/>
+                    </a:lnL>
+                    <a:lnR>
+                      <a:noFill/>
+                    </a:lnR>
+                    <a:lnT>
+                      <a:noFill/>
+                    </a:lnT>
+                    <a:lnB>
+                      <a:noFill/>
+                    </a:lnB>
+                  </a:tcPr>
+                </a:tc>
+                <a:tc>
+                  <a:txBody>
+                    <a:bodyPr/>
+                    <a:lstStyle/>
+                    <a:p>
+                      <a:pPr algn="ctr" fontAlgn="b"/>
+                      <a:r>
+                        <a:rPr lang="en-US" sz="1200" b="0" i="0" u="none" strike="noStrike">
+                          <a:solidFill>
+                            <a:srgbClr val="000000"/>
+                          </a:solidFill>
+                          <a:effectLst/>
+                          <a:latin typeface="Calibri"/>
+                        </a:rPr>
+                        <a:t>3.23</a:t>
+                      </a:r>
+                    </a:p>
+                  </a:txBody>
+                  <a:tcPr marL="9427" marR="9427" marT="9427" marB="0" anchor="b">
+                    <a:lnL>
+                      <a:noFill/>
+                    </a:lnL>
+                    <a:lnR>
+                      <a:noFill/>
+                    </a:lnR>
+                    <a:lnT>
+                      <a:noFill/>
+                    </a:lnT>
+                    <a:lnB>
+                      <a:noFill/>
+                    </a:lnB>
+                  </a:tcPr>
+                </a:tc>
+                <a:tc>
+                  <a:txBody>
+                    <a:bodyPr/>
+                    <a:lstStyle/>
+                    <a:p>
+                      <a:pPr algn="ctr" fontAlgn="b"/>
+                      <a:r>
+                        <a:rPr lang="en-US" sz="1200" b="0" i="0" u="none" strike="noStrike">
+                          <a:solidFill>
+                            <a:srgbClr val="000000"/>
+                          </a:solidFill>
+                          <a:effectLst/>
+                          <a:latin typeface="Calibri"/>
+                        </a:rPr>
+                        <a:t>Dinner</a:t>
+                      </a:r>
+                    </a:p>
+                  </a:txBody>
+                  <a:tcPr marL="9427" marR="9427" marT="9427" marB="0" anchor="b">
+                    <a:lnL>
+                      <a:noFill/>
+                    </a:lnL>
+                    <a:lnR w="6350" cap="flat" cmpd="sng" algn="ctr">
+                      <a:solidFill>
+                        <a:srgbClr val="000000"/>
+                      </a:solidFill>
+                      <a:prstDash val="solid"/>
+                      <a:round/>
+                      <a:headEnd type="none" w="med" len="med"/>
+                      <a:tailEnd type="none" w="med" len="med"/>
+                    </a:lnR>
+                    <a:lnT>
+                      <a:noFill/>
+                    </a:lnT>
+                    <a:lnB>
+                      <a:noFill/>
+                    </a:lnB>
+                  </a:tcPr>
+                </a:tc>
+                <a:tc>
+                  <a:txBody>
+                    <a:bodyPr/>
+                    <a:lstStyle/>
+                    <a:p>
+                      <a:pPr algn="ctr" fontAlgn="b"/>
+                      <a:r>
+                        <a:rPr lang="en-US" sz="1200" b="0" i="0" u="none" strike="noStrike">
+                          <a:solidFill>
+                            <a:srgbClr val="000000"/>
+                          </a:solidFill>
+                          <a:effectLst/>
+                          <a:latin typeface="Calibri"/>
+                        </a:rPr>
+                        <a:t>0.22</a:t>
+                      </a:r>
+                    </a:p>
+                  </a:txBody>
+                  <a:tcPr marL="9427" marR="9427" marT="9427" marB="0" anchor="b">
+                    <a:lnL w="6350" cap="flat" cmpd="sng" algn="ctr">
+                      <a:solidFill>
+                        <a:srgbClr val="000000"/>
+                      </a:solidFill>
+                      <a:prstDash val="solid"/>
+                      <a:round/>
+                      <a:headEnd type="none" w="med" len="med"/>
+                      <a:tailEnd type="none" w="med" len="med"/>
+                    </a:lnL>
+                    <a:lnR w="6350" cap="flat" cmpd="sng" algn="ctr">
+                      <a:solidFill>
+                        <a:srgbClr val="000000"/>
+                      </a:solidFill>
+                      <a:prstDash val="solid"/>
+                      <a:round/>
+                      <a:headEnd type="none" w="med" len="med"/>
+                      <a:tailEnd type="none" w="med" len="med"/>
+                    </a:lnR>
+                    <a:lnT w="6350" cap="flat" cmpd="sng" algn="ctr">
+                      <a:solidFill>
+                        <a:srgbClr val="000000"/>
+                      </a:solidFill>
+                      <a:prstDash val="solid"/>
+                      <a:round/>
+                      <a:headEnd type="none" w="med" len="med"/>
+                      <a:tailEnd type="none" w="med" len="med"/>
+                    </a:lnT>
+                    <a:lnB w="6350" cap="flat" cmpd="sng" algn="ctr">
+                      <a:solidFill>
+                        <a:srgbClr val="000000"/>
+                      </a:solidFill>
+                      <a:prstDash val="solid"/>
+                      <a:round/>
+                      <a:headEnd type="none" w="med" len="med"/>
+                      <a:tailEnd type="none" w="med" len="med"/>
+                    </a:lnB>
+                    <a:solidFill>
+                      <a:srgbClr val="EBF1DE"/>
+                    </a:solidFill>
+                  </a:tcPr>
+                </a:tc>
+                <a:tc>
+                  <a:txBody>
+                    <a:bodyPr/>
+                    <a:lstStyle/>
+                    <a:p>
+                      <a:pPr algn="ctr" fontAlgn="b"/>
+                      <a:r>
+                        <a:rPr lang="en-US" sz="1200" b="0" i="0" u="none" strike="noStrike">
+                          <a:solidFill>
+                            <a:srgbClr val="000000"/>
+                          </a:solidFill>
+                          <a:effectLst/>
+                          <a:latin typeface="Calibri"/>
+                        </a:rPr>
+                        <a:t>0.22</a:t>
+                      </a:r>
+                    </a:p>
+                  </a:txBody>
+                  <a:tcPr marL="9427" marR="9427" marT="9427" marB="0" anchor="b">
+                    <a:lnL w="6350" cap="flat" cmpd="sng" algn="ctr">
+                      <a:solidFill>
+                        <a:srgbClr val="000000"/>
+                      </a:solidFill>
+                      <a:prstDash val="solid"/>
+                      <a:round/>
+                      <a:headEnd type="none" w="med" len="med"/>
+                      <a:tailEnd type="none" w="med" len="med"/>
+                    </a:lnL>
+                    <a:lnR w="6350" cap="flat" cmpd="sng" algn="ctr">
+                      <a:solidFill>
+                        <a:srgbClr val="000000"/>
+                      </a:solidFill>
+                      <a:prstDash val="solid"/>
+                      <a:round/>
+                      <a:headEnd type="none" w="med" len="med"/>
+                      <a:tailEnd type="none" w="med" len="med"/>
+                    </a:lnR>
+                    <a:lnT w="6350" cap="flat" cmpd="sng" algn="ctr">
+                      <a:solidFill>
+                        <a:srgbClr val="000000"/>
+                      </a:solidFill>
+                      <a:prstDash val="solid"/>
+                      <a:round/>
+                      <a:headEnd type="none" w="med" len="med"/>
+                      <a:tailEnd type="none" w="med" len="med"/>
+                    </a:lnT>
+                    <a:lnB w="6350" cap="flat" cmpd="sng" algn="ctr">
+                      <a:solidFill>
+                        <a:srgbClr val="000000"/>
+                      </a:solidFill>
+                      <a:prstDash val="solid"/>
+                      <a:round/>
+                      <a:headEnd type="none" w="med" len="med"/>
+                      <a:tailEnd type="none" w="med" len="med"/>
+                    </a:lnB>
+                    <a:solidFill>
+                      <a:srgbClr val="EBF1DE"/>
+                    </a:solidFill>
+                  </a:tcPr>
+                </a:tc>
+                <a:tc>
+                  <a:txBody>
+                    <a:bodyPr/>
+                    <a:lstStyle/>
+                    <a:p>
+                      <a:pPr algn="ctr" fontAlgn="b"/>
+                      <a:r>
+                        <a:rPr lang="en-US" sz="1200" b="0" i="0" u="none" strike="noStrike">
+                          <a:solidFill>
+                            <a:srgbClr val="000000"/>
+                          </a:solidFill>
+                          <a:effectLst/>
+                          <a:latin typeface="Calibri"/>
+                        </a:rPr>
+                        <a:t> </a:t>
+                      </a:r>
+                    </a:p>
+                  </a:txBody>
+                  <a:tcPr marL="9427" marR="9427" marT="9427" marB="0" anchor="b">
+                    <a:lnL w="6350" cap="flat" cmpd="sng" algn="ctr">
+                      <a:solidFill>
+                        <a:srgbClr val="000000"/>
+                      </a:solidFill>
+                      <a:prstDash val="solid"/>
+                      <a:round/>
+                      <a:headEnd type="none" w="med" len="med"/>
+                      <a:tailEnd type="none" w="med" len="med"/>
+                    </a:lnL>
+                    <a:lnR w="6350" cap="flat" cmpd="sng" algn="ctr">
+                      <a:solidFill>
+                        <a:srgbClr val="000000"/>
+                      </a:solidFill>
+                      <a:prstDash val="solid"/>
+                      <a:round/>
+                      <a:headEnd type="none" w="med" len="med"/>
+                      <a:tailEnd type="none" w="med" len="med"/>
+                    </a:lnR>
+                    <a:lnT w="6350" cap="flat" cmpd="sng" algn="ctr">
+                      <a:solidFill>
+                        <a:srgbClr val="000000"/>
+                      </a:solidFill>
+                      <a:prstDash val="solid"/>
+                      <a:round/>
+                      <a:headEnd type="none" w="med" len="med"/>
+                      <a:tailEnd type="none" w="med" len="med"/>
+                    </a:lnT>
+                    <a:lnB w="6350" cap="flat" cmpd="sng" algn="ctr">
+                      <a:solidFill>
+                        <a:srgbClr val="000000"/>
+                      </a:solidFill>
+                      <a:prstDash val="solid"/>
+                      <a:round/>
+                      <a:headEnd type="none" w="med" len="med"/>
+                      <a:tailEnd type="none" w="med" len="med"/>
+                    </a:lnB>
+                    <a:solidFill>
+                      <a:srgbClr val="EBF1DE"/>
+                    </a:solidFill>
+                  </a:tcPr>
+                </a:tc>
+                <a:tc>
+                  <a:txBody>
+                    <a:bodyPr/>
+                    <a:lstStyle/>
+                    <a:p>
+                      <a:pPr algn="ctr" fontAlgn="b"/>
+                      <a:r>
+                        <a:rPr lang="en-US" sz="1200" b="0" i="0" u="none" strike="noStrike">
+                          <a:solidFill>
+                            <a:srgbClr val="000000"/>
+                          </a:solidFill>
+                          <a:effectLst/>
+                          <a:latin typeface="Calibri"/>
+                        </a:rPr>
+                        <a:t> </a:t>
+                      </a:r>
+                    </a:p>
+                  </a:txBody>
+                  <a:tcPr marL="9427" marR="9427" marT="9427" marB="0" anchor="b">
+                    <a:lnL w="6350" cap="flat" cmpd="sng" algn="ctr">
+                      <a:solidFill>
+                        <a:srgbClr val="000000"/>
+                      </a:solidFill>
+                      <a:prstDash val="solid"/>
+                      <a:round/>
+                      <a:headEnd type="none" w="med" len="med"/>
+                      <a:tailEnd type="none" w="med" len="med"/>
+                    </a:lnL>
+                    <a:lnR>
+                      <a:noFill/>
+                    </a:lnR>
+                    <a:lnT>
+                      <a:noFill/>
+                    </a:lnT>
+                    <a:lnB>
+                      <a:noFill/>
+                    </a:lnB>
+                    <a:solidFill>
+                      <a:srgbClr val="FFFFFF"/>
+                    </a:solidFill>
+                  </a:tcPr>
+                </a:tc>
+                <a:tc>
+                  <a:txBody>
+                    <a:bodyPr/>
+                    <a:lstStyle/>
+                    <a:p>
+                      <a:pPr algn="l" fontAlgn="b"/>
+                      <a:endParaRPr lang="en-US" sz="1200" b="0" i="0" u="none" strike="noStrike" dirty="0">
+                        <a:solidFill>
+                          <a:srgbClr val="000000"/>
+                        </a:solidFill>
+                        <a:effectLst/>
+                        <a:latin typeface="Calibri"/>
+                      </a:endParaRPr>
+                    </a:p>
+                  </a:txBody>
+                  <a:tcPr marL="9427" marR="9427" marT="9427" marB="0" anchor="b">
+                    <a:lnL>
+                      <a:noFill/>
+                    </a:lnL>
+                    <a:lnR>
+                      <a:noFill/>
+                    </a:lnR>
+                    <a:lnT w="6350" cap="flat" cmpd="sng" algn="ctr">
+                      <a:solidFill>
+                        <a:srgbClr val="000000"/>
+                      </a:solidFill>
+                      <a:prstDash val="solid"/>
+                      <a:round/>
+                      <a:headEnd type="none" w="med" len="med"/>
+                      <a:tailEnd type="none" w="med" len="med"/>
+                    </a:lnT>
+                    <a:lnB>
+                      <a:noFill/>
+                    </a:lnB>
+                  </a:tcPr>
+                </a:tc>
+                <a:tc>
+                  <a:txBody>
+                    <a:bodyPr/>
+                    <a:lstStyle/>
+                    <a:p>
+                      <a:pPr algn="l" fontAlgn="b"/>
+                      <a:endParaRPr lang="en-US" sz="1200" b="0" i="0" u="none" strike="noStrike" dirty="0">
+                        <a:solidFill>
+                          <a:srgbClr val="000000"/>
+                        </a:solidFill>
+                        <a:effectLst/>
+                        <a:latin typeface="Calibri"/>
+                      </a:endParaRPr>
+                    </a:p>
+                  </a:txBody>
+                  <a:tcPr marL="9427" marR="9427" marT="9427" marB="0" anchor="b">
+                    <a:lnL>
+                      <a:noFill/>
+                    </a:lnL>
+                    <a:lnR>
+                      <a:noFill/>
+                    </a:lnR>
+                    <a:lnT w="6350" cap="flat" cmpd="sng" algn="ctr">
+                      <a:solidFill>
+                        <a:srgbClr val="000000"/>
+                      </a:solidFill>
+                      <a:prstDash val="solid"/>
+                      <a:round/>
+                      <a:headEnd type="none" w="med" len="med"/>
+                      <a:tailEnd type="none" w="med" len="med"/>
+                    </a:lnT>
+                    <a:lnB>
+                      <a:noFill/>
+                    </a:lnB>
+                  </a:tcPr>
+                </a:tc>
+                <a:extLst>
+                  <a:ext uri="{0D108BD9-81ED-4DB2-BD59-A6C34878D82A}">
+                    <a16:rowId xmlns:a16="http://schemas.microsoft.com/office/drawing/2014/main" val="10010"/>
+                  </a:ext>
+                </a:extLst>
+              </a:tr>
+              <a:tr h="261521">
+                <a:tc>
+                  <a:txBody>
+                    <a:bodyPr/>
+                    <a:lstStyle/>
+                    <a:p>
+                      <a:pPr algn="ctr" fontAlgn="b"/>
+                      <a:r>
+                        <a:rPr lang="en-US" sz="1200" b="0" i="0" u="none" strike="noStrike">
+                          <a:solidFill>
+                            <a:srgbClr val="000000"/>
+                          </a:solidFill>
+                          <a:effectLst/>
+                          <a:latin typeface="Calibri"/>
+                        </a:rPr>
+                        <a:t>10.27</a:t>
+                      </a:r>
+                    </a:p>
+                  </a:txBody>
+                  <a:tcPr marL="9427" marR="9427" marT="9427" marB="0" anchor="b">
+                    <a:lnL>
+                      <a:noFill/>
+                    </a:lnL>
+                    <a:lnR>
+                      <a:noFill/>
+                    </a:lnR>
+                    <a:lnT>
+                      <a:noFill/>
+                    </a:lnT>
+                    <a:lnB>
+                      <a:noFill/>
+                    </a:lnB>
+                  </a:tcPr>
+                </a:tc>
+                <a:tc>
+                  <a:txBody>
+                    <a:bodyPr/>
+                    <a:lstStyle/>
+                    <a:p>
+                      <a:pPr algn="ctr" fontAlgn="b"/>
+                      <a:r>
+                        <a:rPr lang="en-US" sz="1200" b="0" i="0" u="none" strike="noStrike">
+                          <a:solidFill>
+                            <a:srgbClr val="000000"/>
+                          </a:solidFill>
+                          <a:effectLst/>
+                          <a:latin typeface="Calibri"/>
+                        </a:rPr>
+                        <a:t>1.71</a:t>
+                      </a:r>
+                    </a:p>
+                  </a:txBody>
+                  <a:tcPr marL="9427" marR="9427" marT="9427" marB="0" anchor="b">
+                    <a:lnL>
+                      <a:noFill/>
+                    </a:lnL>
+                    <a:lnR>
+                      <a:noFill/>
+                    </a:lnR>
+                    <a:lnT>
+                      <a:noFill/>
+                    </a:lnT>
+                    <a:lnB>
+                      <a:noFill/>
+                    </a:lnB>
+                  </a:tcPr>
+                </a:tc>
+                <a:tc>
+                  <a:txBody>
+                    <a:bodyPr/>
+                    <a:lstStyle/>
+                    <a:p>
+                      <a:pPr algn="ctr" fontAlgn="b"/>
+                      <a:r>
+                        <a:rPr lang="en-US" sz="1200" b="0" i="0" u="none" strike="noStrike" dirty="0">
+                          <a:solidFill>
+                            <a:srgbClr val="000000"/>
+                          </a:solidFill>
+                          <a:effectLst/>
+                          <a:latin typeface="Calibri"/>
+                        </a:rPr>
+                        <a:t>Dinner</a:t>
+                      </a:r>
+                    </a:p>
+                  </a:txBody>
+                  <a:tcPr marL="9427" marR="9427" marT="9427" marB="0" anchor="b">
+                    <a:lnL>
+                      <a:noFill/>
+                    </a:lnL>
+                    <a:lnR w="6350" cap="flat" cmpd="sng" algn="ctr">
+                      <a:solidFill>
+                        <a:srgbClr val="000000"/>
+                      </a:solidFill>
+                      <a:prstDash val="solid"/>
+                      <a:round/>
+                      <a:headEnd type="none" w="med" len="med"/>
+                      <a:tailEnd type="none" w="med" len="med"/>
+                    </a:lnR>
+                    <a:lnT>
+                      <a:noFill/>
+                    </a:lnT>
+                    <a:lnB>
+                      <a:noFill/>
+                    </a:lnB>
+                  </a:tcPr>
+                </a:tc>
+                <a:tc>
+                  <a:txBody>
+                    <a:bodyPr/>
+                    <a:lstStyle/>
+                    <a:p>
+                      <a:pPr algn="ctr" fontAlgn="b"/>
+                      <a:r>
+                        <a:rPr lang="en-US" sz="1200" b="0" i="0" u="none" strike="noStrike">
                           <a:solidFill>
                             <a:srgbClr val="000000"/>
                           </a:solidFill>
@@ -14685,14 +17800,14 @@
                     <a:p>
                       <a:pPr algn="ctr" fontAlgn="b"/>
                       <a:r>
-                        <a:rPr lang="en-US" sz="900" b="0" i="0" u="none" strike="noStrike">
+                        <a:rPr lang="en-US" sz="1200" b="0" i="0" u="none" strike="noStrike" dirty="0">
                           <a:solidFill>
                             <a:srgbClr val="000000"/>
                           </a:solidFill>
                           <a:effectLst/>
                           <a:latin typeface="Calibri"/>
                         </a:rPr>
-                        <a:t>3.50</a:t>
+                        <a:t>0.17</a:t>
                       </a:r>
                     </a:p>
                   </a:txBody>
@@ -14745,7 +17860,7 @@
                     <a:p>
                       <a:pPr algn="ctr" fontAlgn="b"/>
                       <a:r>
-                        <a:rPr lang="en-US" sz="900" b="0" i="0" u="none" strike="noStrike">
+                        <a:rPr lang="en-US" sz="1200" b="0" i="0" u="none" strike="noStrike" dirty="0">
                           <a:solidFill>
                             <a:srgbClr val="000000"/>
                           </a:solidFill>
@@ -14805,67 +17920,7 @@
                     <a:p>
                       <a:pPr algn="ctr" fontAlgn="b"/>
                       <a:r>
-                        <a:rPr lang="en-US" sz="900" b="0" i="0" u="none" strike="noStrike">
-                          <a:solidFill>
-                            <a:srgbClr val="000000"/>
-                          </a:solidFill>
-                          <a:effectLst/>
-                          <a:latin typeface="Calibri"/>
-                        </a:rPr>
-                        <a:t>0.17</a:t>
-                      </a:r>
-                    </a:p>
-                  </a:txBody>
-                  <a:tcPr marL="9427" marR="9427" marT="9427" marB="0" anchor="b">
-                    <a:lnL w="6350" cap="flat" cmpd="sng" algn="ctr">
-                      <a:solidFill>
-                        <a:srgbClr val="000000"/>
-                      </a:solidFill>
-                      <a:prstDash val="solid"/>
-                      <a:round/>
-                      <a:headEnd type="none" w="med" len="med"/>
-                      <a:tailEnd type="none" w="med" len="med"/>
-                    </a:lnL>
-                    <a:lnR w="6350" cap="flat" cmpd="sng" algn="ctr">
-                      <a:solidFill>
-                        <a:srgbClr val="000000"/>
-                      </a:solidFill>
-                      <a:prstDash val="solid"/>
-                      <a:round/>
-                      <a:headEnd type="none" w="med" len="med"/>
-                      <a:tailEnd type="none" w="med" len="med"/>
-                    </a:lnR>
-                    <a:lnT w="6350" cap="flat" cmpd="sng" algn="ctr">
-                      <a:solidFill>
-                        <a:srgbClr val="000000"/>
-                      </a:solidFill>
-                      <a:prstDash val="solid"/>
-                      <a:round/>
-                      <a:headEnd type="none" w="med" len="med"/>
-                      <a:tailEnd type="none" w="med" len="med"/>
-                    </a:lnT>
-                    <a:lnB w="6350" cap="flat" cmpd="sng" algn="ctr">
-                      <a:solidFill>
-                        <a:srgbClr val="000000"/>
-                      </a:solidFill>
-                      <a:prstDash val="solid"/>
-                      <a:round/>
-                      <a:headEnd type="none" w="med" len="med"/>
-                      <a:tailEnd type="none" w="med" len="med"/>
-                    </a:lnB>
-                    <a:solidFill>
-                      <a:srgbClr val="EBF1DE"/>
-                    </a:solidFill>
-                  </a:tcPr>
-                </a:tc>
-                <a:tc>
-                  <a:txBody>
-                    <a:bodyPr/>
-                    <a:lstStyle/>
-                    <a:p>
-                      <a:pPr algn="ctr" fontAlgn="b"/>
-                      <a:r>
-                        <a:rPr lang="en-US" sz="900" b="0" i="0" u="none" strike="noStrike">
+                        <a:rPr lang="en-US" sz="1200" b="0" i="0" u="none" strike="noStrike">
                           <a:solidFill>
                             <a:srgbClr val="000000"/>
                           </a:solidFill>
@@ -14886,74 +17941,8 @@
                       <a:headEnd type="none" w="med" len="med"/>
                       <a:tailEnd type="none" w="med" len="med"/>
                     </a:lnL>
-                    <a:lnR w="6350" cap="flat" cmpd="sng" algn="ctr">
-                      <a:solidFill>
-                        <a:srgbClr val="000000"/>
-                      </a:solidFill>
-                      <a:prstDash val="solid"/>
-                      <a:round/>
-                      <a:headEnd type="none" w="med" len="med"/>
-                      <a:tailEnd type="none" w="med" len="med"/>
-                    </a:lnR>
-                    <a:lnT w="6350" cap="flat" cmpd="sng" algn="ctr">
-                      <a:solidFill>
-                        <a:srgbClr val="000000"/>
-                      </a:solidFill>
-                      <a:prstDash val="solid"/>
-                      <a:round/>
-                      <a:headEnd type="none" w="med" len="med"/>
-                      <a:tailEnd type="none" w="med" len="med"/>
-                    </a:lnT>
-                    <a:lnB w="6350" cap="flat" cmpd="sng" algn="ctr">
-                      <a:solidFill>
-                        <a:srgbClr val="000000"/>
-                      </a:solidFill>
-                      <a:prstDash val="solid"/>
-                      <a:round/>
-                      <a:headEnd type="none" w="med" len="med"/>
-                      <a:tailEnd type="none" w="med" len="med"/>
-                    </a:lnB>
-                    <a:solidFill>
-                      <a:srgbClr val="EBF1DE"/>
-                    </a:solidFill>
-                  </a:tcPr>
-                </a:tc>
-                <a:tc>
-                  <a:txBody>
-                    <a:bodyPr/>
-                    <a:lstStyle/>
-                    <a:p>
-                      <a:pPr algn="ctr" fontAlgn="b"/>
-                      <a:r>
-                        <a:rPr lang="en-US" sz="900" b="0" i="0" u="none" strike="noStrike">
-                          <a:solidFill>
-                            <a:srgbClr val="000000"/>
-                          </a:solidFill>
-                          <a:effectLst/>
-                          <a:latin typeface="Calibri"/>
-                        </a:rPr>
-                        <a:t> </a:t>
-                      </a:r>
-                    </a:p>
-                  </a:txBody>
-                  <a:tcPr marL="9427" marR="9427" marT="9427" marB="0" anchor="b">
-                    <a:lnL w="6350" cap="flat" cmpd="sng" algn="ctr">
-                      <a:solidFill>
-                        <a:srgbClr val="000000"/>
-                      </a:solidFill>
-                      <a:prstDash val="solid"/>
-                      <a:round/>
-                      <a:headEnd type="none" w="med" len="med"/>
-                      <a:tailEnd type="none" w="med" len="med"/>
-                    </a:lnL>
-                    <a:lnR w="6350" cap="flat" cmpd="sng" algn="ctr">
-                      <a:solidFill>
-                        <a:srgbClr val="000000"/>
-                      </a:solidFill>
-                      <a:prstDash val="solid"/>
-                      <a:round/>
-                      <a:headEnd type="none" w="med" len="med"/>
-                      <a:tailEnd type="none" w="med" len="med"/>
+                    <a:lnR>
+                      <a:noFill/>
                     </a:lnR>
                     <a:lnT>
                       <a:noFill/>
@@ -14972,4292 +17961,7 @@
                     <a:lstStyle/>
                     <a:p>
                       <a:pPr algn="l" fontAlgn="b"/>
-                      <a:r>
-                        <a:rPr lang="en-US" sz="900" b="0" i="0" u="none" strike="noStrike">
-                          <a:solidFill>
-                            <a:srgbClr val="000000"/>
-                          </a:solidFill>
-                          <a:effectLst/>
-                          <a:latin typeface="Calibri"/>
-                        </a:rPr>
-                        <a:t>maxium tips</a:t>
-                      </a:r>
-                    </a:p>
-                  </a:txBody>
-                  <a:tcPr marL="9427" marR="9427" marT="9427" marB="0" anchor="b">
-                    <a:lnL w="6350" cap="flat" cmpd="sng" algn="ctr">
-                      <a:solidFill>
-                        <a:srgbClr val="000000"/>
-                      </a:solidFill>
-                      <a:prstDash val="solid"/>
-                      <a:round/>
-                      <a:headEnd type="none" w="med" len="med"/>
-                      <a:tailEnd type="none" w="med" len="med"/>
-                    </a:lnL>
-                    <a:lnR w="6350" cap="flat" cmpd="sng" algn="ctr">
-                      <a:solidFill>
-                        <a:srgbClr val="000000"/>
-                      </a:solidFill>
-                      <a:prstDash val="solid"/>
-                      <a:round/>
-                      <a:headEnd type="none" w="med" len="med"/>
-                      <a:tailEnd type="none" w="med" len="med"/>
-                    </a:lnR>
-                    <a:lnT w="6350" cap="flat" cmpd="sng" algn="ctr">
-                      <a:solidFill>
-                        <a:srgbClr val="000000"/>
-                      </a:solidFill>
-                      <a:prstDash val="solid"/>
-                      <a:round/>
-                      <a:headEnd type="none" w="med" len="med"/>
-                      <a:tailEnd type="none" w="med" len="med"/>
-                    </a:lnT>
-                    <a:lnB w="6350" cap="flat" cmpd="sng" algn="ctr">
-                      <a:solidFill>
-                        <a:srgbClr val="000000"/>
-                      </a:solidFill>
-                      <a:prstDash val="solid"/>
-                      <a:round/>
-                      <a:headEnd type="none" w="med" len="med"/>
-                      <a:tailEnd type="none" w="med" len="med"/>
-                    </a:lnB>
-                    <a:solidFill>
-                      <a:srgbClr val="EBF1DE"/>
-                    </a:solidFill>
-                  </a:tcPr>
-                </a:tc>
-                <a:tc>
-                  <a:txBody>
-                    <a:bodyPr/>
-                    <a:lstStyle/>
-                    <a:p>
-                      <a:pPr algn="r" fontAlgn="b"/>
-                      <a:r>
-                        <a:rPr lang="en-US" sz="900" b="0" i="0" u="none" strike="noStrike">
-                          <a:solidFill>
-                            <a:srgbClr val="000000"/>
-                          </a:solidFill>
-                          <a:effectLst/>
-                          <a:latin typeface="Calibri"/>
-                        </a:rPr>
-                        <a:t>6.70</a:t>
-                      </a:r>
-                    </a:p>
-                  </a:txBody>
-                  <a:tcPr marL="9427" marR="9427" marT="9427" marB="0" anchor="b">
-                    <a:lnL w="6350" cap="flat" cmpd="sng" algn="ctr">
-                      <a:solidFill>
-                        <a:srgbClr val="000000"/>
-                      </a:solidFill>
-                      <a:prstDash val="solid"/>
-                      <a:round/>
-                      <a:headEnd type="none" w="med" len="med"/>
-                      <a:tailEnd type="none" w="med" len="med"/>
-                    </a:lnL>
-                    <a:lnR w="6350" cap="flat" cmpd="sng" algn="ctr">
-                      <a:solidFill>
-                        <a:srgbClr val="000000"/>
-                      </a:solidFill>
-                      <a:prstDash val="solid"/>
-                      <a:round/>
-                      <a:headEnd type="none" w="med" len="med"/>
-                      <a:tailEnd type="none" w="med" len="med"/>
-                    </a:lnR>
-                    <a:lnT w="6350" cap="flat" cmpd="sng" algn="ctr">
-                      <a:solidFill>
-                        <a:srgbClr val="000000"/>
-                      </a:solidFill>
-                      <a:prstDash val="solid"/>
-                      <a:round/>
-                      <a:headEnd type="none" w="med" len="med"/>
-                      <a:tailEnd type="none" w="med" len="med"/>
-                    </a:lnT>
-                    <a:lnB w="6350" cap="flat" cmpd="sng" algn="ctr">
-                      <a:solidFill>
-                        <a:srgbClr val="000000"/>
-                      </a:solidFill>
-                      <a:prstDash val="solid"/>
-                      <a:round/>
-                      <a:headEnd type="none" w="med" len="med"/>
-                      <a:tailEnd type="none" w="med" len="med"/>
-                    </a:lnB>
-                    <a:solidFill>
-                      <a:srgbClr val="EBF1DE"/>
-                    </a:solidFill>
-                  </a:tcPr>
-                </a:tc>
-                <a:extLst>
-                  <a:ext uri="{0D108BD9-81ED-4DB2-BD59-A6C34878D82A}">
-                    <a16:rowId xmlns:a16="http://schemas.microsoft.com/office/drawing/2014/main" val="10003"/>
-                  </a:ext>
-                </a:extLst>
-              </a:tr>
-              <a:tr h="145173">
-                <a:tc>
-                  <a:txBody>
-                    <a:bodyPr/>
-                    <a:lstStyle/>
-                    <a:p>
-                      <a:pPr algn="ctr" fontAlgn="b"/>
-                      <a:r>
-                        <a:rPr lang="en-US" sz="900" b="0" i="0" u="none" strike="noStrike">
-                          <a:solidFill>
-                            <a:srgbClr val="000000"/>
-                          </a:solidFill>
-                          <a:effectLst/>
-                          <a:latin typeface="Calibri"/>
-                        </a:rPr>
-                        <a:t>23.68</a:t>
-                      </a:r>
-                    </a:p>
-                  </a:txBody>
-                  <a:tcPr marL="9427" marR="9427" marT="9427" marB="0" anchor="b">
-                    <a:lnL>
-                      <a:noFill/>
-                    </a:lnL>
-                    <a:lnR>
-                      <a:noFill/>
-                    </a:lnR>
-                    <a:lnT>
-                      <a:noFill/>
-                    </a:lnT>
-                    <a:lnB>
-                      <a:noFill/>
-                    </a:lnB>
-                  </a:tcPr>
-                </a:tc>
-                <a:tc>
-                  <a:txBody>
-                    <a:bodyPr/>
-                    <a:lstStyle/>
-                    <a:p>
-                      <a:pPr algn="ctr" fontAlgn="b"/>
-                      <a:r>
-                        <a:rPr lang="en-US" sz="900" b="0" i="0" u="none" strike="noStrike">
-                          <a:solidFill>
-                            <a:srgbClr val="000000"/>
-                          </a:solidFill>
-                          <a:effectLst/>
-                          <a:latin typeface="Calibri"/>
-                        </a:rPr>
-                        <a:t>3.31</a:t>
-                      </a:r>
-                    </a:p>
-                  </a:txBody>
-                  <a:tcPr marL="9427" marR="9427" marT="9427" marB="0" anchor="b">
-                    <a:lnL>
-                      <a:noFill/>
-                    </a:lnL>
-                    <a:lnR>
-                      <a:noFill/>
-                    </a:lnR>
-                    <a:lnT>
-                      <a:noFill/>
-                    </a:lnT>
-                    <a:lnB>
-                      <a:noFill/>
-                    </a:lnB>
-                  </a:tcPr>
-                </a:tc>
-                <a:tc>
-                  <a:txBody>
-                    <a:bodyPr/>
-                    <a:lstStyle/>
-                    <a:p>
-                      <a:pPr algn="ctr" fontAlgn="b"/>
-                      <a:r>
-                        <a:rPr lang="en-US" sz="900" b="0" i="0" u="none" strike="noStrike">
-                          <a:solidFill>
-                            <a:srgbClr val="000000"/>
-                          </a:solidFill>
-                          <a:effectLst/>
-                          <a:latin typeface="Calibri"/>
-                        </a:rPr>
-                        <a:t>Male</a:t>
-                      </a:r>
-                    </a:p>
-                  </a:txBody>
-                  <a:tcPr marL="9427" marR="9427" marT="9427" marB="0" anchor="b">
-                    <a:lnL>
-                      <a:noFill/>
-                    </a:lnL>
-                    <a:lnR>
-                      <a:noFill/>
-                    </a:lnR>
-                    <a:lnT>
-                      <a:noFill/>
-                    </a:lnT>
-                    <a:lnB>
-                      <a:noFill/>
-                    </a:lnB>
-                  </a:tcPr>
-                </a:tc>
-                <a:tc>
-                  <a:txBody>
-                    <a:bodyPr/>
-                    <a:lstStyle/>
-                    <a:p>
-                      <a:pPr algn="ctr" fontAlgn="b"/>
-                      <a:r>
-                        <a:rPr lang="en-US" sz="900" b="0" i="0" u="none" strike="noStrike">
-                          <a:solidFill>
-                            <a:srgbClr val="000000"/>
-                          </a:solidFill>
-                          <a:effectLst/>
-                          <a:latin typeface="Calibri"/>
-                        </a:rPr>
-                        <a:t>Dinner</a:t>
-                      </a:r>
-                    </a:p>
-                  </a:txBody>
-                  <a:tcPr marL="9427" marR="9427" marT="9427" marB="0" anchor="b">
-                    <a:lnL>
-                      <a:noFill/>
-                    </a:lnL>
-                    <a:lnR w="6350" cap="flat" cmpd="sng" algn="ctr">
-                      <a:solidFill>
-                        <a:srgbClr val="000000"/>
-                      </a:solidFill>
-                      <a:prstDash val="solid"/>
-                      <a:round/>
-                      <a:headEnd type="none" w="med" len="med"/>
-                      <a:tailEnd type="none" w="med" len="med"/>
-                    </a:lnR>
-                    <a:lnT>
-                      <a:noFill/>
-                    </a:lnT>
-                    <a:lnB>
-                      <a:noFill/>
-                    </a:lnB>
-                  </a:tcPr>
-                </a:tc>
-                <a:tc>
-                  <a:txBody>
-                    <a:bodyPr/>
-                    <a:lstStyle/>
-                    <a:p>
-                      <a:pPr algn="ctr" fontAlgn="b"/>
-                      <a:r>
-                        <a:rPr lang="en-US" sz="900" b="0" i="0" u="none" strike="noStrike">
-                          <a:solidFill>
-                            <a:srgbClr val="000000"/>
-                          </a:solidFill>
-                          <a:effectLst/>
-                          <a:latin typeface="Calibri"/>
-                        </a:rPr>
-                        <a:t>0.14</a:t>
-                      </a:r>
-                    </a:p>
-                  </a:txBody>
-                  <a:tcPr marL="9427" marR="9427" marT="9427" marB="0" anchor="b">
-                    <a:lnL w="6350" cap="flat" cmpd="sng" algn="ctr">
-                      <a:solidFill>
-                        <a:srgbClr val="000000"/>
-                      </a:solidFill>
-                      <a:prstDash val="solid"/>
-                      <a:round/>
-                      <a:headEnd type="none" w="med" len="med"/>
-                      <a:tailEnd type="none" w="med" len="med"/>
-                    </a:lnL>
-                    <a:lnR w="6350" cap="flat" cmpd="sng" algn="ctr">
-                      <a:solidFill>
-                        <a:srgbClr val="000000"/>
-                      </a:solidFill>
-                      <a:prstDash val="solid"/>
-                      <a:round/>
-                      <a:headEnd type="none" w="med" len="med"/>
-                      <a:tailEnd type="none" w="med" len="med"/>
-                    </a:lnR>
-                    <a:lnT w="6350" cap="flat" cmpd="sng" algn="ctr">
-                      <a:solidFill>
-                        <a:srgbClr val="000000"/>
-                      </a:solidFill>
-                      <a:prstDash val="solid"/>
-                      <a:round/>
-                      <a:headEnd type="none" w="med" len="med"/>
-                      <a:tailEnd type="none" w="med" len="med"/>
-                    </a:lnT>
-                    <a:lnB w="6350" cap="flat" cmpd="sng" algn="ctr">
-                      <a:solidFill>
-                        <a:srgbClr val="000000"/>
-                      </a:solidFill>
-                      <a:prstDash val="solid"/>
-                      <a:round/>
-                      <a:headEnd type="none" w="med" len="med"/>
-                      <a:tailEnd type="none" w="med" len="med"/>
-                    </a:lnB>
-                    <a:solidFill>
-                      <a:srgbClr val="EBF1DE"/>
-                    </a:solidFill>
-                  </a:tcPr>
-                </a:tc>
-                <a:tc>
-                  <a:txBody>
-                    <a:bodyPr/>
-                    <a:lstStyle/>
-                    <a:p>
-                      <a:pPr algn="ctr" fontAlgn="b"/>
-                      <a:r>
-                        <a:rPr lang="en-US" sz="900" b="0" i="0" u="none" strike="noStrike">
-                          <a:solidFill>
-                            <a:srgbClr val="000000"/>
-                          </a:solidFill>
-                          <a:effectLst/>
-                          <a:latin typeface="Calibri"/>
-                        </a:rPr>
-                        <a:t>3.31</a:t>
-                      </a:r>
-                    </a:p>
-                  </a:txBody>
-                  <a:tcPr marL="9427" marR="9427" marT="9427" marB="0" anchor="b">
-                    <a:lnL w="6350" cap="flat" cmpd="sng" algn="ctr">
-                      <a:solidFill>
-                        <a:srgbClr val="000000"/>
-                      </a:solidFill>
-                      <a:prstDash val="solid"/>
-                      <a:round/>
-                      <a:headEnd type="none" w="med" len="med"/>
-                      <a:tailEnd type="none" w="med" len="med"/>
-                    </a:lnL>
-                    <a:lnR w="6350" cap="flat" cmpd="sng" algn="ctr">
-                      <a:solidFill>
-                        <a:srgbClr val="000000"/>
-                      </a:solidFill>
-                      <a:prstDash val="solid"/>
-                      <a:round/>
-                      <a:headEnd type="none" w="med" len="med"/>
-                      <a:tailEnd type="none" w="med" len="med"/>
-                    </a:lnR>
-                    <a:lnT w="6350" cap="flat" cmpd="sng" algn="ctr">
-                      <a:solidFill>
-                        <a:srgbClr val="000000"/>
-                      </a:solidFill>
-                      <a:prstDash val="solid"/>
-                      <a:round/>
-                      <a:headEnd type="none" w="med" len="med"/>
-                      <a:tailEnd type="none" w="med" len="med"/>
-                    </a:lnT>
-                    <a:lnB w="6350" cap="flat" cmpd="sng" algn="ctr">
-                      <a:solidFill>
-                        <a:srgbClr val="000000"/>
-                      </a:solidFill>
-                      <a:prstDash val="solid"/>
-                      <a:round/>
-                      <a:headEnd type="none" w="med" len="med"/>
-                      <a:tailEnd type="none" w="med" len="med"/>
-                    </a:lnB>
-                    <a:solidFill>
-                      <a:srgbClr val="EBF1DE"/>
-                    </a:solidFill>
-                  </a:tcPr>
-                </a:tc>
-                <a:tc>
-                  <a:txBody>
-                    <a:bodyPr/>
-                    <a:lstStyle/>
-                    <a:p>
-                      <a:pPr algn="ctr" fontAlgn="b"/>
-                      <a:r>
-                        <a:rPr lang="en-US" sz="900" b="0" i="0" u="none" strike="noStrike">
-                          <a:solidFill>
-                            <a:srgbClr val="000000"/>
-                          </a:solidFill>
-                          <a:effectLst/>
-                          <a:latin typeface="Calibri"/>
-                        </a:rPr>
-                        <a:t> </a:t>
-                      </a:r>
-                    </a:p>
-                  </a:txBody>
-                  <a:tcPr marL="9427" marR="9427" marT="9427" marB="0" anchor="b">
-                    <a:lnL w="6350" cap="flat" cmpd="sng" algn="ctr">
-                      <a:solidFill>
-                        <a:srgbClr val="000000"/>
-                      </a:solidFill>
-                      <a:prstDash val="solid"/>
-                      <a:round/>
-                      <a:headEnd type="none" w="med" len="med"/>
-                      <a:tailEnd type="none" w="med" len="med"/>
-                    </a:lnL>
-                    <a:lnR w="6350" cap="flat" cmpd="sng" algn="ctr">
-                      <a:solidFill>
-                        <a:srgbClr val="000000"/>
-                      </a:solidFill>
-                      <a:prstDash val="solid"/>
-                      <a:round/>
-                      <a:headEnd type="none" w="med" len="med"/>
-                      <a:tailEnd type="none" w="med" len="med"/>
-                    </a:lnR>
-                    <a:lnT w="6350" cap="flat" cmpd="sng" algn="ctr">
-                      <a:solidFill>
-                        <a:srgbClr val="000000"/>
-                      </a:solidFill>
-                      <a:prstDash val="solid"/>
-                      <a:round/>
-                      <a:headEnd type="none" w="med" len="med"/>
-                      <a:tailEnd type="none" w="med" len="med"/>
-                    </a:lnT>
-                    <a:lnB w="6350" cap="flat" cmpd="sng" algn="ctr">
-                      <a:solidFill>
-                        <a:srgbClr val="000000"/>
-                      </a:solidFill>
-                      <a:prstDash val="solid"/>
-                      <a:round/>
-                      <a:headEnd type="none" w="med" len="med"/>
-                      <a:tailEnd type="none" w="med" len="med"/>
-                    </a:lnB>
-                    <a:solidFill>
-                      <a:srgbClr val="EBF1DE"/>
-                    </a:solidFill>
-                  </a:tcPr>
-                </a:tc>
-                <a:tc>
-                  <a:txBody>
-                    <a:bodyPr/>
-                    <a:lstStyle/>
-                    <a:p>
-                      <a:pPr algn="ctr" fontAlgn="b"/>
-                      <a:r>
-                        <a:rPr lang="en-US" sz="900" b="0" i="0" u="none" strike="noStrike">
-                          <a:solidFill>
-                            <a:srgbClr val="000000"/>
-                          </a:solidFill>
-                          <a:effectLst/>
-                          <a:latin typeface="Calibri"/>
-                        </a:rPr>
-                        <a:t>0.14</a:t>
-                      </a:r>
-                    </a:p>
-                  </a:txBody>
-                  <a:tcPr marL="9427" marR="9427" marT="9427" marB="0" anchor="b">
-                    <a:lnL w="6350" cap="flat" cmpd="sng" algn="ctr">
-                      <a:solidFill>
-                        <a:srgbClr val="000000"/>
-                      </a:solidFill>
-                      <a:prstDash val="solid"/>
-                      <a:round/>
-                      <a:headEnd type="none" w="med" len="med"/>
-                      <a:tailEnd type="none" w="med" len="med"/>
-                    </a:lnL>
-                    <a:lnR w="6350" cap="flat" cmpd="sng" algn="ctr">
-                      <a:solidFill>
-                        <a:srgbClr val="000000"/>
-                      </a:solidFill>
-                      <a:prstDash val="solid"/>
-                      <a:round/>
-                      <a:headEnd type="none" w="med" len="med"/>
-                      <a:tailEnd type="none" w="med" len="med"/>
-                    </a:lnR>
-                    <a:lnT w="6350" cap="flat" cmpd="sng" algn="ctr">
-                      <a:solidFill>
-                        <a:srgbClr val="000000"/>
-                      </a:solidFill>
-                      <a:prstDash val="solid"/>
-                      <a:round/>
-                      <a:headEnd type="none" w="med" len="med"/>
-                      <a:tailEnd type="none" w="med" len="med"/>
-                    </a:lnT>
-                    <a:lnB w="6350" cap="flat" cmpd="sng" algn="ctr">
-                      <a:solidFill>
-                        <a:srgbClr val="000000"/>
-                      </a:solidFill>
-                      <a:prstDash val="solid"/>
-                      <a:round/>
-                      <a:headEnd type="none" w="med" len="med"/>
-                      <a:tailEnd type="none" w="med" len="med"/>
-                    </a:lnB>
-                    <a:solidFill>
-                      <a:srgbClr val="EBF1DE"/>
-                    </a:solidFill>
-                  </a:tcPr>
-                </a:tc>
-                <a:tc>
-                  <a:txBody>
-                    <a:bodyPr/>
-                    <a:lstStyle/>
-                    <a:p>
-                      <a:pPr algn="ctr" fontAlgn="b"/>
-                      <a:r>
-                        <a:rPr lang="en-US" sz="900" b="0" i="0" u="none" strike="noStrike">
-                          <a:solidFill>
-                            <a:srgbClr val="000000"/>
-                          </a:solidFill>
-                          <a:effectLst/>
-                          <a:latin typeface="Calibri"/>
-                        </a:rPr>
-                        <a:t> </a:t>
-                      </a:r>
-                    </a:p>
-                  </a:txBody>
-                  <a:tcPr marL="9427" marR="9427" marT="9427" marB="0" anchor="b">
-                    <a:lnL w="6350" cap="flat" cmpd="sng" algn="ctr">
-                      <a:solidFill>
-                        <a:srgbClr val="000000"/>
-                      </a:solidFill>
-                      <a:prstDash val="solid"/>
-                      <a:round/>
-                      <a:headEnd type="none" w="med" len="med"/>
-                      <a:tailEnd type="none" w="med" len="med"/>
-                    </a:lnL>
-                    <a:lnR w="6350" cap="flat" cmpd="sng" algn="ctr">
-                      <a:solidFill>
-                        <a:srgbClr val="000000"/>
-                      </a:solidFill>
-                      <a:prstDash val="solid"/>
-                      <a:round/>
-                      <a:headEnd type="none" w="med" len="med"/>
-                      <a:tailEnd type="none" w="med" len="med"/>
-                    </a:lnR>
-                    <a:lnT w="6350" cap="flat" cmpd="sng" algn="ctr">
-                      <a:solidFill>
-                        <a:srgbClr val="000000"/>
-                      </a:solidFill>
-                      <a:prstDash val="solid"/>
-                      <a:round/>
-                      <a:headEnd type="none" w="med" len="med"/>
-                      <a:tailEnd type="none" w="med" len="med"/>
-                    </a:lnT>
-                    <a:lnB w="6350" cap="flat" cmpd="sng" algn="ctr">
-                      <a:solidFill>
-                        <a:srgbClr val="000000"/>
-                      </a:solidFill>
-                      <a:prstDash val="solid"/>
-                      <a:round/>
-                      <a:headEnd type="none" w="med" len="med"/>
-                      <a:tailEnd type="none" w="med" len="med"/>
-                    </a:lnB>
-                    <a:solidFill>
-                      <a:srgbClr val="EBF1DE"/>
-                    </a:solidFill>
-                  </a:tcPr>
-                </a:tc>
-                <a:tc>
-                  <a:txBody>
-                    <a:bodyPr/>
-                    <a:lstStyle/>
-                    <a:p>
-                      <a:pPr algn="ctr" fontAlgn="b"/>
-                      <a:r>
-                        <a:rPr lang="en-US" sz="900" b="0" i="0" u="none" strike="noStrike">
-                          <a:solidFill>
-                            <a:srgbClr val="000000"/>
-                          </a:solidFill>
-                          <a:effectLst/>
-                          <a:latin typeface="Calibri"/>
-                        </a:rPr>
-                        <a:t> </a:t>
-                      </a:r>
-                    </a:p>
-                  </a:txBody>
-                  <a:tcPr marL="9427" marR="9427" marT="9427" marB="0" anchor="b">
-                    <a:lnL w="6350" cap="flat" cmpd="sng" algn="ctr">
-                      <a:solidFill>
-                        <a:srgbClr val="000000"/>
-                      </a:solidFill>
-                      <a:prstDash val="solid"/>
-                      <a:round/>
-                      <a:headEnd type="none" w="med" len="med"/>
-                      <a:tailEnd type="none" w="med" len="med"/>
-                    </a:lnL>
-                    <a:lnR w="6350" cap="flat" cmpd="sng" algn="ctr">
-                      <a:solidFill>
-                        <a:srgbClr val="000000"/>
-                      </a:solidFill>
-                      <a:prstDash val="solid"/>
-                      <a:round/>
-                      <a:headEnd type="none" w="med" len="med"/>
-                      <a:tailEnd type="none" w="med" len="med"/>
-                    </a:lnR>
-                    <a:lnT>
-                      <a:noFill/>
-                    </a:lnT>
-                    <a:lnB>
-                      <a:noFill/>
-                    </a:lnB>
-                    <a:solidFill>
-                      <a:srgbClr val="FFFFFF"/>
-                    </a:solidFill>
-                  </a:tcPr>
-                </a:tc>
-                <a:tc>
-                  <a:txBody>
-                    <a:bodyPr/>
-                    <a:lstStyle/>
-                    <a:p>
-                      <a:pPr algn="l" fontAlgn="b"/>
-                      <a:r>
-                        <a:rPr lang="en-US" sz="900" b="0" i="0" u="none" strike="noStrike">
-                          <a:solidFill>
-                            <a:srgbClr val="000000"/>
-                          </a:solidFill>
-                          <a:effectLst/>
-                          <a:latin typeface="Calibri"/>
-                        </a:rPr>
-                        <a:t>minium tips</a:t>
-                      </a:r>
-                    </a:p>
-                  </a:txBody>
-                  <a:tcPr marL="9427" marR="9427" marT="9427" marB="0" anchor="b">
-                    <a:lnL w="6350" cap="flat" cmpd="sng" algn="ctr">
-                      <a:solidFill>
-                        <a:srgbClr val="000000"/>
-                      </a:solidFill>
-                      <a:prstDash val="solid"/>
-                      <a:round/>
-                      <a:headEnd type="none" w="med" len="med"/>
-                      <a:tailEnd type="none" w="med" len="med"/>
-                    </a:lnL>
-                    <a:lnR w="6350" cap="flat" cmpd="sng" algn="ctr">
-                      <a:solidFill>
-                        <a:srgbClr val="000000"/>
-                      </a:solidFill>
-                      <a:prstDash val="solid"/>
-                      <a:round/>
-                      <a:headEnd type="none" w="med" len="med"/>
-                      <a:tailEnd type="none" w="med" len="med"/>
-                    </a:lnR>
-                    <a:lnT w="6350" cap="flat" cmpd="sng" algn="ctr">
-                      <a:solidFill>
-                        <a:srgbClr val="000000"/>
-                      </a:solidFill>
-                      <a:prstDash val="solid"/>
-                      <a:round/>
-                      <a:headEnd type="none" w="med" len="med"/>
-                      <a:tailEnd type="none" w="med" len="med"/>
-                    </a:lnT>
-                    <a:lnB w="6350" cap="flat" cmpd="sng" algn="ctr">
-                      <a:solidFill>
-                        <a:srgbClr val="000000"/>
-                      </a:solidFill>
-                      <a:prstDash val="solid"/>
-                      <a:round/>
-                      <a:headEnd type="none" w="med" len="med"/>
-                      <a:tailEnd type="none" w="med" len="med"/>
-                    </a:lnB>
-                    <a:solidFill>
-                      <a:srgbClr val="EBF1DE"/>
-                    </a:solidFill>
-                  </a:tcPr>
-                </a:tc>
-                <a:tc>
-                  <a:txBody>
-                    <a:bodyPr/>
-                    <a:lstStyle/>
-                    <a:p>
-                      <a:pPr algn="r" fontAlgn="b"/>
-                      <a:r>
-                        <a:rPr lang="en-US" sz="900" b="0" i="0" u="none" strike="noStrike">
-                          <a:solidFill>
-                            <a:srgbClr val="000000"/>
-                          </a:solidFill>
-                          <a:effectLst/>
-                          <a:latin typeface="Calibri"/>
-                        </a:rPr>
-                        <a:t>1.00</a:t>
-                      </a:r>
-                    </a:p>
-                  </a:txBody>
-                  <a:tcPr marL="9427" marR="9427" marT="9427" marB="0" anchor="b">
-                    <a:lnL w="6350" cap="flat" cmpd="sng" algn="ctr">
-                      <a:solidFill>
-                        <a:srgbClr val="000000"/>
-                      </a:solidFill>
-                      <a:prstDash val="solid"/>
-                      <a:round/>
-                      <a:headEnd type="none" w="med" len="med"/>
-                      <a:tailEnd type="none" w="med" len="med"/>
-                    </a:lnL>
-                    <a:lnR w="6350" cap="flat" cmpd="sng" algn="ctr">
-                      <a:solidFill>
-                        <a:srgbClr val="000000"/>
-                      </a:solidFill>
-                      <a:prstDash val="solid"/>
-                      <a:round/>
-                      <a:headEnd type="none" w="med" len="med"/>
-                      <a:tailEnd type="none" w="med" len="med"/>
-                    </a:lnR>
-                    <a:lnT w="6350" cap="flat" cmpd="sng" algn="ctr">
-                      <a:solidFill>
-                        <a:srgbClr val="000000"/>
-                      </a:solidFill>
-                      <a:prstDash val="solid"/>
-                      <a:round/>
-                      <a:headEnd type="none" w="med" len="med"/>
-                      <a:tailEnd type="none" w="med" len="med"/>
-                    </a:lnT>
-                    <a:lnB w="6350" cap="flat" cmpd="sng" algn="ctr">
-                      <a:solidFill>
-                        <a:srgbClr val="000000"/>
-                      </a:solidFill>
-                      <a:prstDash val="solid"/>
-                      <a:round/>
-                      <a:headEnd type="none" w="med" len="med"/>
-                      <a:tailEnd type="none" w="med" len="med"/>
-                    </a:lnB>
-                    <a:solidFill>
-                      <a:srgbClr val="EBF1DE"/>
-                    </a:solidFill>
-                  </a:tcPr>
-                </a:tc>
-                <a:extLst>
-                  <a:ext uri="{0D108BD9-81ED-4DB2-BD59-A6C34878D82A}">
-                    <a16:rowId xmlns:a16="http://schemas.microsoft.com/office/drawing/2014/main" val="10004"/>
-                  </a:ext>
-                </a:extLst>
-              </a:tr>
-              <a:tr h="145173">
-                <a:tc>
-                  <a:txBody>
-                    <a:bodyPr/>
-                    <a:lstStyle/>
-                    <a:p>
-                      <a:pPr algn="ctr" fontAlgn="b"/>
-                      <a:r>
-                        <a:rPr lang="en-US" sz="900" b="0" i="0" u="none" strike="noStrike">
-                          <a:solidFill>
-                            <a:srgbClr val="000000"/>
-                          </a:solidFill>
-                          <a:effectLst/>
-                          <a:latin typeface="Calibri"/>
-                        </a:rPr>
-                        <a:t>24.59</a:t>
-                      </a:r>
-                    </a:p>
-                  </a:txBody>
-                  <a:tcPr marL="9427" marR="9427" marT="9427" marB="0" anchor="b">
-                    <a:lnL>
-                      <a:noFill/>
-                    </a:lnL>
-                    <a:lnR>
-                      <a:noFill/>
-                    </a:lnR>
-                    <a:lnT>
-                      <a:noFill/>
-                    </a:lnT>
-                    <a:lnB>
-                      <a:noFill/>
-                    </a:lnB>
-                  </a:tcPr>
-                </a:tc>
-                <a:tc>
-                  <a:txBody>
-                    <a:bodyPr/>
-                    <a:lstStyle/>
-                    <a:p>
-                      <a:pPr algn="ctr" fontAlgn="b"/>
-                      <a:r>
-                        <a:rPr lang="en-US" sz="900" b="0" i="0" u="none" strike="noStrike">
-                          <a:solidFill>
-                            <a:srgbClr val="000000"/>
-                          </a:solidFill>
-                          <a:effectLst/>
-                          <a:latin typeface="Calibri"/>
-                        </a:rPr>
-                        <a:t>3.61</a:t>
-                      </a:r>
-                    </a:p>
-                  </a:txBody>
-                  <a:tcPr marL="9427" marR="9427" marT="9427" marB="0" anchor="b">
-                    <a:lnL>
-                      <a:noFill/>
-                    </a:lnL>
-                    <a:lnR>
-                      <a:noFill/>
-                    </a:lnR>
-                    <a:lnT>
-                      <a:noFill/>
-                    </a:lnT>
-                    <a:lnB>
-                      <a:noFill/>
-                    </a:lnB>
-                  </a:tcPr>
-                </a:tc>
-                <a:tc>
-                  <a:txBody>
-                    <a:bodyPr/>
-                    <a:lstStyle/>
-                    <a:p>
-                      <a:pPr algn="ctr" fontAlgn="b"/>
-                      <a:r>
-                        <a:rPr lang="en-US" sz="900" b="0" i="0" u="none" strike="noStrike">
-                          <a:solidFill>
-                            <a:srgbClr val="000000"/>
-                          </a:solidFill>
-                          <a:effectLst/>
-                          <a:latin typeface="Calibri"/>
-                        </a:rPr>
-                        <a:t>Female</a:t>
-                      </a:r>
-                    </a:p>
-                  </a:txBody>
-                  <a:tcPr marL="9427" marR="9427" marT="9427" marB="0" anchor="b">
-                    <a:lnL>
-                      <a:noFill/>
-                    </a:lnL>
-                    <a:lnR>
-                      <a:noFill/>
-                    </a:lnR>
-                    <a:lnT>
-                      <a:noFill/>
-                    </a:lnT>
-                    <a:lnB>
-                      <a:noFill/>
-                    </a:lnB>
-                  </a:tcPr>
-                </a:tc>
-                <a:tc>
-                  <a:txBody>
-                    <a:bodyPr/>
-                    <a:lstStyle/>
-                    <a:p>
-                      <a:pPr algn="ctr" fontAlgn="b"/>
-                      <a:r>
-                        <a:rPr lang="en-US" sz="900" b="0" i="0" u="none" strike="noStrike">
-                          <a:solidFill>
-                            <a:srgbClr val="000000"/>
-                          </a:solidFill>
-                          <a:effectLst/>
-                          <a:latin typeface="Calibri"/>
-                        </a:rPr>
-                        <a:t>Dinner</a:t>
-                      </a:r>
-                    </a:p>
-                  </a:txBody>
-                  <a:tcPr marL="9427" marR="9427" marT="9427" marB="0" anchor="b">
-                    <a:lnL>
-                      <a:noFill/>
-                    </a:lnL>
-                    <a:lnR w="6350" cap="flat" cmpd="sng" algn="ctr">
-                      <a:solidFill>
-                        <a:srgbClr val="000000"/>
-                      </a:solidFill>
-                      <a:prstDash val="solid"/>
-                      <a:round/>
-                      <a:headEnd type="none" w="med" len="med"/>
-                      <a:tailEnd type="none" w="med" len="med"/>
-                    </a:lnR>
-                    <a:lnT>
-                      <a:noFill/>
-                    </a:lnT>
-                    <a:lnB>
-                      <a:noFill/>
-                    </a:lnB>
-                  </a:tcPr>
-                </a:tc>
-                <a:tc>
-                  <a:txBody>
-                    <a:bodyPr/>
-                    <a:lstStyle/>
-                    <a:p>
-                      <a:pPr algn="ctr" fontAlgn="b"/>
-                      <a:r>
-                        <a:rPr lang="en-US" sz="900" b="0" i="0" u="none" strike="noStrike">
-                          <a:solidFill>
-                            <a:srgbClr val="000000"/>
-                          </a:solidFill>
-                          <a:effectLst/>
-                          <a:latin typeface="Calibri"/>
-                        </a:rPr>
-                        <a:t>0.15</a:t>
-                      </a:r>
-                    </a:p>
-                  </a:txBody>
-                  <a:tcPr marL="9427" marR="9427" marT="9427" marB="0" anchor="b">
-                    <a:lnL w="6350" cap="flat" cmpd="sng" algn="ctr">
-                      <a:solidFill>
-                        <a:srgbClr val="000000"/>
-                      </a:solidFill>
-                      <a:prstDash val="solid"/>
-                      <a:round/>
-                      <a:headEnd type="none" w="med" len="med"/>
-                      <a:tailEnd type="none" w="med" len="med"/>
-                    </a:lnL>
-                    <a:lnR w="6350" cap="flat" cmpd="sng" algn="ctr">
-                      <a:solidFill>
-                        <a:srgbClr val="000000"/>
-                      </a:solidFill>
-                      <a:prstDash val="solid"/>
-                      <a:round/>
-                      <a:headEnd type="none" w="med" len="med"/>
-                      <a:tailEnd type="none" w="med" len="med"/>
-                    </a:lnR>
-                    <a:lnT w="6350" cap="flat" cmpd="sng" algn="ctr">
-                      <a:solidFill>
-                        <a:srgbClr val="000000"/>
-                      </a:solidFill>
-                      <a:prstDash val="solid"/>
-                      <a:round/>
-                      <a:headEnd type="none" w="med" len="med"/>
-                      <a:tailEnd type="none" w="med" len="med"/>
-                    </a:lnT>
-                    <a:lnB w="6350" cap="flat" cmpd="sng" algn="ctr">
-                      <a:solidFill>
-                        <a:srgbClr val="000000"/>
-                      </a:solidFill>
-                      <a:prstDash val="solid"/>
-                      <a:round/>
-                      <a:headEnd type="none" w="med" len="med"/>
-                      <a:tailEnd type="none" w="med" len="med"/>
-                    </a:lnB>
-                    <a:solidFill>
-                      <a:srgbClr val="EBF1DE"/>
-                    </a:solidFill>
-                  </a:tcPr>
-                </a:tc>
-                <a:tc>
-                  <a:txBody>
-                    <a:bodyPr/>
-                    <a:lstStyle/>
-                    <a:p>
-                      <a:pPr algn="ctr" fontAlgn="b"/>
-                      <a:r>
-                        <a:rPr lang="en-US" sz="900" b="0" i="0" u="none" strike="noStrike">
-                          <a:solidFill>
-                            <a:srgbClr val="000000"/>
-                          </a:solidFill>
-                          <a:effectLst/>
-                          <a:latin typeface="Calibri"/>
-                        </a:rPr>
-                        <a:t> </a:t>
-                      </a:r>
-                    </a:p>
-                  </a:txBody>
-                  <a:tcPr marL="9427" marR="9427" marT="9427" marB="0" anchor="b">
-                    <a:lnL w="6350" cap="flat" cmpd="sng" algn="ctr">
-                      <a:solidFill>
-                        <a:srgbClr val="000000"/>
-                      </a:solidFill>
-                      <a:prstDash val="solid"/>
-                      <a:round/>
-                      <a:headEnd type="none" w="med" len="med"/>
-                      <a:tailEnd type="none" w="med" len="med"/>
-                    </a:lnL>
-                    <a:lnR w="6350" cap="flat" cmpd="sng" algn="ctr">
-                      <a:solidFill>
-                        <a:srgbClr val="000000"/>
-                      </a:solidFill>
-                      <a:prstDash val="solid"/>
-                      <a:round/>
-                      <a:headEnd type="none" w="med" len="med"/>
-                      <a:tailEnd type="none" w="med" len="med"/>
-                    </a:lnR>
-                    <a:lnT w="6350" cap="flat" cmpd="sng" algn="ctr">
-                      <a:solidFill>
-                        <a:srgbClr val="000000"/>
-                      </a:solidFill>
-                      <a:prstDash val="solid"/>
-                      <a:round/>
-                      <a:headEnd type="none" w="med" len="med"/>
-                      <a:tailEnd type="none" w="med" len="med"/>
-                    </a:lnT>
-                    <a:lnB w="6350" cap="flat" cmpd="sng" algn="ctr">
-                      <a:solidFill>
-                        <a:srgbClr val="000000"/>
-                      </a:solidFill>
-                      <a:prstDash val="solid"/>
-                      <a:round/>
-                      <a:headEnd type="none" w="med" len="med"/>
-                      <a:tailEnd type="none" w="med" len="med"/>
-                    </a:lnB>
-                    <a:solidFill>
-                      <a:srgbClr val="EBF1DE"/>
-                    </a:solidFill>
-                  </a:tcPr>
-                </a:tc>
-                <a:tc>
-                  <a:txBody>
-                    <a:bodyPr/>
-                    <a:lstStyle/>
-                    <a:p>
-                      <a:pPr algn="ctr" fontAlgn="b"/>
-                      <a:r>
-                        <a:rPr lang="en-US" sz="900" b="0" i="0" u="none" strike="noStrike">
-                          <a:solidFill>
-                            <a:srgbClr val="000000"/>
-                          </a:solidFill>
-                          <a:effectLst/>
-                          <a:latin typeface="Calibri"/>
-                        </a:rPr>
-                        <a:t>3.61</a:t>
-                      </a:r>
-                    </a:p>
-                  </a:txBody>
-                  <a:tcPr marL="9427" marR="9427" marT="9427" marB="0" anchor="b">
-                    <a:lnL w="6350" cap="flat" cmpd="sng" algn="ctr">
-                      <a:solidFill>
-                        <a:srgbClr val="000000"/>
-                      </a:solidFill>
-                      <a:prstDash val="solid"/>
-                      <a:round/>
-                      <a:headEnd type="none" w="med" len="med"/>
-                      <a:tailEnd type="none" w="med" len="med"/>
-                    </a:lnL>
-                    <a:lnR w="6350" cap="flat" cmpd="sng" algn="ctr">
-                      <a:solidFill>
-                        <a:srgbClr val="000000"/>
-                      </a:solidFill>
-                      <a:prstDash val="solid"/>
-                      <a:round/>
-                      <a:headEnd type="none" w="med" len="med"/>
-                      <a:tailEnd type="none" w="med" len="med"/>
-                    </a:lnR>
-                    <a:lnT w="6350" cap="flat" cmpd="sng" algn="ctr">
-                      <a:solidFill>
-                        <a:srgbClr val="000000"/>
-                      </a:solidFill>
-                      <a:prstDash val="solid"/>
-                      <a:round/>
-                      <a:headEnd type="none" w="med" len="med"/>
-                      <a:tailEnd type="none" w="med" len="med"/>
-                    </a:lnT>
-                    <a:lnB w="6350" cap="flat" cmpd="sng" algn="ctr">
-                      <a:solidFill>
-                        <a:srgbClr val="000000"/>
-                      </a:solidFill>
-                      <a:prstDash val="solid"/>
-                      <a:round/>
-                      <a:headEnd type="none" w="med" len="med"/>
-                      <a:tailEnd type="none" w="med" len="med"/>
-                    </a:lnB>
-                    <a:solidFill>
-                      <a:srgbClr val="EBF1DE"/>
-                    </a:solidFill>
-                  </a:tcPr>
-                </a:tc>
-                <a:tc>
-                  <a:txBody>
-                    <a:bodyPr/>
-                    <a:lstStyle/>
-                    <a:p>
-                      <a:pPr algn="ctr" fontAlgn="b"/>
-                      <a:r>
-                        <a:rPr lang="en-US" sz="900" b="0" i="0" u="none" strike="noStrike">
-                          <a:solidFill>
-                            <a:srgbClr val="000000"/>
-                          </a:solidFill>
-                          <a:effectLst/>
-                          <a:latin typeface="Calibri"/>
-                        </a:rPr>
-                        <a:t>0.15</a:t>
-                      </a:r>
-                    </a:p>
-                  </a:txBody>
-                  <a:tcPr marL="9427" marR="9427" marT="9427" marB="0" anchor="b">
-                    <a:lnL w="6350" cap="flat" cmpd="sng" algn="ctr">
-                      <a:solidFill>
-                        <a:srgbClr val="000000"/>
-                      </a:solidFill>
-                      <a:prstDash val="solid"/>
-                      <a:round/>
-                      <a:headEnd type="none" w="med" len="med"/>
-                      <a:tailEnd type="none" w="med" len="med"/>
-                    </a:lnL>
-                    <a:lnR w="6350" cap="flat" cmpd="sng" algn="ctr">
-                      <a:solidFill>
-                        <a:srgbClr val="000000"/>
-                      </a:solidFill>
-                      <a:prstDash val="solid"/>
-                      <a:round/>
-                      <a:headEnd type="none" w="med" len="med"/>
-                      <a:tailEnd type="none" w="med" len="med"/>
-                    </a:lnR>
-                    <a:lnT w="6350" cap="flat" cmpd="sng" algn="ctr">
-                      <a:solidFill>
-                        <a:srgbClr val="000000"/>
-                      </a:solidFill>
-                      <a:prstDash val="solid"/>
-                      <a:round/>
-                      <a:headEnd type="none" w="med" len="med"/>
-                      <a:tailEnd type="none" w="med" len="med"/>
-                    </a:lnT>
-                    <a:lnB w="6350" cap="flat" cmpd="sng" algn="ctr">
-                      <a:solidFill>
-                        <a:srgbClr val="000000"/>
-                      </a:solidFill>
-                      <a:prstDash val="solid"/>
-                      <a:round/>
-                      <a:headEnd type="none" w="med" len="med"/>
-                      <a:tailEnd type="none" w="med" len="med"/>
-                    </a:lnB>
-                    <a:solidFill>
-                      <a:srgbClr val="EBF1DE"/>
-                    </a:solidFill>
-                  </a:tcPr>
-                </a:tc>
-                <a:tc>
-                  <a:txBody>
-                    <a:bodyPr/>
-                    <a:lstStyle/>
-                    <a:p>
-                      <a:pPr algn="ctr" fontAlgn="b"/>
-                      <a:r>
-                        <a:rPr lang="en-US" sz="900" b="0" i="0" u="none" strike="noStrike">
-                          <a:solidFill>
-                            <a:srgbClr val="000000"/>
-                          </a:solidFill>
-                          <a:effectLst/>
-                          <a:latin typeface="Calibri"/>
-                        </a:rPr>
-                        <a:t> </a:t>
-                      </a:r>
-                    </a:p>
-                  </a:txBody>
-                  <a:tcPr marL="9427" marR="9427" marT="9427" marB="0" anchor="b">
-                    <a:lnL w="6350" cap="flat" cmpd="sng" algn="ctr">
-                      <a:solidFill>
-                        <a:srgbClr val="000000"/>
-                      </a:solidFill>
-                      <a:prstDash val="solid"/>
-                      <a:round/>
-                      <a:headEnd type="none" w="med" len="med"/>
-                      <a:tailEnd type="none" w="med" len="med"/>
-                    </a:lnL>
-                    <a:lnR w="6350" cap="flat" cmpd="sng" algn="ctr">
-                      <a:solidFill>
-                        <a:srgbClr val="000000"/>
-                      </a:solidFill>
-                      <a:prstDash val="solid"/>
-                      <a:round/>
-                      <a:headEnd type="none" w="med" len="med"/>
-                      <a:tailEnd type="none" w="med" len="med"/>
-                    </a:lnR>
-                    <a:lnT w="6350" cap="flat" cmpd="sng" algn="ctr">
-                      <a:solidFill>
-                        <a:srgbClr val="000000"/>
-                      </a:solidFill>
-                      <a:prstDash val="solid"/>
-                      <a:round/>
-                      <a:headEnd type="none" w="med" len="med"/>
-                      <a:tailEnd type="none" w="med" len="med"/>
-                    </a:lnT>
-                    <a:lnB w="6350" cap="flat" cmpd="sng" algn="ctr">
-                      <a:solidFill>
-                        <a:srgbClr val="000000"/>
-                      </a:solidFill>
-                      <a:prstDash val="solid"/>
-                      <a:round/>
-                      <a:headEnd type="none" w="med" len="med"/>
-                      <a:tailEnd type="none" w="med" len="med"/>
-                    </a:lnB>
-                    <a:solidFill>
-                      <a:srgbClr val="EBF1DE"/>
-                    </a:solidFill>
-                  </a:tcPr>
-                </a:tc>
-                <a:tc>
-                  <a:txBody>
-                    <a:bodyPr/>
-                    <a:lstStyle/>
-                    <a:p>
-                      <a:pPr algn="ctr" fontAlgn="b"/>
-                      <a:r>
-                        <a:rPr lang="en-US" sz="900" b="0" i="0" u="none" strike="noStrike">
-                          <a:solidFill>
-                            <a:srgbClr val="000000"/>
-                          </a:solidFill>
-                          <a:effectLst/>
-                          <a:latin typeface="Calibri"/>
-                        </a:rPr>
-                        <a:t> </a:t>
-                      </a:r>
-                    </a:p>
-                  </a:txBody>
-                  <a:tcPr marL="9427" marR="9427" marT="9427" marB="0" anchor="b">
-                    <a:lnL w="6350" cap="flat" cmpd="sng" algn="ctr">
-                      <a:solidFill>
-                        <a:srgbClr val="000000"/>
-                      </a:solidFill>
-                      <a:prstDash val="solid"/>
-                      <a:round/>
-                      <a:headEnd type="none" w="med" len="med"/>
-                      <a:tailEnd type="none" w="med" len="med"/>
-                    </a:lnL>
-                    <a:lnR w="6350" cap="flat" cmpd="sng" algn="ctr">
-                      <a:solidFill>
-                        <a:srgbClr val="000000"/>
-                      </a:solidFill>
-                      <a:prstDash val="solid"/>
-                      <a:round/>
-                      <a:headEnd type="none" w="med" len="med"/>
-                      <a:tailEnd type="none" w="med" len="med"/>
-                    </a:lnR>
-                    <a:lnT>
-                      <a:noFill/>
-                    </a:lnT>
-                    <a:lnB>
-                      <a:noFill/>
-                    </a:lnB>
-                    <a:solidFill>
-                      <a:srgbClr val="FFFFFF"/>
-                    </a:solidFill>
-                  </a:tcPr>
-                </a:tc>
-                <a:tc>
-                  <a:txBody>
-                    <a:bodyPr/>
-                    <a:lstStyle/>
-                    <a:p>
-                      <a:pPr algn="l" fontAlgn="b"/>
-                      <a:r>
-                        <a:rPr lang="en-US" sz="900" b="0" i="0" u="none" strike="noStrike">
-                          <a:solidFill>
-                            <a:srgbClr val="000000"/>
-                          </a:solidFill>
-                          <a:effectLst/>
-                          <a:latin typeface="Calibri"/>
-                        </a:rPr>
-                        <a:t>average tips for waiters</a:t>
-                      </a:r>
-                    </a:p>
-                  </a:txBody>
-                  <a:tcPr marL="9427" marR="9427" marT="9427" marB="0" anchor="b">
-                    <a:lnL w="6350" cap="flat" cmpd="sng" algn="ctr">
-                      <a:solidFill>
-                        <a:srgbClr val="000000"/>
-                      </a:solidFill>
-                      <a:prstDash val="solid"/>
-                      <a:round/>
-                      <a:headEnd type="none" w="med" len="med"/>
-                      <a:tailEnd type="none" w="med" len="med"/>
-                    </a:lnL>
-                    <a:lnR w="6350" cap="flat" cmpd="sng" algn="ctr">
-                      <a:solidFill>
-                        <a:srgbClr val="000000"/>
-                      </a:solidFill>
-                      <a:prstDash val="solid"/>
-                      <a:round/>
-                      <a:headEnd type="none" w="med" len="med"/>
-                      <a:tailEnd type="none" w="med" len="med"/>
-                    </a:lnR>
-                    <a:lnT w="6350" cap="flat" cmpd="sng" algn="ctr">
-                      <a:solidFill>
-                        <a:srgbClr val="000000"/>
-                      </a:solidFill>
-                      <a:prstDash val="solid"/>
-                      <a:round/>
-                      <a:headEnd type="none" w="med" len="med"/>
-                      <a:tailEnd type="none" w="med" len="med"/>
-                    </a:lnT>
-                    <a:lnB w="6350" cap="flat" cmpd="sng" algn="ctr">
-                      <a:solidFill>
-                        <a:srgbClr val="000000"/>
-                      </a:solidFill>
-                      <a:prstDash val="solid"/>
-                      <a:round/>
-                      <a:headEnd type="none" w="med" len="med"/>
-                      <a:tailEnd type="none" w="med" len="med"/>
-                    </a:lnB>
-                    <a:solidFill>
-                      <a:srgbClr val="EBF1DE"/>
-                    </a:solidFill>
-                  </a:tcPr>
-                </a:tc>
-                <a:tc>
-                  <a:txBody>
-                    <a:bodyPr/>
-                    <a:lstStyle/>
-                    <a:p>
-                      <a:pPr algn="r" fontAlgn="b"/>
-                      <a:r>
-                        <a:rPr lang="en-US" sz="900" b="0" i="0" u="none" strike="noStrike">
-                          <a:solidFill>
-                            <a:srgbClr val="000000"/>
-                          </a:solidFill>
-                          <a:effectLst/>
-                          <a:latin typeface="Calibri"/>
-                        </a:rPr>
-                        <a:t>2.97</a:t>
-                      </a:r>
-                    </a:p>
-                  </a:txBody>
-                  <a:tcPr marL="9427" marR="9427" marT="9427" marB="0" anchor="b">
-                    <a:lnL w="6350" cap="flat" cmpd="sng" algn="ctr">
-                      <a:solidFill>
-                        <a:srgbClr val="000000"/>
-                      </a:solidFill>
-                      <a:prstDash val="solid"/>
-                      <a:round/>
-                      <a:headEnd type="none" w="med" len="med"/>
-                      <a:tailEnd type="none" w="med" len="med"/>
-                    </a:lnL>
-                    <a:lnR w="6350" cap="flat" cmpd="sng" algn="ctr">
-                      <a:solidFill>
-                        <a:srgbClr val="000000"/>
-                      </a:solidFill>
-                      <a:prstDash val="solid"/>
-                      <a:round/>
-                      <a:headEnd type="none" w="med" len="med"/>
-                      <a:tailEnd type="none" w="med" len="med"/>
-                    </a:lnR>
-                    <a:lnT w="6350" cap="flat" cmpd="sng" algn="ctr">
-                      <a:solidFill>
-                        <a:srgbClr val="000000"/>
-                      </a:solidFill>
-                      <a:prstDash val="solid"/>
-                      <a:round/>
-                      <a:headEnd type="none" w="med" len="med"/>
-                      <a:tailEnd type="none" w="med" len="med"/>
-                    </a:lnT>
-                    <a:lnB w="6350" cap="flat" cmpd="sng" algn="ctr">
-                      <a:solidFill>
-                        <a:srgbClr val="000000"/>
-                      </a:solidFill>
-                      <a:prstDash val="solid"/>
-                      <a:round/>
-                      <a:headEnd type="none" w="med" len="med"/>
-                      <a:tailEnd type="none" w="med" len="med"/>
-                    </a:lnB>
-                    <a:solidFill>
-                      <a:srgbClr val="EBF1DE"/>
-                    </a:solidFill>
-                  </a:tcPr>
-                </a:tc>
-                <a:extLst>
-                  <a:ext uri="{0D108BD9-81ED-4DB2-BD59-A6C34878D82A}">
-                    <a16:rowId xmlns:a16="http://schemas.microsoft.com/office/drawing/2014/main" val="10005"/>
-                  </a:ext>
-                </a:extLst>
-              </a:tr>
-              <a:tr h="145173">
-                <a:tc>
-                  <a:txBody>
-                    <a:bodyPr/>
-                    <a:lstStyle/>
-                    <a:p>
-                      <a:pPr algn="ctr" fontAlgn="b"/>
-                      <a:r>
-                        <a:rPr lang="en-US" sz="900" b="0" i="0" u="none" strike="noStrike">
-                          <a:solidFill>
-                            <a:srgbClr val="000000"/>
-                          </a:solidFill>
-                          <a:effectLst/>
-                          <a:latin typeface="Calibri"/>
-                        </a:rPr>
-                        <a:t>25.29</a:t>
-                      </a:r>
-                    </a:p>
-                  </a:txBody>
-                  <a:tcPr marL="9427" marR="9427" marT="9427" marB="0" anchor="b">
-                    <a:lnL>
-                      <a:noFill/>
-                    </a:lnL>
-                    <a:lnR>
-                      <a:noFill/>
-                    </a:lnR>
-                    <a:lnT>
-                      <a:noFill/>
-                    </a:lnT>
-                    <a:lnB>
-                      <a:noFill/>
-                    </a:lnB>
-                  </a:tcPr>
-                </a:tc>
-                <a:tc>
-                  <a:txBody>
-                    <a:bodyPr/>
-                    <a:lstStyle/>
-                    <a:p>
-                      <a:pPr algn="ctr" fontAlgn="b"/>
-                      <a:r>
-                        <a:rPr lang="en-US" sz="900" b="0" i="0" u="none" strike="noStrike">
-                          <a:solidFill>
-                            <a:srgbClr val="000000"/>
-                          </a:solidFill>
-                          <a:effectLst/>
-                          <a:latin typeface="Calibri"/>
-                        </a:rPr>
-                        <a:t>4.71</a:t>
-                      </a:r>
-                    </a:p>
-                  </a:txBody>
-                  <a:tcPr marL="9427" marR="9427" marT="9427" marB="0" anchor="b">
-                    <a:lnL>
-                      <a:noFill/>
-                    </a:lnL>
-                    <a:lnR>
-                      <a:noFill/>
-                    </a:lnR>
-                    <a:lnT>
-                      <a:noFill/>
-                    </a:lnT>
-                    <a:lnB>
-                      <a:noFill/>
-                    </a:lnB>
-                  </a:tcPr>
-                </a:tc>
-                <a:tc>
-                  <a:txBody>
-                    <a:bodyPr/>
-                    <a:lstStyle/>
-                    <a:p>
-                      <a:pPr algn="ctr" fontAlgn="b"/>
-                      <a:r>
-                        <a:rPr lang="en-US" sz="900" b="0" i="0" u="none" strike="noStrike">
-                          <a:solidFill>
-                            <a:srgbClr val="000000"/>
-                          </a:solidFill>
-                          <a:effectLst/>
-                          <a:latin typeface="Calibri"/>
-                        </a:rPr>
-                        <a:t>Male</a:t>
-                      </a:r>
-                    </a:p>
-                  </a:txBody>
-                  <a:tcPr marL="9427" marR="9427" marT="9427" marB="0" anchor="b">
-                    <a:lnL>
-                      <a:noFill/>
-                    </a:lnL>
-                    <a:lnR>
-                      <a:noFill/>
-                    </a:lnR>
-                    <a:lnT>
-                      <a:noFill/>
-                    </a:lnT>
-                    <a:lnB>
-                      <a:noFill/>
-                    </a:lnB>
-                  </a:tcPr>
-                </a:tc>
-                <a:tc>
-                  <a:txBody>
-                    <a:bodyPr/>
-                    <a:lstStyle/>
-                    <a:p>
-                      <a:pPr algn="ctr" fontAlgn="b"/>
-                      <a:r>
-                        <a:rPr lang="en-US" sz="900" b="0" i="0" u="none" strike="noStrike">
-                          <a:solidFill>
-                            <a:srgbClr val="000000"/>
-                          </a:solidFill>
-                          <a:effectLst/>
-                          <a:latin typeface="Calibri"/>
-                        </a:rPr>
-                        <a:t>Dinner</a:t>
-                      </a:r>
-                    </a:p>
-                  </a:txBody>
-                  <a:tcPr marL="9427" marR="9427" marT="9427" marB="0" anchor="b">
-                    <a:lnL>
-                      <a:noFill/>
-                    </a:lnL>
-                    <a:lnR w="6350" cap="flat" cmpd="sng" algn="ctr">
-                      <a:solidFill>
-                        <a:srgbClr val="000000"/>
-                      </a:solidFill>
-                      <a:prstDash val="solid"/>
-                      <a:round/>
-                      <a:headEnd type="none" w="med" len="med"/>
-                      <a:tailEnd type="none" w="med" len="med"/>
-                    </a:lnR>
-                    <a:lnT>
-                      <a:noFill/>
-                    </a:lnT>
-                    <a:lnB>
-                      <a:noFill/>
-                    </a:lnB>
-                  </a:tcPr>
-                </a:tc>
-                <a:tc>
-                  <a:txBody>
-                    <a:bodyPr/>
-                    <a:lstStyle/>
-                    <a:p>
-                      <a:pPr algn="ctr" fontAlgn="b"/>
-                      <a:r>
-                        <a:rPr lang="en-US" sz="900" b="0" i="0" u="none" strike="noStrike">
-                          <a:solidFill>
-                            <a:srgbClr val="000000"/>
-                          </a:solidFill>
-                          <a:effectLst/>
-                          <a:latin typeface="Calibri"/>
-                        </a:rPr>
-                        <a:t>0.19</a:t>
-                      </a:r>
-                    </a:p>
-                  </a:txBody>
-                  <a:tcPr marL="9427" marR="9427" marT="9427" marB="0" anchor="b">
-                    <a:lnL w="6350" cap="flat" cmpd="sng" algn="ctr">
-                      <a:solidFill>
-                        <a:srgbClr val="000000"/>
-                      </a:solidFill>
-                      <a:prstDash val="solid"/>
-                      <a:round/>
-                      <a:headEnd type="none" w="med" len="med"/>
-                      <a:tailEnd type="none" w="med" len="med"/>
-                    </a:lnL>
-                    <a:lnR w="6350" cap="flat" cmpd="sng" algn="ctr">
-                      <a:solidFill>
-                        <a:srgbClr val="000000"/>
-                      </a:solidFill>
-                      <a:prstDash val="solid"/>
-                      <a:round/>
-                      <a:headEnd type="none" w="med" len="med"/>
-                      <a:tailEnd type="none" w="med" len="med"/>
-                    </a:lnR>
-                    <a:lnT w="6350" cap="flat" cmpd="sng" algn="ctr">
-                      <a:solidFill>
-                        <a:srgbClr val="000000"/>
-                      </a:solidFill>
-                      <a:prstDash val="solid"/>
-                      <a:round/>
-                      <a:headEnd type="none" w="med" len="med"/>
-                      <a:tailEnd type="none" w="med" len="med"/>
-                    </a:lnT>
-                    <a:lnB w="6350" cap="flat" cmpd="sng" algn="ctr">
-                      <a:solidFill>
-                        <a:srgbClr val="000000"/>
-                      </a:solidFill>
-                      <a:prstDash val="solid"/>
-                      <a:round/>
-                      <a:headEnd type="none" w="med" len="med"/>
-                      <a:tailEnd type="none" w="med" len="med"/>
-                    </a:lnB>
-                    <a:solidFill>
-                      <a:srgbClr val="EBF1DE"/>
-                    </a:solidFill>
-                  </a:tcPr>
-                </a:tc>
-                <a:tc>
-                  <a:txBody>
-                    <a:bodyPr/>
-                    <a:lstStyle/>
-                    <a:p>
-                      <a:pPr algn="ctr" fontAlgn="b"/>
-                      <a:r>
-                        <a:rPr lang="en-US" sz="900" b="0" i="0" u="none" strike="noStrike">
-                          <a:solidFill>
-                            <a:srgbClr val="000000"/>
-                          </a:solidFill>
-                          <a:effectLst/>
-                          <a:latin typeface="Calibri"/>
-                        </a:rPr>
-                        <a:t>4.71</a:t>
-                      </a:r>
-                    </a:p>
-                  </a:txBody>
-                  <a:tcPr marL="9427" marR="9427" marT="9427" marB="0" anchor="b">
-                    <a:lnL w="6350" cap="flat" cmpd="sng" algn="ctr">
-                      <a:solidFill>
-                        <a:srgbClr val="000000"/>
-                      </a:solidFill>
-                      <a:prstDash val="solid"/>
-                      <a:round/>
-                      <a:headEnd type="none" w="med" len="med"/>
-                      <a:tailEnd type="none" w="med" len="med"/>
-                    </a:lnL>
-                    <a:lnR w="6350" cap="flat" cmpd="sng" algn="ctr">
-                      <a:solidFill>
-                        <a:srgbClr val="000000"/>
-                      </a:solidFill>
-                      <a:prstDash val="solid"/>
-                      <a:round/>
-                      <a:headEnd type="none" w="med" len="med"/>
-                      <a:tailEnd type="none" w="med" len="med"/>
-                    </a:lnR>
-                    <a:lnT w="6350" cap="flat" cmpd="sng" algn="ctr">
-                      <a:solidFill>
-                        <a:srgbClr val="000000"/>
-                      </a:solidFill>
-                      <a:prstDash val="solid"/>
-                      <a:round/>
-                      <a:headEnd type="none" w="med" len="med"/>
-                      <a:tailEnd type="none" w="med" len="med"/>
-                    </a:lnT>
-                    <a:lnB w="6350" cap="flat" cmpd="sng" algn="ctr">
-                      <a:solidFill>
-                        <a:srgbClr val="000000"/>
-                      </a:solidFill>
-                      <a:prstDash val="solid"/>
-                      <a:round/>
-                      <a:headEnd type="none" w="med" len="med"/>
-                      <a:tailEnd type="none" w="med" len="med"/>
-                    </a:lnB>
-                    <a:solidFill>
-                      <a:srgbClr val="EBF1DE"/>
-                    </a:solidFill>
-                  </a:tcPr>
-                </a:tc>
-                <a:tc>
-                  <a:txBody>
-                    <a:bodyPr/>
-                    <a:lstStyle/>
-                    <a:p>
-                      <a:pPr algn="ctr" fontAlgn="b"/>
-                      <a:r>
-                        <a:rPr lang="en-US" sz="900" b="0" i="0" u="none" strike="noStrike">
-                          <a:solidFill>
-                            <a:srgbClr val="000000"/>
-                          </a:solidFill>
-                          <a:effectLst/>
-                          <a:latin typeface="Calibri"/>
-                        </a:rPr>
-                        <a:t> </a:t>
-                      </a:r>
-                    </a:p>
-                  </a:txBody>
-                  <a:tcPr marL="9427" marR="9427" marT="9427" marB="0" anchor="b">
-                    <a:lnL w="6350" cap="flat" cmpd="sng" algn="ctr">
-                      <a:solidFill>
-                        <a:srgbClr val="000000"/>
-                      </a:solidFill>
-                      <a:prstDash val="solid"/>
-                      <a:round/>
-                      <a:headEnd type="none" w="med" len="med"/>
-                      <a:tailEnd type="none" w="med" len="med"/>
-                    </a:lnL>
-                    <a:lnR w="6350" cap="flat" cmpd="sng" algn="ctr">
-                      <a:solidFill>
-                        <a:srgbClr val="000000"/>
-                      </a:solidFill>
-                      <a:prstDash val="solid"/>
-                      <a:round/>
-                      <a:headEnd type="none" w="med" len="med"/>
-                      <a:tailEnd type="none" w="med" len="med"/>
-                    </a:lnR>
-                    <a:lnT w="6350" cap="flat" cmpd="sng" algn="ctr">
-                      <a:solidFill>
-                        <a:srgbClr val="000000"/>
-                      </a:solidFill>
-                      <a:prstDash val="solid"/>
-                      <a:round/>
-                      <a:headEnd type="none" w="med" len="med"/>
-                      <a:tailEnd type="none" w="med" len="med"/>
-                    </a:lnT>
-                    <a:lnB w="6350" cap="flat" cmpd="sng" algn="ctr">
-                      <a:solidFill>
-                        <a:srgbClr val="000000"/>
-                      </a:solidFill>
-                      <a:prstDash val="solid"/>
-                      <a:round/>
-                      <a:headEnd type="none" w="med" len="med"/>
-                      <a:tailEnd type="none" w="med" len="med"/>
-                    </a:lnB>
-                    <a:solidFill>
-                      <a:srgbClr val="EBF1DE"/>
-                    </a:solidFill>
-                  </a:tcPr>
-                </a:tc>
-                <a:tc>
-                  <a:txBody>
-                    <a:bodyPr/>
-                    <a:lstStyle/>
-                    <a:p>
-                      <a:pPr algn="ctr" fontAlgn="b"/>
-                      <a:r>
-                        <a:rPr lang="en-US" sz="900" b="0" i="0" u="none" strike="noStrike">
-                          <a:solidFill>
-                            <a:srgbClr val="000000"/>
-                          </a:solidFill>
-                          <a:effectLst/>
-                          <a:latin typeface="Calibri"/>
-                        </a:rPr>
-                        <a:t>0.19</a:t>
-                      </a:r>
-                    </a:p>
-                  </a:txBody>
-                  <a:tcPr marL="9427" marR="9427" marT="9427" marB="0" anchor="b">
-                    <a:lnL w="6350" cap="flat" cmpd="sng" algn="ctr">
-                      <a:solidFill>
-                        <a:srgbClr val="000000"/>
-                      </a:solidFill>
-                      <a:prstDash val="solid"/>
-                      <a:round/>
-                      <a:headEnd type="none" w="med" len="med"/>
-                      <a:tailEnd type="none" w="med" len="med"/>
-                    </a:lnL>
-                    <a:lnR w="6350" cap="flat" cmpd="sng" algn="ctr">
-                      <a:solidFill>
-                        <a:srgbClr val="000000"/>
-                      </a:solidFill>
-                      <a:prstDash val="solid"/>
-                      <a:round/>
-                      <a:headEnd type="none" w="med" len="med"/>
-                      <a:tailEnd type="none" w="med" len="med"/>
-                    </a:lnR>
-                    <a:lnT w="6350" cap="flat" cmpd="sng" algn="ctr">
-                      <a:solidFill>
-                        <a:srgbClr val="000000"/>
-                      </a:solidFill>
-                      <a:prstDash val="solid"/>
-                      <a:round/>
-                      <a:headEnd type="none" w="med" len="med"/>
-                      <a:tailEnd type="none" w="med" len="med"/>
-                    </a:lnT>
-                    <a:lnB w="6350" cap="flat" cmpd="sng" algn="ctr">
-                      <a:solidFill>
-                        <a:srgbClr val="000000"/>
-                      </a:solidFill>
-                      <a:prstDash val="solid"/>
-                      <a:round/>
-                      <a:headEnd type="none" w="med" len="med"/>
-                      <a:tailEnd type="none" w="med" len="med"/>
-                    </a:lnB>
-                    <a:solidFill>
-                      <a:srgbClr val="EBF1DE"/>
-                    </a:solidFill>
-                  </a:tcPr>
-                </a:tc>
-                <a:tc>
-                  <a:txBody>
-                    <a:bodyPr/>
-                    <a:lstStyle/>
-                    <a:p>
-                      <a:pPr algn="ctr" fontAlgn="b"/>
-                      <a:r>
-                        <a:rPr lang="en-US" sz="900" b="0" i="0" u="none" strike="noStrike">
-                          <a:solidFill>
-                            <a:srgbClr val="000000"/>
-                          </a:solidFill>
-                          <a:effectLst/>
-                          <a:latin typeface="Calibri"/>
-                        </a:rPr>
-                        <a:t> </a:t>
-                      </a:r>
-                    </a:p>
-                  </a:txBody>
-                  <a:tcPr marL="9427" marR="9427" marT="9427" marB="0" anchor="b">
-                    <a:lnL w="6350" cap="flat" cmpd="sng" algn="ctr">
-                      <a:solidFill>
-                        <a:srgbClr val="000000"/>
-                      </a:solidFill>
-                      <a:prstDash val="solid"/>
-                      <a:round/>
-                      <a:headEnd type="none" w="med" len="med"/>
-                      <a:tailEnd type="none" w="med" len="med"/>
-                    </a:lnL>
-                    <a:lnR w="6350" cap="flat" cmpd="sng" algn="ctr">
-                      <a:solidFill>
-                        <a:srgbClr val="000000"/>
-                      </a:solidFill>
-                      <a:prstDash val="solid"/>
-                      <a:round/>
-                      <a:headEnd type="none" w="med" len="med"/>
-                      <a:tailEnd type="none" w="med" len="med"/>
-                    </a:lnR>
-                    <a:lnT w="6350" cap="flat" cmpd="sng" algn="ctr">
-                      <a:solidFill>
-                        <a:srgbClr val="000000"/>
-                      </a:solidFill>
-                      <a:prstDash val="solid"/>
-                      <a:round/>
-                      <a:headEnd type="none" w="med" len="med"/>
-                      <a:tailEnd type="none" w="med" len="med"/>
-                    </a:lnT>
-                    <a:lnB w="6350" cap="flat" cmpd="sng" algn="ctr">
-                      <a:solidFill>
-                        <a:srgbClr val="000000"/>
-                      </a:solidFill>
-                      <a:prstDash val="solid"/>
-                      <a:round/>
-                      <a:headEnd type="none" w="med" len="med"/>
-                      <a:tailEnd type="none" w="med" len="med"/>
-                    </a:lnB>
-                    <a:solidFill>
-                      <a:srgbClr val="EBF1DE"/>
-                    </a:solidFill>
-                  </a:tcPr>
-                </a:tc>
-                <a:tc>
-                  <a:txBody>
-                    <a:bodyPr/>
-                    <a:lstStyle/>
-                    <a:p>
-                      <a:pPr algn="ctr" fontAlgn="b"/>
-                      <a:r>
-                        <a:rPr lang="en-US" sz="900" b="0" i="0" u="none" strike="noStrike">
-                          <a:solidFill>
-                            <a:srgbClr val="000000"/>
-                          </a:solidFill>
-                          <a:effectLst/>
-                          <a:latin typeface="Calibri"/>
-                        </a:rPr>
-                        <a:t> </a:t>
-                      </a:r>
-                    </a:p>
-                  </a:txBody>
-                  <a:tcPr marL="9427" marR="9427" marT="9427" marB="0" anchor="b">
-                    <a:lnL w="6350" cap="flat" cmpd="sng" algn="ctr">
-                      <a:solidFill>
-                        <a:srgbClr val="000000"/>
-                      </a:solidFill>
-                      <a:prstDash val="solid"/>
-                      <a:round/>
-                      <a:headEnd type="none" w="med" len="med"/>
-                      <a:tailEnd type="none" w="med" len="med"/>
-                    </a:lnL>
-                    <a:lnR w="6350" cap="flat" cmpd="sng" algn="ctr">
-                      <a:solidFill>
-                        <a:srgbClr val="000000"/>
-                      </a:solidFill>
-                      <a:prstDash val="solid"/>
-                      <a:round/>
-                      <a:headEnd type="none" w="med" len="med"/>
-                      <a:tailEnd type="none" w="med" len="med"/>
-                    </a:lnR>
-                    <a:lnT>
-                      <a:noFill/>
-                    </a:lnT>
-                    <a:lnB>
-                      <a:noFill/>
-                    </a:lnB>
-                    <a:solidFill>
-                      <a:srgbClr val="FFFFFF"/>
-                    </a:solidFill>
-                  </a:tcPr>
-                </a:tc>
-                <a:tc>
-                  <a:txBody>
-                    <a:bodyPr/>
-                    <a:lstStyle/>
-                    <a:p>
-                      <a:pPr algn="l" fontAlgn="b"/>
-                      <a:r>
-                        <a:rPr lang="en-US" sz="900" b="0" i="0" u="none" strike="noStrike">
-                          <a:solidFill>
-                            <a:srgbClr val="000000"/>
-                          </a:solidFill>
-                          <a:effectLst/>
-                          <a:latin typeface="Calibri"/>
-                        </a:rPr>
-                        <a:t>average tips for waiters</a:t>
-                      </a:r>
-                    </a:p>
-                  </a:txBody>
-                  <a:tcPr marL="9427" marR="9427" marT="9427" marB="0" anchor="b">
-                    <a:lnL w="6350" cap="flat" cmpd="sng" algn="ctr">
-                      <a:solidFill>
-                        <a:srgbClr val="000000"/>
-                      </a:solidFill>
-                      <a:prstDash val="solid"/>
-                      <a:round/>
-                      <a:headEnd type="none" w="med" len="med"/>
-                      <a:tailEnd type="none" w="med" len="med"/>
-                    </a:lnL>
-                    <a:lnR w="6350" cap="flat" cmpd="sng" algn="ctr">
-                      <a:solidFill>
-                        <a:srgbClr val="000000"/>
-                      </a:solidFill>
-                      <a:prstDash val="solid"/>
-                      <a:round/>
-                      <a:headEnd type="none" w="med" len="med"/>
-                      <a:tailEnd type="none" w="med" len="med"/>
-                    </a:lnR>
-                    <a:lnT w="6350" cap="flat" cmpd="sng" algn="ctr">
-                      <a:solidFill>
-                        <a:srgbClr val="000000"/>
-                      </a:solidFill>
-                      <a:prstDash val="solid"/>
-                      <a:round/>
-                      <a:headEnd type="none" w="med" len="med"/>
-                      <a:tailEnd type="none" w="med" len="med"/>
-                    </a:lnT>
-                    <a:lnB w="6350" cap="flat" cmpd="sng" algn="ctr">
-                      <a:solidFill>
-                        <a:srgbClr val="000000"/>
-                      </a:solidFill>
-                      <a:prstDash val="solid"/>
-                      <a:round/>
-                      <a:headEnd type="none" w="med" len="med"/>
-                      <a:tailEnd type="none" w="med" len="med"/>
-                    </a:lnB>
-                    <a:solidFill>
-                      <a:srgbClr val="EBF1DE"/>
-                    </a:solidFill>
-                  </a:tcPr>
-                </a:tc>
-                <a:tc>
-                  <a:txBody>
-                    <a:bodyPr/>
-                    <a:lstStyle/>
-                    <a:p>
-                      <a:pPr algn="r" fontAlgn="b"/>
-                      <a:r>
-                        <a:rPr lang="en-US" sz="900" b="0" i="0" u="none" strike="noStrike">
-                          <a:solidFill>
-                            <a:srgbClr val="000000"/>
-                          </a:solidFill>
-                          <a:effectLst/>
-                          <a:latin typeface="Calibri"/>
-                        </a:rPr>
-                        <a:t>2.97</a:t>
-                      </a:r>
-                    </a:p>
-                  </a:txBody>
-                  <a:tcPr marL="9427" marR="9427" marT="9427" marB="0" anchor="b">
-                    <a:lnL w="6350" cap="flat" cmpd="sng" algn="ctr">
-                      <a:solidFill>
-                        <a:srgbClr val="000000"/>
-                      </a:solidFill>
-                      <a:prstDash val="solid"/>
-                      <a:round/>
-                      <a:headEnd type="none" w="med" len="med"/>
-                      <a:tailEnd type="none" w="med" len="med"/>
-                    </a:lnL>
-                    <a:lnR w="6350" cap="flat" cmpd="sng" algn="ctr">
-                      <a:solidFill>
-                        <a:srgbClr val="000000"/>
-                      </a:solidFill>
-                      <a:prstDash val="solid"/>
-                      <a:round/>
-                      <a:headEnd type="none" w="med" len="med"/>
-                      <a:tailEnd type="none" w="med" len="med"/>
-                    </a:lnR>
-                    <a:lnT w="6350" cap="flat" cmpd="sng" algn="ctr">
-                      <a:solidFill>
-                        <a:srgbClr val="000000"/>
-                      </a:solidFill>
-                      <a:prstDash val="solid"/>
-                      <a:round/>
-                      <a:headEnd type="none" w="med" len="med"/>
-                      <a:tailEnd type="none" w="med" len="med"/>
-                    </a:lnT>
-                    <a:lnB w="6350" cap="flat" cmpd="sng" algn="ctr">
-                      <a:solidFill>
-                        <a:srgbClr val="000000"/>
-                      </a:solidFill>
-                      <a:prstDash val="solid"/>
-                      <a:round/>
-                      <a:headEnd type="none" w="med" len="med"/>
-                      <a:tailEnd type="none" w="med" len="med"/>
-                    </a:lnB>
-                    <a:solidFill>
-                      <a:srgbClr val="EBF1DE"/>
-                    </a:solidFill>
-                  </a:tcPr>
-                </a:tc>
-                <a:extLst>
-                  <a:ext uri="{0D108BD9-81ED-4DB2-BD59-A6C34878D82A}">
-                    <a16:rowId xmlns:a16="http://schemas.microsoft.com/office/drawing/2014/main" val="10006"/>
-                  </a:ext>
-                </a:extLst>
-              </a:tr>
-              <a:tr h="145173">
-                <a:tc>
-                  <a:txBody>
-                    <a:bodyPr/>
-                    <a:lstStyle/>
-                    <a:p>
-                      <a:pPr algn="ctr" fontAlgn="b"/>
-                      <a:r>
-                        <a:rPr lang="en-US" sz="900" b="0" i="0" u="none" strike="noStrike">
-                          <a:solidFill>
-                            <a:srgbClr val="000000"/>
-                          </a:solidFill>
-                          <a:effectLst/>
-                          <a:latin typeface="Calibri"/>
-                        </a:rPr>
-                        <a:t>8.77</a:t>
-                      </a:r>
-                    </a:p>
-                  </a:txBody>
-                  <a:tcPr marL="9427" marR="9427" marT="9427" marB="0" anchor="b">
-                    <a:lnL>
-                      <a:noFill/>
-                    </a:lnL>
-                    <a:lnR>
-                      <a:noFill/>
-                    </a:lnR>
-                    <a:lnT>
-                      <a:noFill/>
-                    </a:lnT>
-                    <a:lnB>
-                      <a:noFill/>
-                    </a:lnB>
-                  </a:tcPr>
-                </a:tc>
-                <a:tc>
-                  <a:txBody>
-                    <a:bodyPr/>
-                    <a:lstStyle/>
-                    <a:p>
-                      <a:pPr algn="ctr" fontAlgn="b"/>
-                      <a:r>
-                        <a:rPr lang="en-US" sz="900" b="0" i="0" u="none" strike="noStrike">
-                          <a:solidFill>
-                            <a:srgbClr val="000000"/>
-                          </a:solidFill>
-                          <a:effectLst/>
-                          <a:latin typeface="Calibri"/>
-                        </a:rPr>
-                        <a:t>2</a:t>
-                      </a:r>
-                    </a:p>
-                  </a:txBody>
-                  <a:tcPr marL="9427" marR="9427" marT="9427" marB="0" anchor="b">
-                    <a:lnL>
-                      <a:noFill/>
-                    </a:lnL>
-                    <a:lnR>
-                      <a:noFill/>
-                    </a:lnR>
-                    <a:lnT>
-                      <a:noFill/>
-                    </a:lnT>
-                    <a:lnB>
-                      <a:noFill/>
-                    </a:lnB>
-                  </a:tcPr>
-                </a:tc>
-                <a:tc>
-                  <a:txBody>
-                    <a:bodyPr/>
-                    <a:lstStyle/>
-                    <a:p>
-                      <a:pPr algn="ctr" fontAlgn="b"/>
-                      <a:r>
-                        <a:rPr lang="en-US" sz="900" b="0" i="0" u="none" strike="noStrike">
-                          <a:solidFill>
-                            <a:srgbClr val="000000"/>
-                          </a:solidFill>
-                          <a:effectLst/>
-                          <a:latin typeface="Calibri"/>
-                        </a:rPr>
-                        <a:t>Male</a:t>
-                      </a:r>
-                    </a:p>
-                  </a:txBody>
-                  <a:tcPr marL="9427" marR="9427" marT="9427" marB="0" anchor="b">
-                    <a:lnL>
-                      <a:noFill/>
-                    </a:lnL>
-                    <a:lnR>
-                      <a:noFill/>
-                    </a:lnR>
-                    <a:lnT>
-                      <a:noFill/>
-                    </a:lnT>
-                    <a:lnB>
-                      <a:noFill/>
-                    </a:lnB>
-                  </a:tcPr>
-                </a:tc>
-                <a:tc>
-                  <a:txBody>
-                    <a:bodyPr/>
-                    <a:lstStyle/>
-                    <a:p>
-                      <a:pPr algn="ctr" fontAlgn="b"/>
-                      <a:r>
-                        <a:rPr lang="en-US" sz="900" b="0" i="0" u="none" strike="noStrike">
-                          <a:solidFill>
-                            <a:srgbClr val="000000"/>
-                          </a:solidFill>
-                          <a:effectLst/>
-                          <a:latin typeface="Calibri"/>
-                        </a:rPr>
-                        <a:t>Dinner</a:t>
-                      </a:r>
-                    </a:p>
-                  </a:txBody>
-                  <a:tcPr marL="9427" marR="9427" marT="9427" marB="0" anchor="b">
-                    <a:lnL>
-                      <a:noFill/>
-                    </a:lnL>
-                    <a:lnR w="6350" cap="flat" cmpd="sng" algn="ctr">
-                      <a:solidFill>
-                        <a:srgbClr val="000000"/>
-                      </a:solidFill>
-                      <a:prstDash val="solid"/>
-                      <a:round/>
-                      <a:headEnd type="none" w="med" len="med"/>
-                      <a:tailEnd type="none" w="med" len="med"/>
-                    </a:lnR>
-                    <a:lnT>
-                      <a:noFill/>
-                    </a:lnT>
-                    <a:lnB>
-                      <a:noFill/>
-                    </a:lnB>
-                  </a:tcPr>
-                </a:tc>
-                <a:tc>
-                  <a:txBody>
-                    <a:bodyPr/>
-                    <a:lstStyle/>
-                    <a:p>
-                      <a:pPr algn="ctr" fontAlgn="b"/>
-                      <a:r>
-                        <a:rPr lang="en-US" sz="900" b="0" i="0" u="none" strike="noStrike">
-                          <a:solidFill>
-                            <a:srgbClr val="000000"/>
-                          </a:solidFill>
-                          <a:effectLst/>
-                          <a:latin typeface="Calibri"/>
-                        </a:rPr>
-                        <a:t>0.23</a:t>
-                      </a:r>
-                    </a:p>
-                  </a:txBody>
-                  <a:tcPr marL="9427" marR="9427" marT="9427" marB="0" anchor="b">
-                    <a:lnL w="6350" cap="flat" cmpd="sng" algn="ctr">
-                      <a:solidFill>
-                        <a:srgbClr val="000000"/>
-                      </a:solidFill>
-                      <a:prstDash val="solid"/>
-                      <a:round/>
-                      <a:headEnd type="none" w="med" len="med"/>
-                      <a:tailEnd type="none" w="med" len="med"/>
-                    </a:lnL>
-                    <a:lnR w="6350" cap="flat" cmpd="sng" algn="ctr">
-                      <a:solidFill>
-                        <a:srgbClr val="000000"/>
-                      </a:solidFill>
-                      <a:prstDash val="solid"/>
-                      <a:round/>
-                      <a:headEnd type="none" w="med" len="med"/>
-                      <a:tailEnd type="none" w="med" len="med"/>
-                    </a:lnR>
-                    <a:lnT w="6350" cap="flat" cmpd="sng" algn="ctr">
-                      <a:solidFill>
-                        <a:srgbClr val="000000"/>
-                      </a:solidFill>
-                      <a:prstDash val="solid"/>
-                      <a:round/>
-                      <a:headEnd type="none" w="med" len="med"/>
-                      <a:tailEnd type="none" w="med" len="med"/>
-                    </a:lnT>
-                    <a:lnB w="6350" cap="flat" cmpd="sng" algn="ctr">
-                      <a:solidFill>
-                        <a:srgbClr val="000000"/>
-                      </a:solidFill>
-                      <a:prstDash val="solid"/>
-                      <a:round/>
-                      <a:headEnd type="none" w="med" len="med"/>
-                      <a:tailEnd type="none" w="med" len="med"/>
-                    </a:lnB>
-                    <a:solidFill>
-                      <a:srgbClr val="EBF1DE"/>
-                    </a:solidFill>
-                  </a:tcPr>
-                </a:tc>
-                <a:tc>
-                  <a:txBody>
-                    <a:bodyPr/>
-                    <a:lstStyle/>
-                    <a:p>
-                      <a:pPr algn="ctr" fontAlgn="b"/>
-                      <a:r>
-                        <a:rPr lang="en-US" sz="900" b="0" i="0" u="none" strike="noStrike">
-                          <a:solidFill>
-                            <a:srgbClr val="000000"/>
-                          </a:solidFill>
-                          <a:effectLst/>
-                          <a:latin typeface="Calibri"/>
-                        </a:rPr>
-                        <a:t>2.00</a:t>
-                      </a:r>
-                    </a:p>
-                  </a:txBody>
-                  <a:tcPr marL="9427" marR="9427" marT="9427" marB="0" anchor="b">
-                    <a:lnL w="6350" cap="flat" cmpd="sng" algn="ctr">
-                      <a:solidFill>
-                        <a:srgbClr val="000000"/>
-                      </a:solidFill>
-                      <a:prstDash val="solid"/>
-                      <a:round/>
-                      <a:headEnd type="none" w="med" len="med"/>
-                      <a:tailEnd type="none" w="med" len="med"/>
-                    </a:lnL>
-                    <a:lnR w="6350" cap="flat" cmpd="sng" algn="ctr">
-                      <a:solidFill>
-                        <a:srgbClr val="000000"/>
-                      </a:solidFill>
-                      <a:prstDash val="solid"/>
-                      <a:round/>
-                      <a:headEnd type="none" w="med" len="med"/>
-                      <a:tailEnd type="none" w="med" len="med"/>
-                    </a:lnR>
-                    <a:lnT w="6350" cap="flat" cmpd="sng" algn="ctr">
-                      <a:solidFill>
-                        <a:srgbClr val="000000"/>
-                      </a:solidFill>
-                      <a:prstDash val="solid"/>
-                      <a:round/>
-                      <a:headEnd type="none" w="med" len="med"/>
-                      <a:tailEnd type="none" w="med" len="med"/>
-                    </a:lnT>
-                    <a:lnB w="6350" cap="flat" cmpd="sng" algn="ctr">
-                      <a:solidFill>
-                        <a:srgbClr val="000000"/>
-                      </a:solidFill>
-                      <a:prstDash val="solid"/>
-                      <a:round/>
-                      <a:headEnd type="none" w="med" len="med"/>
-                      <a:tailEnd type="none" w="med" len="med"/>
-                    </a:lnB>
-                    <a:solidFill>
-                      <a:srgbClr val="EBF1DE"/>
-                    </a:solidFill>
-                  </a:tcPr>
-                </a:tc>
-                <a:tc>
-                  <a:txBody>
-                    <a:bodyPr/>
-                    <a:lstStyle/>
-                    <a:p>
-                      <a:pPr algn="ctr" fontAlgn="b"/>
-                      <a:r>
-                        <a:rPr lang="en-US" sz="900" b="0" i="0" u="none" strike="noStrike">
-                          <a:solidFill>
-                            <a:srgbClr val="000000"/>
-                          </a:solidFill>
-                          <a:effectLst/>
-                          <a:latin typeface="Calibri"/>
-                        </a:rPr>
-                        <a:t> </a:t>
-                      </a:r>
-                    </a:p>
-                  </a:txBody>
-                  <a:tcPr marL="9427" marR="9427" marT="9427" marB="0" anchor="b">
-                    <a:lnL w="6350" cap="flat" cmpd="sng" algn="ctr">
-                      <a:solidFill>
-                        <a:srgbClr val="000000"/>
-                      </a:solidFill>
-                      <a:prstDash val="solid"/>
-                      <a:round/>
-                      <a:headEnd type="none" w="med" len="med"/>
-                      <a:tailEnd type="none" w="med" len="med"/>
-                    </a:lnL>
-                    <a:lnR w="6350" cap="flat" cmpd="sng" algn="ctr">
-                      <a:solidFill>
-                        <a:srgbClr val="000000"/>
-                      </a:solidFill>
-                      <a:prstDash val="solid"/>
-                      <a:round/>
-                      <a:headEnd type="none" w="med" len="med"/>
-                      <a:tailEnd type="none" w="med" len="med"/>
-                    </a:lnR>
-                    <a:lnT w="6350" cap="flat" cmpd="sng" algn="ctr">
-                      <a:solidFill>
-                        <a:srgbClr val="000000"/>
-                      </a:solidFill>
-                      <a:prstDash val="solid"/>
-                      <a:round/>
-                      <a:headEnd type="none" w="med" len="med"/>
-                      <a:tailEnd type="none" w="med" len="med"/>
-                    </a:lnT>
-                    <a:lnB w="6350" cap="flat" cmpd="sng" algn="ctr">
-                      <a:solidFill>
-                        <a:srgbClr val="000000"/>
-                      </a:solidFill>
-                      <a:prstDash val="solid"/>
-                      <a:round/>
-                      <a:headEnd type="none" w="med" len="med"/>
-                      <a:tailEnd type="none" w="med" len="med"/>
-                    </a:lnB>
-                    <a:solidFill>
-                      <a:srgbClr val="EBF1DE"/>
-                    </a:solidFill>
-                  </a:tcPr>
-                </a:tc>
-                <a:tc>
-                  <a:txBody>
-                    <a:bodyPr/>
-                    <a:lstStyle/>
-                    <a:p>
-                      <a:pPr algn="ctr" fontAlgn="b"/>
-                      <a:r>
-                        <a:rPr lang="en-US" sz="900" b="0" i="0" u="none" strike="noStrike">
-                          <a:solidFill>
-                            <a:srgbClr val="000000"/>
-                          </a:solidFill>
-                          <a:effectLst/>
-                          <a:latin typeface="Calibri"/>
-                        </a:rPr>
-                        <a:t>0.23</a:t>
-                      </a:r>
-                    </a:p>
-                  </a:txBody>
-                  <a:tcPr marL="9427" marR="9427" marT="9427" marB="0" anchor="b">
-                    <a:lnL w="6350" cap="flat" cmpd="sng" algn="ctr">
-                      <a:solidFill>
-                        <a:srgbClr val="000000"/>
-                      </a:solidFill>
-                      <a:prstDash val="solid"/>
-                      <a:round/>
-                      <a:headEnd type="none" w="med" len="med"/>
-                      <a:tailEnd type="none" w="med" len="med"/>
-                    </a:lnL>
-                    <a:lnR w="6350" cap="flat" cmpd="sng" algn="ctr">
-                      <a:solidFill>
-                        <a:srgbClr val="000000"/>
-                      </a:solidFill>
-                      <a:prstDash val="solid"/>
-                      <a:round/>
-                      <a:headEnd type="none" w="med" len="med"/>
-                      <a:tailEnd type="none" w="med" len="med"/>
-                    </a:lnR>
-                    <a:lnT w="6350" cap="flat" cmpd="sng" algn="ctr">
-                      <a:solidFill>
-                        <a:srgbClr val="000000"/>
-                      </a:solidFill>
-                      <a:prstDash val="solid"/>
-                      <a:round/>
-                      <a:headEnd type="none" w="med" len="med"/>
-                      <a:tailEnd type="none" w="med" len="med"/>
-                    </a:lnT>
-                    <a:lnB w="6350" cap="flat" cmpd="sng" algn="ctr">
-                      <a:solidFill>
-                        <a:srgbClr val="000000"/>
-                      </a:solidFill>
-                      <a:prstDash val="solid"/>
-                      <a:round/>
-                      <a:headEnd type="none" w="med" len="med"/>
-                      <a:tailEnd type="none" w="med" len="med"/>
-                    </a:lnB>
-                    <a:solidFill>
-                      <a:srgbClr val="EBF1DE"/>
-                    </a:solidFill>
-                  </a:tcPr>
-                </a:tc>
-                <a:tc>
-                  <a:txBody>
-                    <a:bodyPr/>
-                    <a:lstStyle/>
-                    <a:p>
-                      <a:pPr algn="ctr" fontAlgn="b"/>
-                      <a:r>
-                        <a:rPr lang="en-US" sz="900" b="0" i="0" u="none" strike="noStrike">
-                          <a:solidFill>
-                            <a:srgbClr val="000000"/>
-                          </a:solidFill>
-                          <a:effectLst/>
-                          <a:latin typeface="Calibri"/>
-                        </a:rPr>
-                        <a:t> </a:t>
-                      </a:r>
-                    </a:p>
-                  </a:txBody>
-                  <a:tcPr marL="9427" marR="9427" marT="9427" marB="0" anchor="b">
-                    <a:lnL w="6350" cap="flat" cmpd="sng" algn="ctr">
-                      <a:solidFill>
-                        <a:srgbClr val="000000"/>
-                      </a:solidFill>
-                      <a:prstDash val="solid"/>
-                      <a:round/>
-                      <a:headEnd type="none" w="med" len="med"/>
-                      <a:tailEnd type="none" w="med" len="med"/>
-                    </a:lnL>
-                    <a:lnR w="6350" cap="flat" cmpd="sng" algn="ctr">
-                      <a:solidFill>
-                        <a:srgbClr val="000000"/>
-                      </a:solidFill>
-                      <a:prstDash val="solid"/>
-                      <a:round/>
-                      <a:headEnd type="none" w="med" len="med"/>
-                      <a:tailEnd type="none" w="med" len="med"/>
-                    </a:lnR>
-                    <a:lnT w="6350" cap="flat" cmpd="sng" algn="ctr">
-                      <a:solidFill>
-                        <a:srgbClr val="000000"/>
-                      </a:solidFill>
-                      <a:prstDash val="solid"/>
-                      <a:round/>
-                      <a:headEnd type="none" w="med" len="med"/>
-                      <a:tailEnd type="none" w="med" len="med"/>
-                    </a:lnT>
-                    <a:lnB w="6350" cap="flat" cmpd="sng" algn="ctr">
-                      <a:solidFill>
-                        <a:srgbClr val="000000"/>
-                      </a:solidFill>
-                      <a:prstDash val="solid"/>
-                      <a:round/>
-                      <a:headEnd type="none" w="med" len="med"/>
-                      <a:tailEnd type="none" w="med" len="med"/>
-                    </a:lnB>
-                    <a:solidFill>
-                      <a:srgbClr val="EBF1DE"/>
-                    </a:solidFill>
-                  </a:tcPr>
-                </a:tc>
-                <a:tc>
-                  <a:txBody>
-                    <a:bodyPr/>
-                    <a:lstStyle/>
-                    <a:p>
-                      <a:pPr algn="ctr" fontAlgn="b"/>
-                      <a:r>
-                        <a:rPr lang="en-US" sz="900" b="0" i="0" u="none" strike="noStrike">
-                          <a:solidFill>
-                            <a:srgbClr val="000000"/>
-                          </a:solidFill>
-                          <a:effectLst/>
-                          <a:latin typeface="Calibri"/>
-                        </a:rPr>
-                        <a:t> </a:t>
-                      </a:r>
-                    </a:p>
-                  </a:txBody>
-                  <a:tcPr marL="9427" marR="9427" marT="9427" marB="0" anchor="b">
-                    <a:lnL w="6350" cap="flat" cmpd="sng" algn="ctr">
-                      <a:solidFill>
-                        <a:srgbClr val="000000"/>
-                      </a:solidFill>
-                      <a:prstDash val="solid"/>
-                      <a:round/>
-                      <a:headEnd type="none" w="med" len="med"/>
-                      <a:tailEnd type="none" w="med" len="med"/>
-                    </a:lnL>
-                    <a:lnR w="6350" cap="flat" cmpd="sng" algn="ctr">
-                      <a:solidFill>
-                        <a:srgbClr val="000000"/>
-                      </a:solidFill>
-                      <a:prstDash val="solid"/>
-                      <a:round/>
-                      <a:headEnd type="none" w="med" len="med"/>
-                      <a:tailEnd type="none" w="med" len="med"/>
-                    </a:lnR>
-                    <a:lnT>
-                      <a:noFill/>
-                    </a:lnT>
-                    <a:lnB>
-                      <a:noFill/>
-                    </a:lnB>
-                    <a:solidFill>
-                      <a:srgbClr val="FFFFFF"/>
-                    </a:solidFill>
-                  </a:tcPr>
-                </a:tc>
-                <a:tc>
-                  <a:txBody>
-                    <a:bodyPr/>
-                    <a:lstStyle/>
-                    <a:p>
-                      <a:pPr algn="l" fontAlgn="b"/>
-                      <a:r>
-                        <a:rPr lang="en-US" sz="900" b="0" i="0" u="none" strike="noStrike">
-                          <a:solidFill>
-                            <a:srgbClr val="000000"/>
-                          </a:solidFill>
-                          <a:effectLst/>
-                          <a:latin typeface="Calibri"/>
-                        </a:rPr>
-                        <a:t>average tips for waitresses</a:t>
-                      </a:r>
-                    </a:p>
-                  </a:txBody>
-                  <a:tcPr marL="9427" marR="9427" marT="9427" marB="0" anchor="b">
-                    <a:lnL w="6350" cap="flat" cmpd="sng" algn="ctr">
-                      <a:solidFill>
-                        <a:srgbClr val="000000"/>
-                      </a:solidFill>
-                      <a:prstDash val="solid"/>
-                      <a:round/>
-                      <a:headEnd type="none" w="med" len="med"/>
-                      <a:tailEnd type="none" w="med" len="med"/>
-                    </a:lnL>
-                    <a:lnR w="6350" cap="flat" cmpd="sng" algn="ctr">
-                      <a:solidFill>
-                        <a:srgbClr val="000000"/>
-                      </a:solidFill>
-                      <a:prstDash val="solid"/>
-                      <a:round/>
-                      <a:headEnd type="none" w="med" len="med"/>
-                      <a:tailEnd type="none" w="med" len="med"/>
-                    </a:lnR>
-                    <a:lnT w="6350" cap="flat" cmpd="sng" algn="ctr">
-                      <a:solidFill>
-                        <a:srgbClr val="000000"/>
-                      </a:solidFill>
-                      <a:prstDash val="solid"/>
-                      <a:round/>
-                      <a:headEnd type="none" w="med" len="med"/>
-                      <a:tailEnd type="none" w="med" len="med"/>
-                    </a:lnT>
-                    <a:lnB w="6350" cap="flat" cmpd="sng" algn="ctr">
-                      <a:solidFill>
-                        <a:srgbClr val="000000"/>
-                      </a:solidFill>
-                      <a:prstDash val="solid"/>
-                      <a:round/>
-                      <a:headEnd type="none" w="med" len="med"/>
-                      <a:tailEnd type="none" w="med" len="med"/>
-                    </a:lnB>
-                    <a:solidFill>
-                      <a:srgbClr val="EBF1DE"/>
-                    </a:solidFill>
-                  </a:tcPr>
-                </a:tc>
-                <a:tc>
-                  <a:txBody>
-                    <a:bodyPr/>
-                    <a:lstStyle/>
-                    <a:p>
-                      <a:pPr algn="r" fontAlgn="b"/>
-                      <a:r>
-                        <a:rPr lang="en-US" sz="900" b="0" i="0" u="none" strike="noStrike">
-                          <a:solidFill>
-                            <a:srgbClr val="000000"/>
-                          </a:solidFill>
-                          <a:effectLst/>
-                          <a:latin typeface="Calibri"/>
-                        </a:rPr>
-                        <a:t>2.70</a:t>
-                      </a:r>
-                    </a:p>
-                  </a:txBody>
-                  <a:tcPr marL="9427" marR="9427" marT="9427" marB="0" anchor="b">
-                    <a:lnL w="6350" cap="flat" cmpd="sng" algn="ctr">
-                      <a:solidFill>
-                        <a:srgbClr val="000000"/>
-                      </a:solidFill>
-                      <a:prstDash val="solid"/>
-                      <a:round/>
-                      <a:headEnd type="none" w="med" len="med"/>
-                      <a:tailEnd type="none" w="med" len="med"/>
-                    </a:lnL>
-                    <a:lnR w="6350" cap="flat" cmpd="sng" algn="ctr">
-                      <a:solidFill>
-                        <a:srgbClr val="000000"/>
-                      </a:solidFill>
-                      <a:prstDash val="solid"/>
-                      <a:round/>
-                      <a:headEnd type="none" w="med" len="med"/>
-                      <a:tailEnd type="none" w="med" len="med"/>
-                    </a:lnR>
-                    <a:lnT w="6350" cap="flat" cmpd="sng" algn="ctr">
-                      <a:solidFill>
-                        <a:srgbClr val="000000"/>
-                      </a:solidFill>
-                      <a:prstDash val="solid"/>
-                      <a:round/>
-                      <a:headEnd type="none" w="med" len="med"/>
-                      <a:tailEnd type="none" w="med" len="med"/>
-                    </a:lnT>
-                    <a:lnB w="6350" cap="flat" cmpd="sng" algn="ctr">
-                      <a:solidFill>
-                        <a:srgbClr val="000000"/>
-                      </a:solidFill>
-                      <a:prstDash val="solid"/>
-                      <a:round/>
-                      <a:headEnd type="none" w="med" len="med"/>
-                      <a:tailEnd type="none" w="med" len="med"/>
-                    </a:lnB>
-                    <a:solidFill>
-                      <a:srgbClr val="EBF1DE"/>
-                    </a:solidFill>
-                  </a:tcPr>
-                </a:tc>
-                <a:extLst>
-                  <a:ext uri="{0D108BD9-81ED-4DB2-BD59-A6C34878D82A}">
-                    <a16:rowId xmlns:a16="http://schemas.microsoft.com/office/drawing/2014/main" val="10007"/>
-                  </a:ext>
-                </a:extLst>
-              </a:tr>
-              <a:tr h="145173">
-                <a:tc>
-                  <a:txBody>
-                    <a:bodyPr/>
-                    <a:lstStyle/>
-                    <a:p>
-                      <a:pPr algn="ctr" fontAlgn="b"/>
-                      <a:r>
-                        <a:rPr lang="en-US" sz="900" b="0" i="0" u="none" strike="noStrike">
-                          <a:solidFill>
-                            <a:srgbClr val="000000"/>
-                          </a:solidFill>
-                          <a:effectLst/>
-                          <a:latin typeface="Calibri"/>
-                        </a:rPr>
-                        <a:t>26.88</a:t>
-                      </a:r>
-                    </a:p>
-                  </a:txBody>
-                  <a:tcPr marL="9427" marR="9427" marT="9427" marB="0" anchor="b">
-                    <a:lnL>
-                      <a:noFill/>
-                    </a:lnL>
-                    <a:lnR>
-                      <a:noFill/>
-                    </a:lnR>
-                    <a:lnT>
-                      <a:noFill/>
-                    </a:lnT>
-                    <a:lnB>
-                      <a:noFill/>
-                    </a:lnB>
-                  </a:tcPr>
-                </a:tc>
-                <a:tc>
-                  <a:txBody>
-                    <a:bodyPr/>
-                    <a:lstStyle/>
-                    <a:p>
-                      <a:pPr algn="ctr" fontAlgn="b"/>
-                      <a:r>
-                        <a:rPr lang="en-US" sz="900" b="0" i="0" u="none" strike="noStrike">
-                          <a:solidFill>
-                            <a:srgbClr val="000000"/>
-                          </a:solidFill>
-                          <a:effectLst/>
-                          <a:latin typeface="Calibri"/>
-                        </a:rPr>
-                        <a:t>3.12</a:t>
-                      </a:r>
-                    </a:p>
-                  </a:txBody>
-                  <a:tcPr marL="9427" marR="9427" marT="9427" marB="0" anchor="b">
-                    <a:lnL>
-                      <a:noFill/>
-                    </a:lnL>
-                    <a:lnR>
-                      <a:noFill/>
-                    </a:lnR>
-                    <a:lnT>
-                      <a:noFill/>
-                    </a:lnT>
-                    <a:lnB>
-                      <a:noFill/>
-                    </a:lnB>
-                  </a:tcPr>
-                </a:tc>
-                <a:tc>
-                  <a:txBody>
-                    <a:bodyPr/>
-                    <a:lstStyle/>
-                    <a:p>
-                      <a:pPr algn="ctr" fontAlgn="b"/>
-                      <a:r>
-                        <a:rPr lang="en-US" sz="900" b="0" i="0" u="none" strike="noStrike">
-                          <a:solidFill>
-                            <a:srgbClr val="000000"/>
-                          </a:solidFill>
-                          <a:effectLst/>
-                          <a:latin typeface="Calibri"/>
-                        </a:rPr>
-                        <a:t>Male</a:t>
-                      </a:r>
-                    </a:p>
-                  </a:txBody>
-                  <a:tcPr marL="9427" marR="9427" marT="9427" marB="0" anchor="b">
-                    <a:lnL>
-                      <a:noFill/>
-                    </a:lnL>
-                    <a:lnR>
-                      <a:noFill/>
-                    </a:lnR>
-                    <a:lnT>
-                      <a:noFill/>
-                    </a:lnT>
-                    <a:lnB>
-                      <a:noFill/>
-                    </a:lnB>
-                  </a:tcPr>
-                </a:tc>
-                <a:tc>
-                  <a:txBody>
-                    <a:bodyPr/>
-                    <a:lstStyle/>
-                    <a:p>
-                      <a:pPr algn="ctr" fontAlgn="b"/>
-                      <a:r>
-                        <a:rPr lang="en-US" sz="900" b="0" i="0" u="none" strike="noStrike">
-                          <a:solidFill>
-                            <a:srgbClr val="000000"/>
-                          </a:solidFill>
-                          <a:effectLst/>
-                          <a:latin typeface="Calibri"/>
-                        </a:rPr>
-                        <a:t>Dinner</a:t>
-                      </a:r>
-                    </a:p>
-                  </a:txBody>
-                  <a:tcPr marL="9427" marR="9427" marT="9427" marB="0" anchor="b">
-                    <a:lnL>
-                      <a:noFill/>
-                    </a:lnL>
-                    <a:lnR w="6350" cap="flat" cmpd="sng" algn="ctr">
-                      <a:solidFill>
-                        <a:srgbClr val="000000"/>
-                      </a:solidFill>
-                      <a:prstDash val="solid"/>
-                      <a:round/>
-                      <a:headEnd type="none" w="med" len="med"/>
-                      <a:tailEnd type="none" w="med" len="med"/>
-                    </a:lnR>
-                    <a:lnT>
-                      <a:noFill/>
-                    </a:lnT>
-                    <a:lnB>
-                      <a:noFill/>
-                    </a:lnB>
-                  </a:tcPr>
-                </a:tc>
-                <a:tc>
-                  <a:txBody>
-                    <a:bodyPr/>
-                    <a:lstStyle/>
-                    <a:p>
-                      <a:pPr algn="ctr" fontAlgn="b"/>
-                      <a:r>
-                        <a:rPr lang="en-US" sz="900" b="0" i="0" u="none" strike="noStrike">
-                          <a:solidFill>
-                            <a:srgbClr val="000000"/>
-                          </a:solidFill>
-                          <a:effectLst/>
-                          <a:latin typeface="Calibri"/>
-                        </a:rPr>
-                        <a:t>0.12</a:t>
-                      </a:r>
-                    </a:p>
-                  </a:txBody>
-                  <a:tcPr marL="9427" marR="9427" marT="9427" marB="0" anchor="b">
-                    <a:lnL w="6350" cap="flat" cmpd="sng" algn="ctr">
-                      <a:solidFill>
-                        <a:srgbClr val="000000"/>
-                      </a:solidFill>
-                      <a:prstDash val="solid"/>
-                      <a:round/>
-                      <a:headEnd type="none" w="med" len="med"/>
-                      <a:tailEnd type="none" w="med" len="med"/>
-                    </a:lnL>
-                    <a:lnR w="6350" cap="flat" cmpd="sng" algn="ctr">
-                      <a:solidFill>
-                        <a:srgbClr val="000000"/>
-                      </a:solidFill>
-                      <a:prstDash val="solid"/>
-                      <a:round/>
-                      <a:headEnd type="none" w="med" len="med"/>
-                      <a:tailEnd type="none" w="med" len="med"/>
-                    </a:lnR>
-                    <a:lnT w="6350" cap="flat" cmpd="sng" algn="ctr">
-                      <a:solidFill>
-                        <a:srgbClr val="000000"/>
-                      </a:solidFill>
-                      <a:prstDash val="solid"/>
-                      <a:round/>
-                      <a:headEnd type="none" w="med" len="med"/>
-                      <a:tailEnd type="none" w="med" len="med"/>
-                    </a:lnT>
-                    <a:lnB w="6350" cap="flat" cmpd="sng" algn="ctr">
-                      <a:solidFill>
-                        <a:srgbClr val="000000"/>
-                      </a:solidFill>
-                      <a:prstDash val="solid"/>
-                      <a:round/>
-                      <a:headEnd type="none" w="med" len="med"/>
-                      <a:tailEnd type="none" w="med" len="med"/>
-                    </a:lnB>
-                    <a:solidFill>
-                      <a:srgbClr val="EBF1DE"/>
-                    </a:solidFill>
-                  </a:tcPr>
-                </a:tc>
-                <a:tc>
-                  <a:txBody>
-                    <a:bodyPr/>
-                    <a:lstStyle/>
-                    <a:p>
-                      <a:pPr algn="ctr" fontAlgn="b"/>
-                      <a:r>
-                        <a:rPr lang="en-US" sz="900" b="0" i="0" u="none" strike="noStrike">
-                          <a:solidFill>
-                            <a:srgbClr val="000000"/>
-                          </a:solidFill>
-                          <a:effectLst/>
-                          <a:latin typeface="Calibri"/>
-                        </a:rPr>
-                        <a:t>3.12</a:t>
-                      </a:r>
-                    </a:p>
-                  </a:txBody>
-                  <a:tcPr marL="9427" marR="9427" marT="9427" marB="0" anchor="b">
-                    <a:lnL w="6350" cap="flat" cmpd="sng" algn="ctr">
-                      <a:solidFill>
-                        <a:srgbClr val="000000"/>
-                      </a:solidFill>
-                      <a:prstDash val="solid"/>
-                      <a:round/>
-                      <a:headEnd type="none" w="med" len="med"/>
-                      <a:tailEnd type="none" w="med" len="med"/>
-                    </a:lnL>
-                    <a:lnR w="6350" cap="flat" cmpd="sng" algn="ctr">
-                      <a:solidFill>
-                        <a:srgbClr val="000000"/>
-                      </a:solidFill>
-                      <a:prstDash val="solid"/>
-                      <a:round/>
-                      <a:headEnd type="none" w="med" len="med"/>
-                      <a:tailEnd type="none" w="med" len="med"/>
-                    </a:lnR>
-                    <a:lnT w="6350" cap="flat" cmpd="sng" algn="ctr">
-                      <a:solidFill>
-                        <a:srgbClr val="000000"/>
-                      </a:solidFill>
-                      <a:prstDash val="solid"/>
-                      <a:round/>
-                      <a:headEnd type="none" w="med" len="med"/>
-                      <a:tailEnd type="none" w="med" len="med"/>
-                    </a:lnT>
-                    <a:lnB w="6350" cap="flat" cmpd="sng" algn="ctr">
-                      <a:solidFill>
-                        <a:srgbClr val="000000"/>
-                      </a:solidFill>
-                      <a:prstDash val="solid"/>
-                      <a:round/>
-                      <a:headEnd type="none" w="med" len="med"/>
-                      <a:tailEnd type="none" w="med" len="med"/>
-                    </a:lnB>
-                    <a:solidFill>
-                      <a:srgbClr val="EBF1DE"/>
-                    </a:solidFill>
-                  </a:tcPr>
-                </a:tc>
-                <a:tc>
-                  <a:txBody>
-                    <a:bodyPr/>
-                    <a:lstStyle/>
-                    <a:p>
-                      <a:pPr algn="ctr" fontAlgn="b"/>
-                      <a:r>
-                        <a:rPr lang="en-US" sz="900" b="0" i="0" u="none" strike="noStrike">
-                          <a:solidFill>
-                            <a:srgbClr val="000000"/>
-                          </a:solidFill>
-                          <a:effectLst/>
-                          <a:latin typeface="Calibri"/>
-                        </a:rPr>
-                        <a:t> </a:t>
-                      </a:r>
-                    </a:p>
-                  </a:txBody>
-                  <a:tcPr marL="9427" marR="9427" marT="9427" marB="0" anchor="b">
-                    <a:lnL w="6350" cap="flat" cmpd="sng" algn="ctr">
-                      <a:solidFill>
-                        <a:srgbClr val="000000"/>
-                      </a:solidFill>
-                      <a:prstDash val="solid"/>
-                      <a:round/>
-                      <a:headEnd type="none" w="med" len="med"/>
-                      <a:tailEnd type="none" w="med" len="med"/>
-                    </a:lnL>
-                    <a:lnR w="6350" cap="flat" cmpd="sng" algn="ctr">
-                      <a:solidFill>
-                        <a:srgbClr val="000000"/>
-                      </a:solidFill>
-                      <a:prstDash val="solid"/>
-                      <a:round/>
-                      <a:headEnd type="none" w="med" len="med"/>
-                      <a:tailEnd type="none" w="med" len="med"/>
-                    </a:lnR>
-                    <a:lnT w="6350" cap="flat" cmpd="sng" algn="ctr">
-                      <a:solidFill>
-                        <a:srgbClr val="000000"/>
-                      </a:solidFill>
-                      <a:prstDash val="solid"/>
-                      <a:round/>
-                      <a:headEnd type="none" w="med" len="med"/>
-                      <a:tailEnd type="none" w="med" len="med"/>
-                    </a:lnT>
-                    <a:lnB w="6350" cap="flat" cmpd="sng" algn="ctr">
-                      <a:solidFill>
-                        <a:srgbClr val="000000"/>
-                      </a:solidFill>
-                      <a:prstDash val="solid"/>
-                      <a:round/>
-                      <a:headEnd type="none" w="med" len="med"/>
-                      <a:tailEnd type="none" w="med" len="med"/>
-                    </a:lnB>
-                    <a:solidFill>
-                      <a:srgbClr val="EBF1DE"/>
-                    </a:solidFill>
-                  </a:tcPr>
-                </a:tc>
-                <a:tc>
-                  <a:txBody>
-                    <a:bodyPr/>
-                    <a:lstStyle/>
-                    <a:p>
-                      <a:pPr algn="ctr" fontAlgn="b"/>
-                      <a:r>
-                        <a:rPr lang="en-US" sz="900" b="0" i="0" u="none" strike="noStrike">
-                          <a:solidFill>
-                            <a:srgbClr val="000000"/>
-                          </a:solidFill>
-                          <a:effectLst/>
-                          <a:latin typeface="Calibri"/>
-                        </a:rPr>
-                        <a:t>0.12</a:t>
-                      </a:r>
-                    </a:p>
-                  </a:txBody>
-                  <a:tcPr marL="9427" marR="9427" marT="9427" marB="0" anchor="b">
-                    <a:lnL w="6350" cap="flat" cmpd="sng" algn="ctr">
-                      <a:solidFill>
-                        <a:srgbClr val="000000"/>
-                      </a:solidFill>
-                      <a:prstDash val="solid"/>
-                      <a:round/>
-                      <a:headEnd type="none" w="med" len="med"/>
-                      <a:tailEnd type="none" w="med" len="med"/>
-                    </a:lnL>
-                    <a:lnR w="6350" cap="flat" cmpd="sng" algn="ctr">
-                      <a:solidFill>
-                        <a:srgbClr val="000000"/>
-                      </a:solidFill>
-                      <a:prstDash val="solid"/>
-                      <a:round/>
-                      <a:headEnd type="none" w="med" len="med"/>
-                      <a:tailEnd type="none" w="med" len="med"/>
-                    </a:lnR>
-                    <a:lnT w="6350" cap="flat" cmpd="sng" algn="ctr">
-                      <a:solidFill>
-                        <a:srgbClr val="000000"/>
-                      </a:solidFill>
-                      <a:prstDash val="solid"/>
-                      <a:round/>
-                      <a:headEnd type="none" w="med" len="med"/>
-                      <a:tailEnd type="none" w="med" len="med"/>
-                    </a:lnT>
-                    <a:lnB w="6350" cap="flat" cmpd="sng" algn="ctr">
-                      <a:solidFill>
-                        <a:srgbClr val="000000"/>
-                      </a:solidFill>
-                      <a:prstDash val="solid"/>
-                      <a:round/>
-                      <a:headEnd type="none" w="med" len="med"/>
-                      <a:tailEnd type="none" w="med" len="med"/>
-                    </a:lnB>
-                    <a:solidFill>
-                      <a:srgbClr val="EBF1DE"/>
-                    </a:solidFill>
-                  </a:tcPr>
-                </a:tc>
-                <a:tc>
-                  <a:txBody>
-                    <a:bodyPr/>
-                    <a:lstStyle/>
-                    <a:p>
-                      <a:pPr algn="ctr" fontAlgn="b"/>
-                      <a:r>
-                        <a:rPr lang="en-US" sz="900" b="0" i="0" u="none" strike="noStrike">
-                          <a:solidFill>
-                            <a:srgbClr val="000000"/>
-                          </a:solidFill>
-                          <a:effectLst/>
-                          <a:latin typeface="Calibri"/>
-                        </a:rPr>
-                        <a:t> </a:t>
-                      </a:r>
-                    </a:p>
-                  </a:txBody>
-                  <a:tcPr marL="9427" marR="9427" marT="9427" marB="0" anchor="b">
-                    <a:lnL w="6350" cap="flat" cmpd="sng" algn="ctr">
-                      <a:solidFill>
-                        <a:srgbClr val="000000"/>
-                      </a:solidFill>
-                      <a:prstDash val="solid"/>
-                      <a:round/>
-                      <a:headEnd type="none" w="med" len="med"/>
-                      <a:tailEnd type="none" w="med" len="med"/>
-                    </a:lnL>
-                    <a:lnR w="6350" cap="flat" cmpd="sng" algn="ctr">
-                      <a:solidFill>
-                        <a:srgbClr val="000000"/>
-                      </a:solidFill>
-                      <a:prstDash val="solid"/>
-                      <a:round/>
-                      <a:headEnd type="none" w="med" len="med"/>
-                      <a:tailEnd type="none" w="med" len="med"/>
-                    </a:lnR>
-                    <a:lnT w="6350" cap="flat" cmpd="sng" algn="ctr">
-                      <a:solidFill>
-                        <a:srgbClr val="000000"/>
-                      </a:solidFill>
-                      <a:prstDash val="solid"/>
-                      <a:round/>
-                      <a:headEnd type="none" w="med" len="med"/>
-                      <a:tailEnd type="none" w="med" len="med"/>
-                    </a:lnT>
-                    <a:lnB w="6350" cap="flat" cmpd="sng" algn="ctr">
-                      <a:solidFill>
-                        <a:srgbClr val="000000"/>
-                      </a:solidFill>
-                      <a:prstDash val="solid"/>
-                      <a:round/>
-                      <a:headEnd type="none" w="med" len="med"/>
-                      <a:tailEnd type="none" w="med" len="med"/>
-                    </a:lnB>
-                    <a:solidFill>
-                      <a:srgbClr val="EBF1DE"/>
-                    </a:solidFill>
-                  </a:tcPr>
-                </a:tc>
-                <a:tc>
-                  <a:txBody>
-                    <a:bodyPr/>
-                    <a:lstStyle/>
-                    <a:p>
-                      <a:pPr algn="ctr" fontAlgn="b"/>
-                      <a:r>
-                        <a:rPr lang="en-US" sz="900" b="0" i="0" u="none" strike="noStrike">
-                          <a:solidFill>
-                            <a:srgbClr val="000000"/>
-                          </a:solidFill>
-                          <a:effectLst/>
-                          <a:latin typeface="Calibri"/>
-                        </a:rPr>
-                        <a:t> </a:t>
-                      </a:r>
-                    </a:p>
-                  </a:txBody>
-                  <a:tcPr marL="9427" marR="9427" marT="9427" marB="0" anchor="b">
-                    <a:lnL w="6350" cap="flat" cmpd="sng" algn="ctr">
-                      <a:solidFill>
-                        <a:srgbClr val="000000"/>
-                      </a:solidFill>
-                      <a:prstDash val="solid"/>
-                      <a:round/>
-                      <a:headEnd type="none" w="med" len="med"/>
-                      <a:tailEnd type="none" w="med" len="med"/>
-                    </a:lnL>
-                    <a:lnR w="6350" cap="flat" cmpd="sng" algn="ctr">
-                      <a:solidFill>
-                        <a:srgbClr val="000000"/>
-                      </a:solidFill>
-                      <a:prstDash val="solid"/>
-                      <a:round/>
-                      <a:headEnd type="none" w="med" len="med"/>
-                      <a:tailEnd type="none" w="med" len="med"/>
-                    </a:lnR>
-                    <a:lnT>
-                      <a:noFill/>
-                    </a:lnT>
-                    <a:lnB>
-                      <a:noFill/>
-                    </a:lnB>
-                    <a:solidFill>
-                      <a:srgbClr val="FFFFFF"/>
-                    </a:solidFill>
-                  </a:tcPr>
-                </a:tc>
-                <a:tc>
-                  <a:txBody>
-                    <a:bodyPr/>
-                    <a:lstStyle/>
-                    <a:p>
-                      <a:pPr algn="l" fontAlgn="b"/>
-                      <a:r>
-                        <a:rPr lang="en-US" sz="900" b="0" i="0" u="none" strike="noStrike">
-                          <a:solidFill>
-                            <a:srgbClr val="000000"/>
-                          </a:solidFill>
-                          <a:effectLst/>
-                          <a:latin typeface="Calibri"/>
-                        </a:rPr>
-                        <a:t>average dinner tip rates</a:t>
-                      </a:r>
-                    </a:p>
-                  </a:txBody>
-                  <a:tcPr marL="9427" marR="9427" marT="9427" marB="0" anchor="b">
-                    <a:lnL w="6350" cap="flat" cmpd="sng" algn="ctr">
-                      <a:solidFill>
-                        <a:srgbClr val="000000"/>
-                      </a:solidFill>
-                      <a:prstDash val="solid"/>
-                      <a:round/>
-                      <a:headEnd type="none" w="med" len="med"/>
-                      <a:tailEnd type="none" w="med" len="med"/>
-                    </a:lnL>
-                    <a:lnR w="6350" cap="flat" cmpd="sng" algn="ctr">
-                      <a:solidFill>
-                        <a:srgbClr val="000000"/>
-                      </a:solidFill>
-                      <a:prstDash val="solid"/>
-                      <a:round/>
-                      <a:headEnd type="none" w="med" len="med"/>
-                      <a:tailEnd type="none" w="med" len="med"/>
-                    </a:lnR>
-                    <a:lnT w="6350" cap="flat" cmpd="sng" algn="ctr">
-                      <a:solidFill>
-                        <a:srgbClr val="000000"/>
-                      </a:solidFill>
-                      <a:prstDash val="solid"/>
-                      <a:round/>
-                      <a:headEnd type="none" w="med" len="med"/>
-                      <a:tailEnd type="none" w="med" len="med"/>
-                    </a:lnT>
-                    <a:lnB w="6350" cap="flat" cmpd="sng" algn="ctr">
-                      <a:solidFill>
-                        <a:srgbClr val="000000"/>
-                      </a:solidFill>
-                      <a:prstDash val="solid"/>
-                      <a:round/>
-                      <a:headEnd type="none" w="med" len="med"/>
-                      <a:tailEnd type="none" w="med" len="med"/>
-                    </a:lnB>
-                    <a:solidFill>
-                      <a:srgbClr val="EBF1DE"/>
-                    </a:solidFill>
-                  </a:tcPr>
-                </a:tc>
-                <a:tc>
-                  <a:txBody>
-                    <a:bodyPr/>
-                    <a:lstStyle/>
-                    <a:p>
-                      <a:pPr algn="r" fontAlgn="b"/>
-                      <a:r>
-                        <a:rPr lang="en-US" sz="900" b="0" i="0" u="none" strike="noStrike">
-                          <a:solidFill>
-                            <a:srgbClr val="000000"/>
-                          </a:solidFill>
-                          <a:effectLst/>
-                          <a:latin typeface="Calibri"/>
-                        </a:rPr>
-                        <a:t>0.16</a:t>
-                      </a:r>
-                    </a:p>
-                  </a:txBody>
-                  <a:tcPr marL="9427" marR="9427" marT="9427" marB="0" anchor="b">
-                    <a:lnL w="6350" cap="flat" cmpd="sng" algn="ctr">
-                      <a:solidFill>
-                        <a:srgbClr val="000000"/>
-                      </a:solidFill>
-                      <a:prstDash val="solid"/>
-                      <a:round/>
-                      <a:headEnd type="none" w="med" len="med"/>
-                      <a:tailEnd type="none" w="med" len="med"/>
-                    </a:lnL>
-                    <a:lnR w="6350" cap="flat" cmpd="sng" algn="ctr">
-                      <a:solidFill>
-                        <a:srgbClr val="000000"/>
-                      </a:solidFill>
-                      <a:prstDash val="solid"/>
-                      <a:round/>
-                      <a:headEnd type="none" w="med" len="med"/>
-                      <a:tailEnd type="none" w="med" len="med"/>
-                    </a:lnR>
-                    <a:lnT w="6350" cap="flat" cmpd="sng" algn="ctr">
-                      <a:solidFill>
-                        <a:srgbClr val="000000"/>
-                      </a:solidFill>
-                      <a:prstDash val="solid"/>
-                      <a:round/>
-                      <a:headEnd type="none" w="med" len="med"/>
-                      <a:tailEnd type="none" w="med" len="med"/>
-                    </a:lnT>
-                    <a:lnB w="6350" cap="flat" cmpd="sng" algn="ctr">
-                      <a:solidFill>
-                        <a:srgbClr val="000000"/>
-                      </a:solidFill>
-                      <a:prstDash val="solid"/>
-                      <a:round/>
-                      <a:headEnd type="none" w="med" len="med"/>
-                      <a:tailEnd type="none" w="med" len="med"/>
-                    </a:lnB>
-                    <a:solidFill>
-                      <a:srgbClr val="EBF1DE"/>
-                    </a:solidFill>
-                  </a:tcPr>
-                </a:tc>
-                <a:extLst>
-                  <a:ext uri="{0D108BD9-81ED-4DB2-BD59-A6C34878D82A}">
-                    <a16:rowId xmlns:a16="http://schemas.microsoft.com/office/drawing/2014/main" val="10008"/>
-                  </a:ext>
-                </a:extLst>
-              </a:tr>
-              <a:tr h="145173">
-                <a:tc>
-                  <a:txBody>
-                    <a:bodyPr/>
-                    <a:lstStyle/>
-                    <a:p>
-                      <a:pPr algn="ctr" fontAlgn="b"/>
-                      <a:r>
-                        <a:rPr lang="en-US" sz="900" b="0" i="0" u="none" strike="noStrike">
-                          <a:solidFill>
-                            <a:srgbClr val="000000"/>
-                          </a:solidFill>
-                          <a:effectLst/>
-                          <a:latin typeface="Calibri"/>
-                        </a:rPr>
-                        <a:t>15.04</a:t>
-                      </a:r>
-                    </a:p>
-                  </a:txBody>
-                  <a:tcPr marL="9427" marR="9427" marT="9427" marB="0" anchor="b">
-                    <a:lnL>
-                      <a:noFill/>
-                    </a:lnL>
-                    <a:lnR>
-                      <a:noFill/>
-                    </a:lnR>
-                    <a:lnT>
-                      <a:noFill/>
-                    </a:lnT>
-                    <a:lnB>
-                      <a:noFill/>
-                    </a:lnB>
-                  </a:tcPr>
-                </a:tc>
-                <a:tc>
-                  <a:txBody>
-                    <a:bodyPr/>
-                    <a:lstStyle/>
-                    <a:p>
-                      <a:pPr algn="ctr" fontAlgn="b"/>
-                      <a:r>
-                        <a:rPr lang="en-US" sz="900" b="0" i="0" u="none" strike="noStrike">
-                          <a:solidFill>
-                            <a:srgbClr val="000000"/>
-                          </a:solidFill>
-                          <a:effectLst/>
-                          <a:latin typeface="Calibri"/>
-                        </a:rPr>
-                        <a:t>1.96</a:t>
-                      </a:r>
-                    </a:p>
-                  </a:txBody>
-                  <a:tcPr marL="9427" marR="9427" marT="9427" marB="0" anchor="b">
-                    <a:lnL>
-                      <a:noFill/>
-                    </a:lnL>
-                    <a:lnR>
-                      <a:noFill/>
-                    </a:lnR>
-                    <a:lnT>
-                      <a:noFill/>
-                    </a:lnT>
-                    <a:lnB>
-                      <a:noFill/>
-                    </a:lnB>
-                  </a:tcPr>
-                </a:tc>
-                <a:tc>
-                  <a:txBody>
-                    <a:bodyPr/>
-                    <a:lstStyle/>
-                    <a:p>
-                      <a:pPr algn="ctr" fontAlgn="b"/>
-                      <a:r>
-                        <a:rPr lang="en-US" sz="900" b="0" i="0" u="none" strike="noStrike">
-                          <a:solidFill>
-                            <a:srgbClr val="000000"/>
-                          </a:solidFill>
-                          <a:effectLst/>
-                          <a:latin typeface="Calibri"/>
-                        </a:rPr>
-                        <a:t>Male</a:t>
-                      </a:r>
-                    </a:p>
-                  </a:txBody>
-                  <a:tcPr marL="9427" marR="9427" marT="9427" marB="0" anchor="b">
-                    <a:lnL>
-                      <a:noFill/>
-                    </a:lnL>
-                    <a:lnR>
-                      <a:noFill/>
-                    </a:lnR>
-                    <a:lnT>
-                      <a:noFill/>
-                    </a:lnT>
-                    <a:lnB>
-                      <a:noFill/>
-                    </a:lnB>
-                  </a:tcPr>
-                </a:tc>
-                <a:tc>
-                  <a:txBody>
-                    <a:bodyPr/>
-                    <a:lstStyle/>
-                    <a:p>
-                      <a:pPr algn="ctr" fontAlgn="b"/>
-                      <a:r>
-                        <a:rPr lang="en-US" sz="900" b="0" i="0" u="none" strike="noStrike">
-                          <a:solidFill>
-                            <a:srgbClr val="000000"/>
-                          </a:solidFill>
-                          <a:effectLst/>
-                          <a:latin typeface="Calibri"/>
-                        </a:rPr>
-                        <a:t>Dinner</a:t>
-                      </a:r>
-                    </a:p>
-                  </a:txBody>
-                  <a:tcPr marL="9427" marR="9427" marT="9427" marB="0" anchor="b">
-                    <a:lnL>
-                      <a:noFill/>
-                    </a:lnL>
-                    <a:lnR w="6350" cap="flat" cmpd="sng" algn="ctr">
-                      <a:solidFill>
-                        <a:srgbClr val="000000"/>
-                      </a:solidFill>
-                      <a:prstDash val="solid"/>
-                      <a:round/>
-                      <a:headEnd type="none" w="med" len="med"/>
-                      <a:tailEnd type="none" w="med" len="med"/>
-                    </a:lnR>
-                    <a:lnT>
-                      <a:noFill/>
-                    </a:lnT>
-                    <a:lnB>
-                      <a:noFill/>
-                    </a:lnB>
-                  </a:tcPr>
-                </a:tc>
-                <a:tc>
-                  <a:txBody>
-                    <a:bodyPr/>
-                    <a:lstStyle/>
-                    <a:p>
-                      <a:pPr algn="ctr" fontAlgn="b"/>
-                      <a:r>
-                        <a:rPr lang="en-US" sz="900" b="0" i="0" u="none" strike="noStrike">
-                          <a:solidFill>
-                            <a:srgbClr val="000000"/>
-                          </a:solidFill>
-                          <a:effectLst/>
-                          <a:latin typeface="Calibri"/>
-                        </a:rPr>
-                        <a:t>0.13</a:t>
-                      </a:r>
-                    </a:p>
-                  </a:txBody>
-                  <a:tcPr marL="9427" marR="9427" marT="9427" marB="0" anchor="b">
-                    <a:lnL w="6350" cap="flat" cmpd="sng" algn="ctr">
-                      <a:solidFill>
-                        <a:srgbClr val="000000"/>
-                      </a:solidFill>
-                      <a:prstDash val="solid"/>
-                      <a:round/>
-                      <a:headEnd type="none" w="med" len="med"/>
-                      <a:tailEnd type="none" w="med" len="med"/>
-                    </a:lnL>
-                    <a:lnR w="6350" cap="flat" cmpd="sng" algn="ctr">
-                      <a:solidFill>
-                        <a:srgbClr val="000000"/>
-                      </a:solidFill>
-                      <a:prstDash val="solid"/>
-                      <a:round/>
-                      <a:headEnd type="none" w="med" len="med"/>
-                      <a:tailEnd type="none" w="med" len="med"/>
-                    </a:lnR>
-                    <a:lnT w="6350" cap="flat" cmpd="sng" algn="ctr">
-                      <a:solidFill>
-                        <a:srgbClr val="000000"/>
-                      </a:solidFill>
-                      <a:prstDash val="solid"/>
-                      <a:round/>
-                      <a:headEnd type="none" w="med" len="med"/>
-                      <a:tailEnd type="none" w="med" len="med"/>
-                    </a:lnT>
-                    <a:lnB w="6350" cap="flat" cmpd="sng" algn="ctr">
-                      <a:solidFill>
-                        <a:srgbClr val="000000"/>
-                      </a:solidFill>
-                      <a:prstDash val="solid"/>
-                      <a:round/>
-                      <a:headEnd type="none" w="med" len="med"/>
-                      <a:tailEnd type="none" w="med" len="med"/>
-                    </a:lnB>
-                    <a:solidFill>
-                      <a:srgbClr val="EBF1DE"/>
-                    </a:solidFill>
-                  </a:tcPr>
-                </a:tc>
-                <a:tc>
-                  <a:txBody>
-                    <a:bodyPr/>
-                    <a:lstStyle/>
-                    <a:p>
-                      <a:pPr algn="ctr" fontAlgn="b"/>
-                      <a:r>
-                        <a:rPr lang="en-US" sz="900" b="0" i="0" u="none" strike="noStrike">
-                          <a:solidFill>
-                            <a:srgbClr val="000000"/>
-                          </a:solidFill>
-                          <a:effectLst/>
-                          <a:latin typeface="Calibri"/>
-                        </a:rPr>
-                        <a:t>1.96</a:t>
-                      </a:r>
-                    </a:p>
-                  </a:txBody>
-                  <a:tcPr marL="9427" marR="9427" marT="9427" marB="0" anchor="b">
-                    <a:lnL w="6350" cap="flat" cmpd="sng" algn="ctr">
-                      <a:solidFill>
-                        <a:srgbClr val="000000"/>
-                      </a:solidFill>
-                      <a:prstDash val="solid"/>
-                      <a:round/>
-                      <a:headEnd type="none" w="med" len="med"/>
-                      <a:tailEnd type="none" w="med" len="med"/>
-                    </a:lnL>
-                    <a:lnR w="6350" cap="flat" cmpd="sng" algn="ctr">
-                      <a:solidFill>
-                        <a:srgbClr val="000000"/>
-                      </a:solidFill>
-                      <a:prstDash val="solid"/>
-                      <a:round/>
-                      <a:headEnd type="none" w="med" len="med"/>
-                      <a:tailEnd type="none" w="med" len="med"/>
-                    </a:lnR>
-                    <a:lnT w="6350" cap="flat" cmpd="sng" algn="ctr">
-                      <a:solidFill>
-                        <a:srgbClr val="000000"/>
-                      </a:solidFill>
-                      <a:prstDash val="solid"/>
-                      <a:round/>
-                      <a:headEnd type="none" w="med" len="med"/>
-                      <a:tailEnd type="none" w="med" len="med"/>
-                    </a:lnT>
-                    <a:lnB w="6350" cap="flat" cmpd="sng" algn="ctr">
-                      <a:solidFill>
-                        <a:srgbClr val="000000"/>
-                      </a:solidFill>
-                      <a:prstDash val="solid"/>
-                      <a:round/>
-                      <a:headEnd type="none" w="med" len="med"/>
-                      <a:tailEnd type="none" w="med" len="med"/>
-                    </a:lnB>
-                    <a:solidFill>
-                      <a:srgbClr val="EBF1DE"/>
-                    </a:solidFill>
-                  </a:tcPr>
-                </a:tc>
-                <a:tc>
-                  <a:txBody>
-                    <a:bodyPr/>
-                    <a:lstStyle/>
-                    <a:p>
-                      <a:pPr algn="ctr" fontAlgn="b"/>
-                      <a:r>
-                        <a:rPr lang="en-US" sz="900" b="0" i="0" u="none" strike="noStrike">
-                          <a:solidFill>
-                            <a:srgbClr val="000000"/>
-                          </a:solidFill>
-                          <a:effectLst/>
-                          <a:latin typeface="Calibri"/>
-                        </a:rPr>
-                        <a:t> </a:t>
-                      </a:r>
-                    </a:p>
-                  </a:txBody>
-                  <a:tcPr marL="9427" marR="9427" marT="9427" marB="0" anchor="b">
-                    <a:lnL w="6350" cap="flat" cmpd="sng" algn="ctr">
-                      <a:solidFill>
-                        <a:srgbClr val="000000"/>
-                      </a:solidFill>
-                      <a:prstDash val="solid"/>
-                      <a:round/>
-                      <a:headEnd type="none" w="med" len="med"/>
-                      <a:tailEnd type="none" w="med" len="med"/>
-                    </a:lnL>
-                    <a:lnR w="6350" cap="flat" cmpd="sng" algn="ctr">
-                      <a:solidFill>
-                        <a:srgbClr val="000000"/>
-                      </a:solidFill>
-                      <a:prstDash val="solid"/>
-                      <a:round/>
-                      <a:headEnd type="none" w="med" len="med"/>
-                      <a:tailEnd type="none" w="med" len="med"/>
-                    </a:lnR>
-                    <a:lnT w="6350" cap="flat" cmpd="sng" algn="ctr">
-                      <a:solidFill>
-                        <a:srgbClr val="000000"/>
-                      </a:solidFill>
-                      <a:prstDash val="solid"/>
-                      <a:round/>
-                      <a:headEnd type="none" w="med" len="med"/>
-                      <a:tailEnd type="none" w="med" len="med"/>
-                    </a:lnT>
-                    <a:lnB w="6350" cap="flat" cmpd="sng" algn="ctr">
-                      <a:solidFill>
-                        <a:srgbClr val="000000"/>
-                      </a:solidFill>
-                      <a:prstDash val="solid"/>
-                      <a:round/>
-                      <a:headEnd type="none" w="med" len="med"/>
-                      <a:tailEnd type="none" w="med" len="med"/>
-                    </a:lnB>
-                    <a:solidFill>
-                      <a:srgbClr val="EBF1DE"/>
-                    </a:solidFill>
-                  </a:tcPr>
-                </a:tc>
-                <a:tc>
-                  <a:txBody>
-                    <a:bodyPr/>
-                    <a:lstStyle/>
-                    <a:p>
-                      <a:pPr algn="ctr" fontAlgn="b"/>
-                      <a:r>
-                        <a:rPr lang="en-US" sz="900" b="0" i="0" u="none" strike="noStrike">
-                          <a:solidFill>
-                            <a:srgbClr val="000000"/>
-                          </a:solidFill>
-                          <a:effectLst/>
-                          <a:latin typeface="Calibri"/>
-                        </a:rPr>
-                        <a:t>0.13</a:t>
-                      </a:r>
-                    </a:p>
-                  </a:txBody>
-                  <a:tcPr marL="9427" marR="9427" marT="9427" marB="0" anchor="b">
-                    <a:lnL w="6350" cap="flat" cmpd="sng" algn="ctr">
-                      <a:solidFill>
-                        <a:srgbClr val="000000"/>
-                      </a:solidFill>
-                      <a:prstDash val="solid"/>
-                      <a:round/>
-                      <a:headEnd type="none" w="med" len="med"/>
-                      <a:tailEnd type="none" w="med" len="med"/>
-                    </a:lnL>
-                    <a:lnR w="6350" cap="flat" cmpd="sng" algn="ctr">
-                      <a:solidFill>
-                        <a:srgbClr val="000000"/>
-                      </a:solidFill>
-                      <a:prstDash val="solid"/>
-                      <a:round/>
-                      <a:headEnd type="none" w="med" len="med"/>
-                      <a:tailEnd type="none" w="med" len="med"/>
-                    </a:lnR>
-                    <a:lnT w="6350" cap="flat" cmpd="sng" algn="ctr">
-                      <a:solidFill>
-                        <a:srgbClr val="000000"/>
-                      </a:solidFill>
-                      <a:prstDash val="solid"/>
-                      <a:round/>
-                      <a:headEnd type="none" w="med" len="med"/>
-                      <a:tailEnd type="none" w="med" len="med"/>
-                    </a:lnT>
-                    <a:lnB w="6350" cap="flat" cmpd="sng" algn="ctr">
-                      <a:solidFill>
-                        <a:srgbClr val="000000"/>
-                      </a:solidFill>
-                      <a:prstDash val="solid"/>
-                      <a:round/>
-                      <a:headEnd type="none" w="med" len="med"/>
-                      <a:tailEnd type="none" w="med" len="med"/>
-                    </a:lnB>
-                    <a:solidFill>
-                      <a:srgbClr val="EBF1DE"/>
-                    </a:solidFill>
-                  </a:tcPr>
-                </a:tc>
-                <a:tc>
-                  <a:txBody>
-                    <a:bodyPr/>
-                    <a:lstStyle/>
-                    <a:p>
-                      <a:pPr algn="ctr" fontAlgn="b"/>
-                      <a:r>
-                        <a:rPr lang="en-US" sz="900" b="0" i="0" u="none" strike="noStrike">
-                          <a:solidFill>
-                            <a:srgbClr val="000000"/>
-                          </a:solidFill>
-                          <a:effectLst/>
-                          <a:latin typeface="Calibri"/>
-                        </a:rPr>
-                        <a:t> </a:t>
-                      </a:r>
-                    </a:p>
-                  </a:txBody>
-                  <a:tcPr marL="9427" marR="9427" marT="9427" marB="0" anchor="b">
-                    <a:lnL w="6350" cap="flat" cmpd="sng" algn="ctr">
-                      <a:solidFill>
-                        <a:srgbClr val="000000"/>
-                      </a:solidFill>
-                      <a:prstDash val="solid"/>
-                      <a:round/>
-                      <a:headEnd type="none" w="med" len="med"/>
-                      <a:tailEnd type="none" w="med" len="med"/>
-                    </a:lnL>
-                    <a:lnR w="6350" cap="flat" cmpd="sng" algn="ctr">
-                      <a:solidFill>
-                        <a:srgbClr val="000000"/>
-                      </a:solidFill>
-                      <a:prstDash val="solid"/>
-                      <a:round/>
-                      <a:headEnd type="none" w="med" len="med"/>
-                      <a:tailEnd type="none" w="med" len="med"/>
-                    </a:lnR>
-                    <a:lnT w="6350" cap="flat" cmpd="sng" algn="ctr">
-                      <a:solidFill>
-                        <a:srgbClr val="000000"/>
-                      </a:solidFill>
-                      <a:prstDash val="solid"/>
-                      <a:round/>
-                      <a:headEnd type="none" w="med" len="med"/>
-                      <a:tailEnd type="none" w="med" len="med"/>
-                    </a:lnT>
-                    <a:lnB w="6350" cap="flat" cmpd="sng" algn="ctr">
-                      <a:solidFill>
-                        <a:srgbClr val="000000"/>
-                      </a:solidFill>
-                      <a:prstDash val="solid"/>
-                      <a:round/>
-                      <a:headEnd type="none" w="med" len="med"/>
-                      <a:tailEnd type="none" w="med" len="med"/>
-                    </a:lnB>
-                    <a:solidFill>
-                      <a:srgbClr val="EBF1DE"/>
-                    </a:solidFill>
-                  </a:tcPr>
-                </a:tc>
-                <a:tc>
-                  <a:txBody>
-                    <a:bodyPr/>
-                    <a:lstStyle/>
-                    <a:p>
-                      <a:pPr algn="ctr" fontAlgn="b"/>
-                      <a:r>
-                        <a:rPr lang="en-US" sz="900" b="0" i="0" u="none" strike="noStrike">
-                          <a:solidFill>
-                            <a:srgbClr val="000000"/>
-                          </a:solidFill>
-                          <a:effectLst/>
-                          <a:latin typeface="Calibri"/>
-                        </a:rPr>
-                        <a:t> </a:t>
-                      </a:r>
-                    </a:p>
-                  </a:txBody>
-                  <a:tcPr marL="9427" marR="9427" marT="9427" marB="0" anchor="b">
-                    <a:lnL w="6350" cap="flat" cmpd="sng" algn="ctr">
-                      <a:solidFill>
-                        <a:srgbClr val="000000"/>
-                      </a:solidFill>
-                      <a:prstDash val="solid"/>
-                      <a:round/>
-                      <a:headEnd type="none" w="med" len="med"/>
-                      <a:tailEnd type="none" w="med" len="med"/>
-                    </a:lnL>
-                    <a:lnR w="6350" cap="flat" cmpd="sng" algn="ctr">
-                      <a:solidFill>
-                        <a:srgbClr val="000000"/>
-                      </a:solidFill>
-                      <a:prstDash val="solid"/>
-                      <a:round/>
-                      <a:headEnd type="none" w="med" len="med"/>
-                      <a:tailEnd type="none" w="med" len="med"/>
-                    </a:lnR>
-                    <a:lnT>
-                      <a:noFill/>
-                    </a:lnT>
-                    <a:lnB>
-                      <a:noFill/>
-                    </a:lnB>
-                    <a:solidFill>
-                      <a:srgbClr val="FFFFFF"/>
-                    </a:solidFill>
-                  </a:tcPr>
-                </a:tc>
-                <a:tc>
-                  <a:txBody>
-                    <a:bodyPr/>
-                    <a:lstStyle/>
-                    <a:p>
-                      <a:pPr algn="l" fontAlgn="b"/>
-                      <a:r>
-                        <a:rPr lang="en-US" sz="900" b="0" i="0" u="none" strike="noStrike">
-                          <a:solidFill>
-                            <a:srgbClr val="000000"/>
-                          </a:solidFill>
-                          <a:effectLst/>
-                          <a:latin typeface="Calibri"/>
-                        </a:rPr>
-                        <a:t>average lunch tip rates</a:t>
-                      </a:r>
-                    </a:p>
-                  </a:txBody>
-                  <a:tcPr marL="9427" marR="9427" marT="9427" marB="0" anchor="b">
-                    <a:lnL w="6350" cap="flat" cmpd="sng" algn="ctr">
-                      <a:solidFill>
-                        <a:srgbClr val="000000"/>
-                      </a:solidFill>
-                      <a:prstDash val="solid"/>
-                      <a:round/>
-                      <a:headEnd type="none" w="med" len="med"/>
-                      <a:tailEnd type="none" w="med" len="med"/>
-                    </a:lnL>
-                    <a:lnR w="6350" cap="flat" cmpd="sng" algn="ctr">
-                      <a:solidFill>
-                        <a:srgbClr val="000000"/>
-                      </a:solidFill>
-                      <a:prstDash val="solid"/>
-                      <a:round/>
-                      <a:headEnd type="none" w="med" len="med"/>
-                      <a:tailEnd type="none" w="med" len="med"/>
-                    </a:lnR>
-                    <a:lnT w="6350" cap="flat" cmpd="sng" algn="ctr">
-                      <a:solidFill>
-                        <a:srgbClr val="000000"/>
-                      </a:solidFill>
-                      <a:prstDash val="solid"/>
-                      <a:round/>
-                      <a:headEnd type="none" w="med" len="med"/>
-                      <a:tailEnd type="none" w="med" len="med"/>
-                    </a:lnT>
-                    <a:lnB w="6350" cap="flat" cmpd="sng" algn="ctr">
-                      <a:solidFill>
-                        <a:srgbClr val="000000"/>
-                      </a:solidFill>
-                      <a:prstDash val="solid"/>
-                      <a:round/>
-                      <a:headEnd type="none" w="med" len="med"/>
-                      <a:tailEnd type="none" w="med" len="med"/>
-                    </a:lnB>
-                    <a:solidFill>
-                      <a:srgbClr val="EBF1DE"/>
-                    </a:solidFill>
-                  </a:tcPr>
-                </a:tc>
-                <a:tc>
-                  <a:txBody>
-                    <a:bodyPr/>
-                    <a:lstStyle/>
-                    <a:p>
-                      <a:pPr algn="r" fontAlgn="b"/>
-                      <a:r>
-                        <a:rPr lang="en-US" sz="900" b="0" i="0" u="none" strike="noStrike">
-                          <a:solidFill>
-                            <a:srgbClr val="000000"/>
-                          </a:solidFill>
-                          <a:effectLst/>
-                          <a:latin typeface="Calibri"/>
-                        </a:rPr>
-                        <a:t>0.16</a:t>
-                      </a:r>
-                    </a:p>
-                  </a:txBody>
-                  <a:tcPr marL="9427" marR="9427" marT="9427" marB="0" anchor="b">
-                    <a:lnL w="6350" cap="flat" cmpd="sng" algn="ctr">
-                      <a:solidFill>
-                        <a:srgbClr val="000000"/>
-                      </a:solidFill>
-                      <a:prstDash val="solid"/>
-                      <a:round/>
-                      <a:headEnd type="none" w="med" len="med"/>
-                      <a:tailEnd type="none" w="med" len="med"/>
-                    </a:lnL>
-                    <a:lnR w="6350" cap="flat" cmpd="sng" algn="ctr">
-                      <a:solidFill>
-                        <a:srgbClr val="000000"/>
-                      </a:solidFill>
-                      <a:prstDash val="solid"/>
-                      <a:round/>
-                      <a:headEnd type="none" w="med" len="med"/>
-                      <a:tailEnd type="none" w="med" len="med"/>
-                    </a:lnR>
-                    <a:lnT w="6350" cap="flat" cmpd="sng" algn="ctr">
-                      <a:solidFill>
-                        <a:srgbClr val="000000"/>
-                      </a:solidFill>
-                      <a:prstDash val="solid"/>
-                      <a:round/>
-                      <a:headEnd type="none" w="med" len="med"/>
-                      <a:tailEnd type="none" w="med" len="med"/>
-                    </a:lnT>
-                    <a:lnB w="6350" cap="flat" cmpd="sng" algn="ctr">
-                      <a:solidFill>
-                        <a:srgbClr val="000000"/>
-                      </a:solidFill>
-                      <a:prstDash val="solid"/>
-                      <a:round/>
-                      <a:headEnd type="none" w="med" len="med"/>
-                      <a:tailEnd type="none" w="med" len="med"/>
-                    </a:lnB>
-                    <a:solidFill>
-                      <a:srgbClr val="EBF1DE"/>
-                    </a:solidFill>
-                  </a:tcPr>
-                </a:tc>
-                <a:extLst>
-                  <a:ext uri="{0D108BD9-81ED-4DB2-BD59-A6C34878D82A}">
-                    <a16:rowId xmlns:a16="http://schemas.microsoft.com/office/drawing/2014/main" val="10009"/>
-                  </a:ext>
-                </a:extLst>
-              </a:tr>
-              <a:tr h="145173">
-                <a:tc>
-                  <a:txBody>
-                    <a:bodyPr/>
-                    <a:lstStyle/>
-                    <a:p>
-                      <a:pPr algn="ctr" fontAlgn="b"/>
-                      <a:r>
-                        <a:rPr lang="en-US" sz="900" b="0" i="0" u="none" strike="noStrike">
-                          <a:solidFill>
-                            <a:srgbClr val="000000"/>
-                          </a:solidFill>
-                          <a:effectLst/>
-                          <a:latin typeface="Calibri"/>
-                        </a:rPr>
-                        <a:t>14.78</a:t>
-                      </a:r>
-                    </a:p>
-                  </a:txBody>
-                  <a:tcPr marL="9427" marR="9427" marT="9427" marB="0" anchor="b">
-                    <a:lnL>
-                      <a:noFill/>
-                    </a:lnL>
-                    <a:lnR>
-                      <a:noFill/>
-                    </a:lnR>
-                    <a:lnT>
-                      <a:noFill/>
-                    </a:lnT>
-                    <a:lnB>
-                      <a:noFill/>
-                    </a:lnB>
-                  </a:tcPr>
-                </a:tc>
-                <a:tc>
-                  <a:txBody>
-                    <a:bodyPr/>
-                    <a:lstStyle/>
-                    <a:p>
-                      <a:pPr algn="ctr" fontAlgn="b"/>
-                      <a:r>
-                        <a:rPr lang="en-US" sz="900" b="0" i="0" u="none" strike="noStrike">
-                          <a:solidFill>
-                            <a:srgbClr val="000000"/>
-                          </a:solidFill>
-                          <a:effectLst/>
-                          <a:latin typeface="Calibri"/>
-                        </a:rPr>
-                        <a:t>3.23</a:t>
-                      </a:r>
-                    </a:p>
-                  </a:txBody>
-                  <a:tcPr marL="9427" marR="9427" marT="9427" marB="0" anchor="b">
-                    <a:lnL>
-                      <a:noFill/>
-                    </a:lnL>
-                    <a:lnR>
-                      <a:noFill/>
-                    </a:lnR>
-                    <a:lnT>
-                      <a:noFill/>
-                    </a:lnT>
-                    <a:lnB>
-                      <a:noFill/>
-                    </a:lnB>
-                  </a:tcPr>
-                </a:tc>
-                <a:tc>
-                  <a:txBody>
-                    <a:bodyPr/>
-                    <a:lstStyle/>
-                    <a:p>
-                      <a:pPr algn="ctr" fontAlgn="b"/>
-                      <a:r>
-                        <a:rPr lang="en-US" sz="900" b="0" i="0" u="none" strike="noStrike">
-                          <a:solidFill>
-                            <a:srgbClr val="000000"/>
-                          </a:solidFill>
-                          <a:effectLst/>
-                          <a:latin typeface="Calibri"/>
-                        </a:rPr>
-                        <a:t>Male</a:t>
-                      </a:r>
-                    </a:p>
-                  </a:txBody>
-                  <a:tcPr marL="9427" marR="9427" marT="9427" marB="0" anchor="b">
-                    <a:lnL>
-                      <a:noFill/>
-                    </a:lnL>
-                    <a:lnR>
-                      <a:noFill/>
-                    </a:lnR>
-                    <a:lnT>
-                      <a:noFill/>
-                    </a:lnT>
-                    <a:lnB>
-                      <a:noFill/>
-                    </a:lnB>
-                  </a:tcPr>
-                </a:tc>
-                <a:tc>
-                  <a:txBody>
-                    <a:bodyPr/>
-                    <a:lstStyle/>
-                    <a:p>
-                      <a:pPr algn="ctr" fontAlgn="b"/>
-                      <a:r>
-                        <a:rPr lang="en-US" sz="900" b="0" i="0" u="none" strike="noStrike">
-                          <a:solidFill>
-                            <a:srgbClr val="000000"/>
-                          </a:solidFill>
-                          <a:effectLst/>
-                          <a:latin typeface="Calibri"/>
-                        </a:rPr>
-                        <a:t>Dinner</a:t>
-                      </a:r>
-                    </a:p>
-                  </a:txBody>
-                  <a:tcPr marL="9427" marR="9427" marT="9427" marB="0" anchor="b">
-                    <a:lnL>
-                      <a:noFill/>
-                    </a:lnL>
-                    <a:lnR w="6350" cap="flat" cmpd="sng" algn="ctr">
-                      <a:solidFill>
-                        <a:srgbClr val="000000"/>
-                      </a:solidFill>
-                      <a:prstDash val="solid"/>
-                      <a:round/>
-                      <a:headEnd type="none" w="med" len="med"/>
-                      <a:tailEnd type="none" w="med" len="med"/>
-                    </a:lnR>
-                    <a:lnT>
-                      <a:noFill/>
-                    </a:lnT>
-                    <a:lnB>
-                      <a:noFill/>
-                    </a:lnB>
-                  </a:tcPr>
-                </a:tc>
-                <a:tc>
-                  <a:txBody>
-                    <a:bodyPr/>
-                    <a:lstStyle/>
-                    <a:p>
-                      <a:pPr algn="ctr" fontAlgn="b"/>
-                      <a:r>
-                        <a:rPr lang="en-US" sz="900" b="0" i="0" u="none" strike="noStrike">
-                          <a:solidFill>
-                            <a:srgbClr val="000000"/>
-                          </a:solidFill>
-                          <a:effectLst/>
-                          <a:latin typeface="Calibri"/>
-                        </a:rPr>
-                        <a:t>0.22</a:t>
-                      </a:r>
-                    </a:p>
-                  </a:txBody>
-                  <a:tcPr marL="9427" marR="9427" marT="9427" marB="0" anchor="b">
-                    <a:lnL w="6350" cap="flat" cmpd="sng" algn="ctr">
-                      <a:solidFill>
-                        <a:srgbClr val="000000"/>
-                      </a:solidFill>
-                      <a:prstDash val="solid"/>
-                      <a:round/>
-                      <a:headEnd type="none" w="med" len="med"/>
-                      <a:tailEnd type="none" w="med" len="med"/>
-                    </a:lnL>
-                    <a:lnR w="6350" cap="flat" cmpd="sng" algn="ctr">
-                      <a:solidFill>
-                        <a:srgbClr val="000000"/>
-                      </a:solidFill>
-                      <a:prstDash val="solid"/>
-                      <a:round/>
-                      <a:headEnd type="none" w="med" len="med"/>
-                      <a:tailEnd type="none" w="med" len="med"/>
-                    </a:lnR>
-                    <a:lnT w="6350" cap="flat" cmpd="sng" algn="ctr">
-                      <a:solidFill>
-                        <a:srgbClr val="000000"/>
-                      </a:solidFill>
-                      <a:prstDash val="solid"/>
-                      <a:round/>
-                      <a:headEnd type="none" w="med" len="med"/>
-                      <a:tailEnd type="none" w="med" len="med"/>
-                    </a:lnT>
-                    <a:lnB w="6350" cap="flat" cmpd="sng" algn="ctr">
-                      <a:solidFill>
-                        <a:srgbClr val="000000"/>
-                      </a:solidFill>
-                      <a:prstDash val="solid"/>
-                      <a:round/>
-                      <a:headEnd type="none" w="med" len="med"/>
-                      <a:tailEnd type="none" w="med" len="med"/>
-                    </a:lnB>
-                    <a:solidFill>
-                      <a:srgbClr val="EBF1DE"/>
-                    </a:solidFill>
-                  </a:tcPr>
-                </a:tc>
-                <a:tc>
-                  <a:txBody>
-                    <a:bodyPr/>
-                    <a:lstStyle/>
-                    <a:p>
-                      <a:pPr algn="ctr" fontAlgn="b"/>
-                      <a:r>
-                        <a:rPr lang="en-US" sz="900" b="0" i="0" u="none" strike="noStrike">
-                          <a:solidFill>
-                            <a:srgbClr val="000000"/>
-                          </a:solidFill>
-                          <a:effectLst/>
-                          <a:latin typeface="Calibri"/>
-                        </a:rPr>
-                        <a:t>3.23</a:t>
-                      </a:r>
-                    </a:p>
-                  </a:txBody>
-                  <a:tcPr marL="9427" marR="9427" marT="9427" marB="0" anchor="b">
-                    <a:lnL w="6350" cap="flat" cmpd="sng" algn="ctr">
-                      <a:solidFill>
-                        <a:srgbClr val="000000"/>
-                      </a:solidFill>
-                      <a:prstDash val="solid"/>
-                      <a:round/>
-                      <a:headEnd type="none" w="med" len="med"/>
-                      <a:tailEnd type="none" w="med" len="med"/>
-                    </a:lnL>
-                    <a:lnR w="6350" cap="flat" cmpd="sng" algn="ctr">
-                      <a:solidFill>
-                        <a:srgbClr val="000000"/>
-                      </a:solidFill>
-                      <a:prstDash val="solid"/>
-                      <a:round/>
-                      <a:headEnd type="none" w="med" len="med"/>
-                      <a:tailEnd type="none" w="med" len="med"/>
-                    </a:lnR>
-                    <a:lnT w="6350" cap="flat" cmpd="sng" algn="ctr">
-                      <a:solidFill>
-                        <a:srgbClr val="000000"/>
-                      </a:solidFill>
-                      <a:prstDash val="solid"/>
-                      <a:round/>
-                      <a:headEnd type="none" w="med" len="med"/>
-                      <a:tailEnd type="none" w="med" len="med"/>
-                    </a:lnT>
-                    <a:lnB w="6350" cap="flat" cmpd="sng" algn="ctr">
-                      <a:solidFill>
-                        <a:srgbClr val="000000"/>
-                      </a:solidFill>
-                      <a:prstDash val="solid"/>
-                      <a:round/>
-                      <a:headEnd type="none" w="med" len="med"/>
-                      <a:tailEnd type="none" w="med" len="med"/>
-                    </a:lnB>
-                    <a:solidFill>
-                      <a:srgbClr val="EBF1DE"/>
-                    </a:solidFill>
-                  </a:tcPr>
-                </a:tc>
-                <a:tc>
-                  <a:txBody>
-                    <a:bodyPr/>
-                    <a:lstStyle/>
-                    <a:p>
-                      <a:pPr algn="ctr" fontAlgn="b"/>
-                      <a:r>
-                        <a:rPr lang="en-US" sz="900" b="0" i="0" u="none" strike="noStrike">
-                          <a:solidFill>
-                            <a:srgbClr val="000000"/>
-                          </a:solidFill>
-                          <a:effectLst/>
-                          <a:latin typeface="Calibri"/>
-                        </a:rPr>
-                        <a:t> </a:t>
-                      </a:r>
-                    </a:p>
-                  </a:txBody>
-                  <a:tcPr marL="9427" marR="9427" marT="9427" marB="0" anchor="b">
-                    <a:lnL w="6350" cap="flat" cmpd="sng" algn="ctr">
-                      <a:solidFill>
-                        <a:srgbClr val="000000"/>
-                      </a:solidFill>
-                      <a:prstDash val="solid"/>
-                      <a:round/>
-                      <a:headEnd type="none" w="med" len="med"/>
-                      <a:tailEnd type="none" w="med" len="med"/>
-                    </a:lnL>
-                    <a:lnR w="6350" cap="flat" cmpd="sng" algn="ctr">
-                      <a:solidFill>
-                        <a:srgbClr val="000000"/>
-                      </a:solidFill>
-                      <a:prstDash val="solid"/>
-                      <a:round/>
-                      <a:headEnd type="none" w="med" len="med"/>
-                      <a:tailEnd type="none" w="med" len="med"/>
-                    </a:lnR>
-                    <a:lnT w="6350" cap="flat" cmpd="sng" algn="ctr">
-                      <a:solidFill>
-                        <a:srgbClr val="000000"/>
-                      </a:solidFill>
-                      <a:prstDash val="solid"/>
-                      <a:round/>
-                      <a:headEnd type="none" w="med" len="med"/>
-                      <a:tailEnd type="none" w="med" len="med"/>
-                    </a:lnT>
-                    <a:lnB w="6350" cap="flat" cmpd="sng" algn="ctr">
-                      <a:solidFill>
-                        <a:srgbClr val="000000"/>
-                      </a:solidFill>
-                      <a:prstDash val="solid"/>
-                      <a:round/>
-                      <a:headEnd type="none" w="med" len="med"/>
-                      <a:tailEnd type="none" w="med" len="med"/>
-                    </a:lnB>
-                    <a:solidFill>
-                      <a:srgbClr val="EBF1DE"/>
-                    </a:solidFill>
-                  </a:tcPr>
-                </a:tc>
-                <a:tc>
-                  <a:txBody>
-                    <a:bodyPr/>
-                    <a:lstStyle/>
-                    <a:p>
-                      <a:pPr algn="ctr" fontAlgn="b"/>
-                      <a:r>
-                        <a:rPr lang="en-US" sz="900" b="0" i="0" u="none" strike="noStrike">
-                          <a:solidFill>
-                            <a:srgbClr val="000000"/>
-                          </a:solidFill>
-                          <a:effectLst/>
-                          <a:latin typeface="Calibri"/>
-                        </a:rPr>
-                        <a:t>0.22</a:t>
-                      </a:r>
-                    </a:p>
-                  </a:txBody>
-                  <a:tcPr marL="9427" marR="9427" marT="9427" marB="0" anchor="b">
-                    <a:lnL w="6350" cap="flat" cmpd="sng" algn="ctr">
-                      <a:solidFill>
-                        <a:srgbClr val="000000"/>
-                      </a:solidFill>
-                      <a:prstDash val="solid"/>
-                      <a:round/>
-                      <a:headEnd type="none" w="med" len="med"/>
-                      <a:tailEnd type="none" w="med" len="med"/>
-                    </a:lnL>
-                    <a:lnR w="6350" cap="flat" cmpd="sng" algn="ctr">
-                      <a:solidFill>
-                        <a:srgbClr val="000000"/>
-                      </a:solidFill>
-                      <a:prstDash val="solid"/>
-                      <a:round/>
-                      <a:headEnd type="none" w="med" len="med"/>
-                      <a:tailEnd type="none" w="med" len="med"/>
-                    </a:lnR>
-                    <a:lnT w="6350" cap="flat" cmpd="sng" algn="ctr">
-                      <a:solidFill>
-                        <a:srgbClr val="000000"/>
-                      </a:solidFill>
-                      <a:prstDash val="solid"/>
-                      <a:round/>
-                      <a:headEnd type="none" w="med" len="med"/>
-                      <a:tailEnd type="none" w="med" len="med"/>
-                    </a:lnT>
-                    <a:lnB w="6350" cap="flat" cmpd="sng" algn="ctr">
-                      <a:solidFill>
-                        <a:srgbClr val="000000"/>
-                      </a:solidFill>
-                      <a:prstDash val="solid"/>
-                      <a:round/>
-                      <a:headEnd type="none" w="med" len="med"/>
-                      <a:tailEnd type="none" w="med" len="med"/>
-                    </a:lnB>
-                    <a:solidFill>
-                      <a:srgbClr val="EBF1DE"/>
-                    </a:solidFill>
-                  </a:tcPr>
-                </a:tc>
-                <a:tc>
-                  <a:txBody>
-                    <a:bodyPr/>
-                    <a:lstStyle/>
-                    <a:p>
-                      <a:pPr algn="ctr" fontAlgn="b"/>
-                      <a:r>
-                        <a:rPr lang="en-US" sz="900" b="0" i="0" u="none" strike="noStrike">
-                          <a:solidFill>
-                            <a:srgbClr val="000000"/>
-                          </a:solidFill>
-                          <a:effectLst/>
-                          <a:latin typeface="Calibri"/>
-                        </a:rPr>
-                        <a:t> </a:t>
-                      </a:r>
-                    </a:p>
-                  </a:txBody>
-                  <a:tcPr marL="9427" marR="9427" marT="9427" marB="0" anchor="b">
-                    <a:lnL w="6350" cap="flat" cmpd="sng" algn="ctr">
-                      <a:solidFill>
-                        <a:srgbClr val="000000"/>
-                      </a:solidFill>
-                      <a:prstDash val="solid"/>
-                      <a:round/>
-                      <a:headEnd type="none" w="med" len="med"/>
-                      <a:tailEnd type="none" w="med" len="med"/>
-                    </a:lnL>
-                    <a:lnR w="6350" cap="flat" cmpd="sng" algn="ctr">
-                      <a:solidFill>
-                        <a:srgbClr val="000000"/>
-                      </a:solidFill>
-                      <a:prstDash val="solid"/>
-                      <a:round/>
-                      <a:headEnd type="none" w="med" len="med"/>
-                      <a:tailEnd type="none" w="med" len="med"/>
-                    </a:lnR>
-                    <a:lnT w="6350" cap="flat" cmpd="sng" algn="ctr">
-                      <a:solidFill>
-                        <a:srgbClr val="000000"/>
-                      </a:solidFill>
-                      <a:prstDash val="solid"/>
-                      <a:round/>
-                      <a:headEnd type="none" w="med" len="med"/>
-                      <a:tailEnd type="none" w="med" len="med"/>
-                    </a:lnT>
-                    <a:lnB w="6350" cap="flat" cmpd="sng" algn="ctr">
-                      <a:solidFill>
-                        <a:srgbClr val="000000"/>
-                      </a:solidFill>
-                      <a:prstDash val="solid"/>
-                      <a:round/>
-                      <a:headEnd type="none" w="med" len="med"/>
-                      <a:tailEnd type="none" w="med" len="med"/>
-                    </a:lnB>
-                    <a:solidFill>
-                      <a:srgbClr val="EBF1DE"/>
-                    </a:solidFill>
-                  </a:tcPr>
-                </a:tc>
-                <a:tc>
-                  <a:txBody>
-                    <a:bodyPr/>
-                    <a:lstStyle/>
-                    <a:p>
-                      <a:pPr algn="ctr" fontAlgn="b"/>
-                      <a:r>
-                        <a:rPr lang="en-US" sz="900" b="0" i="0" u="none" strike="noStrike">
-                          <a:solidFill>
-                            <a:srgbClr val="000000"/>
-                          </a:solidFill>
-                          <a:effectLst/>
-                          <a:latin typeface="Calibri"/>
-                        </a:rPr>
-                        <a:t> </a:t>
-                      </a:r>
-                    </a:p>
-                  </a:txBody>
-                  <a:tcPr marL="9427" marR="9427" marT="9427" marB="0" anchor="b">
-                    <a:lnL w="6350" cap="flat" cmpd="sng" algn="ctr">
-                      <a:solidFill>
-                        <a:srgbClr val="000000"/>
-                      </a:solidFill>
-                      <a:prstDash val="solid"/>
-                      <a:round/>
-                      <a:headEnd type="none" w="med" len="med"/>
-                      <a:tailEnd type="none" w="med" len="med"/>
-                    </a:lnL>
-                    <a:lnR>
-                      <a:noFill/>
-                    </a:lnR>
-                    <a:lnT>
-                      <a:noFill/>
-                    </a:lnT>
-                    <a:lnB>
-                      <a:noFill/>
-                    </a:lnB>
-                    <a:solidFill>
-                      <a:srgbClr val="FFFFFF"/>
-                    </a:solidFill>
-                  </a:tcPr>
-                </a:tc>
-                <a:tc>
-                  <a:txBody>
-                    <a:bodyPr/>
-                    <a:lstStyle/>
-                    <a:p>
-                      <a:pPr algn="l" fontAlgn="b"/>
-                      <a:endParaRPr lang="en-US" sz="900" b="0" i="0" u="none" strike="noStrike">
+                      <a:endParaRPr lang="en-US" sz="1200" b="0" i="0" u="none" strike="noStrike" dirty="0">
                         <a:solidFill>
                           <a:srgbClr val="000000"/>
                         </a:solidFill>
@@ -19273,14 +17977,8 @@
                     <a:lnR>
                       <a:noFill/>
                     </a:lnR>
-                    <a:lnT w="6350" cap="flat" cmpd="sng" algn="ctr">
-                      <a:solidFill>
-                        <a:srgbClr val="000000"/>
-                      </a:solidFill>
-                      <a:prstDash val="solid"/>
-                      <a:round/>
-                      <a:headEnd type="none" w="med" len="med"/>
-                      <a:tailEnd type="none" w="med" len="med"/>
+                    <a:lnT>
+                      <a:noFill/>
                     </a:lnT>
                     <a:lnB>
                       <a:noFill/>
@@ -19293,560 +17991,7 @@
                     <a:lstStyle/>
                     <a:p>
                       <a:pPr algn="l" fontAlgn="b"/>
-                      <a:endParaRPr lang="en-US" sz="900" b="0" i="0" u="none" strike="noStrike">
-                        <a:solidFill>
-                          <a:srgbClr val="000000"/>
-                        </a:solidFill>
-                        <a:effectLst/>
-                        <a:latin typeface="Calibri"/>
-                      </a:endParaRPr>
-                    </a:p>
-                  </a:txBody>
-                  <a:tcPr marL="9427" marR="9427" marT="9427" marB="0" anchor="b">
-                    <a:lnL>
-                      <a:noFill/>
-                    </a:lnL>
-                    <a:lnR>
-                      <a:noFill/>
-                    </a:lnR>
-                    <a:lnT w="6350" cap="flat" cmpd="sng" algn="ctr">
-                      <a:solidFill>
-                        <a:srgbClr val="000000"/>
-                      </a:solidFill>
-                      <a:prstDash val="solid"/>
-                      <a:round/>
-                      <a:headEnd type="none" w="med" len="med"/>
-                      <a:tailEnd type="none" w="med" len="med"/>
-                    </a:lnT>
-                    <a:lnB>
-                      <a:noFill/>
-                    </a:lnB>
-                  </a:tcPr>
-                </a:tc>
-                <a:extLst>
-                  <a:ext uri="{0D108BD9-81ED-4DB2-BD59-A6C34878D82A}">
-                    <a16:rowId xmlns:a16="http://schemas.microsoft.com/office/drawing/2014/main" val="10010"/>
-                  </a:ext>
-                </a:extLst>
-              </a:tr>
-              <a:tr h="145173">
-                <a:tc>
-                  <a:txBody>
-                    <a:bodyPr/>
-                    <a:lstStyle/>
-                    <a:p>
-                      <a:pPr algn="ctr" fontAlgn="b"/>
-                      <a:r>
-                        <a:rPr lang="en-US" sz="900" b="0" i="0" u="none" strike="noStrike">
-                          <a:solidFill>
-                            <a:srgbClr val="000000"/>
-                          </a:solidFill>
-                          <a:effectLst/>
-                          <a:latin typeface="Calibri"/>
-                        </a:rPr>
-                        <a:t>10.27</a:t>
-                      </a:r>
-                    </a:p>
-                  </a:txBody>
-                  <a:tcPr marL="9427" marR="9427" marT="9427" marB="0" anchor="b">
-                    <a:lnL>
-                      <a:noFill/>
-                    </a:lnL>
-                    <a:lnR>
-                      <a:noFill/>
-                    </a:lnR>
-                    <a:lnT>
-                      <a:noFill/>
-                    </a:lnT>
-                    <a:lnB>
-                      <a:noFill/>
-                    </a:lnB>
-                  </a:tcPr>
-                </a:tc>
-                <a:tc>
-                  <a:txBody>
-                    <a:bodyPr/>
-                    <a:lstStyle/>
-                    <a:p>
-                      <a:pPr algn="ctr" fontAlgn="b"/>
-                      <a:r>
-                        <a:rPr lang="en-US" sz="900" b="0" i="0" u="none" strike="noStrike">
-                          <a:solidFill>
-                            <a:srgbClr val="000000"/>
-                          </a:solidFill>
-                          <a:effectLst/>
-                          <a:latin typeface="Calibri"/>
-                        </a:rPr>
-                        <a:t>1.71</a:t>
-                      </a:r>
-                    </a:p>
-                  </a:txBody>
-                  <a:tcPr marL="9427" marR="9427" marT="9427" marB="0" anchor="b">
-                    <a:lnL>
-                      <a:noFill/>
-                    </a:lnL>
-                    <a:lnR>
-                      <a:noFill/>
-                    </a:lnR>
-                    <a:lnT>
-                      <a:noFill/>
-                    </a:lnT>
-                    <a:lnB>
-                      <a:noFill/>
-                    </a:lnB>
-                  </a:tcPr>
-                </a:tc>
-                <a:tc>
-                  <a:txBody>
-                    <a:bodyPr/>
-                    <a:lstStyle/>
-                    <a:p>
-                      <a:pPr algn="ctr" fontAlgn="b"/>
-                      <a:r>
-                        <a:rPr lang="en-US" sz="900" b="0" i="0" u="none" strike="noStrike">
-                          <a:solidFill>
-                            <a:srgbClr val="000000"/>
-                          </a:solidFill>
-                          <a:effectLst/>
-                          <a:latin typeface="Calibri"/>
-                        </a:rPr>
-                        <a:t>Male</a:t>
-                      </a:r>
-                    </a:p>
-                  </a:txBody>
-                  <a:tcPr marL="9427" marR="9427" marT="9427" marB="0" anchor="b">
-                    <a:lnL>
-                      <a:noFill/>
-                    </a:lnL>
-                    <a:lnR>
-                      <a:noFill/>
-                    </a:lnR>
-                    <a:lnT>
-                      <a:noFill/>
-                    </a:lnT>
-                    <a:lnB>
-                      <a:noFill/>
-                    </a:lnB>
-                  </a:tcPr>
-                </a:tc>
-                <a:tc>
-                  <a:txBody>
-                    <a:bodyPr/>
-                    <a:lstStyle/>
-                    <a:p>
-                      <a:pPr algn="ctr" fontAlgn="b"/>
-                      <a:r>
-                        <a:rPr lang="en-US" sz="900" b="0" i="0" u="none" strike="noStrike">
-                          <a:solidFill>
-                            <a:srgbClr val="000000"/>
-                          </a:solidFill>
-                          <a:effectLst/>
-                          <a:latin typeface="Calibri"/>
-                        </a:rPr>
-                        <a:t>Dinner</a:t>
-                      </a:r>
-                    </a:p>
-                  </a:txBody>
-                  <a:tcPr marL="9427" marR="9427" marT="9427" marB="0" anchor="b">
-                    <a:lnL>
-                      <a:noFill/>
-                    </a:lnL>
-                    <a:lnR w="6350" cap="flat" cmpd="sng" algn="ctr">
-                      <a:solidFill>
-                        <a:srgbClr val="000000"/>
-                      </a:solidFill>
-                      <a:prstDash val="solid"/>
-                      <a:round/>
-                      <a:headEnd type="none" w="med" len="med"/>
-                      <a:tailEnd type="none" w="med" len="med"/>
-                    </a:lnR>
-                    <a:lnT>
-                      <a:noFill/>
-                    </a:lnT>
-                    <a:lnB>
-                      <a:noFill/>
-                    </a:lnB>
-                  </a:tcPr>
-                </a:tc>
-                <a:tc>
-                  <a:txBody>
-                    <a:bodyPr/>
-                    <a:lstStyle/>
-                    <a:p>
-                      <a:pPr algn="ctr" fontAlgn="b"/>
-                      <a:r>
-                        <a:rPr lang="en-US" sz="900" b="0" i="0" u="none" strike="noStrike">
-                          <a:solidFill>
-                            <a:srgbClr val="000000"/>
-                          </a:solidFill>
-                          <a:effectLst/>
-                          <a:latin typeface="Calibri"/>
-                        </a:rPr>
-                        <a:t>0.17</a:t>
-                      </a:r>
-                    </a:p>
-                  </a:txBody>
-                  <a:tcPr marL="9427" marR="9427" marT="9427" marB="0" anchor="b">
-                    <a:lnL w="6350" cap="flat" cmpd="sng" algn="ctr">
-                      <a:solidFill>
-                        <a:srgbClr val="000000"/>
-                      </a:solidFill>
-                      <a:prstDash val="solid"/>
-                      <a:round/>
-                      <a:headEnd type="none" w="med" len="med"/>
-                      <a:tailEnd type="none" w="med" len="med"/>
-                    </a:lnL>
-                    <a:lnR w="6350" cap="flat" cmpd="sng" algn="ctr">
-                      <a:solidFill>
-                        <a:srgbClr val="000000"/>
-                      </a:solidFill>
-                      <a:prstDash val="solid"/>
-                      <a:round/>
-                      <a:headEnd type="none" w="med" len="med"/>
-                      <a:tailEnd type="none" w="med" len="med"/>
-                    </a:lnR>
-                    <a:lnT w="6350" cap="flat" cmpd="sng" algn="ctr">
-                      <a:solidFill>
-                        <a:srgbClr val="000000"/>
-                      </a:solidFill>
-                      <a:prstDash val="solid"/>
-                      <a:round/>
-                      <a:headEnd type="none" w="med" len="med"/>
-                      <a:tailEnd type="none" w="med" len="med"/>
-                    </a:lnT>
-                    <a:lnB w="6350" cap="flat" cmpd="sng" algn="ctr">
-                      <a:solidFill>
-                        <a:srgbClr val="000000"/>
-                      </a:solidFill>
-                      <a:prstDash val="solid"/>
-                      <a:round/>
-                      <a:headEnd type="none" w="med" len="med"/>
-                      <a:tailEnd type="none" w="med" len="med"/>
-                    </a:lnB>
-                    <a:solidFill>
-                      <a:srgbClr val="EBF1DE"/>
-                    </a:solidFill>
-                  </a:tcPr>
-                </a:tc>
-                <a:tc>
-                  <a:txBody>
-                    <a:bodyPr/>
-                    <a:lstStyle/>
-                    <a:p>
-                      <a:pPr algn="ctr" fontAlgn="b"/>
-                      <a:r>
-                        <a:rPr lang="en-US" sz="900" b="0" i="0" u="none" strike="noStrike">
-                          <a:solidFill>
-                            <a:srgbClr val="000000"/>
-                          </a:solidFill>
-                          <a:effectLst/>
-                          <a:latin typeface="Calibri"/>
-                        </a:rPr>
-                        <a:t>1.71</a:t>
-                      </a:r>
-                    </a:p>
-                  </a:txBody>
-                  <a:tcPr marL="9427" marR="9427" marT="9427" marB="0" anchor="b">
-                    <a:lnL w="6350" cap="flat" cmpd="sng" algn="ctr">
-                      <a:solidFill>
-                        <a:srgbClr val="000000"/>
-                      </a:solidFill>
-                      <a:prstDash val="solid"/>
-                      <a:round/>
-                      <a:headEnd type="none" w="med" len="med"/>
-                      <a:tailEnd type="none" w="med" len="med"/>
-                    </a:lnL>
-                    <a:lnR w="6350" cap="flat" cmpd="sng" algn="ctr">
-                      <a:solidFill>
-                        <a:srgbClr val="000000"/>
-                      </a:solidFill>
-                      <a:prstDash val="solid"/>
-                      <a:round/>
-                      <a:headEnd type="none" w="med" len="med"/>
-                      <a:tailEnd type="none" w="med" len="med"/>
-                    </a:lnR>
-                    <a:lnT w="6350" cap="flat" cmpd="sng" algn="ctr">
-                      <a:solidFill>
-                        <a:srgbClr val="000000"/>
-                      </a:solidFill>
-                      <a:prstDash val="solid"/>
-                      <a:round/>
-                      <a:headEnd type="none" w="med" len="med"/>
-                      <a:tailEnd type="none" w="med" len="med"/>
-                    </a:lnT>
-                    <a:lnB w="6350" cap="flat" cmpd="sng" algn="ctr">
-                      <a:solidFill>
-                        <a:srgbClr val="000000"/>
-                      </a:solidFill>
-                      <a:prstDash val="solid"/>
-                      <a:round/>
-                      <a:headEnd type="none" w="med" len="med"/>
-                      <a:tailEnd type="none" w="med" len="med"/>
-                    </a:lnB>
-                    <a:solidFill>
-                      <a:srgbClr val="EBF1DE"/>
-                    </a:solidFill>
-                  </a:tcPr>
-                </a:tc>
-                <a:tc>
-                  <a:txBody>
-                    <a:bodyPr/>
-                    <a:lstStyle/>
-                    <a:p>
-                      <a:pPr algn="ctr" fontAlgn="b"/>
-                      <a:r>
-                        <a:rPr lang="en-US" sz="900" b="0" i="0" u="none" strike="noStrike">
-                          <a:solidFill>
-                            <a:srgbClr val="000000"/>
-                          </a:solidFill>
-                          <a:effectLst/>
-                          <a:latin typeface="Calibri"/>
-                        </a:rPr>
-                        <a:t> </a:t>
-                      </a:r>
-                    </a:p>
-                  </a:txBody>
-                  <a:tcPr marL="9427" marR="9427" marT="9427" marB="0" anchor="b">
-                    <a:lnL w="6350" cap="flat" cmpd="sng" algn="ctr">
-                      <a:solidFill>
-                        <a:srgbClr val="000000"/>
-                      </a:solidFill>
-                      <a:prstDash val="solid"/>
-                      <a:round/>
-                      <a:headEnd type="none" w="med" len="med"/>
-                      <a:tailEnd type="none" w="med" len="med"/>
-                    </a:lnL>
-                    <a:lnR w="6350" cap="flat" cmpd="sng" algn="ctr">
-                      <a:solidFill>
-                        <a:srgbClr val="000000"/>
-                      </a:solidFill>
-                      <a:prstDash val="solid"/>
-                      <a:round/>
-                      <a:headEnd type="none" w="med" len="med"/>
-                      <a:tailEnd type="none" w="med" len="med"/>
-                    </a:lnR>
-                    <a:lnT w="6350" cap="flat" cmpd="sng" algn="ctr">
-                      <a:solidFill>
-                        <a:srgbClr val="000000"/>
-                      </a:solidFill>
-                      <a:prstDash val="solid"/>
-                      <a:round/>
-                      <a:headEnd type="none" w="med" len="med"/>
-                      <a:tailEnd type="none" w="med" len="med"/>
-                    </a:lnT>
-                    <a:lnB w="6350" cap="flat" cmpd="sng" algn="ctr">
-                      <a:solidFill>
-                        <a:srgbClr val="000000"/>
-                      </a:solidFill>
-                      <a:prstDash val="solid"/>
-                      <a:round/>
-                      <a:headEnd type="none" w="med" len="med"/>
-                      <a:tailEnd type="none" w="med" len="med"/>
-                    </a:lnB>
-                    <a:solidFill>
-                      <a:srgbClr val="EBF1DE"/>
-                    </a:solidFill>
-                  </a:tcPr>
-                </a:tc>
-                <a:tc>
-                  <a:txBody>
-                    <a:bodyPr/>
-                    <a:lstStyle/>
-                    <a:p>
-                      <a:pPr algn="ctr" fontAlgn="b"/>
-                      <a:r>
-                        <a:rPr lang="en-US" sz="900" b="0" i="0" u="none" strike="noStrike">
-                          <a:solidFill>
-                            <a:srgbClr val="000000"/>
-                          </a:solidFill>
-                          <a:effectLst/>
-                          <a:latin typeface="Calibri"/>
-                        </a:rPr>
-                        <a:t>0.17</a:t>
-                      </a:r>
-                    </a:p>
-                  </a:txBody>
-                  <a:tcPr marL="9427" marR="9427" marT="9427" marB="0" anchor="b">
-                    <a:lnL w="6350" cap="flat" cmpd="sng" algn="ctr">
-                      <a:solidFill>
-                        <a:srgbClr val="000000"/>
-                      </a:solidFill>
-                      <a:prstDash val="solid"/>
-                      <a:round/>
-                      <a:headEnd type="none" w="med" len="med"/>
-                      <a:tailEnd type="none" w="med" len="med"/>
-                    </a:lnL>
-                    <a:lnR w="6350" cap="flat" cmpd="sng" algn="ctr">
-                      <a:solidFill>
-                        <a:srgbClr val="000000"/>
-                      </a:solidFill>
-                      <a:prstDash val="solid"/>
-                      <a:round/>
-                      <a:headEnd type="none" w="med" len="med"/>
-                      <a:tailEnd type="none" w="med" len="med"/>
-                    </a:lnR>
-                    <a:lnT w="6350" cap="flat" cmpd="sng" algn="ctr">
-                      <a:solidFill>
-                        <a:srgbClr val="000000"/>
-                      </a:solidFill>
-                      <a:prstDash val="solid"/>
-                      <a:round/>
-                      <a:headEnd type="none" w="med" len="med"/>
-                      <a:tailEnd type="none" w="med" len="med"/>
-                    </a:lnT>
-                    <a:lnB w="6350" cap="flat" cmpd="sng" algn="ctr">
-                      <a:solidFill>
-                        <a:srgbClr val="000000"/>
-                      </a:solidFill>
-                      <a:prstDash val="solid"/>
-                      <a:round/>
-                      <a:headEnd type="none" w="med" len="med"/>
-                      <a:tailEnd type="none" w="med" len="med"/>
-                    </a:lnB>
-                    <a:solidFill>
-                      <a:srgbClr val="EBF1DE"/>
-                    </a:solidFill>
-                  </a:tcPr>
-                </a:tc>
-                <a:tc>
-                  <a:txBody>
-                    <a:bodyPr/>
-                    <a:lstStyle/>
-                    <a:p>
-                      <a:pPr algn="ctr" fontAlgn="b"/>
-                      <a:r>
-                        <a:rPr lang="en-US" sz="900" b="0" i="0" u="none" strike="noStrike">
-                          <a:solidFill>
-                            <a:srgbClr val="000000"/>
-                          </a:solidFill>
-                          <a:effectLst/>
-                          <a:latin typeface="Calibri"/>
-                        </a:rPr>
-                        <a:t> </a:t>
-                      </a:r>
-                    </a:p>
-                  </a:txBody>
-                  <a:tcPr marL="9427" marR="9427" marT="9427" marB="0" anchor="b">
-                    <a:lnL w="6350" cap="flat" cmpd="sng" algn="ctr">
-                      <a:solidFill>
-                        <a:srgbClr val="000000"/>
-                      </a:solidFill>
-                      <a:prstDash val="solid"/>
-                      <a:round/>
-                      <a:headEnd type="none" w="med" len="med"/>
-                      <a:tailEnd type="none" w="med" len="med"/>
-                    </a:lnL>
-                    <a:lnR w="6350" cap="flat" cmpd="sng" algn="ctr">
-                      <a:solidFill>
-                        <a:srgbClr val="000000"/>
-                      </a:solidFill>
-                      <a:prstDash val="solid"/>
-                      <a:round/>
-                      <a:headEnd type="none" w="med" len="med"/>
-                      <a:tailEnd type="none" w="med" len="med"/>
-                    </a:lnR>
-                    <a:lnT w="6350" cap="flat" cmpd="sng" algn="ctr">
-                      <a:solidFill>
-                        <a:srgbClr val="000000"/>
-                      </a:solidFill>
-                      <a:prstDash val="solid"/>
-                      <a:round/>
-                      <a:headEnd type="none" w="med" len="med"/>
-                      <a:tailEnd type="none" w="med" len="med"/>
-                    </a:lnT>
-                    <a:lnB w="6350" cap="flat" cmpd="sng" algn="ctr">
-                      <a:solidFill>
-                        <a:srgbClr val="000000"/>
-                      </a:solidFill>
-                      <a:prstDash val="solid"/>
-                      <a:round/>
-                      <a:headEnd type="none" w="med" len="med"/>
-                      <a:tailEnd type="none" w="med" len="med"/>
-                    </a:lnB>
-                    <a:solidFill>
-                      <a:srgbClr val="EBF1DE"/>
-                    </a:solidFill>
-                  </a:tcPr>
-                </a:tc>
-                <a:tc>
-                  <a:txBody>
-                    <a:bodyPr/>
-                    <a:lstStyle/>
-                    <a:p>
-                      <a:pPr algn="ctr" fontAlgn="b"/>
-                      <a:r>
-                        <a:rPr lang="en-US" sz="900" b="0" i="0" u="none" strike="noStrike">
-                          <a:solidFill>
-                            <a:srgbClr val="000000"/>
-                          </a:solidFill>
-                          <a:effectLst/>
-                          <a:latin typeface="Calibri"/>
-                        </a:rPr>
-                        <a:t> </a:t>
-                      </a:r>
-                    </a:p>
-                  </a:txBody>
-                  <a:tcPr marL="9427" marR="9427" marT="9427" marB="0" anchor="b">
-                    <a:lnL w="6350" cap="flat" cmpd="sng" algn="ctr">
-                      <a:solidFill>
-                        <a:srgbClr val="000000"/>
-                      </a:solidFill>
-                      <a:prstDash val="solid"/>
-                      <a:round/>
-                      <a:headEnd type="none" w="med" len="med"/>
-                      <a:tailEnd type="none" w="med" len="med"/>
-                    </a:lnL>
-                    <a:lnR>
-                      <a:noFill/>
-                    </a:lnR>
-                    <a:lnT>
-                      <a:noFill/>
-                    </a:lnT>
-                    <a:lnB>
-                      <a:noFill/>
-                    </a:lnB>
-                    <a:solidFill>
-                      <a:srgbClr val="FFFFFF"/>
-                    </a:solidFill>
-                  </a:tcPr>
-                </a:tc>
-                <a:tc>
-                  <a:txBody>
-                    <a:bodyPr/>
-                    <a:lstStyle/>
-                    <a:p>
-                      <a:pPr algn="l" fontAlgn="b"/>
-                      <a:endParaRPr lang="en-US" sz="900" b="0" i="0" u="none" strike="noStrike">
-                        <a:solidFill>
-                          <a:srgbClr val="000000"/>
-                        </a:solidFill>
-                        <a:effectLst/>
-                        <a:latin typeface="Calibri"/>
-                      </a:endParaRPr>
-                    </a:p>
-                  </a:txBody>
-                  <a:tcPr marL="9427" marR="9427" marT="9427" marB="0" anchor="b">
-                    <a:lnL>
-                      <a:noFill/>
-                    </a:lnL>
-                    <a:lnR>
-                      <a:noFill/>
-                    </a:lnR>
-                    <a:lnT>
-                      <a:noFill/>
-                    </a:lnT>
-                    <a:lnB>
-                      <a:noFill/>
-                    </a:lnB>
-                  </a:tcPr>
-                </a:tc>
-                <a:tc>
-                  <a:txBody>
-                    <a:bodyPr/>
-                    <a:lstStyle/>
-                    <a:p>
-                      <a:pPr algn="l" fontAlgn="b"/>
-                      <a:endParaRPr lang="en-US" sz="900" b="0" i="0" u="none" strike="noStrike" dirty="0">
+                      <a:endParaRPr lang="en-US" sz="1200" b="0" i="0" u="none" strike="noStrike" dirty="0">
                         <a:solidFill>
                           <a:srgbClr val="000000"/>
                         </a:solidFill>
